--- a/Power BI Assignment/Business Intelligence_Power BI Assignment Report.pptx
+++ b/Power BI Assignment/Business Intelligence_Power BI Assignment Report.pptx
@@ -5,10 +5,10 @@
     <p:sldMasterId id="2147483876" r:id="rId4"/>
   </p:sldMasterIdLst>
   <p:notesMasterIdLst>
-    <p:notesMasterId r:id="rId24"/>
+    <p:notesMasterId r:id="rId28"/>
   </p:notesMasterIdLst>
   <p:handoutMasterIdLst>
-    <p:handoutMasterId r:id="rId25"/>
+    <p:handoutMasterId r:id="rId29"/>
   </p:handoutMasterIdLst>
   <p:sldIdLst>
     <p:sldId id="256" r:id="rId5"/>
@@ -25,11 +25,15 @@
     <p:sldId id="271" r:id="rId16"/>
     <p:sldId id="272" r:id="rId17"/>
     <p:sldId id="273" r:id="rId18"/>
-    <p:sldId id="274" r:id="rId19"/>
-    <p:sldId id="257" r:id="rId20"/>
-    <p:sldId id="258" r:id="rId21"/>
-    <p:sldId id="259" r:id="rId22"/>
-    <p:sldId id="260" r:id="rId23"/>
+    <p:sldId id="279" r:id="rId19"/>
+    <p:sldId id="275" r:id="rId20"/>
+    <p:sldId id="276" r:id="rId21"/>
+    <p:sldId id="277" r:id="rId22"/>
+    <p:sldId id="278" r:id="rId23"/>
+    <p:sldId id="257" r:id="rId24"/>
+    <p:sldId id="258" r:id="rId25"/>
+    <p:sldId id="259" r:id="rId26"/>
+    <p:sldId id="260" r:id="rId27"/>
   </p:sldIdLst>
   <p:sldSz cx="12192000" cy="6858000"/>
   <p:notesSz cx="6858000" cy="9144000"/>
@@ -1838,6 +1842,790 @@
 </file>
 
 <file path=ppt/diagrams/colors2.xml><?xml version="1.0" encoding="utf-8"?>
+<dgm:colorsDef xmlns:dgm="http://schemas.openxmlformats.org/drawingml/2006/diagram" xmlns:a="http://schemas.openxmlformats.org/drawingml/2006/main" uniqueId="urn:microsoft.com/office/officeart/2018/5/colors/Iconchunking_neutralicon_colorful5">
+  <dgm:title val=""/>
+  <dgm:desc val=""/>
+  <dgm:catLst>
+    <dgm:cat type="colorful" pri="10500"/>
+  </dgm:catLst>
+  <dgm:styleLbl name="node0">
+    <dgm:fillClrLst meth="repeat">
+      <a:schemeClr val="accent4"/>
+    </dgm:fillClrLst>
+    <dgm:linClrLst meth="repeat">
+      <a:schemeClr val="lt1"/>
+    </dgm:linClrLst>
+    <dgm:effectClrLst/>
+    <dgm:txLinClrLst/>
+    <dgm:txFillClrLst/>
+    <dgm:txEffectClrLst/>
+  </dgm:styleLbl>
+  <dgm:styleLbl name="node1">
+    <dgm:fillClrLst meth="repeat">
+      <a:schemeClr val="bg1"/>
+    </dgm:fillClrLst>
+    <dgm:linClrLst meth="repeat">
+      <a:schemeClr val="lt1">
+        <a:alpha val="0"/>
+      </a:schemeClr>
+    </dgm:linClrLst>
+    <dgm:effectClrLst/>
+    <dgm:txLinClrLst/>
+    <dgm:txFillClrLst meth="repeat">
+      <a:schemeClr val="dk1"/>
+    </dgm:txFillClrLst>
+    <dgm:txEffectClrLst/>
+  </dgm:styleLbl>
+  <dgm:styleLbl name="alignNode1">
+    <dgm:fillClrLst>
+      <a:schemeClr val="accent5"/>
+      <a:schemeClr val="accent6"/>
+    </dgm:fillClrLst>
+    <dgm:linClrLst>
+      <a:schemeClr val="accent5"/>
+      <a:schemeClr val="accent6"/>
+    </dgm:linClrLst>
+    <dgm:effectClrLst/>
+    <dgm:txLinClrLst/>
+    <dgm:txFillClrLst/>
+    <dgm:txEffectClrLst/>
+  </dgm:styleLbl>
+  <dgm:styleLbl name="lnNode1">
+    <dgm:fillClrLst>
+      <a:schemeClr val="accent5"/>
+      <a:schemeClr val="accent6"/>
+    </dgm:fillClrLst>
+    <dgm:linClrLst meth="repeat">
+      <a:schemeClr val="lt1"/>
+    </dgm:linClrLst>
+    <dgm:effectClrLst/>
+    <dgm:txLinClrLst/>
+    <dgm:txFillClrLst/>
+    <dgm:txEffectClrLst/>
+  </dgm:styleLbl>
+  <dgm:styleLbl name="vennNode1">
+    <dgm:fillClrLst>
+      <a:schemeClr val="accent5">
+        <a:alpha val="50000"/>
+      </a:schemeClr>
+      <a:schemeClr val="accent6">
+        <a:alpha val="50000"/>
+      </a:schemeClr>
+    </dgm:fillClrLst>
+    <dgm:linClrLst meth="repeat">
+      <a:schemeClr val="lt1"/>
+    </dgm:linClrLst>
+    <dgm:effectClrLst/>
+    <dgm:txLinClrLst/>
+    <dgm:txFillClrLst/>
+    <dgm:txEffectClrLst/>
+  </dgm:styleLbl>
+  <dgm:styleLbl name="node2">
+    <dgm:fillClrLst>
+      <a:schemeClr val="accent6"/>
+    </dgm:fillClrLst>
+    <dgm:linClrLst meth="repeat">
+      <a:schemeClr val="lt1"/>
+    </dgm:linClrLst>
+    <dgm:effectClrLst/>
+    <dgm:txLinClrLst/>
+    <dgm:txFillClrLst/>
+    <dgm:txEffectClrLst/>
+  </dgm:styleLbl>
+  <dgm:styleLbl name="node3">
+    <dgm:fillClrLst>
+      <a:schemeClr val="accent1"/>
+    </dgm:fillClrLst>
+    <dgm:linClrLst meth="repeat">
+      <a:schemeClr val="lt1"/>
+    </dgm:linClrLst>
+    <dgm:effectClrLst/>
+    <dgm:txLinClrLst/>
+    <dgm:txFillClrLst/>
+    <dgm:txEffectClrLst/>
+  </dgm:styleLbl>
+  <dgm:styleLbl name="node4">
+    <dgm:fillClrLst>
+      <a:schemeClr val="accent2"/>
+    </dgm:fillClrLst>
+    <dgm:linClrLst meth="repeat">
+      <a:schemeClr val="lt1"/>
+    </dgm:linClrLst>
+    <dgm:effectClrLst/>
+    <dgm:txLinClrLst/>
+    <dgm:txFillClrLst/>
+    <dgm:txEffectClrLst/>
+  </dgm:styleLbl>
+  <dgm:styleLbl name="fgImgPlace1">
+    <dgm:fillClrLst>
+      <a:schemeClr val="accent5">
+        <a:tint val="50000"/>
+      </a:schemeClr>
+      <a:schemeClr val="accent6">
+        <a:tint val="50000"/>
+      </a:schemeClr>
+    </dgm:fillClrLst>
+    <dgm:linClrLst meth="repeat">
+      <a:schemeClr val="lt1"/>
+    </dgm:linClrLst>
+    <dgm:effectClrLst/>
+    <dgm:txLinClrLst/>
+    <dgm:txFillClrLst meth="repeat">
+      <a:schemeClr val="lt1"/>
+    </dgm:txFillClrLst>
+    <dgm:txEffectClrLst/>
+  </dgm:styleLbl>
+  <dgm:styleLbl name="alignImgPlace1">
+    <dgm:fillClrLst>
+      <a:schemeClr val="accent5">
+        <a:tint val="50000"/>
+      </a:schemeClr>
+      <a:schemeClr val="accent6">
+        <a:tint val="20000"/>
+      </a:schemeClr>
+    </dgm:fillClrLst>
+    <dgm:linClrLst meth="repeat">
+      <a:schemeClr val="lt1"/>
+    </dgm:linClrLst>
+    <dgm:effectClrLst/>
+    <dgm:txLinClrLst/>
+    <dgm:txFillClrLst meth="repeat">
+      <a:schemeClr val="lt1"/>
+    </dgm:txFillClrLst>
+    <dgm:txEffectClrLst/>
+  </dgm:styleLbl>
+  <dgm:styleLbl name="bgImgPlace1">
+    <dgm:fillClrLst>
+      <a:schemeClr val="accent5">
+        <a:tint val="50000"/>
+      </a:schemeClr>
+      <a:schemeClr val="accent6">
+        <a:tint val="20000"/>
+      </a:schemeClr>
+    </dgm:fillClrLst>
+    <dgm:linClrLst meth="repeat">
+      <a:schemeClr val="lt1"/>
+    </dgm:linClrLst>
+    <dgm:effectClrLst/>
+    <dgm:txLinClrLst/>
+    <dgm:txFillClrLst meth="repeat">
+      <a:schemeClr val="lt1"/>
+    </dgm:txFillClrLst>
+    <dgm:txEffectClrLst/>
+  </dgm:styleLbl>
+  <dgm:styleLbl name="sibTrans2D1">
+    <dgm:fillClrLst>
+      <a:schemeClr val="accent5"/>
+      <a:schemeClr val="accent6"/>
+    </dgm:fillClrLst>
+    <dgm:linClrLst meth="repeat">
+      <a:schemeClr val="lt1"/>
+    </dgm:linClrLst>
+    <dgm:effectClrLst/>
+    <dgm:txLinClrLst/>
+    <dgm:txFillClrLst/>
+    <dgm:txEffectClrLst/>
+  </dgm:styleLbl>
+  <dgm:styleLbl name="fgSibTrans2D1">
+    <dgm:fillClrLst>
+      <a:schemeClr val="accent5"/>
+      <a:schemeClr val="accent6"/>
+    </dgm:fillClrLst>
+    <dgm:linClrLst meth="repeat">
+      <a:schemeClr val="lt1"/>
+    </dgm:linClrLst>
+    <dgm:effectClrLst/>
+    <dgm:txLinClrLst/>
+    <dgm:txFillClrLst meth="repeat">
+      <a:schemeClr val="lt1"/>
+    </dgm:txFillClrLst>
+    <dgm:txEffectClrLst/>
+  </dgm:styleLbl>
+  <dgm:styleLbl name="bgSibTrans2D1">
+    <dgm:fillClrLst>
+      <a:schemeClr val="accent5"/>
+      <a:schemeClr val="accent6"/>
+    </dgm:fillClrLst>
+    <dgm:linClrLst meth="repeat">
+      <a:schemeClr val="lt1"/>
+    </dgm:linClrLst>
+    <dgm:effectClrLst/>
+    <dgm:txLinClrLst/>
+    <dgm:txFillClrLst meth="repeat">
+      <a:schemeClr val="lt1"/>
+    </dgm:txFillClrLst>
+    <dgm:txEffectClrLst/>
+  </dgm:styleLbl>
+  <dgm:styleLbl name="sibTrans1D1">
+    <dgm:fillClrLst/>
+    <dgm:linClrLst>
+      <a:schemeClr val="accent5"/>
+      <a:schemeClr val="accent6"/>
+    </dgm:linClrLst>
+    <dgm:effectClrLst/>
+    <dgm:txLinClrLst/>
+    <dgm:txFillClrLst meth="repeat">
+      <a:schemeClr val="tx1"/>
+    </dgm:txFillClrLst>
+    <dgm:txEffectClrLst/>
+  </dgm:styleLbl>
+  <dgm:styleLbl name="callout">
+    <dgm:fillClrLst meth="repeat">
+      <a:schemeClr val="accent5"/>
+    </dgm:fillClrLst>
+    <dgm:linClrLst meth="repeat">
+      <a:schemeClr val="accent5">
+        <a:tint val="50000"/>
+      </a:schemeClr>
+    </dgm:linClrLst>
+    <dgm:effectClrLst/>
+    <dgm:txLinClrLst/>
+    <dgm:txFillClrLst meth="repeat">
+      <a:schemeClr val="tx1"/>
+    </dgm:txFillClrLst>
+    <dgm:txEffectClrLst/>
+  </dgm:styleLbl>
+  <dgm:styleLbl name="asst0">
+    <dgm:fillClrLst meth="repeat">
+      <a:schemeClr val="accent5"/>
+    </dgm:fillClrLst>
+    <dgm:linClrLst meth="repeat">
+      <a:schemeClr val="lt1">
+        <a:shade val="80000"/>
+      </a:schemeClr>
+    </dgm:linClrLst>
+    <dgm:effectClrLst/>
+    <dgm:txLinClrLst/>
+    <dgm:txFillClrLst/>
+    <dgm:txEffectClrLst/>
+  </dgm:styleLbl>
+  <dgm:styleLbl name="asst1">
+    <dgm:fillClrLst meth="repeat">
+      <a:schemeClr val="accent6"/>
+    </dgm:fillClrLst>
+    <dgm:linClrLst meth="repeat">
+      <a:schemeClr val="lt1">
+        <a:shade val="80000"/>
+      </a:schemeClr>
+    </dgm:linClrLst>
+    <dgm:effectClrLst/>
+    <dgm:txLinClrLst/>
+    <dgm:txFillClrLst/>
+    <dgm:txEffectClrLst/>
+  </dgm:styleLbl>
+  <dgm:styleLbl name="asst2">
+    <dgm:fillClrLst>
+      <a:schemeClr val="accent1"/>
+    </dgm:fillClrLst>
+    <dgm:linClrLst meth="repeat">
+      <a:schemeClr val="lt1"/>
+    </dgm:linClrLst>
+    <dgm:effectClrLst/>
+    <dgm:txLinClrLst/>
+    <dgm:txFillClrLst/>
+    <dgm:txEffectClrLst/>
+  </dgm:styleLbl>
+  <dgm:styleLbl name="asst3">
+    <dgm:fillClrLst>
+      <a:schemeClr val="accent2"/>
+    </dgm:fillClrLst>
+    <dgm:linClrLst meth="repeat">
+      <a:schemeClr val="lt1"/>
+    </dgm:linClrLst>
+    <dgm:effectClrLst/>
+    <dgm:txLinClrLst/>
+    <dgm:txFillClrLst/>
+    <dgm:txEffectClrLst/>
+  </dgm:styleLbl>
+  <dgm:styleLbl name="asst4">
+    <dgm:fillClrLst>
+      <a:schemeClr val="accent3"/>
+    </dgm:fillClrLst>
+    <dgm:linClrLst meth="repeat">
+      <a:schemeClr val="lt1"/>
+    </dgm:linClrLst>
+    <dgm:effectClrLst/>
+    <dgm:txLinClrLst/>
+    <dgm:txFillClrLst/>
+    <dgm:txEffectClrLst/>
+  </dgm:styleLbl>
+  <dgm:styleLbl name="parChTrans2D1">
+    <dgm:fillClrLst meth="repeat">
+      <a:schemeClr val="accent5"/>
+    </dgm:fillClrLst>
+    <dgm:linClrLst meth="repeat">
+      <a:schemeClr val="lt1"/>
+    </dgm:linClrLst>
+    <dgm:effectClrLst/>
+    <dgm:txLinClrLst/>
+    <dgm:txFillClrLst meth="repeat">
+      <a:schemeClr val="lt1"/>
+    </dgm:txFillClrLst>
+    <dgm:txEffectClrLst/>
+  </dgm:styleLbl>
+  <dgm:styleLbl name="parChTrans2D2">
+    <dgm:fillClrLst meth="repeat">
+      <a:schemeClr val="accent6"/>
+    </dgm:fillClrLst>
+    <dgm:linClrLst meth="repeat">
+      <a:schemeClr val="lt1"/>
+    </dgm:linClrLst>
+    <dgm:effectClrLst/>
+    <dgm:txLinClrLst/>
+    <dgm:txFillClrLst/>
+    <dgm:txEffectClrLst/>
+  </dgm:styleLbl>
+  <dgm:styleLbl name="parChTrans2D3">
+    <dgm:fillClrLst meth="repeat">
+      <a:schemeClr val="accent6"/>
+    </dgm:fillClrLst>
+    <dgm:linClrLst meth="repeat">
+      <a:schemeClr val="lt1"/>
+    </dgm:linClrLst>
+    <dgm:effectClrLst/>
+    <dgm:txLinClrLst/>
+    <dgm:txFillClrLst/>
+    <dgm:txEffectClrLst/>
+  </dgm:styleLbl>
+  <dgm:styleLbl name="parChTrans2D4">
+    <dgm:fillClrLst meth="repeat">
+      <a:schemeClr val="accent1"/>
+    </dgm:fillClrLst>
+    <dgm:linClrLst meth="repeat">
+      <a:schemeClr val="lt1"/>
+    </dgm:linClrLst>
+    <dgm:effectClrLst/>
+    <dgm:txLinClrLst/>
+    <dgm:txFillClrLst meth="repeat">
+      <a:schemeClr val="lt1"/>
+    </dgm:txFillClrLst>
+    <dgm:txEffectClrLst/>
+  </dgm:styleLbl>
+  <dgm:styleLbl name="parChTrans1D1">
+    <dgm:fillClrLst meth="repeat">
+      <a:schemeClr val="accent5"/>
+    </dgm:fillClrLst>
+    <dgm:linClrLst meth="repeat">
+      <a:schemeClr val="accent5"/>
+    </dgm:linClrLst>
+    <dgm:effectClrLst/>
+    <dgm:txLinClrLst/>
+    <dgm:txFillClrLst meth="repeat">
+      <a:schemeClr val="tx1"/>
+    </dgm:txFillClrLst>
+    <dgm:txEffectClrLst/>
+  </dgm:styleLbl>
+  <dgm:styleLbl name="parChTrans1D2">
+    <dgm:fillClrLst meth="repeat">
+      <a:schemeClr val="accent6">
+        <a:tint val="90000"/>
+      </a:schemeClr>
+    </dgm:fillClrLst>
+    <dgm:linClrLst meth="repeat">
+      <a:schemeClr val="accent6"/>
+    </dgm:linClrLst>
+    <dgm:effectClrLst/>
+    <dgm:txLinClrLst/>
+    <dgm:txFillClrLst meth="repeat">
+      <a:schemeClr val="tx1"/>
+    </dgm:txFillClrLst>
+    <dgm:txEffectClrLst/>
+  </dgm:styleLbl>
+  <dgm:styleLbl name="parChTrans1D3">
+    <dgm:fillClrLst meth="repeat">
+      <a:schemeClr val="accent6">
+        <a:tint val="70000"/>
+      </a:schemeClr>
+    </dgm:fillClrLst>
+    <dgm:linClrLst meth="repeat">
+      <a:schemeClr val="accent1"/>
+    </dgm:linClrLst>
+    <dgm:effectClrLst/>
+    <dgm:txLinClrLst/>
+    <dgm:txFillClrLst meth="repeat">
+      <a:schemeClr val="tx1"/>
+    </dgm:txFillClrLst>
+    <dgm:txEffectClrLst/>
+  </dgm:styleLbl>
+  <dgm:styleLbl name="parChTrans1D4">
+    <dgm:fillClrLst meth="repeat">
+      <a:schemeClr val="accent6">
+        <a:tint val="50000"/>
+      </a:schemeClr>
+    </dgm:fillClrLst>
+    <dgm:linClrLst meth="repeat">
+      <a:schemeClr val="accent2"/>
+    </dgm:linClrLst>
+    <dgm:effectClrLst/>
+    <dgm:txLinClrLst/>
+    <dgm:txFillClrLst meth="repeat">
+      <a:schemeClr val="tx1"/>
+    </dgm:txFillClrLst>
+    <dgm:txEffectClrLst/>
+  </dgm:styleLbl>
+  <dgm:styleLbl name="fgAcc1">
+    <dgm:fillClrLst meth="repeat">
+      <a:schemeClr val="lt1">
+        <a:alpha val="90000"/>
+      </a:schemeClr>
+    </dgm:fillClrLst>
+    <dgm:linClrLst>
+      <a:schemeClr val="accent5"/>
+      <a:schemeClr val="accent6"/>
+    </dgm:linClrLst>
+    <dgm:effectClrLst/>
+    <dgm:txLinClrLst/>
+    <dgm:txFillClrLst meth="repeat">
+      <a:schemeClr val="dk1"/>
+    </dgm:txFillClrLst>
+    <dgm:txEffectClrLst/>
+  </dgm:styleLbl>
+  <dgm:styleLbl name="conFgAcc1">
+    <dgm:fillClrLst meth="repeat">
+      <a:schemeClr val="lt1">
+        <a:alpha val="90000"/>
+      </a:schemeClr>
+    </dgm:fillClrLst>
+    <dgm:linClrLst>
+      <a:schemeClr val="accent5"/>
+      <a:schemeClr val="accent6"/>
+    </dgm:linClrLst>
+    <dgm:effectClrLst/>
+    <dgm:txLinClrLst/>
+    <dgm:txFillClrLst meth="repeat">
+      <a:schemeClr val="dk1"/>
+    </dgm:txFillClrLst>
+    <dgm:txEffectClrLst/>
+  </dgm:styleLbl>
+  <dgm:styleLbl name="alignAcc1">
+    <dgm:fillClrLst meth="repeat">
+      <a:schemeClr val="lt1">
+        <a:alpha val="90000"/>
+      </a:schemeClr>
+    </dgm:fillClrLst>
+    <dgm:linClrLst>
+      <a:schemeClr val="accent5"/>
+      <a:schemeClr val="accent6"/>
+    </dgm:linClrLst>
+    <dgm:effectClrLst/>
+    <dgm:txLinClrLst/>
+    <dgm:txFillClrLst meth="repeat">
+      <a:schemeClr val="dk1"/>
+    </dgm:txFillClrLst>
+    <dgm:txEffectClrLst/>
+  </dgm:styleLbl>
+  <dgm:styleLbl name="trAlignAcc1">
+    <dgm:fillClrLst meth="repeat">
+      <a:schemeClr val="lt1">
+        <a:alpha val="40000"/>
+      </a:schemeClr>
+    </dgm:fillClrLst>
+    <dgm:linClrLst meth="repeat">
+      <a:schemeClr val="accent5"/>
+    </dgm:linClrLst>
+    <dgm:effectClrLst/>
+    <dgm:txLinClrLst/>
+    <dgm:txFillClrLst meth="repeat">
+      <a:schemeClr val="dk1"/>
+    </dgm:txFillClrLst>
+    <dgm:txEffectClrLst/>
+  </dgm:styleLbl>
+  <dgm:styleLbl name="bgAcc1">
+    <dgm:fillClrLst meth="repeat">
+      <a:schemeClr val="lt1">
+        <a:alpha val="90000"/>
+      </a:schemeClr>
+    </dgm:fillClrLst>
+    <dgm:linClrLst>
+      <a:schemeClr val="accent5"/>
+      <a:schemeClr val="accent6"/>
+    </dgm:linClrLst>
+    <dgm:effectClrLst/>
+    <dgm:txLinClrLst/>
+    <dgm:txFillClrLst meth="repeat">
+      <a:schemeClr val="dk1"/>
+    </dgm:txFillClrLst>
+    <dgm:txEffectClrLst/>
+  </dgm:styleLbl>
+  <dgm:styleLbl name="solidFgAcc1">
+    <dgm:fillClrLst meth="repeat">
+      <a:schemeClr val="lt1"/>
+    </dgm:fillClrLst>
+    <dgm:linClrLst>
+      <a:schemeClr val="accent5"/>
+      <a:schemeClr val="accent6"/>
+    </dgm:linClrLst>
+    <dgm:effectClrLst/>
+    <dgm:txLinClrLst/>
+    <dgm:txFillClrLst meth="repeat">
+      <a:schemeClr val="dk1"/>
+    </dgm:txFillClrLst>
+    <dgm:txEffectClrLst/>
+  </dgm:styleLbl>
+  <dgm:styleLbl name="solidAlignAcc1">
+    <dgm:fillClrLst meth="repeat">
+      <a:schemeClr val="lt1"/>
+    </dgm:fillClrLst>
+    <dgm:linClrLst>
+      <a:schemeClr val="accent5"/>
+      <a:schemeClr val="accent6"/>
+    </dgm:linClrLst>
+    <dgm:effectClrLst/>
+    <dgm:txLinClrLst/>
+    <dgm:txFillClrLst meth="repeat">
+      <a:schemeClr val="dk1"/>
+    </dgm:txFillClrLst>
+    <dgm:txEffectClrLst/>
+  </dgm:styleLbl>
+  <dgm:styleLbl name="solidBgAcc1">
+    <dgm:fillClrLst meth="repeat">
+      <a:schemeClr val="lt1"/>
+    </dgm:fillClrLst>
+    <dgm:linClrLst>
+      <a:schemeClr val="accent5"/>
+      <a:schemeClr val="accent6"/>
+    </dgm:linClrLst>
+    <dgm:effectClrLst/>
+    <dgm:txLinClrLst/>
+    <dgm:txFillClrLst meth="repeat">
+      <a:schemeClr val="dk1"/>
+    </dgm:txFillClrLst>
+    <dgm:txEffectClrLst/>
+  </dgm:styleLbl>
+  <dgm:styleLbl name="fgAccFollowNode1">
+    <dgm:fillClrLst>
+      <a:schemeClr val="accent5">
+        <a:tint val="40000"/>
+        <a:alpha val="90000"/>
+      </a:schemeClr>
+      <a:schemeClr val="accent6">
+        <a:tint val="40000"/>
+        <a:alpha val="90000"/>
+      </a:schemeClr>
+    </dgm:fillClrLst>
+    <dgm:linClrLst>
+      <a:schemeClr val="accent5">
+        <a:tint val="40000"/>
+        <a:alpha val="90000"/>
+      </a:schemeClr>
+      <a:schemeClr val="accent5">
+        <a:tint val="40000"/>
+        <a:alpha val="90000"/>
+      </a:schemeClr>
+    </dgm:linClrLst>
+    <dgm:effectClrLst/>
+    <dgm:txLinClrLst/>
+    <dgm:txFillClrLst meth="repeat">
+      <a:schemeClr val="dk1"/>
+    </dgm:txFillClrLst>
+    <dgm:txEffectClrLst/>
+  </dgm:styleLbl>
+  <dgm:styleLbl name="alignAccFollowNode1">
+    <dgm:fillClrLst>
+      <a:schemeClr val="accent5">
+        <a:tint val="40000"/>
+        <a:alpha val="90000"/>
+      </a:schemeClr>
+      <a:schemeClr val="accent6">
+        <a:tint val="40000"/>
+        <a:alpha val="90000"/>
+      </a:schemeClr>
+    </dgm:fillClrLst>
+    <dgm:linClrLst>
+      <a:schemeClr val="accent5">
+        <a:tint val="40000"/>
+        <a:alpha val="90000"/>
+      </a:schemeClr>
+      <a:schemeClr val="accent6">
+        <a:tint val="40000"/>
+        <a:alpha val="90000"/>
+      </a:schemeClr>
+    </dgm:linClrLst>
+    <dgm:effectClrLst/>
+    <dgm:txLinClrLst/>
+    <dgm:txFillClrLst meth="repeat">
+      <a:schemeClr val="dk1"/>
+    </dgm:txFillClrLst>
+    <dgm:txEffectClrLst/>
+  </dgm:styleLbl>
+  <dgm:styleLbl name="bgAccFollowNode1">
+    <dgm:fillClrLst>
+      <a:schemeClr val="accent5">
+        <a:tint val="40000"/>
+        <a:alpha val="90000"/>
+      </a:schemeClr>
+      <a:schemeClr val="accent6">
+        <a:tint val="40000"/>
+        <a:alpha val="90000"/>
+      </a:schemeClr>
+    </dgm:fillClrLst>
+    <dgm:linClrLst>
+      <a:schemeClr val="accent5">
+        <a:tint val="40000"/>
+        <a:alpha val="90000"/>
+      </a:schemeClr>
+      <a:schemeClr val="accent6">
+        <a:tint val="40000"/>
+        <a:alpha val="90000"/>
+      </a:schemeClr>
+    </dgm:linClrLst>
+    <dgm:effectClrLst/>
+    <dgm:txLinClrLst/>
+    <dgm:txFillClrLst meth="repeat">
+      <a:schemeClr val="dk1"/>
+    </dgm:txFillClrLst>
+    <dgm:txEffectClrLst/>
+  </dgm:styleLbl>
+  <dgm:styleLbl name="fgAcc0">
+    <dgm:fillClrLst meth="repeat">
+      <a:schemeClr val="lt1">
+        <a:alpha val="90000"/>
+      </a:schemeClr>
+    </dgm:fillClrLst>
+    <dgm:linClrLst>
+      <a:schemeClr val="accent4"/>
+    </dgm:linClrLst>
+    <dgm:effectClrLst/>
+    <dgm:txLinClrLst/>
+    <dgm:txFillClrLst meth="repeat">
+      <a:schemeClr val="dk1"/>
+    </dgm:txFillClrLst>
+    <dgm:txEffectClrLst/>
+  </dgm:styleLbl>
+  <dgm:styleLbl name="fgAcc2">
+    <dgm:fillClrLst meth="repeat">
+      <a:schemeClr val="lt1">
+        <a:alpha val="90000"/>
+      </a:schemeClr>
+    </dgm:fillClrLst>
+    <dgm:linClrLst>
+      <a:schemeClr val="accent6"/>
+    </dgm:linClrLst>
+    <dgm:effectClrLst/>
+    <dgm:txLinClrLst/>
+    <dgm:txFillClrLst meth="repeat">
+      <a:schemeClr val="dk1"/>
+    </dgm:txFillClrLst>
+    <dgm:txEffectClrLst/>
+  </dgm:styleLbl>
+  <dgm:styleLbl name="fgAcc3">
+    <dgm:fillClrLst meth="repeat">
+      <a:schemeClr val="lt1">
+        <a:alpha val="90000"/>
+      </a:schemeClr>
+    </dgm:fillClrLst>
+    <dgm:linClrLst>
+      <a:schemeClr val="accent1"/>
+    </dgm:linClrLst>
+    <dgm:effectClrLst/>
+    <dgm:txLinClrLst/>
+    <dgm:txFillClrLst meth="repeat">
+      <a:schemeClr val="dk1"/>
+    </dgm:txFillClrLst>
+    <dgm:txEffectClrLst/>
+  </dgm:styleLbl>
+  <dgm:styleLbl name="fgAcc4">
+    <dgm:fillClrLst meth="repeat">
+      <a:schemeClr val="lt1">
+        <a:alpha val="90000"/>
+      </a:schemeClr>
+    </dgm:fillClrLst>
+    <dgm:linClrLst>
+      <a:schemeClr val="accent2"/>
+    </dgm:linClrLst>
+    <dgm:effectClrLst/>
+    <dgm:txLinClrLst/>
+    <dgm:txFillClrLst meth="repeat">
+      <a:schemeClr val="dk1"/>
+    </dgm:txFillClrLst>
+    <dgm:txEffectClrLst/>
+  </dgm:styleLbl>
+  <dgm:styleLbl name="bgShp">
+    <dgm:fillClrLst>
+      <a:schemeClr val="accent5"/>
+      <a:schemeClr val="accent6"/>
+    </dgm:fillClrLst>
+    <dgm:linClrLst meth="repeat">
+      <a:schemeClr val="lt1">
+        <a:alpha val="0"/>
+      </a:schemeClr>
+    </dgm:linClrLst>
+    <dgm:effectClrLst/>
+    <dgm:txLinClrLst/>
+    <dgm:txFillClrLst/>
+    <dgm:txEffectClrLst/>
+  </dgm:styleLbl>
+  <dgm:styleLbl name="dkBgShp">
+    <dgm:fillClrLst meth="repeat">
+      <a:schemeClr val="accent5">
+        <a:shade val="90000"/>
+      </a:schemeClr>
+    </dgm:fillClrLst>
+    <dgm:linClrLst meth="repeat">
+      <a:schemeClr val="dk1"/>
+    </dgm:linClrLst>
+    <dgm:effectClrLst/>
+    <dgm:txLinClrLst/>
+    <dgm:txFillClrLst meth="repeat">
+      <a:schemeClr val="lt1"/>
+    </dgm:txFillClrLst>
+    <dgm:txEffectClrLst/>
+  </dgm:styleLbl>
+  <dgm:styleLbl name="trBgShp">
+    <dgm:fillClrLst meth="repeat">
+      <a:schemeClr val="accent5">
+        <a:tint val="50000"/>
+        <a:alpha val="40000"/>
+      </a:schemeClr>
+    </dgm:fillClrLst>
+    <dgm:linClrLst meth="repeat">
+      <a:schemeClr val="accent5"/>
+    </dgm:linClrLst>
+    <dgm:effectClrLst/>
+    <dgm:txLinClrLst/>
+    <dgm:txFillClrLst meth="repeat">
+      <a:schemeClr val="lt1"/>
+    </dgm:txFillClrLst>
+    <dgm:txEffectClrLst/>
+  </dgm:styleLbl>
+  <dgm:styleLbl name="fgShp">
+    <dgm:fillClrLst meth="repeat">
+      <a:schemeClr val="accent5">
+        <a:tint val="40000"/>
+      </a:schemeClr>
+    </dgm:fillClrLst>
+    <dgm:linClrLst meth="repeat">
+      <a:schemeClr val="lt1"/>
+    </dgm:linClrLst>
+    <dgm:effectClrLst/>
+    <dgm:txLinClrLst/>
+    <dgm:txFillClrLst meth="repeat">
+      <a:schemeClr val="dk1"/>
+    </dgm:txFillClrLst>
+    <dgm:txEffectClrLst/>
+  </dgm:styleLbl>
+  <dgm:styleLbl name="revTx">
+    <dgm:fillClrLst meth="repeat">
+      <a:schemeClr val="lt1">
+        <a:alpha val="0"/>
+      </a:schemeClr>
+    </dgm:fillClrLst>
+    <dgm:linClrLst meth="repeat">
+      <a:schemeClr val="dk1">
+        <a:alpha val="0"/>
+      </a:schemeClr>
+    </dgm:linClrLst>
+    <dgm:effectClrLst/>
+    <dgm:txLinClrLst/>
+    <dgm:txFillClrLst meth="repeat">
+      <a:schemeClr val="tx1"/>
+    </dgm:txFillClrLst>
+    <dgm:txEffectClrLst/>
+  </dgm:styleLbl>
+</dgm:colorsDef>
+</file>
+
+<file path=ppt/diagrams/colors3.xml><?xml version="1.0" encoding="utf-8"?>
 <dgm:colorsDef xmlns:dgm="http://schemas.openxmlformats.org/drawingml/2006/diagram" xmlns:a="http://schemas.openxmlformats.org/drawingml/2006/main" uniqueId="urn:microsoft.com/office/officeart/2005/8/colors/accent0_3">
   <dgm:title val=""/>
   <dgm:desc val=""/>
@@ -2924,6 +3712,341 @@
 </file>
 
 <file path=ppt/diagrams/data2.xml><?xml version="1.0" encoding="utf-8"?>
+<dgm:dataModel xmlns:dgm="http://schemas.openxmlformats.org/drawingml/2006/diagram" xmlns:a="http://schemas.openxmlformats.org/drawingml/2006/main">
+  <dgm:ptLst>
+    <dgm:pt modelId="{7F564E9C-DC4B-4FCA-A45C-7A2A68ABF190}" type="doc">
+      <dgm:prSet loTypeId="urn:microsoft.com/office/officeart/2018/5/layout/IconCircleLabelList" loCatId="icon" qsTypeId="urn:microsoft.com/office/officeart/2005/8/quickstyle/simple1" qsCatId="simple" csTypeId="urn:microsoft.com/office/officeart/2018/5/colors/Iconchunking_neutralicon_colorful5" csCatId="colorful" phldr="1"/>
+      <dgm:spPr/>
+      <dgm:t>
+        <a:bodyPr/>
+        <a:lstStyle/>
+        <a:p>
+          <a:endParaRPr lang="en-US"/>
+        </a:p>
+      </dgm:t>
+    </dgm:pt>
+    <dgm:pt modelId="{0C85100E-26AF-40B3-97DF-19C4EC3CCEC0}">
+      <dgm:prSet/>
+      <dgm:spPr/>
+      <dgm:t>
+        <a:bodyPr/>
+        <a:lstStyle/>
+        <a:p>
+          <a:pPr>
+            <a:lnSpc>
+              <a:spcPct val="100000"/>
+            </a:lnSpc>
+            <a:defRPr cap="all"/>
+          </a:pPr>
+          <a:r>
+            <a:rPr lang="en-ZA" cap="none" dirty="0"/>
+            <a:t>Adventure</a:t>
+          </a:r>
+          <a:endParaRPr lang="en-US" cap="none" dirty="0"/>
+        </a:p>
+      </dgm:t>
+    </dgm:pt>
+    <dgm:pt modelId="{83E371DD-FB17-4628-859D-A2979B7D3099}" type="parTrans" cxnId="{FD66337D-8FE8-48E6-BE0F-CFD328BEE42E}">
+      <dgm:prSet/>
+      <dgm:spPr/>
+      <dgm:t>
+        <a:bodyPr/>
+        <a:lstStyle/>
+        <a:p>
+          <a:endParaRPr lang="en-US" sz="1800"/>
+        </a:p>
+      </dgm:t>
+    </dgm:pt>
+    <dgm:pt modelId="{8A672CE1-4528-44AE-9157-DA340C2CD5DB}" type="sibTrans" cxnId="{FD66337D-8FE8-48E6-BE0F-CFD328BEE42E}">
+      <dgm:prSet/>
+      <dgm:spPr/>
+      <dgm:t>
+        <a:bodyPr/>
+        <a:lstStyle/>
+        <a:p>
+          <a:endParaRPr lang="en-US"/>
+        </a:p>
+      </dgm:t>
+    </dgm:pt>
+    <dgm:pt modelId="{69653324-E1E3-437C-A9D5-28B1353F645A}">
+      <dgm:prSet/>
+      <dgm:spPr/>
+      <dgm:t>
+        <a:bodyPr/>
+        <a:lstStyle/>
+        <a:p>
+          <a:pPr>
+            <a:lnSpc>
+              <a:spcPct val="100000"/>
+            </a:lnSpc>
+            <a:defRPr cap="all"/>
+          </a:pPr>
+          <a:r>
+            <a:rPr lang="en-ZA" cap="none" dirty="0"/>
+            <a:t>Enthusiasm</a:t>
+          </a:r>
+          <a:endParaRPr lang="en-US" cap="none" dirty="0"/>
+        </a:p>
+      </dgm:t>
+    </dgm:pt>
+    <dgm:pt modelId="{F0466364-A484-4F50-8E01-C00666AA6B96}" type="parTrans" cxnId="{25667268-FED2-4149-B353-F16FED2D1A5A}">
+      <dgm:prSet/>
+      <dgm:spPr/>
+      <dgm:t>
+        <a:bodyPr/>
+        <a:lstStyle/>
+        <a:p>
+          <a:endParaRPr lang="en-US" sz="1800"/>
+        </a:p>
+      </dgm:t>
+    </dgm:pt>
+    <dgm:pt modelId="{6F20977E-D589-4920-96AA-44AAF9391C6A}" type="sibTrans" cxnId="{25667268-FED2-4149-B353-F16FED2D1A5A}">
+      <dgm:prSet/>
+      <dgm:spPr/>
+      <dgm:t>
+        <a:bodyPr/>
+        <a:lstStyle/>
+        <a:p>
+          <a:endParaRPr lang="en-US"/>
+        </a:p>
+      </dgm:t>
+    </dgm:pt>
+    <dgm:pt modelId="{7F8797D3-295D-45B0-9E28-F7696E313AE3}">
+      <dgm:prSet/>
+      <dgm:spPr/>
+      <dgm:t>
+        <a:bodyPr/>
+        <a:lstStyle/>
+        <a:p>
+          <a:pPr>
+            <a:lnSpc>
+              <a:spcPct val="100000"/>
+            </a:lnSpc>
+            <a:defRPr cap="all"/>
+          </a:pPr>
+          <a:r>
+            <a:rPr lang="en-ZA" cap="none" dirty="0"/>
+            <a:t>Discovery</a:t>
+          </a:r>
+          <a:endParaRPr lang="en-US" cap="none" dirty="0"/>
+        </a:p>
+      </dgm:t>
+    </dgm:pt>
+    <dgm:pt modelId="{2A0378C1-9628-41C6-B719-DFD7DD7C2513}" type="parTrans" cxnId="{B9DB5BF3-D3B4-4EF2-9219-9820EFCDD141}">
+      <dgm:prSet/>
+      <dgm:spPr/>
+      <dgm:t>
+        <a:bodyPr/>
+        <a:lstStyle/>
+        <a:p>
+          <a:endParaRPr lang="en-US" sz="1800"/>
+        </a:p>
+      </dgm:t>
+    </dgm:pt>
+    <dgm:pt modelId="{BD09EA6A-7770-4233-AA60-BFF5DA55D6CE}" type="sibTrans" cxnId="{B9DB5BF3-D3B4-4EF2-9219-9820EFCDD141}">
+      <dgm:prSet/>
+      <dgm:spPr/>
+      <dgm:t>
+        <a:bodyPr/>
+        <a:lstStyle/>
+        <a:p>
+          <a:endParaRPr lang="en-US"/>
+        </a:p>
+      </dgm:t>
+    </dgm:pt>
+    <dgm:pt modelId="{E3F9E5A9-51B2-43A8-8F03-9194571938CF}" type="pres">
+      <dgm:prSet presAssocID="{7F564E9C-DC4B-4FCA-A45C-7A2A68ABF190}" presName="root" presStyleCnt="0">
+        <dgm:presLayoutVars>
+          <dgm:dir/>
+          <dgm:resizeHandles val="exact"/>
+        </dgm:presLayoutVars>
+      </dgm:prSet>
+      <dgm:spPr/>
+    </dgm:pt>
+    <dgm:pt modelId="{8929C738-FC34-44B7-BD7A-E6975C65F703}" type="pres">
+      <dgm:prSet presAssocID="{0C85100E-26AF-40B3-97DF-19C4EC3CCEC0}" presName="compNode" presStyleCnt="0"/>
+      <dgm:spPr/>
+    </dgm:pt>
+    <dgm:pt modelId="{D7FE9191-F345-41D1-BC78-A57FAC85C889}" type="pres">
+      <dgm:prSet presAssocID="{0C85100E-26AF-40B3-97DF-19C4EC3CCEC0}" presName="iconBgRect" presStyleLbl="bgShp" presStyleIdx="0" presStyleCnt="3"/>
+      <dgm:spPr/>
+    </dgm:pt>
+    <dgm:pt modelId="{8FF3ED10-1F7A-4228-8DBA-95ED52350852}" type="pres">
+      <dgm:prSet presAssocID="{0C85100E-26AF-40B3-97DF-19C4EC3CCEC0}" presName="iconRect" presStyleLbl="node1" presStyleIdx="0" presStyleCnt="3"/>
+      <dgm:spPr>
+        <a:blipFill>
+          <a:blip xmlns:r="http://schemas.openxmlformats.org/officeDocument/2006/relationships" r:embed="rId1">
+            <a:extLst>
+              <a:ext uri="{28A0092B-C50C-407E-A947-70E740481C1C}">
+                <a14:useLocalDpi xmlns:a14="http://schemas.microsoft.com/office/drawing/2010/main" val="0"/>
+              </a:ext>
+              <a:ext uri="{96DAC541-7B7A-43D3-8B79-37D633B846F1}">
+                <asvg:svgBlip xmlns:asvg="http://schemas.microsoft.com/office/drawing/2016/SVG/main" r:embed="rId2"/>
+              </a:ext>
+            </a:extLst>
+          </a:blip>
+          <a:stretch>
+            <a:fillRect/>
+          </a:stretch>
+        </a:blipFill>
+      </dgm:spPr>
+      <dgm:extLst>
+        <a:ext uri="{E40237B7-FDA0-4F09-8148-C483321AD2D9}">
+          <dgm14:cNvPr xmlns:dgm14="http://schemas.microsoft.com/office/drawing/2010/diagram" id="0" name="" descr="Hike"/>
+        </a:ext>
+      </dgm:extLst>
+    </dgm:pt>
+    <dgm:pt modelId="{DEEFA25E-941B-435D-9E6A-508386CFE47E}" type="pres">
+      <dgm:prSet presAssocID="{0C85100E-26AF-40B3-97DF-19C4EC3CCEC0}" presName="spaceRect" presStyleCnt="0"/>
+      <dgm:spPr/>
+    </dgm:pt>
+    <dgm:pt modelId="{54849521-B57C-45E5-AE0C-3EC2C0D4D0A2}" type="pres">
+      <dgm:prSet presAssocID="{0C85100E-26AF-40B3-97DF-19C4EC3CCEC0}" presName="textRect" presStyleLbl="revTx" presStyleIdx="0" presStyleCnt="3">
+        <dgm:presLayoutVars>
+          <dgm:chMax val="1"/>
+          <dgm:chPref val="1"/>
+        </dgm:presLayoutVars>
+      </dgm:prSet>
+      <dgm:spPr/>
+    </dgm:pt>
+    <dgm:pt modelId="{0F6A2FC3-9E47-40CA-83F9-5B63CA09FDA8}" type="pres">
+      <dgm:prSet presAssocID="{8A672CE1-4528-44AE-9157-DA340C2CD5DB}" presName="sibTrans" presStyleCnt="0"/>
+      <dgm:spPr/>
+    </dgm:pt>
+    <dgm:pt modelId="{11E84AED-826F-45C8-83C4-91F1A078E1E0}" type="pres">
+      <dgm:prSet presAssocID="{69653324-E1E3-437C-A9D5-28B1353F645A}" presName="compNode" presStyleCnt="0"/>
+      <dgm:spPr/>
+    </dgm:pt>
+    <dgm:pt modelId="{CA2BB399-46B1-46DF-BB84-F602FEBB6E8F}" type="pres">
+      <dgm:prSet presAssocID="{69653324-E1E3-437C-A9D5-28B1353F645A}" presName="iconBgRect" presStyleLbl="bgShp" presStyleIdx="1" presStyleCnt="3"/>
+      <dgm:spPr/>
+    </dgm:pt>
+    <dgm:pt modelId="{D6853916-A787-4645-8300-F6B01D5465FD}" type="pres">
+      <dgm:prSet presAssocID="{69653324-E1E3-437C-A9D5-28B1353F645A}" presName="iconRect" presStyleLbl="node1" presStyleIdx="1" presStyleCnt="3"/>
+      <dgm:spPr>
+        <a:blipFill>
+          <a:blip xmlns:r="http://schemas.openxmlformats.org/officeDocument/2006/relationships" r:embed="rId3">
+            <a:extLst>
+              <a:ext uri="{28A0092B-C50C-407E-A947-70E740481C1C}">
+                <a14:useLocalDpi xmlns:a14="http://schemas.microsoft.com/office/drawing/2010/main" val="0"/>
+              </a:ext>
+              <a:ext uri="{96DAC541-7B7A-43D3-8B79-37D633B846F1}">
+                <asvg:svgBlip xmlns:asvg="http://schemas.microsoft.com/office/drawing/2016/SVG/main" r:embed="rId4"/>
+              </a:ext>
+            </a:extLst>
+          </a:blip>
+          <a:stretch>
+            <a:fillRect/>
+          </a:stretch>
+        </a:blipFill>
+      </dgm:spPr>
+      <dgm:extLst>
+        <a:ext uri="{E40237B7-FDA0-4F09-8148-C483321AD2D9}">
+          <dgm14:cNvPr xmlns:dgm14="http://schemas.microsoft.com/office/drawing/2010/diagram" id="0" name="" descr="Run"/>
+        </a:ext>
+      </dgm:extLst>
+    </dgm:pt>
+    <dgm:pt modelId="{20F4B50A-E3EC-4DC1-8B67-BB5C3777405D}" type="pres">
+      <dgm:prSet presAssocID="{69653324-E1E3-437C-A9D5-28B1353F645A}" presName="spaceRect" presStyleCnt="0"/>
+      <dgm:spPr/>
+    </dgm:pt>
+    <dgm:pt modelId="{1236D849-CB48-479C-B013-12E41455C64A}" type="pres">
+      <dgm:prSet presAssocID="{69653324-E1E3-437C-A9D5-28B1353F645A}" presName="textRect" presStyleLbl="revTx" presStyleIdx="1" presStyleCnt="3">
+        <dgm:presLayoutVars>
+          <dgm:chMax val="1"/>
+          <dgm:chPref val="1"/>
+        </dgm:presLayoutVars>
+      </dgm:prSet>
+      <dgm:spPr/>
+    </dgm:pt>
+    <dgm:pt modelId="{77E7D738-E9B1-4ED4-B593-EC450EE23F5E}" type="pres">
+      <dgm:prSet presAssocID="{6F20977E-D589-4920-96AA-44AAF9391C6A}" presName="sibTrans" presStyleCnt="0"/>
+      <dgm:spPr/>
+    </dgm:pt>
+    <dgm:pt modelId="{504F53A5-75F2-4237-863E-8BEA18033D97}" type="pres">
+      <dgm:prSet presAssocID="{7F8797D3-295D-45B0-9E28-F7696E313AE3}" presName="compNode" presStyleCnt="0"/>
+      <dgm:spPr/>
+    </dgm:pt>
+    <dgm:pt modelId="{1FBD15DA-15EC-437E-AD24-BB3FBA44188E}" type="pres">
+      <dgm:prSet presAssocID="{7F8797D3-295D-45B0-9E28-F7696E313AE3}" presName="iconBgRect" presStyleLbl="bgShp" presStyleIdx="2" presStyleCnt="3"/>
+      <dgm:spPr/>
+    </dgm:pt>
+    <dgm:pt modelId="{F978FA78-402E-430D-BD6D-B50543BC1779}" type="pres">
+      <dgm:prSet presAssocID="{7F8797D3-295D-45B0-9E28-F7696E313AE3}" presName="iconRect" presStyleLbl="node1" presStyleIdx="2" presStyleCnt="3"/>
+      <dgm:spPr>
+        <a:blipFill>
+          <a:blip xmlns:r="http://schemas.openxmlformats.org/officeDocument/2006/relationships" r:embed="rId5">
+            <a:extLst>
+              <a:ext uri="{28A0092B-C50C-407E-A947-70E740481C1C}">
+                <a14:useLocalDpi xmlns:a14="http://schemas.microsoft.com/office/drawing/2010/main" val="0"/>
+              </a:ext>
+              <a:ext uri="{96DAC541-7B7A-43D3-8B79-37D633B846F1}">
+                <asvg:svgBlip xmlns:asvg="http://schemas.microsoft.com/office/drawing/2016/SVG/main" r:embed="rId6"/>
+              </a:ext>
+            </a:extLst>
+          </a:blip>
+          <a:stretch>
+            <a:fillRect/>
+          </a:stretch>
+        </a:blipFill>
+      </dgm:spPr>
+      <dgm:extLst>
+        <a:ext uri="{E40237B7-FDA0-4F09-8148-C483321AD2D9}">
+          <dgm14:cNvPr xmlns:dgm14="http://schemas.microsoft.com/office/drawing/2010/diagram" id="0" name="" descr="Telescope"/>
+        </a:ext>
+      </dgm:extLst>
+    </dgm:pt>
+    <dgm:pt modelId="{8E26FA69-DD6D-41A2-A1C3-C84664B3DEA9}" type="pres">
+      <dgm:prSet presAssocID="{7F8797D3-295D-45B0-9E28-F7696E313AE3}" presName="spaceRect" presStyleCnt="0"/>
+      <dgm:spPr/>
+    </dgm:pt>
+    <dgm:pt modelId="{1437B87F-714F-41BA-8ABB-43977D1FDD2E}" type="pres">
+      <dgm:prSet presAssocID="{7F8797D3-295D-45B0-9E28-F7696E313AE3}" presName="textRect" presStyleLbl="revTx" presStyleIdx="2" presStyleCnt="3">
+        <dgm:presLayoutVars>
+          <dgm:chMax val="1"/>
+          <dgm:chPref val="1"/>
+        </dgm:presLayoutVars>
+      </dgm:prSet>
+      <dgm:spPr/>
+    </dgm:pt>
+  </dgm:ptLst>
+  <dgm:cxnLst>
+    <dgm:cxn modelId="{9EF79A2A-C397-458C-A3B4-D48F7182843D}" type="presOf" srcId="{7F564E9C-DC4B-4FCA-A45C-7A2A68ABF190}" destId="{E3F9E5A9-51B2-43A8-8F03-9194571938CF}" srcOrd="0" destOrd="0" presId="urn:microsoft.com/office/officeart/2018/5/layout/IconCircleLabelList"/>
+    <dgm:cxn modelId="{25667268-FED2-4149-B353-F16FED2D1A5A}" srcId="{7F564E9C-DC4B-4FCA-A45C-7A2A68ABF190}" destId="{69653324-E1E3-437C-A9D5-28B1353F645A}" srcOrd="1" destOrd="0" parTransId="{F0466364-A484-4F50-8E01-C00666AA6B96}" sibTransId="{6F20977E-D589-4920-96AA-44AAF9391C6A}"/>
+    <dgm:cxn modelId="{FD66337D-8FE8-48E6-BE0F-CFD328BEE42E}" srcId="{7F564E9C-DC4B-4FCA-A45C-7A2A68ABF190}" destId="{0C85100E-26AF-40B3-97DF-19C4EC3CCEC0}" srcOrd="0" destOrd="0" parTransId="{83E371DD-FB17-4628-859D-A2979B7D3099}" sibTransId="{8A672CE1-4528-44AE-9157-DA340C2CD5DB}"/>
+    <dgm:cxn modelId="{66AF4AA0-077B-441F-8BCF-84949DFE4A4A}" type="presOf" srcId="{69653324-E1E3-437C-A9D5-28B1353F645A}" destId="{1236D849-CB48-479C-B013-12E41455C64A}" srcOrd="0" destOrd="0" presId="urn:microsoft.com/office/officeart/2018/5/layout/IconCircleLabelList"/>
+    <dgm:cxn modelId="{89A64FA4-89F2-4CC0-9791-9B99DFBDFD94}" type="presOf" srcId="{0C85100E-26AF-40B3-97DF-19C4EC3CCEC0}" destId="{54849521-B57C-45E5-AE0C-3EC2C0D4D0A2}" srcOrd="0" destOrd="0" presId="urn:microsoft.com/office/officeart/2018/5/layout/IconCircleLabelList"/>
+    <dgm:cxn modelId="{30BBCAE1-AA43-4AE4-A79A-B5150A5E89F9}" type="presOf" srcId="{7F8797D3-295D-45B0-9E28-F7696E313AE3}" destId="{1437B87F-714F-41BA-8ABB-43977D1FDD2E}" srcOrd="0" destOrd="0" presId="urn:microsoft.com/office/officeart/2018/5/layout/IconCircleLabelList"/>
+    <dgm:cxn modelId="{B9DB5BF3-D3B4-4EF2-9219-9820EFCDD141}" srcId="{7F564E9C-DC4B-4FCA-A45C-7A2A68ABF190}" destId="{7F8797D3-295D-45B0-9E28-F7696E313AE3}" srcOrd="2" destOrd="0" parTransId="{2A0378C1-9628-41C6-B719-DFD7DD7C2513}" sibTransId="{BD09EA6A-7770-4233-AA60-BFF5DA55D6CE}"/>
+    <dgm:cxn modelId="{046E5389-75CC-49E4-A852-97C2E7E6D226}" type="presParOf" srcId="{E3F9E5A9-51B2-43A8-8F03-9194571938CF}" destId="{8929C738-FC34-44B7-BD7A-E6975C65F703}" srcOrd="0" destOrd="0" presId="urn:microsoft.com/office/officeart/2018/5/layout/IconCircleLabelList"/>
+    <dgm:cxn modelId="{38860D80-65A2-4FE3-A65F-086B501908CF}" type="presParOf" srcId="{8929C738-FC34-44B7-BD7A-E6975C65F703}" destId="{D7FE9191-F345-41D1-BC78-A57FAC85C889}" srcOrd="0" destOrd="0" presId="urn:microsoft.com/office/officeart/2018/5/layout/IconCircleLabelList"/>
+    <dgm:cxn modelId="{15291291-59DE-4F27-AE8E-09905698A26B}" type="presParOf" srcId="{8929C738-FC34-44B7-BD7A-E6975C65F703}" destId="{8FF3ED10-1F7A-4228-8DBA-95ED52350852}" srcOrd="1" destOrd="0" presId="urn:microsoft.com/office/officeart/2018/5/layout/IconCircleLabelList"/>
+    <dgm:cxn modelId="{D93A254D-2C2B-4E74-9B75-CFB868080C85}" type="presParOf" srcId="{8929C738-FC34-44B7-BD7A-E6975C65F703}" destId="{DEEFA25E-941B-435D-9E6A-508386CFE47E}" srcOrd="2" destOrd="0" presId="urn:microsoft.com/office/officeart/2018/5/layout/IconCircleLabelList"/>
+    <dgm:cxn modelId="{A6870060-E9BF-4E45-B0B2-CE2FEB416253}" type="presParOf" srcId="{8929C738-FC34-44B7-BD7A-E6975C65F703}" destId="{54849521-B57C-45E5-AE0C-3EC2C0D4D0A2}" srcOrd="3" destOrd="0" presId="urn:microsoft.com/office/officeart/2018/5/layout/IconCircleLabelList"/>
+    <dgm:cxn modelId="{80671972-08BA-4928-BC1F-B3133C587435}" type="presParOf" srcId="{E3F9E5A9-51B2-43A8-8F03-9194571938CF}" destId="{0F6A2FC3-9E47-40CA-83F9-5B63CA09FDA8}" srcOrd="1" destOrd="0" presId="urn:microsoft.com/office/officeart/2018/5/layout/IconCircleLabelList"/>
+    <dgm:cxn modelId="{D51D2133-6F1D-4DF6-96E7-C6625A6BEED1}" type="presParOf" srcId="{E3F9E5A9-51B2-43A8-8F03-9194571938CF}" destId="{11E84AED-826F-45C8-83C4-91F1A078E1E0}" srcOrd="2" destOrd="0" presId="urn:microsoft.com/office/officeart/2018/5/layout/IconCircleLabelList"/>
+    <dgm:cxn modelId="{F9245669-8D02-42CA-A21E-BA72A76391A2}" type="presParOf" srcId="{11E84AED-826F-45C8-83C4-91F1A078E1E0}" destId="{CA2BB399-46B1-46DF-BB84-F602FEBB6E8F}" srcOrd="0" destOrd="0" presId="urn:microsoft.com/office/officeart/2018/5/layout/IconCircleLabelList"/>
+    <dgm:cxn modelId="{3E304E6E-CFA0-4E02-97C9-2358B1325747}" type="presParOf" srcId="{11E84AED-826F-45C8-83C4-91F1A078E1E0}" destId="{D6853916-A787-4645-8300-F6B01D5465FD}" srcOrd="1" destOrd="0" presId="urn:microsoft.com/office/officeart/2018/5/layout/IconCircleLabelList"/>
+    <dgm:cxn modelId="{A3A558FB-B42D-4CD9-880D-C8970DD9B2CF}" type="presParOf" srcId="{11E84AED-826F-45C8-83C4-91F1A078E1E0}" destId="{20F4B50A-E3EC-4DC1-8B67-BB5C3777405D}" srcOrd="2" destOrd="0" presId="urn:microsoft.com/office/officeart/2018/5/layout/IconCircleLabelList"/>
+    <dgm:cxn modelId="{4085BB99-4E4A-42E3-8624-72E8460B7F02}" type="presParOf" srcId="{11E84AED-826F-45C8-83C4-91F1A078E1E0}" destId="{1236D849-CB48-479C-B013-12E41455C64A}" srcOrd="3" destOrd="0" presId="urn:microsoft.com/office/officeart/2018/5/layout/IconCircleLabelList"/>
+    <dgm:cxn modelId="{575C131A-D48A-429B-9E4C-1B1619D7306D}" type="presParOf" srcId="{E3F9E5A9-51B2-43A8-8F03-9194571938CF}" destId="{77E7D738-E9B1-4ED4-B593-EC450EE23F5E}" srcOrd="3" destOrd="0" presId="urn:microsoft.com/office/officeart/2018/5/layout/IconCircleLabelList"/>
+    <dgm:cxn modelId="{8B3BABB7-9BE3-4CCA-A90F-E5EEF1A4BE2F}" type="presParOf" srcId="{E3F9E5A9-51B2-43A8-8F03-9194571938CF}" destId="{504F53A5-75F2-4237-863E-8BEA18033D97}" srcOrd="4" destOrd="0" presId="urn:microsoft.com/office/officeart/2018/5/layout/IconCircleLabelList"/>
+    <dgm:cxn modelId="{38FDD328-2F4A-4403-9CE3-84E8C6AD81A2}" type="presParOf" srcId="{504F53A5-75F2-4237-863E-8BEA18033D97}" destId="{1FBD15DA-15EC-437E-AD24-BB3FBA44188E}" srcOrd="0" destOrd="0" presId="urn:microsoft.com/office/officeart/2018/5/layout/IconCircleLabelList"/>
+    <dgm:cxn modelId="{C1E19D95-E19A-48D8-976F-1762354AC7D6}" type="presParOf" srcId="{504F53A5-75F2-4237-863E-8BEA18033D97}" destId="{F978FA78-402E-430D-BD6D-B50543BC1779}" srcOrd="1" destOrd="0" presId="urn:microsoft.com/office/officeart/2018/5/layout/IconCircleLabelList"/>
+    <dgm:cxn modelId="{0BF6A35D-48A0-49CB-BFE7-DD9C3FBF1D73}" type="presParOf" srcId="{504F53A5-75F2-4237-863E-8BEA18033D97}" destId="{8E26FA69-DD6D-41A2-A1C3-C84664B3DEA9}" srcOrd="2" destOrd="0" presId="urn:microsoft.com/office/officeart/2018/5/layout/IconCircleLabelList"/>
+    <dgm:cxn modelId="{36CE7DD6-956C-461B-94DF-658454BF2FDC}" type="presParOf" srcId="{504F53A5-75F2-4237-863E-8BEA18033D97}" destId="{1437B87F-714F-41BA-8ABB-43977D1FDD2E}" srcOrd="3" destOrd="0" presId="urn:microsoft.com/office/officeart/2018/5/layout/IconCircleLabelList"/>
+  </dgm:cxnLst>
+  <dgm:bg/>
+  <dgm:whole/>
+  <dgm:extLst>
+    <a:ext uri="http://schemas.microsoft.com/office/drawing/2008/diagram">
+      <dsp:dataModelExt xmlns:dsp="http://schemas.microsoft.com/office/drawing/2008/diagram" relId="rId8" minVer="http://schemas.openxmlformats.org/drawingml/2006/diagram"/>
+    </a:ext>
+  </dgm:extLst>
+</dgm:dataModel>
+</file>
+
+<file path=ppt/diagrams/data3.xml><?xml version="1.0" encoding="utf-8"?>
 <dgm:dataModel xmlns:dgm="http://schemas.openxmlformats.org/drawingml/2006/diagram" xmlns:a="http://schemas.openxmlformats.org/drawingml/2006/main">
   <dgm:ptLst>
     <dgm:pt modelId="{6A1362DA-B794-45B9-9BEE-599A1FD4F7C7}" type="doc">
@@ -4150,6 +5273,492 @@
       <dsp:cNvGrpSpPr/>
     </dsp:nvGrpSpPr>
     <dsp:grpSpPr/>
+    <dsp:sp modelId="{D7FE9191-F345-41D1-BC78-A57FAC85C889}">
+      <dsp:nvSpPr>
+        <dsp:cNvPr id="0" name=""/>
+        <dsp:cNvSpPr/>
+      </dsp:nvSpPr>
+      <dsp:spPr>
+        <a:xfrm>
+          <a:off x="432780" y="871800"/>
+          <a:ext cx="1200937" cy="1200937"/>
+        </a:xfrm>
+        <a:prstGeom prst="ellipse">
+          <a:avLst/>
+        </a:prstGeom>
+        <a:solidFill>
+          <a:schemeClr val="accent5">
+            <a:hueOff val="0"/>
+            <a:satOff val="0"/>
+            <a:lumOff val="0"/>
+            <a:alphaOff val="0"/>
+          </a:schemeClr>
+        </a:solidFill>
+        <a:ln>
+          <a:noFill/>
+        </a:ln>
+        <a:effectLst/>
+      </dsp:spPr>
+      <dsp:style>
+        <a:lnRef idx="0">
+          <a:scrgbClr r="0" g="0" b="0"/>
+        </a:lnRef>
+        <a:fillRef idx="1">
+          <a:scrgbClr r="0" g="0" b="0"/>
+        </a:fillRef>
+        <a:effectRef idx="0">
+          <a:scrgbClr r="0" g="0" b="0"/>
+        </a:effectRef>
+        <a:fontRef idx="minor"/>
+      </dsp:style>
+    </dsp:sp>
+    <dsp:sp modelId="{8FF3ED10-1F7A-4228-8DBA-95ED52350852}">
+      <dsp:nvSpPr>
+        <dsp:cNvPr id="0" name=""/>
+        <dsp:cNvSpPr/>
+      </dsp:nvSpPr>
+      <dsp:spPr>
+        <a:xfrm>
+          <a:off x="688718" y="1127737"/>
+          <a:ext cx="689062" cy="689062"/>
+        </a:xfrm>
+        <a:prstGeom prst="rect">
+          <a:avLst/>
+        </a:prstGeom>
+        <a:blipFill>
+          <a:blip xmlns:r="http://schemas.openxmlformats.org/officeDocument/2006/relationships" r:embed="rId1">
+            <a:extLst>
+              <a:ext uri="{28A0092B-C50C-407E-A947-70E740481C1C}">
+                <a14:useLocalDpi xmlns:a14="http://schemas.microsoft.com/office/drawing/2010/main" val="0"/>
+              </a:ext>
+              <a:ext uri="{96DAC541-7B7A-43D3-8B79-37D633B846F1}">
+                <asvg:svgBlip xmlns:asvg="http://schemas.microsoft.com/office/drawing/2016/SVG/main" r:embed="rId2"/>
+              </a:ext>
+            </a:extLst>
+          </a:blip>
+          <a:stretch>
+            <a:fillRect/>
+          </a:stretch>
+        </a:blipFill>
+        <a:ln w="19050" cap="flat" cmpd="sng" algn="ctr">
+          <a:solidFill>
+            <a:schemeClr val="lt1">
+              <a:alpha val="0"/>
+              <a:hueOff val="0"/>
+              <a:satOff val="0"/>
+              <a:lumOff val="0"/>
+              <a:alphaOff val="0"/>
+            </a:schemeClr>
+          </a:solidFill>
+          <a:prstDash val="solid"/>
+        </a:ln>
+        <a:effectLst/>
+      </dsp:spPr>
+      <dsp:style>
+        <a:lnRef idx="2">
+          <a:scrgbClr r="0" g="0" b="0"/>
+        </a:lnRef>
+        <a:fillRef idx="1">
+          <a:scrgbClr r="0" g="0" b="0"/>
+        </a:fillRef>
+        <a:effectRef idx="0">
+          <a:scrgbClr r="0" g="0" b="0"/>
+        </a:effectRef>
+        <a:fontRef idx="minor">
+          <a:schemeClr val="lt1"/>
+        </a:fontRef>
+      </dsp:style>
+    </dsp:sp>
+    <dsp:sp modelId="{54849521-B57C-45E5-AE0C-3EC2C0D4D0A2}">
+      <dsp:nvSpPr>
+        <dsp:cNvPr id="0" name=""/>
+        <dsp:cNvSpPr/>
+      </dsp:nvSpPr>
+      <dsp:spPr>
+        <a:xfrm>
+          <a:off x="48874" y="2446800"/>
+          <a:ext cx="1968750" cy="720000"/>
+        </a:xfrm>
+        <a:prstGeom prst="rect">
+          <a:avLst/>
+        </a:prstGeom>
+        <a:noFill/>
+        <a:ln>
+          <a:noFill/>
+        </a:ln>
+        <a:effectLst/>
+      </dsp:spPr>
+      <dsp:style>
+        <a:lnRef idx="0">
+          <a:scrgbClr r="0" g="0" b="0"/>
+        </a:lnRef>
+        <a:fillRef idx="0">
+          <a:scrgbClr r="0" g="0" b="0"/>
+        </a:fillRef>
+        <a:effectRef idx="0">
+          <a:scrgbClr r="0" g="0" b="0"/>
+        </a:effectRef>
+        <a:fontRef idx="minor"/>
+      </dsp:style>
+      <dsp:txBody>
+        <a:bodyPr spcFirstLastPara="0" vert="horz" wrap="square" lIns="0" tIns="0" rIns="0" bIns="0" numCol="1" spcCol="1270" anchor="t" anchorCtr="0">
+          <a:noAutofit/>
+        </a:bodyPr>
+        <a:lstStyle/>
+        <a:p>
+          <a:pPr marL="0" lvl="0" indent="0" algn="ctr" defTabSz="1422400">
+            <a:lnSpc>
+              <a:spcPct val="100000"/>
+            </a:lnSpc>
+            <a:spcBef>
+              <a:spcPct val="0"/>
+            </a:spcBef>
+            <a:spcAft>
+              <a:spcPct val="35000"/>
+            </a:spcAft>
+            <a:buNone/>
+            <a:defRPr cap="all"/>
+          </a:pPr>
+          <a:r>
+            <a:rPr lang="en-ZA" sz="3200" kern="1200" cap="none" dirty="0"/>
+            <a:t>Adventure</a:t>
+          </a:r>
+          <a:endParaRPr lang="en-US" sz="3200" kern="1200" cap="none" dirty="0"/>
+        </a:p>
+      </dsp:txBody>
+      <dsp:txXfrm>
+        <a:off x="48874" y="2446800"/>
+        <a:ext cx="1968750" cy="720000"/>
+      </dsp:txXfrm>
+    </dsp:sp>
+    <dsp:sp modelId="{CA2BB399-46B1-46DF-BB84-F602FEBB6E8F}">
+      <dsp:nvSpPr>
+        <dsp:cNvPr id="0" name=""/>
+        <dsp:cNvSpPr/>
+      </dsp:nvSpPr>
+      <dsp:spPr>
+        <a:xfrm>
+          <a:off x="2746061" y="871800"/>
+          <a:ext cx="1200937" cy="1200937"/>
+        </a:xfrm>
+        <a:prstGeom prst="ellipse">
+          <a:avLst/>
+        </a:prstGeom>
+        <a:solidFill>
+          <a:schemeClr val="accent5">
+            <a:hueOff val="5437504"/>
+            <a:satOff val="-31742"/>
+            <a:lumOff val="-2549"/>
+            <a:alphaOff val="0"/>
+          </a:schemeClr>
+        </a:solidFill>
+        <a:ln>
+          <a:noFill/>
+        </a:ln>
+        <a:effectLst/>
+      </dsp:spPr>
+      <dsp:style>
+        <a:lnRef idx="0">
+          <a:scrgbClr r="0" g="0" b="0"/>
+        </a:lnRef>
+        <a:fillRef idx="1">
+          <a:scrgbClr r="0" g="0" b="0"/>
+        </a:fillRef>
+        <a:effectRef idx="0">
+          <a:scrgbClr r="0" g="0" b="0"/>
+        </a:effectRef>
+        <a:fontRef idx="minor"/>
+      </dsp:style>
+    </dsp:sp>
+    <dsp:sp modelId="{D6853916-A787-4645-8300-F6B01D5465FD}">
+      <dsp:nvSpPr>
+        <dsp:cNvPr id="0" name=""/>
+        <dsp:cNvSpPr/>
+      </dsp:nvSpPr>
+      <dsp:spPr>
+        <a:xfrm>
+          <a:off x="3001999" y="1127737"/>
+          <a:ext cx="689062" cy="689062"/>
+        </a:xfrm>
+        <a:prstGeom prst="rect">
+          <a:avLst/>
+        </a:prstGeom>
+        <a:blipFill>
+          <a:blip xmlns:r="http://schemas.openxmlformats.org/officeDocument/2006/relationships" r:embed="rId3">
+            <a:extLst>
+              <a:ext uri="{28A0092B-C50C-407E-A947-70E740481C1C}">
+                <a14:useLocalDpi xmlns:a14="http://schemas.microsoft.com/office/drawing/2010/main" val="0"/>
+              </a:ext>
+              <a:ext uri="{96DAC541-7B7A-43D3-8B79-37D633B846F1}">
+                <asvg:svgBlip xmlns:asvg="http://schemas.microsoft.com/office/drawing/2016/SVG/main" r:embed="rId4"/>
+              </a:ext>
+            </a:extLst>
+          </a:blip>
+          <a:stretch>
+            <a:fillRect/>
+          </a:stretch>
+        </a:blipFill>
+        <a:ln w="19050" cap="flat" cmpd="sng" algn="ctr">
+          <a:solidFill>
+            <a:schemeClr val="lt1">
+              <a:alpha val="0"/>
+              <a:hueOff val="0"/>
+              <a:satOff val="0"/>
+              <a:lumOff val="0"/>
+              <a:alphaOff val="0"/>
+            </a:schemeClr>
+          </a:solidFill>
+          <a:prstDash val="solid"/>
+        </a:ln>
+        <a:effectLst/>
+      </dsp:spPr>
+      <dsp:style>
+        <a:lnRef idx="2">
+          <a:scrgbClr r="0" g="0" b="0"/>
+        </a:lnRef>
+        <a:fillRef idx="1">
+          <a:scrgbClr r="0" g="0" b="0"/>
+        </a:fillRef>
+        <a:effectRef idx="0">
+          <a:scrgbClr r="0" g="0" b="0"/>
+        </a:effectRef>
+        <a:fontRef idx="minor">
+          <a:schemeClr val="lt1"/>
+        </a:fontRef>
+      </dsp:style>
+    </dsp:sp>
+    <dsp:sp modelId="{1236D849-CB48-479C-B013-12E41455C64A}">
+      <dsp:nvSpPr>
+        <dsp:cNvPr id="0" name=""/>
+        <dsp:cNvSpPr/>
+      </dsp:nvSpPr>
+      <dsp:spPr>
+        <a:xfrm>
+          <a:off x="2362155" y="2446800"/>
+          <a:ext cx="1968750" cy="720000"/>
+        </a:xfrm>
+        <a:prstGeom prst="rect">
+          <a:avLst/>
+        </a:prstGeom>
+        <a:noFill/>
+        <a:ln>
+          <a:noFill/>
+        </a:ln>
+        <a:effectLst/>
+      </dsp:spPr>
+      <dsp:style>
+        <a:lnRef idx="0">
+          <a:scrgbClr r="0" g="0" b="0"/>
+        </a:lnRef>
+        <a:fillRef idx="0">
+          <a:scrgbClr r="0" g="0" b="0"/>
+        </a:fillRef>
+        <a:effectRef idx="0">
+          <a:scrgbClr r="0" g="0" b="0"/>
+        </a:effectRef>
+        <a:fontRef idx="minor"/>
+      </dsp:style>
+      <dsp:txBody>
+        <a:bodyPr spcFirstLastPara="0" vert="horz" wrap="square" lIns="0" tIns="0" rIns="0" bIns="0" numCol="1" spcCol="1270" anchor="t" anchorCtr="0">
+          <a:noAutofit/>
+        </a:bodyPr>
+        <a:lstStyle/>
+        <a:p>
+          <a:pPr marL="0" lvl="0" indent="0" algn="ctr" defTabSz="1422400">
+            <a:lnSpc>
+              <a:spcPct val="100000"/>
+            </a:lnSpc>
+            <a:spcBef>
+              <a:spcPct val="0"/>
+            </a:spcBef>
+            <a:spcAft>
+              <a:spcPct val="35000"/>
+            </a:spcAft>
+            <a:buNone/>
+            <a:defRPr cap="all"/>
+          </a:pPr>
+          <a:r>
+            <a:rPr lang="en-ZA" sz="3200" kern="1200" cap="none" dirty="0"/>
+            <a:t>Enthusiasm</a:t>
+          </a:r>
+          <a:endParaRPr lang="en-US" sz="3200" kern="1200" cap="none" dirty="0"/>
+        </a:p>
+      </dsp:txBody>
+      <dsp:txXfrm>
+        <a:off x="2362155" y="2446800"/>
+        <a:ext cx="1968750" cy="720000"/>
+      </dsp:txXfrm>
+    </dsp:sp>
+    <dsp:sp modelId="{1FBD15DA-15EC-437E-AD24-BB3FBA44188E}">
+      <dsp:nvSpPr>
+        <dsp:cNvPr id="0" name=""/>
+        <dsp:cNvSpPr/>
+      </dsp:nvSpPr>
+      <dsp:spPr>
+        <a:xfrm>
+          <a:off x="5059343" y="871800"/>
+          <a:ext cx="1200937" cy="1200937"/>
+        </a:xfrm>
+        <a:prstGeom prst="ellipse">
+          <a:avLst/>
+        </a:prstGeom>
+        <a:solidFill>
+          <a:schemeClr val="accent5">
+            <a:hueOff val="10875008"/>
+            <a:satOff val="-63485"/>
+            <a:lumOff val="-5097"/>
+            <a:alphaOff val="0"/>
+          </a:schemeClr>
+        </a:solidFill>
+        <a:ln>
+          <a:noFill/>
+        </a:ln>
+        <a:effectLst/>
+      </dsp:spPr>
+      <dsp:style>
+        <a:lnRef idx="0">
+          <a:scrgbClr r="0" g="0" b="0"/>
+        </a:lnRef>
+        <a:fillRef idx="1">
+          <a:scrgbClr r="0" g="0" b="0"/>
+        </a:fillRef>
+        <a:effectRef idx="0">
+          <a:scrgbClr r="0" g="0" b="0"/>
+        </a:effectRef>
+        <a:fontRef idx="minor"/>
+      </dsp:style>
+    </dsp:sp>
+    <dsp:sp modelId="{F978FA78-402E-430D-BD6D-B50543BC1779}">
+      <dsp:nvSpPr>
+        <dsp:cNvPr id="0" name=""/>
+        <dsp:cNvSpPr/>
+      </dsp:nvSpPr>
+      <dsp:spPr>
+        <a:xfrm>
+          <a:off x="5315280" y="1127737"/>
+          <a:ext cx="689062" cy="689062"/>
+        </a:xfrm>
+        <a:prstGeom prst="rect">
+          <a:avLst/>
+        </a:prstGeom>
+        <a:blipFill>
+          <a:blip xmlns:r="http://schemas.openxmlformats.org/officeDocument/2006/relationships" r:embed="rId5">
+            <a:extLst>
+              <a:ext uri="{28A0092B-C50C-407E-A947-70E740481C1C}">
+                <a14:useLocalDpi xmlns:a14="http://schemas.microsoft.com/office/drawing/2010/main" val="0"/>
+              </a:ext>
+              <a:ext uri="{96DAC541-7B7A-43D3-8B79-37D633B846F1}">
+                <asvg:svgBlip xmlns:asvg="http://schemas.microsoft.com/office/drawing/2016/SVG/main" r:embed="rId6"/>
+              </a:ext>
+            </a:extLst>
+          </a:blip>
+          <a:stretch>
+            <a:fillRect/>
+          </a:stretch>
+        </a:blipFill>
+        <a:ln w="19050" cap="flat" cmpd="sng" algn="ctr">
+          <a:solidFill>
+            <a:schemeClr val="lt1">
+              <a:alpha val="0"/>
+              <a:hueOff val="0"/>
+              <a:satOff val="0"/>
+              <a:lumOff val="0"/>
+              <a:alphaOff val="0"/>
+            </a:schemeClr>
+          </a:solidFill>
+          <a:prstDash val="solid"/>
+        </a:ln>
+        <a:effectLst/>
+      </dsp:spPr>
+      <dsp:style>
+        <a:lnRef idx="2">
+          <a:scrgbClr r="0" g="0" b="0"/>
+        </a:lnRef>
+        <a:fillRef idx="1">
+          <a:scrgbClr r="0" g="0" b="0"/>
+        </a:fillRef>
+        <a:effectRef idx="0">
+          <a:scrgbClr r="0" g="0" b="0"/>
+        </a:effectRef>
+        <a:fontRef idx="minor">
+          <a:schemeClr val="lt1"/>
+        </a:fontRef>
+      </dsp:style>
+    </dsp:sp>
+    <dsp:sp modelId="{1437B87F-714F-41BA-8ABB-43977D1FDD2E}">
+      <dsp:nvSpPr>
+        <dsp:cNvPr id="0" name=""/>
+        <dsp:cNvSpPr/>
+      </dsp:nvSpPr>
+      <dsp:spPr>
+        <a:xfrm>
+          <a:off x="4675436" y="2446800"/>
+          <a:ext cx="1968750" cy="720000"/>
+        </a:xfrm>
+        <a:prstGeom prst="rect">
+          <a:avLst/>
+        </a:prstGeom>
+        <a:noFill/>
+        <a:ln>
+          <a:noFill/>
+        </a:ln>
+        <a:effectLst/>
+      </dsp:spPr>
+      <dsp:style>
+        <a:lnRef idx="0">
+          <a:scrgbClr r="0" g="0" b="0"/>
+        </a:lnRef>
+        <a:fillRef idx="0">
+          <a:scrgbClr r="0" g="0" b="0"/>
+        </a:fillRef>
+        <a:effectRef idx="0">
+          <a:scrgbClr r="0" g="0" b="0"/>
+        </a:effectRef>
+        <a:fontRef idx="minor"/>
+      </dsp:style>
+      <dsp:txBody>
+        <a:bodyPr spcFirstLastPara="0" vert="horz" wrap="square" lIns="0" tIns="0" rIns="0" bIns="0" numCol="1" spcCol="1270" anchor="t" anchorCtr="0">
+          <a:noAutofit/>
+        </a:bodyPr>
+        <a:lstStyle/>
+        <a:p>
+          <a:pPr marL="0" lvl="0" indent="0" algn="ctr" defTabSz="1422400">
+            <a:lnSpc>
+              <a:spcPct val="100000"/>
+            </a:lnSpc>
+            <a:spcBef>
+              <a:spcPct val="0"/>
+            </a:spcBef>
+            <a:spcAft>
+              <a:spcPct val="35000"/>
+            </a:spcAft>
+            <a:buNone/>
+            <a:defRPr cap="all"/>
+          </a:pPr>
+          <a:r>
+            <a:rPr lang="en-ZA" sz="3200" kern="1200" cap="none" dirty="0"/>
+            <a:t>Discovery</a:t>
+          </a:r>
+          <a:endParaRPr lang="en-US" sz="3200" kern="1200" cap="none" dirty="0"/>
+        </a:p>
+      </dsp:txBody>
+      <dsp:txXfrm>
+        <a:off x="4675436" y="2446800"/>
+        <a:ext cx="1968750" cy="720000"/>
+      </dsp:txXfrm>
+    </dsp:sp>
+  </dsp:spTree>
+</dsp:drawing>
+</file>
+
+<file path=ppt/diagrams/drawing3.xml><?xml version="1.0" encoding="utf-8"?>
+<dsp:drawing xmlns:dgm="http://schemas.openxmlformats.org/drawingml/2006/diagram" xmlns:dsp="http://schemas.microsoft.com/office/drawing/2008/diagram" xmlns:a="http://schemas.openxmlformats.org/drawingml/2006/main">
+  <dsp:spTree>
+    <dsp:nvGrpSpPr>
+      <dsp:cNvPr id="0" name=""/>
+      <dsp:cNvGrpSpPr/>
+    </dsp:nvGrpSpPr>
+    <dsp:grpSpPr/>
     <dsp:sp modelId="{0659EFF8-8E37-48D0-8531-AA8591B030C2}">
       <dsp:nvSpPr>
         <dsp:cNvPr id="0" name=""/>
@@ -5304,6 +6913,221 @@
 </file>
 
 <file path=ppt/diagrams/layout2.xml><?xml version="1.0" encoding="utf-8"?>
+<dgm:layoutDef xmlns:dgm="http://schemas.openxmlformats.org/drawingml/2006/diagram" xmlns:a="http://schemas.openxmlformats.org/drawingml/2006/main" uniqueId="urn:microsoft.com/office/officeart/2018/5/layout/IconCircleLabelList">
+  <dgm:title val="Icon Circle Label List"/>
+  <dgm:desc val="Use to show non-sequential or grouped chunks of information accompanied by a related visuals. Works best with icons or small pictures with short text captions."/>
+  <dgm:catLst>
+    <dgm:cat type="icon" pri="500"/>
+  </dgm:catLst>
+  <dgm:sampData useDef="1">
+    <dgm:dataModel>
+      <dgm:ptLst/>
+      <dgm:bg/>
+      <dgm:whole/>
+    </dgm:dataModel>
+  </dgm:sampData>
+  <dgm:styleData useDef="1">
+    <dgm:dataModel>
+      <dgm:ptLst/>
+      <dgm:bg/>
+      <dgm:whole/>
+    </dgm:dataModel>
+  </dgm:styleData>
+  <dgm:clrData useDef="1">
+    <dgm:dataModel>
+      <dgm:ptLst/>
+      <dgm:bg/>
+      <dgm:whole/>
+    </dgm:dataModel>
+  </dgm:clrData>
+  <dgm:layoutNode name="root">
+    <dgm:varLst>
+      <dgm:dir/>
+      <dgm:resizeHandles val="exact"/>
+    </dgm:varLst>
+    <dgm:choose name="Name0">
+      <dgm:if name="Name1" axis="self" func="var" arg="dir" op="equ" val="norm">
+        <dgm:alg type="snake">
+          <dgm:param type="grDir" val="tL"/>
+          <dgm:param type="flowDir" val="row"/>
+          <dgm:param type="contDir" val="sameDir"/>
+          <dgm:param type="off" val="ctr"/>
+          <dgm:param type="vertAlign" val="mid"/>
+          <dgm:param type="horzAlign" val="ctr"/>
+        </dgm:alg>
+      </dgm:if>
+      <dgm:else name="Name2">
+        <dgm:alg type="snake">
+          <dgm:param type="grDir" val="tR"/>
+          <dgm:param type="flowDir" val="row"/>
+          <dgm:param type="contDir" val="sameDir"/>
+          <dgm:param type="off" val="ctr"/>
+          <dgm:param type="vertAlign" val="mid"/>
+          <dgm:param type="horzAlign" val="ctr"/>
+        </dgm:alg>
+      </dgm:else>
+    </dgm:choose>
+    <dgm:shape xmlns:r="http://schemas.openxmlformats.org/officeDocument/2006/relationships" r:blip="">
+      <dgm:adjLst/>
+    </dgm:shape>
+    <dgm:presOf/>
+    <dgm:choose name="Name3">
+      <dgm:if name="Name4" axis="ch" ptType="node" func="cnt" op="lte" val="2">
+        <dgm:constrLst>
+          <dgm:constr type="h" for="ch" forName="compNode" refType="h" fact="0.4"/>
+          <dgm:constr type="w" for="ch" forName="compNode" val="100"/>
+          <dgm:constr type="w" for="ch" forName="sibTrans" refType="w" refFor="ch" refForName="compNode" fact="0.175"/>
+          <dgm:constr type="sp" refType="w" refFor="ch" refForName="compNode" op="equ" fact="0.25"/>
+          <dgm:constr type="primFontSz" for="des" ptType="node" op="equ" val="44"/>
+          <dgm:constr type="h" for="des" forName="compNode" op="equ"/>
+          <dgm:constr type="h" for="des" forName="textRect" op="equ"/>
+        </dgm:constrLst>
+      </dgm:if>
+      <dgm:if name="Name5" axis="ch" ptType="node" func="cnt" op="lte" val="3">
+        <dgm:constrLst>
+          <dgm:constr type="h" for="ch" forName="compNode" refType="h" fact="0.4"/>
+          <dgm:constr type="w" for="ch" forName="compNode" val="100"/>
+          <dgm:constr type="w" for="ch" forName="sibTrans" refType="w" refFor="ch" refForName="compNode" fact="0.175"/>
+          <dgm:constr type="sp" refType="w" refFor="ch" refForName="compNode" op="equ" fact="0.25"/>
+          <dgm:constr type="primFontSz" for="des" ptType="node" op="equ" val="40"/>
+          <dgm:constr type="h" for="des" forName="compNode" op="equ"/>
+          <dgm:constr type="h" for="des" forName="textRect" op="equ"/>
+        </dgm:constrLst>
+      </dgm:if>
+      <dgm:if name="Name6" axis="ch" ptType="node" func="cnt" op="lte" val="4">
+        <dgm:constrLst>
+          <dgm:constr type="h" for="ch" forName="compNode" refType="h" fact="0.4"/>
+          <dgm:constr type="w" for="ch" forName="compNode" refType="w"/>
+          <dgm:constr type="w" for="ch" forName="sibTrans" refType="w" refFor="ch" refForName="compNode" fact="0.175"/>
+          <dgm:constr type="sp" refType="w" refFor="ch" refForName="compNode" op="equ" fact="0.25"/>
+          <dgm:constr type="primFontSz" for="des" ptType="node" op="equ" val="32"/>
+          <dgm:constr type="h" for="des" forName="compNode" op="equ"/>
+          <dgm:constr type="h" for="des" forName="textRect" op="equ"/>
+        </dgm:constrLst>
+      </dgm:if>
+      <dgm:else name="Name7">
+        <dgm:constrLst>
+          <dgm:constr type="h" for="ch" forName="compNode" refType="h" fact="0.4"/>
+          <dgm:constr type="w" for="ch" forName="compNode" refType="w"/>
+          <dgm:constr type="w" for="ch" forName="sibTrans" refType="w" refFor="ch" refForName="compNode" fact="0.175"/>
+          <dgm:constr type="sp" refType="w" refFor="ch" refForName="compNode" op="equ" fact="0.25"/>
+          <dgm:constr type="primFontSz" for="des" ptType="node" op="equ" val="24"/>
+          <dgm:constr type="h" for="des" forName="compNode" op="equ"/>
+          <dgm:constr type="h" for="des" forName="textRect" op="equ"/>
+        </dgm:constrLst>
+      </dgm:else>
+    </dgm:choose>
+    <dgm:ruleLst>
+      <dgm:rule type="w" for="ch" forName="compNode" val="50" fact="NaN" max="NaN"/>
+    </dgm:ruleLst>
+    <dgm:forEach name="Name8" axis="ch" ptType="node">
+      <dgm:layoutNode name="compNode">
+        <dgm:alg type="composite"/>
+        <dgm:shape xmlns:r="http://schemas.openxmlformats.org/officeDocument/2006/relationships" r:blip="">
+          <dgm:adjLst/>
+        </dgm:shape>
+        <dgm:presOf axis="self"/>
+        <dgm:constrLst>
+          <dgm:constr type="w" for="ch" forName="iconBgRect" refType="w" fact="0.61"/>
+          <dgm:constr type="h" for="ch" forName="iconBgRect" refType="w" refFor="ch" refForName="iconBgRect"/>
+          <dgm:constr type="t" for="ch" forName="iconBgRect"/>
+          <dgm:constr type="ctrX" for="ch" forName="iconBgRect" refType="w" fact="0.5"/>
+          <dgm:constr type="w" for="ch" forName="iconRect" refType="w" fact="0.35"/>
+          <dgm:constr type="h" for="ch" forName="iconRect" refType="w" refFor="ch" refForName="iconRect"/>
+          <dgm:constr type="ctrX" for="ch" forName="iconRect" refType="ctrX" refFor="ch" refForName="iconBgRect"/>
+          <dgm:constr type="ctrY" for="ch" forName="iconRect" refType="ctrY" refFor="ch" refForName="iconBgRect"/>
+          <dgm:constr type="h" for="ch" forName="spaceRect" refType="w" fact="0.19"/>
+          <dgm:constr type="w" for="ch" forName="spaceRect" refType="w"/>
+          <dgm:constr type="l" for="ch" forName="spaceRect"/>
+          <dgm:constr type="t" for="ch" forName="spaceRect" refType="b" refFor="ch" refForName="iconBgRect"/>
+          <dgm:constr type="h" for="ch" forName="textRect" val="20"/>
+          <dgm:constr type="w" for="ch" forName="textRect" refType="w"/>
+          <dgm:constr type="l" for="ch" forName="textRect"/>
+          <dgm:constr type="t" for="ch" forName="textRect" refType="b" refFor="ch" refForName="spaceRect"/>
+        </dgm:constrLst>
+        <dgm:ruleLst>
+          <dgm:rule type="h" val="INF" fact="NaN" max="NaN"/>
+        </dgm:ruleLst>
+        <dgm:layoutNode name="iconBgRect" styleLbl="bgShp">
+          <dgm:alg type="sp"/>
+          <dgm:shape xmlns:r="http://schemas.openxmlformats.org/officeDocument/2006/relationships" type="ellipse" r:blip="">
+            <dgm:adjLst/>
+          </dgm:shape>
+          <dgm:presOf/>
+          <dgm:constrLst/>
+          <dgm:ruleLst/>
+        </dgm:layoutNode>
+        <dgm:layoutNode name="iconRect" styleLbl="node1">
+          <dgm:alg type="sp"/>
+          <dgm:shape xmlns:r="http://schemas.openxmlformats.org/officeDocument/2006/relationships" type="rect" r:blip="" blipPhldr="1">
+            <dgm:adjLst/>
+          </dgm:shape>
+          <dgm:presOf/>
+          <dgm:constrLst/>
+          <dgm:ruleLst/>
+        </dgm:layoutNode>
+        <dgm:layoutNode name="spaceRect">
+          <dgm:alg type="sp"/>
+          <dgm:shape xmlns:r="http://schemas.openxmlformats.org/officeDocument/2006/relationships" r:blip="">
+            <dgm:adjLst/>
+          </dgm:shape>
+          <dgm:presOf/>
+          <dgm:constrLst/>
+          <dgm:ruleLst/>
+        </dgm:layoutNode>
+        <dgm:layoutNode name="textRect" styleLbl="revTx">
+          <dgm:varLst>
+            <dgm:chMax val="1"/>
+            <dgm:chPref val="1"/>
+          </dgm:varLst>
+          <dgm:alg type="tx">
+            <dgm:param type="txAnchorVert" val="t"/>
+          </dgm:alg>
+          <dgm:shape xmlns:r="http://schemas.openxmlformats.org/officeDocument/2006/relationships" type="rect" r:blip="">
+            <dgm:adjLst/>
+          </dgm:shape>
+          <dgm:presOf axis="self" ptType="node"/>
+          <dgm:constrLst>
+            <dgm:constr type="lMarg"/>
+            <dgm:constr type="rMarg"/>
+            <dgm:constr type="tMarg"/>
+            <dgm:constr type="bMarg"/>
+          </dgm:constrLst>
+          <dgm:ruleLst>
+            <dgm:rule type="primFontSz" val="11" fact="NaN" max="NaN"/>
+            <dgm:rule type="h" val="INF" fact="NaN" max="NaN"/>
+          </dgm:ruleLst>
+        </dgm:layoutNode>
+      </dgm:layoutNode>
+      <dgm:forEach name="Name9" axis="followSib" ptType="sibTrans" cnt="1">
+        <dgm:layoutNode name="sibTrans">
+          <dgm:alg type="sp"/>
+          <dgm:shape xmlns:r="http://schemas.openxmlformats.org/officeDocument/2006/relationships" r:blip="">
+            <dgm:adjLst/>
+          </dgm:shape>
+          <dgm:presOf axis="self"/>
+          <dgm:constrLst/>
+          <dgm:ruleLst/>
+        </dgm:layoutNode>
+      </dgm:forEach>
+    </dgm:forEach>
+  </dgm:layoutNode>
+  <dgm:extLst>
+    <a:ext uri="{68A01E43-0DF5-4B5B-8FA6-DAF915123BFB}">
+      <dgm1612:lstStyle xmlns:dgm1612="http://schemas.microsoft.com/office/drawing/2016/12/diagram">
+        <a:lvl1pPr>
+          <a:lnSpc>
+            <a:spcPct val="100000"/>
+          </a:lnSpc>
+          <a:defRPr cap="all"/>
+        </a:lvl1pPr>
+      </dgm1612:lstStyle>
+    </a:ext>
+  </dgm:extLst>
+</dgm:layoutDef>
+</file>
+
+<file path=ppt/diagrams/layout3.xml><?xml version="1.0" encoding="utf-8"?>
 <dgm:layoutDef xmlns:dgm="http://schemas.openxmlformats.org/drawingml/2006/diagram" xmlns:a="http://schemas.openxmlformats.org/drawingml/2006/main" uniqueId="urn:microsoft.com/office/officeart/2009/3/layout/PhasedProcess">
   <dgm:title val=""/>
   <dgm:desc val=""/>
@@ -7499,6 +9323,1040 @@
 </file>
 
 <file path=ppt/diagrams/quickStyle2.xml><?xml version="1.0" encoding="utf-8"?>
+<dgm:styleDef xmlns:dgm="http://schemas.openxmlformats.org/drawingml/2006/diagram" xmlns:a="http://schemas.openxmlformats.org/drawingml/2006/main" uniqueId="urn:microsoft.com/office/officeart/2005/8/quickstyle/simple1">
+  <dgm:title val=""/>
+  <dgm:desc val=""/>
+  <dgm:catLst>
+    <dgm:cat type="simple" pri="10100"/>
+  </dgm:catLst>
+  <dgm:scene3d>
+    <a:camera prst="orthographicFront"/>
+    <a:lightRig rig="threePt" dir="t"/>
+  </dgm:scene3d>
+  <dgm:styleLbl name="node0">
+    <dgm:scene3d>
+      <a:camera prst="orthographicFront"/>
+      <a:lightRig rig="threePt" dir="t"/>
+    </dgm:scene3d>
+    <dgm:sp3d/>
+    <dgm:txPr/>
+    <dgm:style>
+      <a:lnRef idx="2">
+        <a:scrgbClr r="0" g="0" b="0"/>
+      </a:lnRef>
+      <a:fillRef idx="1">
+        <a:scrgbClr r="0" g="0" b="0"/>
+      </a:fillRef>
+      <a:effectRef idx="0">
+        <a:scrgbClr r="0" g="0" b="0"/>
+      </a:effectRef>
+      <a:fontRef idx="minor">
+        <a:schemeClr val="lt1"/>
+      </a:fontRef>
+    </dgm:style>
+  </dgm:styleLbl>
+  <dgm:styleLbl name="lnNode1">
+    <dgm:scene3d>
+      <a:camera prst="orthographicFront"/>
+      <a:lightRig rig="threePt" dir="t"/>
+    </dgm:scene3d>
+    <dgm:sp3d/>
+    <dgm:txPr/>
+    <dgm:style>
+      <a:lnRef idx="2">
+        <a:scrgbClr r="0" g="0" b="0"/>
+      </a:lnRef>
+      <a:fillRef idx="1">
+        <a:scrgbClr r="0" g="0" b="0"/>
+      </a:fillRef>
+      <a:effectRef idx="0">
+        <a:scrgbClr r="0" g="0" b="0"/>
+      </a:effectRef>
+      <a:fontRef idx="minor">
+        <a:schemeClr val="lt1"/>
+      </a:fontRef>
+    </dgm:style>
+  </dgm:styleLbl>
+  <dgm:styleLbl name="vennNode1">
+    <dgm:scene3d>
+      <a:camera prst="orthographicFront"/>
+      <a:lightRig rig="threePt" dir="t"/>
+    </dgm:scene3d>
+    <dgm:sp3d/>
+    <dgm:txPr/>
+    <dgm:style>
+      <a:lnRef idx="2">
+        <a:scrgbClr r="0" g="0" b="0"/>
+      </a:lnRef>
+      <a:fillRef idx="1">
+        <a:scrgbClr r="0" g="0" b="0"/>
+      </a:fillRef>
+      <a:effectRef idx="0">
+        <a:scrgbClr r="0" g="0" b="0"/>
+      </a:effectRef>
+      <a:fontRef idx="minor">
+        <a:schemeClr val="tx1"/>
+      </a:fontRef>
+    </dgm:style>
+  </dgm:styleLbl>
+  <dgm:styleLbl name="alignNode1">
+    <dgm:scene3d>
+      <a:camera prst="orthographicFront"/>
+      <a:lightRig rig="threePt" dir="t"/>
+    </dgm:scene3d>
+    <dgm:sp3d/>
+    <dgm:txPr/>
+    <dgm:style>
+      <a:lnRef idx="2">
+        <a:scrgbClr r="0" g="0" b="0"/>
+      </a:lnRef>
+      <a:fillRef idx="1">
+        <a:scrgbClr r="0" g="0" b="0"/>
+      </a:fillRef>
+      <a:effectRef idx="0">
+        <a:scrgbClr r="0" g="0" b="0"/>
+      </a:effectRef>
+      <a:fontRef idx="minor">
+        <a:schemeClr val="lt1"/>
+      </a:fontRef>
+    </dgm:style>
+  </dgm:styleLbl>
+  <dgm:styleLbl name="node1">
+    <dgm:scene3d>
+      <a:camera prst="orthographicFront"/>
+      <a:lightRig rig="threePt" dir="t"/>
+    </dgm:scene3d>
+    <dgm:sp3d/>
+    <dgm:txPr/>
+    <dgm:style>
+      <a:lnRef idx="2">
+        <a:scrgbClr r="0" g="0" b="0"/>
+      </a:lnRef>
+      <a:fillRef idx="1">
+        <a:scrgbClr r="0" g="0" b="0"/>
+      </a:fillRef>
+      <a:effectRef idx="0">
+        <a:scrgbClr r="0" g="0" b="0"/>
+      </a:effectRef>
+      <a:fontRef idx="minor">
+        <a:schemeClr val="lt1"/>
+      </a:fontRef>
+    </dgm:style>
+  </dgm:styleLbl>
+  <dgm:styleLbl name="node2">
+    <dgm:scene3d>
+      <a:camera prst="orthographicFront"/>
+      <a:lightRig rig="threePt" dir="t"/>
+    </dgm:scene3d>
+    <dgm:sp3d/>
+    <dgm:txPr/>
+    <dgm:style>
+      <a:lnRef idx="2">
+        <a:scrgbClr r="0" g="0" b="0"/>
+      </a:lnRef>
+      <a:fillRef idx="1">
+        <a:scrgbClr r="0" g="0" b="0"/>
+      </a:fillRef>
+      <a:effectRef idx="0">
+        <a:scrgbClr r="0" g="0" b="0"/>
+      </a:effectRef>
+      <a:fontRef idx="minor">
+        <a:schemeClr val="lt1"/>
+      </a:fontRef>
+    </dgm:style>
+  </dgm:styleLbl>
+  <dgm:styleLbl name="node3">
+    <dgm:scene3d>
+      <a:camera prst="orthographicFront"/>
+      <a:lightRig rig="threePt" dir="t"/>
+    </dgm:scene3d>
+    <dgm:sp3d/>
+    <dgm:txPr/>
+    <dgm:style>
+      <a:lnRef idx="2">
+        <a:scrgbClr r="0" g="0" b="0"/>
+      </a:lnRef>
+      <a:fillRef idx="1">
+        <a:scrgbClr r="0" g="0" b="0"/>
+      </a:fillRef>
+      <a:effectRef idx="0">
+        <a:scrgbClr r="0" g="0" b="0"/>
+      </a:effectRef>
+      <a:fontRef idx="minor">
+        <a:schemeClr val="lt1"/>
+      </a:fontRef>
+    </dgm:style>
+  </dgm:styleLbl>
+  <dgm:styleLbl name="node4">
+    <dgm:scene3d>
+      <a:camera prst="orthographicFront"/>
+      <a:lightRig rig="threePt" dir="t"/>
+    </dgm:scene3d>
+    <dgm:sp3d/>
+    <dgm:txPr/>
+    <dgm:style>
+      <a:lnRef idx="2">
+        <a:scrgbClr r="0" g="0" b="0"/>
+      </a:lnRef>
+      <a:fillRef idx="1">
+        <a:scrgbClr r="0" g="0" b="0"/>
+      </a:fillRef>
+      <a:effectRef idx="0">
+        <a:scrgbClr r="0" g="0" b="0"/>
+      </a:effectRef>
+      <a:fontRef idx="minor">
+        <a:schemeClr val="lt1"/>
+      </a:fontRef>
+    </dgm:style>
+  </dgm:styleLbl>
+  <dgm:styleLbl name="fgImgPlace1">
+    <dgm:scene3d>
+      <a:camera prst="orthographicFront"/>
+      <a:lightRig rig="threePt" dir="t"/>
+    </dgm:scene3d>
+    <dgm:sp3d/>
+    <dgm:txPr/>
+    <dgm:style>
+      <a:lnRef idx="2">
+        <a:scrgbClr r="0" g="0" b="0"/>
+      </a:lnRef>
+      <a:fillRef idx="1">
+        <a:scrgbClr r="0" g="0" b="0"/>
+      </a:fillRef>
+      <a:effectRef idx="0">
+        <a:scrgbClr r="0" g="0" b="0"/>
+      </a:effectRef>
+      <a:fontRef idx="minor"/>
+    </dgm:style>
+  </dgm:styleLbl>
+  <dgm:styleLbl name="alignImgPlace1">
+    <dgm:scene3d>
+      <a:camera prst="orthographicFront"/>
+      <a:lightRig rig="threePt" dir="t"/>
+    </dgm:scene3d>
+    <dgm:sp3d/>
+    <dgm:txPr/>
+    <dgm:style>
+      <a:lnRef idx="2">
+        <a:scrgbClr r="0" g="0" b="0"/>
+      </a:lnRef>
+      <a:fillRef idx="1">
+        <a:scrgbClr r="0" g="0" b="0"/>
+      </a:fillRef>
+      <a:effectRef idx="0">
+        <a:scrgbClr r="0" g="0" b="0"/>
+      </a:effectRef>
+      <a:fontRef idx="minor"/>
+    </dgm:style>
+  </dgm:styleLbl>
+  <dgm:styleLbl name="bgImgPlace1">
+    <dgm:scene3d>
+      <a:camera prst="orthographicFront"/>
+      <a:lightRig rig="threePt" dir="t"/>
+    </dgm:scene3d>
+    <dgm:sp3d/>
+    <dgm:txPr/>
+    <dgm:style>
+      <a:lnRef idx="2">
+        <a:scrgbClr r="0" g="0" b="0"/>
+      </a:lnRef>
+      <a:fillRef idx="1">
+        <a:scrgbClr r="0" g="0" b="0"/>
+      </a:fillRef>
+      <a:effectRef idx="0">
+        <a:scrgbClr r="0" g="0" b="0"/>
+      </a:effectRef>
+      <a:fontRef idx="minor"/>
+    </dgm:style>
+  </dgm:styleLbl>
+  <dgm:styleLbl name="sibTrans2D1">
+    <dgm:scene3d>
+      <a:camera prst="orthographicFront"/>
+      <a:lightRig rig="threePt" dir="t"/>
+    </dgm:scene3d>
+    <dgm:sp3d/>
+    <dgm:txPr/>
+    <dgm:style>
+      <a:lnRef idx="0">
+        <a:scrgbClr r="0" g="0" b="0"/>
+      </a:lnRef>
+      <a:fillRef idx="1">
+        <a:scrgbClr r="0" g="0" b="0"/>
+      </a:fillRef>
+      <a:effectRef idx="0">
+        <a:scrgbClr r="0" g="0" b="0"/>
+      </a:effectRef>
+      <a:fontRef idx="minor">
+        <a:schemeClr val="lt1"/>
+      </a:fontRef>
+    </dgm:style>
+  </dgm:styleLbl>
+  <dgm:styleLbl name="fgSibTrans2D1">
+    <dgm:scene3d>
+      <a:camera prst="orthographicFront"/>
+      <a:lightRig rig="threePt" dir="t"/>
+    </dgm:scene3d>
+    <dgm:sp3d/>
+    <dgm:txPr/>
+    <dgm:style>
+      <a:lnRef idx="0">
+        <a:scrgbClr r="0" g="0" b="0"/>
+      </a:lnRef>
+      <a:fillRef idx="1">
+        <a:scrgbClr r="0" g="0" b="0"/>
+      </a:fillRef>
+      <a:effectRef idx="0">
+        <a:scrgbClr r="0" g="0" b="0"/>
+      </a:effectRef>
+      <a:fontRef idx="minor">
+        <a:schemeClr val="lt1"/>
+      </a:fontRef>
+    </dgm:style>
+  </dgm:styleLbl>
+  <dgm:styleLbl name="bgSibTrans2D1">
+    <dgm:scene3d>
+      <a:camera prst="orthographicFront"/>
+      <a:lightRig rig="threePt" dir="t"/>
+    </dgm:scene3d>
+    <dgm:sp3d/>
+    <dgm:txPr/>
+    <dgm:style>
+      <a:lnRef idx="0">
+        <a:scrgbClr r="0" g="0" b="0"/>
+      </a:lnRef>
+      <a:fillRef idx="1">
+        <a:scrgbClr r="0" g="0" b="0"/>
+      </a:fillRef>
+      <a:effectRef idx="0">
+        <a:scrgbClr r="0" g="0" b="0"/>
+      </a:effectRef>
+      <a:fontRef idx="minor">
+        <a:schemeClr val="lt1"/>
+      </a:fontRef>
+    </dgm:style>
+  </dgm:styleLbl>
+  <dgm:styleLbl name="sibTrans1D1">
+    <dgm:scene3d>
+      <a:camera prst="orthographicFront"/>
+      <a:lightRig rig="threePt" dir="t"/>
+    </dgm:scene3d>
+    <dgm:sp3d/>
+    <dgm:txPr/>
+    <dgm:style>
+      <a:lnRef idx="1">
+        <a:scrgbClr r="0" g="0" b="0"/>
+      </a:lnRef>
+      <a:fillRef idx="0">
+        <a:scrgbClr r="0" g="0" b="0"/>
+      </a:fillRef>
+      <a:effectRef idx="0">
+        <a:scrgbClr r="0" g="0" b="0"/>
+      </a:effectRef>
+      <a:fontRef idx="minor"/>
+    </dgm:style>
+  </dgm:styleLbl>
+  <dgm:styleLbl name="callout">
+    <dgm:scene3d>
+      <a:camera prst="orthographicFront"/>
+      <a:lightRig rig="threePt" dir="t"/>
+    </dgm:scene3d>
+    <dgm:sp3d/>
+    <dgm:txPr/>
+    <dgm:style>
+      <a:lnRef idx="2">
+        <a:scrgbClr r="0" g="0" b="0"/>
+      </a:lnRef>
+      <a:fillRef idx="1">
+        <a:scrgbClr r="0" g="0" b="0"/>
+      </a:fillRef>
+      <a:effectRef idx="0">
+        <a:scrgbClr r="0" g="0" b="0"/>
+      </a:effectRef>
+      <a:fontRef idx="minor"/>
+    </dgm:style>
+  </dgm:styleLbl>
+  <dgm:styleLbl name="asst0">
+    <dgm:scene3d>
+      <a:camera prst="orthographicFront"/>
+      <a:lightRig rig="threePt" dir="t"/>
+    </dgm:scene3d>
+    <dgm:sp3d/>
+    <dgm:txPr/>
+    <dgm:style>
+      <a:lnRef idx="2">
+        <a:scrgbClr r="0" g="0" b="0"/>
+      </a:lnRef>
+      <a:fillRef idx="1">
+        <a:scrgbClr r="0" g="0" b="0"/>
+      </a:fillRef>
+      <a:effectRef idx="0">
+        <a:scrgbClr r="0" g="0" b="0"/>
+      </a:effectRef>
+      <a:fontRef idx="minor">
+        <a:schemeClr val="lt1"/>
+      </a:fontRef>
+    </dgm:style>
+  </dgm:styleLbl>
+  <dgm:styleLbl name="asst1">
+    <dgm:scene3d>
+      <a:camera prst="orthographicFront"/>
+      <a:lightRig rig="threePt" dir="t"/>
+    </dgm:scene3d>
+    <dgm:sp3d/>
+    <dgm:txPr/>
+    <dgm:style>
+      <a:lnRef idx="2">
+        <a:scrgbClr r="0" g="0" b="0"/>
+      </a:lnRef>
+      <a:fillRef idx="1">
+        <a:scrgbClr r="0" g="0" b="0"/>
+      </a:fillRef>
+      <a:effectRef idx="0">
+        <a:scrgbClr r="0" g="0" b="0"/>
+      </a:effectRef>
+      <a:fontRef idx="minor">
+        <a:schemeClr val="lt1"/>
+      </a:fontRef>
+    </dgm:style>
+  </dgm:styleLbl>
+  <dgm:styleLbl name="asst2">
+    <dgm:scene3d>
+      <a:camera prst="orthographicFront"/>
+      <a:lightRig rig="threePt" dir="t"/>
+    </dgm:scene3d>
+    <dgm:sp3d/>
+    <dgm:txPr/>
+    <dgm:style>
+      <a:lnRef idx="2">
+        <a:scrgbClr r="0" g="0" b="0"/>
+      </a:lnRef>
+      <a:fillRef idx="1">
+        <a:scrgbClr r="0" g="0" b="0"/>
+      </a:fillRef>
+      <a:effectRef idx="0">
+        <a:scrgbClr r="0" g="0" b="0"/>
+      </a:effectRef>
+      <a:fontRef idx="minor">
+        <a:schemeClr val="lt1"/>
+      </a:fontRef>
+    </dgm:style>
+  </dgm:styleLbl>
+  <dgm:styleLbl name="asst3">
+    <dgm:scene3d>
+      <a:camera prst="orthographicFront"/>
+      <a:lightRig rig="threePt" dir="t"/>
+    </dgm:scene3d>
+    <dgm:sp3d/>
+    <dgm:txPr/>
+    <dgm:style>
+      <a:lnRef idx="2">
+        <a:scrgbClr r="0" g="0" b="0"/>
+      </a:lnRef>
+      <a:fillRef idx="1">
+        <a:scrgbClr r="0" g="0" b="0"/>
+      </a:fillRef>
+      <a:effectRef idx="0">
+        <a:scrgbClr r="0" g="0" b="0"/>
+      </a:effectRef>
+      <a:fontRef idx="minor">
+        <a:schemeClr val="lt1"/>
+      </a:fontRef>
+    </dgm:style>
+  </dgm:styleLbl>
+  <dgm:styleLbl name="asst4">
+    <dgm:scene3d>
+      <a:camera prst="orthographicFront"/>
+      <a:lightRig rig="threePt" dir="t"/>
+    </dgm:scene3d>
+    <dgm:sp3d/>
+    <dgm:txPr/>
+    <dgm:style>
+      <a:lnRef idx="2">
+        <a:scrgbClr r="0" g="0" b="0"/>
+      </a:lnRef>
+      <a:fillRef idx="1">
+        <a:scrgbClr r="0" g="0" b="0"/>
+      </a:fillRef>
+      <a:effectRef idx="0">
+        <a:scrgbClr r="0" g="0" b="0"/>
+      </a:effectRef>
+      <a:fontRef idx="minor">
+        <a:schemeClr val="lt1"/>
+      </a:fontRef>
+    </dgm:style>
+  </dgm:styleLbl>
+  <dgm:styleLbl name="parChTrans2D1">
+    <dgm:scene3d>
+      <a:camera prst="orthographicFront"/>
+      <a:lightRig rig="threePt" dir="t"/>
+    </dgm:scene3d>
+    <dgm:sp3d/>
+    <dgm:txPr/>
+    <dgm:style>
+      <a:lnRef idx="2">
+        <a:scrgbClr r="0" g="0" b="0"/>
+      </a:lnRef>
+      <a:fillRef idx="1">
+        <a:scrgbClr r="0" g="0" b="0"/>
+      </a:fillRef>
+      <a:effectRef idx="0">
+        <a:scrgbClr r="0" g="0" b="0"/>
+      </a:effectRef>
+      <a:fontRef idx="minor">
+        <a:schemeClr val="lt1"/>
+      </a:fontRef>
+    </dgm:style>
+  </dgm:styleLbl>
+  <dgm:styleLbl name="parChTrans2D2">
+    <dgm:scene3d>
+      <a:camera prst="orthographicFront"/>
+      <a:lightRig rig="threePt" dir="t"/>
+    </dgm:scene3d>
+    <dgm:sp3d/>
+    <dgm:txPr/>
+    <dgm:style>
+      <a:lnRef idx="2">
+        <a:scrgbClr r="0" g="0" b="0"/>
+      </a:lnRef>
+      <a:fillRef idx="1">
+        <a:scrgbClr r="0" g="0" b="0"/>
+      </a:fillRef>
+      <a:effectRef idx="0">
+        <a:scrgbClr r="0" g="0" b="0"/>
+      </a:effectRef>
+      <a:fontRef idx="minor">
+        <a:schemeClr val="lt1"/>
+      </a:fontRef>
+    </dgm:style>
+  </dgm:styleLbl>
+  <dgm:styleLbl name="parChTrans2D3">
+    <dgm:scene3d>
+      <a:camera prst="orthographicFront"/>
+      <a:lightRig rig="threePt" dir="t"/>
+    </dgm:scene3d>
+    <dgm:sp3d/>
+    <dgm:txPr/>
+    <dgm:style>
+      <a:lnRef idx="2">
+        <a:scrgbClr r="0" g="0" b="0"/>
+      </a:lnRef>
+      <a:fillRef idx="1">
+        <a:scrgbClr r="0" g="0" b="0"/>
+      </a:fillRef>
+      <a:effectRef idx="0">
+        <a:scrgbClr r="0" g="0" b="0"/>
+      </a:effectRef>
+      <a:fontRef idx="minor">
+        <a:schemeClr val="lt1"/>
+      </a:fontRef>
+    </dgm:style>
+  </dgm:styleLbl>
+  <dgm:styleLbl name="parChTrans2D4">
+    <dgm:scene3d>
+      <a:camera prst="orthographicFront"/>
+      <a:lightRig rig="threePt" dir="t"/>
+    </dgm:scene3d>
+    <dgm:sp3d/>
+    <dgm:txPr/>
+    <dgm:style>
+      <a:lnRef idx="2">
+        <a:scrgbClr r="0" g="0" b="0"/>
+      </a:lnRef>
+      <a:fillRef idx="1">
+        <a:scrgbClr r="0" g="0" b="0"/>
+      </a:fillRef>
+      <a:effectRef idx="0">
+        <a:scrgbClr r="0" g="0" b="0"/>
+      </a:effectRef>
+      <a:fontRef idx="minor">
+        <a:schemeClr val="lt1"/>
+      </a:fontRef>
+    </dgm:style>
+  </dgm:styleLbl>
+  <dgm:styleLbl name="parChTrans1D1">
+    <dgm:scene3d>
+      <a:camera prst="orthographicFront"/>
+      <a:lightRig rig="threePt" dir="t"/>
+    </dgm:scene3d>
+    <dgm:sp3d/>
+    <dgm:txPr/>
+    <dgm:style>
+      <a:lnRef idx="2">
+        <a:scrgbClr r="0" g="0" b="0"/>
+      </a:lnRef>
+      <a:fillRef idx="0">
+        <a:scrgbClr r="0" g="0" b="0"/>
+      </a:fillRef>
+      <a:effectRef idx="0">
+        <a:scrgbClr r="0" g="0" b="0"/>
+      </a:effectRef>
+      <a:fontRef idx="minor"/>
+    </dgm:style>
+  </dgm:styleLbl>
+  <dgm:styleLbl name="parChTrans1D2">
+    <dgm:scene3d>
+      <a:camera prst="orthographicFront"/>
+      <a:lightRig rig="threePt" dir="t"/>
+    </dgm:scene3d>
+    <dgm:sp3d/>
+    <dgm:txPr/>
+    <dgm:style>
+      <a:lnRef idx="2">
+        <a:scrgbClr r="0" g="0" b="0"/>
+      </a:lnRef>
+      <a:fillRef idx="0">
+        <a:scrgbClr r="0" g="0" b="0"/>
+      </a:fillRef>
+      <a:effectRef idx="0">
+        <a:scrgbClr r="0" g="0" b="0"/>
+      </a:effectRef>
+      <a:fontRef idx="minor"/>
+    </dgm:style>
+  </dgm:styleLbl>
+  <dgm:styleLbl name="parChTrans1D3">
+    <dgm:scene3d>
+      <a:camera prst="orthographicFront"/>
+      <a:lightRig rig="threePt" dir="t"/>
+    </dgm:scene3d>
+    <dgm:sp3d/>
+    <dgm:txPr/>
+    <dgm:style>
+      <a:lnRef idx="2">
+        <a:scrgbClr r="0" g="0" b="0"/>
+      </a:lnRef>
+      <a:fillRef idx="0">
+        <a:scrgbClr r="0" g="0" b="0"/>
+      </a:fillRef>
+      <a:effectRef idx="0">
+        <a:scrgbClr r="0" g="0" b="0"/>
+      </a:effectRef>
+      <a:fontRef idx="minor"/>
+    </dgm:style>
+  </dgm:styleLbl>
+  <dgm:styleLbl name="parChTrans1D4">
+    <dgm:scene3d>
+      <a:camera prst="orthographicFront"/>
+      <a:lightRig rig="threePt" dir="t"/>
+    </dgm:scene3d>
+    <dgm:sp3d/>
+    <dgm:txPr/>
+    <dgm:style>
+      <a:lnRef idx="2">
+        <a:scrgbClr r="0" g="0" b="0"/>
+      </a:lnRef>
+      <a:fillRef idx="0">
+        <a:scrgbClr r="0" g="0" b="0"/>
+      </a:fillRef>
+      <a:effectRef idx="0">
+        <a:scrgbClr r="0" g="0" b="0"/>
+      </a:effectRef>
+      <a:fontRef idx="minor"/>
+    </dgm:style>
+  </dgm:styleLbl>
+  <dgm:styleLbl name="fgAcc1">
+    <dgm:scene3d>
+      <a:camera prst="orthographicFront"/>
+      <a:lightRig rig="threePt" dir="t"/>
+    </dgm:scene3d>
+    <dgm:sp3d/>
+    <dgm:txPr/>
+    <dgm:style>
+      <a:lnRef idx="2">
+        <a:scrgbClr r="0" g="0" b="0"/>
+      </a:lnRef>
+      <a:fillRef idx="1">
+        <a:scrgbClr r="0" g="0" b="0"/>
+      </a:fillRef>
+      <a:effectRef idx="0">
+        <a:scrgbClr r="0" g="0" b="0"/>
+      </a:effectRef>
+      <a:fontRef idx="minor"/>
+    </dgm:style>
+  </dgm:styleLbl>
+  <dgm:styleLbl name="conFgAcc1">
+    <dgm:scene3d>
+      <a:camera prst="orthographicFront"/>
+      <a:lightRig rig="threePt" dir="t"/>
+    </dgm:scene3d>
+    <dgm:sp3d/>
+    <dgm:txPr/>
+    <dgm:style>
+      <a:lnRef idx="2">
+        <a:scrgbClr r="0" g="0" b="0"/>
+      </a:lnRef>
+      <a:fillRef idx="1">
+        <a:scrgbClr r="0" g="0" b="0"/>
+      </a:fillRef>
+      <a:effectRef idx="0">
+        <a:scrgbClr r="0" g="0" b="0"/>
+      </a:effectRef>
+      <a:fontRef idx="minor"/>
+    </dgm:style>
+  </dgm:styleLbl>
+  <dgm:styleLbl name="alignAcc1">
+    <dgm:scene3d>
+      <a:camera prst="orthographicFront"/>
+      <a:lightRig rig="threePt" dir="t"/>
+    </dgm:scene3d>
+    <dgm:sp3d/>
+    <dgm:txPr/>
+    <dgm:style>
+      <a:lnRef idx="2">
+        <a:scrgbClr r="0" g="0" b="0"/>
+      </a:lnRef>
+      <a:fillRef idx="1">
+        <a:scrgbClr r="0" g="0" b="0"/>
+      </a:fillRef>
+      <a:effectRef idx="0">
+        <a:scrgbClr r="0" g="0" b="0"/>
+      </a:effectRef>
+      <a:fontRef idx="minor"/>
+    </dgm:style>
+  </dgm:styleLbl>
+  <dgm:styleLbl name="trAlignAcc1">
+    <dgm:scene3d>
+      <a:camera prst="orthographicFront"/>
+      <a:lightRig rig="threePt" dir="t"/>
+    </dgm:scene3d>
+    <dgm:sp3d/>
+    <dgm:txPr/>
+    <dgm:style>
+      <a:lnRef idx="1">
+        <a:scrgbClr r="0" g="0" b="0"/>
+      </a:lnRef>
+      <a:fillRef idx="1">
+        <a:scrgbClr r="0" g="0" b="0"/>
+      </a:fillRef>
+      <a:effectRef idx="0">
+        <a:scrgbClr r="0" g="0" b="0"/>
+      </a:effectRef>
+      <a:fontRef idx="minor"/>
+    </dgm:style>
+  </dgm:styleLbl>
+  <dgm:styleLbl name="bgAcc1">
+    <dgm:scene3d>
+      <a:camera prst="orthographicFront"/>
+      <a:lightRig rig="threePt" dir="t"/>
+    </dgm:scene3d>
+    <dgm:sp3d/>
+    <dgm:txPr/>
+    <dgm:style>
+      <a:lnRef idx="2">
+        <a:scrgbClr r="0" g="0" b="0"/>
+      </a:lnRef>
+      <a:fillRef idx="1">
+        <a:scrgbClr r="0" g="0" b="0"/>
+      </a:fillRef>
+      <a:effectRef idx="0">
+        <a:scrgbClr r="0" g="0" b="0"/>
+      </a:effectRef>
+      <a:fontRef idx="minor"/>
+    </dgm:style>
+  </dgm:styleLbl>
+  <dgm:styleLbl name="solidFgAcc1">
+    <dgm:scene3d>
+      <a:camera prst="orthographicFront"/>
+      <a:lightRig rig="threePt" dir="t"/>
+    </dgm:scene3d>
+    <dgm:sp3d/>
+    <dgm:txPr/>
+    <dgm:style>
+      <a:lnRef idx="2">
+        <a:scrgbClr r="0" g="0" b="0"/>
+      </a:lnRef>
+      <a:fillRef idx="1">
+        <a:scrgbClr r="0" g="0" b="0"/>
+      </a:fillRef>
+      <a:effectRef idx="0">
+        <a:scrgbClr r="0" g="0" b="0"/>
+      </a:effectRef>
+      <a:fontRef idx="minor"/>
+    </dgm:style>
+  </dgm:styleLbl>
+  <dgm:styleLbl name="solidAlignAcc1">
+    <dgm:scene3d>
+      <a:camera prst="orthographicFront"/>
+      <a:lightRig rig="threePt" dir="t"/>
+    </dgm:scene3d>
+    <dgm:sp3d/>
+    <dgm:txPr/>
+    <dgm:style>
+      <a:lnRef idx="2">
+        <a:scrgbClr r="0" g="0" b="0"/>
+      </a:lnRef>
+      <a:fillRef idx="1">
+        <a:scrgbClr r="0" g="0" b="0"/>
+      </a:fillRef>
+      <a:effectRef idx="0">
+        <a:scrgbClr r="0" g="0" b="0"/>
+      </a:effectRef>
+      <a:fontRef idx="minor"/>
+    </dgm:style>
+  </dgm:styleLbl>
+  <dgm:styleLbl name="solidBgAcc1">
+    <dgm:scene3d>
+      <a:camera prst="orthographicFront"/>
+      <a:lightRig rig="threePt" dir="t"/>
+    </dgm:scene3d>
+    <dgm:sp3d/>
+    <dgm:txPr/>
+    <dgm:style>
+      <a:lnRef idx="2">
+        <a:scrgbClr r="0" g="0" b="0"/>
+      </a:lnRef>
+      <a:fillRef idx="1">
+        <a:scrgbClr r="0" g="0" b="0"/>
+      </a:fillRef>
+      <a:effectRef idx="0">
+        <a:scrgbClr r="0" g="0" b="0"/>
+      </a:effectRef>
+      <a:fontRef idx="minor"/>
+    </dgm:style>
+  </dgm:styleLbl>
+  <dgm:styleLbl name="fgAccFollowNode1">
+    <dgm:scene3d>
+      <a:camera prst="orthographicFront"/>
+      <a:lightRig rig="threePt" dir="t"/>
+    </dgm:scene3d>
+    <dgm:sp3d/>
+    <dgm:txPr/>
+    <dgm:style>
+      <a:lnRef idx="2">
+        <a:scrgbClr r="0" g="0" b="0"/>
+      </a:lnRef>
+      <a:fillRef idx="1">
+        <a:scrgbClr r="0" g="0" b="0"/>
+      </a:fillRef>
+      <a:effectRef idx="0">
+        <a:scrgbClr r="0" g="0" b="0"/>
+      </a:effectRef>
+      <a:fontRef idx="minor"/>
+    </dgm:style>
+  </dgm:styleLbl>
+  <dgm:styleLbl name="alignAccFollowNode1">
+    <dgm:scene3d>
+      <a:camera prst="orthographicFront"/>
+      <a:lightRig rig="threePt" dir="t"/>
+    </dgm:scene3d>
+    <dgm:sp3d/>
+    <dgm:txPr/>
+    <dgm:style>
+      <a:lnRef idx="2">
+        <a:scrgbClr r="0" g="0" b="0"/>
+      </a:lnRef>
+      <a:fillRef idx="1">
+        <a:scrgbClr r="0" g="0" b="0"/>
+      </a:fillRef>
+      <a:effectRef idx="0">
+        <a:scrgbClr r="0" g="0" b="0"/>
+      </a:effectRef>
+      <a:fontRef idx="minor"/>
+    </dgm:style>
+  </dgm:styleLbl>
+  <dgm:styleLbl name="bgAccFollowNode1">
+    <dgm:scene3d>
+      <a:camera prst="orthographicFront"/>
+      <a:lightRig rig="threePt" dir="t"/>
+    </dgm:scene3d>
+    <dgm:sp3d/>
+    <dgm:txPr/>
+    <dgm:style>
+      <a:lnRef idx="2">
+        <a:scrgbClr r="0" g="0" b="0"/>
+      </a:lnRef>
+      <a:fillRef idx="1">
+        <a:scrgbClr r="0" g="0" b="0"/>
+      </a:fillRef>
+      <a:effectRef idx="0">
+        <a:scrgbClr r="0" g="0" b="0"/>
+      </a:effectRef>
+      <a:fontRef idx="minor"/>
+    </dgm:style>
+  </dgm:styleLbl>
+  <dgm:styleLbl name="fgAcc0">
+    <dgm:scene3d>
+      <a:camera prst="orthographicFront"/>
+      <a:lightRig rig="threePt" dir="t"/>
+    </dgm:scene3d>
+    <dgm:sp3d/>
+    <dgm:txPr/>
+    <dgm:style>
+      <a:lnRef idx="2">
+        <a:scrgbClr r="0" g="0" b="0"/>
+      </a:lnRef>
+      <a:fillRef idx="1">
+        <a:scrgbClr r="0" g="0" b="0"/>
+      </a:fillRef>
+      <a:effectRef idx="0">
+        <a:scrgbClr r="0" g="0" b="0"/>
+      </a:effectRef>
+      <a:fontRef idx="minor"/>
+    </dgm:style>
+  </dgm:styleLbl>
+  <dgm:styleLbl name="fgAcc2">
+    <dgm:scene3d>
+      <a:camera prst="orthographicFront"/>
+      <a:lightRig rig="threePt" dir="t"/>
+    </dgm:scene3d>
+    <dgm:sp3d/>
+    <dgm:txPr/>
+    <dgm:style>
+      <a:lnRef idx="2">
+        <a:scrgbClr r="0" g="0" b="0"/>
+      </a:lnRef>
+      <a:fillRef idx="1">
+        <a:scrgbClr r="0" g="0" b="0"/>
+      </a:fillRef>
+      <a:effectRef idx="0">
+        <a:scrgbClr r="0" g="0" b="0"/>
+      </a:effectRef>
+      <a:fontRef idx="minor"/>
+    </dgm:style>
+  </dgm:styleLbl>
+  <dgm:styleLbl name="fgAcc3">
+    <dgm:scene3d>
+      <a:camera prst="orthographicFront"/>
+      <a:lightRig rig="threePt" dir="t"/>
+    </dgm:scene3d>
+    <dgm:sp3d/>
+    <dgm:txPr/>
+    <dgm:style>
+      <a:lnRef idx="2">
+        <a:scrgbClr r="0" g="0" b="0"/>
+      </a:lnRef>
+      <a:fillRef idx="1">
+        <a:scrgbClr r="0" g="0" b="0"/>
+      </a:fillRef>
+      <a:effectRef idx="0">
+        <a:scrgbClr r="0" g="0" b="0"/>
+      </a:effectRef>
+      <a:fontRef idx="minor"/>
+    </dgm:style>
+  </dgm:styleLbl>
+  <dgm:styleLbl name="fgAcc4">
+    <dgm:scene3d>
+      <a:camera prst="orthographicFront"/>
+      <a:lightRig rig="threePt" dir="t"/>
+    </dgm:scene3d>
+    <dgm:sp3d/>
+    <dgm:txPr/>
+    <dgm:style>
+      <a:lnRef idx="2">
+        <a:scrgbClr r="0" g="0" b="0"/>
+      </a:lnRef>
+      <a:fillRef idx="1">
+        <a:scrgbClr r="0" g="0" b="0"/>
+      </a:fillRef>
+      <a:effectRef idx="0">
+        <a:scrgbClr r="0" g="0" b="0"/>
+      </a:effectRef>
+      <a:fontRef idx="minor"/>
+    </dgm:style>
+  </dgm:styleLbl>
+  <dgm:styleLbl name="bgShp">
+    <dgm:scene3d>
+      <a:camera prst="orthographicFront"/>
+      <a:lightRig rig="threePt" dir="t"/>
+    </dgm:scene3d>
+    <dgm:sp3d/>
+    <dgm:txPr/>
+    <dgm:style>
+      <a:lnRef idx="0">
+        <a:scrgbClr r="0" g="0" b="0"/>
+      </a:lnRef>
+      <a:fillRef idx="1">
+        <a:scrgbClr r="0" g="0" b="0"/>
+      </a:fillRef>
+      <a:effectRef idx="0">
+        <a:scrgbClr r="0" g="0" b="0"/>
+      </a:effectRef>
+      <a:fontRef idx="minor"/>
+    </dgm:style>
+  </dgm:styleLbl>
+  <dgm:styleLbl name="dkBgShp">
+    <dgm:scene3d>
+      <a:camera prst="orthographicFront"/>
+      <a:lightRig rig="threePt" dir="t"/>
+    </dgm:scene3d>
+    <dgm:sp3d/>
+    <dgm:txPr/>
+    <dgm:style>
+      <a:lnRef idx="0">
+        <a:scrgbClr r="0" g="0" b="0"/>
+      </a:lnRef>
+      <a:fillRef idx="1">
+        <a:scrgbClr r="0" g="0" b="0"/>
+      </a:fillRef>
+      <a:effectRef idx="0">
+        <a:scrgbClr r="0" g="0" b="0"/>
+      </a:effectRef>
+      <a:fontRef idx="minor"/>
+    </dgm:style>
+  </dgm:styleLbl>
+  <dgm:styleLbl name="trBgShp">
+    <dgm:scene3d>
+      <a:camera prst="orthographicFront"/>
+      <a:lightRig rig="threePt" dir="t"/>
+    </dgm:scene3d>
+    <dgm:sp3d/>
+    <dgm:txPr/>
+    <dgm:style>
+      <a:lnRef idx="0">
+        <a:scrgbClr r="0" g="0" b="0"/>
+      </a:lnRef>
+      <a:fillRef idx="1">
+        <a:scrgbClr r="0" g="0" b="0"/>
+      </a:fillRef>
+      <a:effectRef idx="0">
+        <a:scrgbClr r="0" g="0" b="0"/>
+      </a:effectRef>
+      <a:fontRef idx="minor"/>
+    </dgm:style>
+  </dgm:styleLbl>
+  <dgm:styleLbl name="fgShp">
+    <dgm:scene3d>
+      <a:camera prst="orthographicFront"/>
+      <a:lightRig rig="threePt" dir="t"/>
+    </dgm:scene3d>
+    <dgm:sp3d/>
+    <dgm:txPr/>
+    <dgm:style>
+      <a:lnRef idx="2">
+        <a:scrgbClr r="0" g="0" b="0"/>
+      </a:lnRef>
+      <a:fillRef idx="1">
+        <a:scrgbClr r="0" g="0" b="0"/>
+      </a:fillRef>
+      <a:effectRef idx="0">
+        <a:scrgbClr r="0" g="0" b="0"/>
+      </a:effectRef>
+      <a:fontRef idx="minor"/>
+    </dgm:style>
+  </dgm:styleLbl>
+  <dgm:styleLbl name="revTx">
+    <dgm:scene3d>
+      <a:camera prst="orthographicFront"/>
+      <a:lightRig rig="threePt" dir="t"/>
+    </dgm:scene3d>
+    <dgm:sp3d/>
+    <dgm:txPr/>
+    <dgm:style>
+      <a:lnRef idx="0">
+        <a:scrgbClr r="0" g="0" b="0"/>
+      </a:lnRef>
+      <a:fillRef idx="0">
+        <a:scrgbClr r="0" g="0" b="0"/>
+      </a:fillRef>
+      <a:effectRef idx="0">
+        <a:scrgbClr r="0" g="0" b="0"/>
+      </a:effectRef>
+      <a:fontRef idx="minor"/>
+    </dgm:style>
+  </dgm:styleLbl>
+</dgm:styleDef>
+</file>
+
+<file path=ppt/diagrams/quickStyle3.xml><?xml version="1.0" encoding="utf-8"?>
 <dgm:styleDef xmlns:dgm="http://schemas.openxmlformats.org/drawingml/2006/diagram" xmlns:a="http://schemas.openxmlformats.org/drawingml/2006/main" uniqueId="urn:microsoft.com/office/officeart/2005/8/quickstyle/simple3">
   <dgm:title val=""/>
   <dgm:desc val=""/>
@@ -8652,7 +11510,7 @@
           <a:p>
             <a:fld id="{9AEA06F1-B57D-406B-8F09-B1FDC0D0B1F3}" type="datetimeFigureOut">
               <a:rPr lang="en-US" smtClean="0"/>
-              <a:t>3/12/2024</a:t>
+              <a:t>3/13/2024</a:t>
             </a:fld>
             <a:endParaRPr lang="en-US" dirty="0"/>
           </a:p>
@@ -8829,7 +11687,7 @@
           <a:p>
             <a:fld id="{4237F2BD-238E-42D0-B670-F788A50DBDE8}" type="datetimeFigureOut">
               <a:rPr lang="en-US" smtClean="0"/>
-              <a:t>3/12/2024</a:t>
+              <a:t>3/13/2024</a:t>
             </a:fld>
             <a:endParaRPr lang="en-US" dirty="0"/>
           </a:p>
@@ -9245,7 +12103,7 @@
           <a:p>
             <a:fld id="{28E8DF69-FFB1-4D3A-9D8C-5887E79674D9}" type="slidenum">
               <a:rPr lang="en-US" smtClean="0"/>
-              <a:t>16</a:t>
+              <a:t>15</a:t>
             </a:fld>
             <a:endParaRPr lang="en-US" dirty="0"/>
           </a:p>
@@ -9254,7 +12112,7 @@
     </p:spTree>
     <p:extLst>
       <p:ext uri="{BB962C8B-B14F-4D97-AF65-F5344CB8AC3E}">
-        <p14:creationId xmlns:p14="http://schemas.microsoft.com/office/powerpoint/2010/main" val="1272089402"/>
+        <p14:creationId xmlns:p14="http://schemas.microsoft.com/office/powerpoint/2010/main" val="789944155"/>
       </p:ext>
     </p:extLst>
   </p:cSld>
@@ -9329,7 +12187,7 @@
           <a:p>
             <a:fld id="{28E8DF69-FFB1-4D3A-9D8C-5887E79674D9}" type="slidenum">
               <a:rPr lang="en-US" smtClean="0"/>
-              <a:t>17</a:t>
+              <a:t>20</a:t>
             </a:fld>
             <a:endParaRPr lang="en-US" dirty="0"/>
           </a:p>
@@ -9338,7 +12196,7 @@
     </p:spTree>
     <p:extLst>
       <p:ext uri="{BB962C8B-B14F-4D97-AF65-F5344CB8AC3E}">
-        <p14:creationId xmlns:p14="http://schemas.microsoft.com/office/powerpoint/2010/main" val="2039457117"/>
+        <p14:creationId xmlns:p14="http://schemas.microsoft.com/office/powerpoint/2010/main" val="1272089402"/>
       </p:ext>
     </p:extLst>
   </p:cSld>
@@ -9413,7 +12271,7 @@
           <a:p>
             <a:fld id="{28E8DF69-FFB1-4D3A-9D8C-5887E79674D9}" type="slidenum">
               <a:rPr lang="en-US" smtClean="0"/>
-              <a:t>18</a:t>
+              <a:t>21</a:t>
             </a:fld>
             <a:endParaRPr lang="en-US" dirty="0"/>
           </a:p>
@@ -9422,7 +12280,7 @@
     </p:spTree>
     <p:extLst>
       <p:ext uri="{BB962C8B-B14F-4D97-AF65-F5344CB8AC3E}">
-        <p14:creationId xmlns:p14="http://schemas.microsoft.com/office/powerpoint/2010/main" val="4111466125"/>
+        <p14:creationId xmlns:p14="http://schemas.microsoft.com/office/powerpoint/2010/main" val="2039457117"/>
       </p:ext>
     </p:extLst>
   </p:cSld>
@@ -9497,7 +12355,91 @@
           <a:p>
             <a:fld id="{28E8DF69-FFB1-4D3A-9D8C-5887E79674D9}" type="slidenum">
               <a:rPr lang="en-US" smtClean="0"/>
-              <a:t>19</a:t>
+              <a:t>22</a:t>
+            </a:fld>
+            <a:endParaRPr lang="en-US" dirty="0"/>
+          </a:p>
+        </p:txBody>
+      </p:sp>
+    </p:spTree>
+    <p:extLst>
+      <p:ext uri="{BB962C8B-B14F-4D97-AF65-F5344CB8AC3E}">
+        <p14:creationId xmlns:p14="http://schemas.microsoft.com/office/powerpoint/2010/main" val="4111466125"/>
+      </p:ext>
+    </p:extLst>
+  </p:cSld>
+  <p:clrMapOvr>
+    <a:masterClrMapping/>
+  </p:clrMapOvr>
+</p:notes>
+</file>
+
+<file path=ppt/notesSlides/notesSlide6.xml><?xml version="1.0" encoding="utf-8"?>
+<p:notes xmlns:a="http://schemas.openxmlformats.org/drawingml/2006/main" xmlns:r="http://schemas.openxmlformats.org/officeDocument/2006/relationships" xmlns:p="http://schemas.openxmlformats.org/presentationml/2006/main">
+  <p:cSld>
+    <p:spTree>
+      <p:nvGrpSpPr>
+        <p:cNvPr id="1" name=""/>
+        <p:cNvGrpSpPr/>
+        <p:nvPr/>
+      </p:nvGrpSpPr>
+      <p:grpSpPr>
+        <a:xfrm>
+          <a:off x="0" y="0"/>
+          <a:ext cx="0" cy="0"/>
+          <a:chOff x="0" y="0"/>
+          <a:chExt cx="0" cy="0"/>
+        </a:xfrm>
+      </p:grpSpPr>
+      <p:sp>
+        <p:nvSpPr>
+          <p:cNvPr id="2" name="Slide Image Placeholder 1"/>
+          <p:cNvSpPr>
+            <a:spLocks noGrp="1" noRot="1" noChangeAspect="1"/>
+          </p:cNvSpPr>
+          <p:nvPr>
+            <p:ph type="sldImg"/>
+          </p:nvPr>
+        </p:nvSpPr>
+        <p:spPr/>
+      </p:sp>
+      <p:sp>
+        <p:nvSpPr>
+          <p:cNvPr id="3" name="Notes Placeholder 2"/>
+          <p:cNvSpPr>
+            <a:spLocks noGrp="1"/>
+          </p:cNvSpPr>
+          <p:nvPr>
+            <p:ph type="body" idx="1"/>
+          </p:nvPr>
+        </p:nvSpPr>
+        <p:spPr/>
+        <p:txBody>
+          <a:bodyPr/>
+          <a:lstStyle/>
+          <a:p>
+            <a:endParaRPr lang="en-US" dirty="0"/>
+          </a:p>
+        </p:txBody>
+      </p:sp>
+      <p:sp>
+        <p:nvSpPr>
+          <p:cNvPr id="4" name="Slide Number Placeholder 3"/>
+          <p:cNvSpPr>
+            <a:spLocks noGrp="1"/>
+          </p:cNvSpPr>
+          <p:nvPr>
+            <p:ph type="sldNum" sz="quarter" idx="5"/>
+          </p:nvPr>
+        </p:nvSpPr>
+        <p:spPr/>
+        <p:txBody>
+          <a:bodyPr/>
+          <a:lstStyle/>
+          <a:p>
+            <a:fld id="{28E8DF69-FFB1-4D3A-9D8C-5887E79674D9}" type="slidenum">
+              <a:rPr lang="en-US" smtClean="0"/>
+              <a:t>23</a:t>
             </a:fld>
             <a:endParaRPr lang="en-US" dirty="0"/>
           </a:p>
@@ -9710,7 +12652,7 @@
           <a:p>
             <a:fld id="{9AB3A824-1A51-4B26-AD58-A6D8E14F6C04}" type="datetimeFigureOut">
               <a:rPr lang="en-US" noProof="0" smtClean="0"/>
-              <a:t>3/12/2024</a:t>
+              <a:t>3/13/2024</a:t>
             </a:fld>
             <a:endParaRPr lang="en-US" noProof="0" dirty="0"/>
           </a:p>
@@ -9933,7 +12875,7 @@
           <a:p>
             <a:fld id="{D857E33E-8B18-4087-B112-809917729534}" type="datetimeFigureOut">
               <a:rPr lang="en-US" noProof="0" smtClean="0"/>
-              <a:t>3/12/2024</a:t>
+              <a:t>3/13/2024</a:t>
             </a:fld>
             <a:endParaRPr lang="en-US" noProof="0" dirty="0"/>
           </a:p>
@@ -10115,7 +13057,7 @@
           <a:p>
             <a:fld id="{D3FFE419-2371-464F-8239-3959401C3561}" type="datetimeFigureOut">
               <a:rPr lang="en-US" noProof="0" smtClean="0"/>
-              <a:t>3/12/2024</a:t>
+              <a:t>3/13/2024</a:t>
             </a:fld>
             <a:endParaRPr lang="en-US" noProof="0" dirty="0"/>
           </a:p>
@@ -10287,7 +13229,7 @@
           <a:p>
             <a:fld id="{97D162C4-EDD9-4389-A98B-B87ECEA2A816}" type="datetimeFigureOut">
               <a:rPr lang="en-US" noProof="0" smtClean="0"/>
-              <a:t>3/12/2024</a:t>
+              <a:t>3/13/2024</a:t>
             </a:fld>
             <a:endParaRPr lang="en-US" noProof="0" dirty="0"/>
           </a:p>
@@ -10541,7 +13483,7 @@
           <a:p>
             <a:fld id="{3E5059C3-6A89-4494-99FF-5A4D6FFD50EB}" type="datetimeFigureOut">
               <a:rPr lang="en-US" noProof="0" smtClean="0"/>
-              <a:t>3/12/2024</a:t>
+              <a:t>3/13/2024</a:t>
             </a:fld>
             <a:endParaRPr lang="en-US" noProof="0" dirty="0"/>
           </a:p>
@@ -10865,7 +13807,7 @@
           <a:p>
             <a:fld id="{CA954B2F-12DE-47F5-8894-472B206D2E1E}" type="datetimeFigureOut">
               <a:rPr lang="en-US" noProof="0" smtClean="0"/>
-              <a:t>3/12/2024</a:t>
+              <a:t>3/13/2024</a:t>
             </a:fld>
             <a:endParaRPr lang="en-US" noProof="0" dirty="0"/>
           </a:p>
@@ -11290,7 +14232,7 @@
           <a:p>
             <a:fld id="{3CBC1C18-307B-4F68-A007-B5B542270E8D}" type="datetimeFigureOut">
               <a:rPr lang="en-US" noProof="0" smtClean="0"/>
-              <a:t>3/12/2024</a:t>
+              <a:t>3/13/2024</a:t>
             </a:fld>
             <a:endParaRPr lang="en-US" noProof="0" dirty="0"/>
           </a:p>
@@ -11413,7 +14355,7 @@
           <a:p>
             <a:fld id="{1FAF3416-4057-4DAA-829D-4CA07428D088}" type="datetimeFigureOut">
               <a:rPr lang="en-US" noProof="0" smtClean="0"/>
-              <a:t>3/12/2024</a:t>
+              <a:t>3/13/2024</a:t>
             </a:fld>
             <a:endParaRPr lang="en-US" noProof="0" dirty="0"/>
           </a:p>
@@ -11512,7 +14454,7 @@
           <a:p>
             <a:fld id="{921D9284-D300-4297-87F7-E791DCC15DB1}" type="datetimeFigureOut">
               <a:rPr lang="en-US" noProof="0" smtClean="0"/>
-              <a:t>3/12/2024</a:t>
+              <a:t>3/13/2024</a:t>
             </a:fld>
             <a:endParaRPr lang="en-US" noProof="0" dirty="0"/>
           </a:p>
@@ -11804,7 +14746,7 @@
           <a:p>
             <a:fld id="{37D525BB-DA17-4BA0-B3C8-3AC3ABC827E6}" type="datetimeFigureOut">
               <a:rPr lang="en-US" noProof="0" smtClean="0"/>
-              <a:t>3/12/2024</a:t>
+              <a:t>3/13/2024</a:t>
             </a:fld>
             <a:endParaRPr lang="en-US" noProof="0" dirty="0"/>
           </a:p>
@@ -12079,7 +15021,7 @@
           <a:p>
             <a:fld id="{B16C4C9A-3960-41CF-A4E9-2A8FB932454B}" type="datetimeFigureOut">
               <a:rPr lang="en-US" noProof="0" smtClean="0"/>
-              <a:t>3/12/2024</a:t>
+              <a:t>3/13/2024</a:t>
             </a:fld>
             <a:endParaRPr lang="en-US" noProof="0" dirty="0"/>
           </a:p>
@@ -12335,7 +15277,7 @@
           <a:p>
             <a:fld id="{3CBC1C18-307B-4F68-A007-B5B542270E8D}" type="datetimeFigureOut">
               <a:rPr lang="en-US" noProof="0" smtClean="0"/>
-              <a:t>3/12/2024</a:t>
+              <a:t>3/13/2024</a:t>
             </a:fld>
             <a:endParaRPr lang="en-US" noProof="0" dirty="0"/>
           </a:p>
@@ -13106,6 +16048,72 @@
           </a:p>
         </p:txBody>
       </p:sp>
+      <p:sp>
+        <p:nvSpPr>
+          <p:cNvPr id="4" name="Rectangle 3">
+            <a:extLst>
+              <a:ext uri="{FF2B5EF4-FFF2-40B4-BE49-F238E27FC236}">
+                <a16:creationId xmlns:a16="http://schemas.microsoft.com/office/drawing/2014/main" id="{9ABCABBF-80E9-7538-89AA-C4C8FC975A58}"/>
+              </a:ext>
+            </a:extLst>
+          </p:cNvPr>
+          <p:cNvSpPr/>
+          <p:nvPr/>
+        </p:nvSpPr>
+        <p:spPr>
+          <a:xfrm>
+            <a:off x="217820" y="231273"/>
+            <a:ext cx="11756360" cy="6395453"/>
+          </a:xfrm>
+          <a:prstGeom prst="rect">
+            <a:avLst/>
+          </a:prstGeom>
+          <a:solidFill>
+            <a:srgbClr val="92D050">
+              <a:alpha val="5000"/>
+            </a:srgbClr>
+          </a:solidFill>
+          <a:ln>
+            <a:noFill/>
+          </a:ln>
+        </p:spPr>
+        <p:style>
+          <a:lnRef idx="2">
+            <a:schemeClr val="accent1">
+              <a:shade val="50000"/>
+            </a:schemeClr>
+          </a:lnRef>
+          <a:fillRef idx="1">
+            <a:schemeClr val="accent1"/>
+          </a:fillRef>
+          <a:effectRef idx="0">
+            <a:schemeClr val="accent1"/>
+          </a:effectRef>
+          <a:fontRef idx="minor">
+            <a:schemeClr val="lt1"/>
+          </a:fontRef>
+        </p:style>
+        <p:txBody>
+          <a:bodyPr rot="0" spcFirstLastPara="0" vertOverflow="overflow" horzOverflow="overflow" vert="horz" wrap="square" lIns="91440" tIns="45720" rIns="91440" bIns="45720" numCol="1" spcCol="0" rtlCol="0" fromWordArt="0" anchor="ctr" anchorCtr="0" forceAA="0" compatLnSpc="1">
+            <a:prstTxWarp prst="textNoShape">
+              <a:avLst/>
+            </a:prstTxWarp>
+            <a:noAutofit/>
+          </a:bodyPr>
+          <a:lstStyle/>
+          <a:p>
+            <a:pPr algn="ctr"/>
+            <a:r>
+              <a:rPr lang="en-US"/>
+              <a:t>90</a:t>
+            </a:r>
+          </a:p>
+          <a:p>
+            <a:pPr algn="ctr"/>
+            <a:endParaRPr lang="en-US"/>
+          </a:p>
+        </p:txBody>
+      </p:sp>
     </p:spTree>
     <p:extLst>
       <p:ext uri="{BB962C8B-B14F-4D97-AF65-F5344CB8AC3E}">
@@ -13183,6 +16191,72 @@
           <a:lstStyle/>
           <a:p>
             <a:endParaRPr lang="en-FI"/>
+          </a:p>
+        </p:txBody>
+      </p:sp>
+      <p:sp>
+        <p:nvSpPr>
+          <p:cNvPr id="4" name="Rectangle 3">
+            <a:extLst>
+              <a:ext uri="{FF2B5EF4-FFF2-40B4-BE49-F238E27FC236}">
+                <a16:creationId xmlns:a16="http://schemas.microsoft.com/office/drawing/2014/main" id="{E2532312-F758-E123-407D-D7FF0A64F3F2}"/>
+              </a:ext>
+            </a:extLst>
+          </p:cNvPr>
+          <p:cNvSpPr/>
+          <p:nvPr/>
+        </p:nvSpPr>
+        <p:spPr>
+          <a:xfrm>
+            <a:off x="217820" y="231273"/>
+            <a:ext cx="11756360" cy="6395453"/>
+          </a:xfrm>
+          <a:prstGeom prst="rect">
+            <a:avLst/>
+          </a:prstGeom>
+          <a:solidFill>
+            <a:srgbClr val="92D050">
+              <a:alpha val="5000"/>
+            </a:srgbClr>
+          </a:solidFill>
+          <a:ln>
+            <a:noFill/>
+          </a:ln>
+        </p:spPr>
+        <p:style>
+          <a:lnRef idx="2">
+            <a:schemeClr val="accent1">
+              <a:shade val="50000"/>
+            </a:schemeClr>
+          </a:lnRef>
+          <a:fillRef idx="1">
+            <a:schemeClr val="accent1"/>
+          </a:fillRef>
+          <a:effectRef idx="0">
+            <a:schemeClr val="accent1"/>
+          </a:effectRef>
+          <a:fontRef idx="minor">
+            <a:schemeClr val="lt1"/>
+          </a:fontRef>
+        </p:style>
+        <p:txBody>
+          <a:bodyPr rot="0" spcFirstLastPara="0" vertOverflow="overflow" horzOverflow="overflow" vert="horz" wrap="square" lIns="91440" tIns="45720" rIns="91440" bIns="45720" numCol="1" spcCol="0" rtlCol="0" fromWordArt="0" anchor="ctr" anchorCtr="0" forceAA="0" compatLnSpc="1">
+            <a:prstTxWarp prst="textNoShape">
+              <a:avLst/>
+            </a:prstTxWarp>
+            <a:noAutofit/>
+          </a:bodyPr>
+          <a:lstStyle/>
+          <a:p>
+            <a:pPr algn="ctr"/>
+            <a:r>
+              <a:rPr lang="en-US"/>
+              <a:t>90</a:t>
+            </a:r>
+          </a:p>
+          <a:p>
+            <a:pPr algn="ctr"/>
+            <a:endParaRPr lang="en-US"/>
           </a:p>
         </p:txBody>
       </p:sp>
@@ -13266,6 +16340,72 @@
           </a:p>
         </p:txBody>
       </p:sp>
+      <p:sp>
+        <p:nvSpPr>
+          <p:cNvPr id="4" name="Rectangle 3">
+            <a:extLst>
+              <a:ext uri="{FF2B5EF4-FFF2-40B4-BE49-F238E27FC236}">
+                <a16:creationId xmlns:a16="http://schemas.microsoft.com/office/drawing/2014/main" id="{CC125031-B277-4866-E3C0-1BF998A9AE6A}"/>
+              </a:ext>
+            </a:extLst>
+          </p:cNvPr>
+          <p:cNvSpPr/>
+          <p:nvPr/>
+        </p:nvSpPr>
+        <p:spPr>
+          <a:xfrm>
+            <a:off x="217820" y="231273"/>
+            <a:ext cx="11756360" cy="6395453"/>
+          </a:xfrm>
+          <a:prstGeom prst="rect">
+            <a:avLst/>
+          </a:prstGeom>
+          <a:solidFill>
+            <a:srgbClr val="92D050">
+              <a:alpha val="5000"/>
+            </a:srgbClr>
+          </a:solidFill>
+          <a:ln>
+            <a:noFill/>
+          </a:ln>
+        </p:spPr>
+        <p:style>
+          <a:lnRef idx="2">
+            <a:schemeClr val="accent1">
+              <a:shade val="50000"/>
+            </a:schemeClr>
+          </a:lnRef>
+          <a:fillRef idx="1">
+            <a:schemeClr val="accent1"/>
+          </a:fillRef>
+          <a:effectRef idx="0">
+            <a:schemeClr val="accent1"/>
+          </a:effectRef>
+          <a:fontRef idx="minor">
+            <a:schemeClr val="lt1"/>
+          </a:fontRef>
+        </p:style>
+        <p:txBody>
+          <a:bodyPr rot="0" spcFirstLastPara="0" vertOverflow="overflow" horzOverflow="overflow" vert="horz" wrap="square" lIns="91440" tIns="45720" rIns="91440" bIns="45720" numCol="1" spcCol="0" rtlCol="0" fromWordArt="0" anchor="ctr" anchorCtr="0" forceAA="0" compatLnSpc="1">
+            <a:prstTxWarp prst="textNoShape">
+              <a:avLst/>
+            </a:prstTxWarp>
+            <a:noAutofit/>
+          </a:bodyPr>
+          <a:lstStyle/>
+          <a:p>
+            <a:pPr algn="ctr"/>
+            <a:r>
+              <a:rPr lang="en-US"/>
+              <a:t>90</a:t>
+            </a:r>
+          </a:p>
+          <a:p>
+            <a:pPr algn="ctr"/>
+            <a:endParaRPr lang="en-US"/>
+          </a:p>
+        </p:txBody>
+      </p:sp>
     </p:spTree>
     <p:extLst>
       <p:ext uri="{BB962C8B-B14F-4D97-AF65-F5344CB8AC3E}">
@@ -13343,6 +16483,72 @@
           <a:lstStyle/>
           <a:p>
             <a:endParaRPr lang="en-FI"/>
+          </a:p>
+        </p:txBody>
+      </p:sp>
+      <p:sp>
+        <p:nvSpPr>
+          <p:cNvPr id="4" name="Rectangle 3">
+            <a:extLst>
+              <a:ext uri="{FF2B5EF4-FFF2-40B4-BE49-F238E27FC236}">
+                <a16:creationId xmlns:a16="http://schemas.microsoft.com/office/drawing/2014/main" id="{8BC67FAB-6BC4-CB2E-D2D3-256FDA8593D2}"/>
+              </a:ext>
+            </a:extLst>
+          </p:cNvPr>
+          <p:cNvSpPr/>
+          <p:nvPr/>
+        </p:nvSpPr>
+        <p:spPr>
+          <a:xfrm>
+            <a:off x="217820" y="231273"/>
+            <a:ext cx="11756360" cy="6395453"/>
+          </a:xfrm>
+          <a:prstGeom prst="rect">
+            <a:avLst/>
+          </a:prstGeom>
+          <a:solidFill>
+            <a:srgbClr val="92D050">
+              <a:alpha val="5000"/>
+            </a:srgbClr>
+          </a:solidFill>
+          <a:ln>
+            <a:noFill/>
+          </a:ln>
+        </p:spPr>
+        <p:style>
+          <a:lnRef idx="2">
+            <a:schemeClr val="accent1">
+              <a:shade val="50000"/>
+            </a:schemeClr>
+          </a:lnRef>
+          <a:fillRef idx="1">
+            <a:schemeClr val="accent1"/>
+          </a:fillRef>
+          <a:effectRef idx="0">
+            <a:schemeClr val="accent1"/>
+          </a:effectRef>
+          <a:fontRef idx="minor">
+            <a:schemeClr val="lt1"/>
+          </a:fontRef>
+        </p:style>
+        <p:txBody>
+          <a:bodyPr rot="0" spcFirstLastPara="0" vertOverflow="overflow" horzOverflow="overflow" vert="horz" wrap="square" lIns="91440" tIns="45720" rIns="91440" bIns="45720" numCol="1" spcCol="0" rtlCol="0" fromWordArt="0" anchor="ctr" anchorCtr="0" forceAA="0" compatLnSpc="1">
+            <a:prstTxWarp prst="textNoShape">
+              <a:avLst/>
+            </a:prstTxWarp>
+            <a:noAutofit/>
+          </a:bodyPr>
+          <a:lstStyle/>
+          <a:p>
+            <a:pPr algn="ctr"/>
+            <a:r>
+              <a:rPr lang="en-US"/>
+              <a:t>90</a:t>
+            </a:r>
+          </a:p>
+          <a:p>
+            <a:pPr algn="ctr"/>
+            <a:endParaRPr lang="en-US"/>
           </a:p>
         </p:txBody>
       </p:sp>
@@ -13426,6 +16632,72 @@
           </a:p>
         </p:txBody>
       </p:sp>
+      <p:sp>
+        <p:nvSpPr>
+          <p:cNvPr id="4" name="Rectangle 3">
+            <a:extLst>
+              <a:ext uri="{FF2B5EF4-FFF2-40B4-BE49-F238E27FC236}">
+                <a16:creationId xmlns:a16="http://schemas.microsoft.com/office/drawing/2014/main" id="{7BD606B2-0037-0456-D836-CEF5005AFB3B}"/>
+              </a:ext>
+            </a:extLst>
+          </p:cNvPr>
+          <p:cNvSpPr/>
+          <p:nvPr/>
+        </p:nvSpPr>
+        <p:spPr>
+          <a:xfrm>
+            <a:off x="217820" y="231273"/>
+            <a:ext cx="11756360" cy="6395453"/>
+          </a:xfrm>
+          <a:prstGeom prst="rect">
+            <a:avLst/>
+          </a:prstGeom>
+          <a:solidFill>
+            <a:srgbClr val="92D050">
+              <a:alpha val="5000"/>
+            </a:srgbClr>
+          </a:solidFill>
+          <a:ln>
+            <a:noFill/>
+          </a:ln>
+        </p:spPr>
+        <p:style>
+          <a:lnRef idx="2">
+            <a:schemeClr val="accent1">
+              <a:shade val="50000"/>
+            </a:schemeClr>
+          </a:lnRef>
+          <a:fillRef idx="1">
+            <a:schemeClr val="accent1"/>
+          </a:fillRef>
+          <a:effectRef idx="0">
+            <a:schemeClr val="accent1"/>
+          </a:effectRef>
+          <a:fontRef idx="minor">
+            <a:schemeClr val="lt1"/>
+          </a:fontRef>
+        </p:style>
+        <p:txBody>
+          <a:bodyPr rot="0" spcFirstLastPara="0" vertOverflow="overflow" horzOverflow="overflow" vert="horz" wrap="square" lIns="91440" tIns="45720" rIns="91440" bIns="45720" numCol="1" spcCol="0" rtlCol="0" fromWordArt="0" anchor="ctr" anchorCtr="0" forceAA="0" compatLnSpc="1">
+            <a:prstTxWarp prst="textNoShape">
+              <a:avLst/>
+            </a:prstTxWarp>
+            <a:noAutofit/>
+          </a:bodyPr>
+          <a:lstStyle/>
+          <a:p>
+            <a:pPr algn="ctr"/>
+            <a:r>
+              <a:rPr lang="en-US"/>
+              <a:t>90</a:t>
+            </a:r>
+          </a:p>
+          <a:p>
+            <a:pPr algn="ctr"/>
+            <a:endParaRPr lang="en-US"/>
+          </a:p>
+        </p:txBody>
+      </p:sp>
     </p:spTree>
     <p:extLst>
       <p:ext uri="{BB962C8B-B14F-4D97-AF65-F5344CB8AC3E}">
@@ -13461,7 +16733,7 @@
           <p:cNvPr id="2" name="Title 1">
             <a:extLst>
               <a:ext uri="{FF2B5EF4-FFF2-40B4-BE49-F238E27FC236}">
-                <a16:creationId xmlns:a16="http://schemas.microsoft.com/office/drawing/2014/main" id="{A75862A5-C2BF-B677-BDC6-719C72B67DB8}"/>
+                <a16:creationId xmlns:a16="http://schemas.microsoft.com/office/drawing/2014/main" id="{BB4B6193-F9F1-4C54-838F-77350B9FC5DC}"/>
               </a:ext>
             </a:extLst>
           </p:cNvPr>
@@ -13472,21 +16744,123 @@
             <p:ph type="title"/>
           </p:nvPr>
         </p:nvSpPr>
-        <p:spPr/>
+        <p:spPr>
+          <a:xfrm>
+            <a:off x="1143000" y="609600"/>
+            <a:ext cx="6693061" cy="1356360"/>
+          </a:xfrm>
+        </p:spPr>
         <p:txBody>
-          <a:bodyPr/>
+          <a:bodyPr>
+            <a:normAutofit/>
+          </a:bodyPr>
           <a:lstStyle/>
           <a:p>
-            <a:endParaRPr lang="en-FI"/>
+            <a:r>
+              <a:rPr lang="en-US"/>
+              <a:t>Conclusion and appendix</a:t>
+            </a:r>
+            <a:endParaRPr lang="en-US" dirty="0"/>
           </a:p>
         </p:txBody>
       </p:sp>
+      <p:pic>
+        <p:nvPicPr>
+          <p:cNvPr id="7" name="Picture 6" descr="Woman on top of a hill">
+            <a:extLst>
+              <a:ext uri="{FF2B5EF4-FFF2-40B4-BE49-F238E27FC236}">
+                <a16:creationId xmlns:a16="http://schemas.microsoft.com/office/drawing/2014/main" id="{5B1885B6-720E-4434-8EED-676D134293D0}"/>
+              </a:ext>
+            </a:extLst>
+          </p:cNvPr>
+          <p:cNvPicPr>
+            <a:picLocks noChangeAspect="1"/>
+          </p:cNvPicPr>
+          <p:nvPr/>
+        </p:nvPicPr>
+        <p:blipFill rotWithShape="1">
+          <a:blip r:embed="rId3" cstate="print">
+            <a:extLst>
+              <a:ext uri="{28A0092B-C50C-407E-A947-70E740481C1C}">
+                <a14:useLocalDpi xmlns:a14="http://schemas.microsoft.com/office/drawing/2010/main"/>
+              </a:ext>
+            </a:extLst>
+          </a:blip>
+          <a:srcRect l="27160" r="1" b="1"/>
+          <a:stretch/>
+        </p:blipFill>
+        <p:spPr>
+          <a:xfrm>
+            <a:off x="8310622" y="243840"/>
+            <a:ext cx="3646837" cy="6377939"/>
+          </a:xfrm>
+          <a:prstGeom prst="rect">
+            <a:avLst/>
+          </a:prstGeom>
+        </p:spPr>
+      </p:pic>
+      <p:graphicFrame>
+        <p:nvGraphicFramePr>
+          <p:cNvPr id="5" name="Content Placeholder 2" descr="Icon Bullets">
+            <a:extLst>
+              <a:ext uri="{FF2B5EF4-FFF2-40B4-BE49-F238E27FC236}">
+                <a16:creationId xmlns:a16="http://schemas.microsoft.com/office/drawing/2014/main" id="{8453D1B9-6A3D-441D-888D-C1BEB727AD58}"/>
+              </a:ext>
+            </a:extLst>
+          </p:cNvPr>
+          <p:cNvGraphicFramePr>
+            <a:graphicFrameLocks noGrp="1"/>
+          </p:cNvGraphicFramePr>
+          <p:nvPr>
+            <p:ph idx="1"/>
+          </p:nvPr>
+        </p:nvGraphicFramePr>
+        <p:xfrm>
+          <a:off x="1143000" y="2057400"/>
+          <a:ext cx="6693061" cy="4038600"/>
+        </p:xfrm>
+        <a:graphic>
+          <a:graphicData uri="http://schemas.openxmlformats.org/drawingml/2006/diagram">
+            <dgm:relIds xmlns:dgm="http://schemas.openxmlformats.org/drawingml/2006/diagram" xmlns:r="http://schemas.openxmlformats.org/officeDocument/2006/relationships" r:dm="rId4" r:lo="rId5" r:qs="rId6" r:cs="rId7"/>
+          </a:graphicData>
+        </a:graphic>
+      </p:graphicFrame>
+    </p:spTree>
+    <p:extLst>
+      <p:ext uri="{BB962C8B-B14F-4D97-AF65-F5344CB8AC3E}">
+        <p14:creationId xmlns:p14="http://schemas.microsoft.com/office/powerpoint/2010/main" val="1322196783"/>
+      </p:ext>
+    </p:extLst>
+  </p:cSld>
+  <p:clrMapOvr>
+    <a:masterClrMapping/>
+  </p:clrMapOvr>
+</p:sld>
+</file>
+
+<file path=ppt/slides/slide16.xml><?xml version="1.0" encoding="utf-8"?>
+<p:sld xmlns:a="http://schemas.openxmlformats.org/drawingml/2006/main" xmlns:r="http://schemas.openxmlformats.org/officeDocument/2006/relationships" xmlns:p="http://schemas.openxmlformats.org/presentationml/2006/main">
+  <p:cSld>
+    <p:spTree>
+      <p:nvGrpSpPr>
+        <p:cNvPr id="1" name=""/>
+        <p:cNvGrpSpPr/>
+        <p:nvPr/>
+      </p:nvGrpSpPr>
+      <p:grpSpPr>
+        <a:xfrm>
+          <a:off x="0" y="0"/>
+          <a:ext cx="0" cy="0"/>
+          <a:chOff x="0" y="0"/>
+          <a:chExt cx="0" cy="0"/>
+        </a:xfrm>
+      </p:grpSpPr>
       <p:sp>
         <p:nvSpPr>
           <p:cNvPr id="3" name="Content Placeholder 2">
             <a:extLst>
               <a:ext uri="{FF2B5EF4-FFF2-40B4-BE49-F238E27FC236}">
-                <a16:creationId xmlns:a16="http://schemas.microsoft.com/office/drawing/2014/main" id="{37D7CACB-5996-A91C-584D-B7BF249982EE}"/>
+                <a16:creationId xmlns:a16="http://schemas.microsoft.com/office/drawing/2014/main" id="{DD197AB9-327B-553E-CC8F-84DE83BA056E}"/>
               </a:ext>
             </a:extLst>
           </p:cNvPr>
@@ -13497,19 +16871,151 @@
             <p:ph idx="1"/>
           </p:nvPr>
         </p:nvSpPr>
-        <p:spPr/>
+        <p:spPr>
+          <a:xfrm>
+            <a:off x="452762" y="408373"/>
+            <a:ext cx="10563110" cy="5687627"/>
+          </a:xfrm>
+        </p:spPr>
         <p:txBody>
-          <a:bodyPr/>
+          <a:bodyPr>
+            <a:normAutofit fontScale="92500" lnSpcReduction="20000"/>
+          </a:bodyPr>
           <a:lstStyle/>
           <a:p>
-            <a:endParaRPr lang="en-FI"/>
+            <a:r>
+              <a:rPr lang="en-US">
+                <a:solidFill>
+                  <a:schemeClr val="tx1"/>
+                </a:solidFill>
+              </a:rPr>
+              <a:t>DESCRIPTION</a:t>
+            </a:r>
+          </a:p>
+          <a:p>
+            <a:pPr marL="45720" indent="0">
+              <a:buNone/>
+            </a:pPr>
+            <a:r>
+              <a:rPr lang="en-US">
+                <a:solidFill>
+                  <a:schemeClr val="tx1"/>
+                </a:solidFill>
+              </a:rPr>
+              <a:t>See top products and hack the reason behind their success. This dataset contains sales performance, unlike many others.</a:t>
+            </a:r>
+          </a:p>
+          <a:p>
+            <a:r>
+              <a:rPr lang="en-US">
+                <a:solidFill>
+                  <a:schemeClr val="tx1"/>
+                </a:solidFill>
+              </a:rPr>
+              <a:t>SUMMARY</a:t>
+            </a:r>
+          </a:p>
+          <a:p>
+            <a:pPr marL="45720" indent="0">
+              <a:buNone/>
+            </a:pPr>
+            <a:r>
+              <a:rPr lang="en-US">
+                <a:solidFill>
+                  <a:schemeClr val="tx1"/>
+                </a:solidFill>
+              </a:rPr>
+              <a:t>Summer Products and all related metrics data</a:t>
+            </a:r>
+          </a:p>
+          <a:p>
+            <a:r>
+              <a:rPr lang="en-US">
+                <a:solidFill>
+                  <a:schemeClr val="tx1"/>
+                </a:solidFill>
+              </a:rPr>
+              <a:t>Foreword</a:t>
+            </a:r>
+          </a:p>
+          <a:p>
+            <a:pPr marL="45720" indent="0">
+              <a:buNone/>
+            </a:pPr>
+            <a:r>
+              <a:rPr lang="en-US">
+                <a:solidFill>
+                  <a:schemeClr val="tx1"/>
+                </a:solidFill>
+              </a:rPr>
+              <a:t>This users dataset is a preview of a much bigger dataset, with lots of related data (product listings of sellers, reviews on listed</a:t>
+            </a:r>
+          </a:p>
+          <a:p>
+            <a:pPr marL="45720" indent="0">
+              <a:buNone/>
+            </a:pPr>
+            <a:r>
+              <a:rPr lang="en-US">
+                <a:solidFill>
+                  <a:schemeClr val="tx1"/>
+                </a:solidFill>
+              </a:rPr>
+              <a:t>products, etc...).</a:t>
+            </a:r>
+          </a:p>
+          <a:p>
+            <a:r>
+              <a:rPr lang="en-US">
+                <a:solidFill>
+                  <a:schemeClr val="tx1"/>
+                </a:solidFill>
+              </a:rPr>
+              <a:t>Context</a:t>
+            </a:r>
+          </a:p>
+          <a:p>
+            <a:pPr marL="45720" indent="0">
+              <a:buNone/>
+            </a:pPr>
+            <a:r>
+              <a:rPr lang="en-US">
+                <a:solidFill>
+                  <a:schemeClr val="tx1"/>
+                </a:solidFill>
+              </a:rPr>
+              <a:t>Studying top products requires more than just product listings. You also need to know what sells well and what does not.</a:t>
+            </a:r>
+          </a:p>
+          <a:p>
+            <a:r>
+              <a:rPr lang="en-US">
+                <a:solidFill>
+                  <a:schemeClr val="tx1"/>
+                </a:solidFill>
+              </a:rPr>
+              <a:t>Content</a:t>
+            </a:r>
+          </a:p>
+          <a:p>
+            <a:pPr marL="45720" indent="0">
+              <a:buNone/>
+            </a:pPr>
+            <a:r>
+              <a:rPr lang="en-US">
+                <a:solidFill>
+                  <a:schemeClr val="tx1"/>
+                </a:solidFill>
+              </a:rPr>
+              <a:t>This dataset contains product listings as well as products ratings and sales performance, which you would not find in other datasets. With this, you can finally start to look for correlations and patterns regarding the success of a product and the various components.</a:t>
+            </a:r>
           </a:p>
         </p:txBody>
       </p:sp>
     </p:spTree>
     <p:extLst>
       <p:ext uri="{BB962C8B-B14F-4D97-AF65-F5344CB8AC3E}">
-        <p14:creationId xmlns:p14="http://schemas.microsoft.com/office/powerpoint/2010/main" val="807529256"/>
+        <p14:creationId xmlns:p14="http://schemas.microsoft.com/office/powerpoint/2010/main" val="1085336013"/>
       </p:ext>
     </p:extLst>
   </p:cSld>
@@ -13519,7 +17025,3374 @@
 </p:sld>
 </file>
 
-<file path=ppt/slides/slide16.xml><?xml version="1.0" encoding="utf-8"?>
+<file path=ppt/slides/slide17.xml><?xml version="1.0" encoding="utf-8"?>
+<p:sld xmlns:a="http://schemas.openxmlformats.org/drawingml/2006/main" xmlns:r="http://schemas.openxmlformats.org/officeDocument/2006/relationships" xmlns:p="http://schemas.openxmlformats.org/presentationml/2006/main">
+  <p:cSld>
+    <p:spTree>
+      <p:nvGrpSpPr>
+        <p:cNvPr id="1" name=""/>
+        <p:cNvGrpSpPr/>
+        <p:nvPr/>
+      </p:nvGrpSpPr>
+      <p:grpSpPr>
+        <a:xfrm>
+          <a:off x="0" y="0"/>
+          <a:ext cx="0" cy="0"/>
+          <a:chOff x="0" y="0"/>
+          <a:chExt cx="0" cy="0"/>
+        </a:xfrm>
+      </p:grpSpPr>
+      <p:sp>
+        <p:nvSpPr>
+          <p:cNvPr id="3" name="Content Placeholder 2">
+            <a:extLst>
+              <a:ext uri="{FF2B5EF4-FFF2-40B4-BE49-F238E27FC236}">
+                <a16:creationId xmlns:a16="http://schemas.microsoft.com/office/drawing/2014/main" id="{DD197AB9-327B-553E-CC8F-84DE83BA056E}"/>
+              </a:ext>
+            </a:extLst>
+          </p:cNvPr>
+          <p:cNvSpPr>
+            <a:spLocks noGrp="1"/>
+          </p:cNvSpPr>
+          <p:nvPr>
+            <p:ph idx="1"/>
+          </p:nvPr>
+        </p:nvSpPr>
+        <p:spPr>
+          <a:xfrm>
+            <a:off x="452762" y="408373"/>
+            <a:ext cx="10563110" cy="5687627"/>
+          </a:xfrm>
+        </p:spPr>
+        <p:txBody>
+          <a:bodyPr>
+            <a:normAutofit fontScale="92500" lnSpcReduction="10000"/>
+          </a:bodyPr>
+          <a:lstStyle/>
+          <a:p>
+            <a:r>
+              <a:rPr lang="en-US">
+                <a:solidFill>
+                  <a:schemeClr val="tx1"/>
+                </a:solidFill>
+              </a:rPr>
+              <a:t>Inspiration</a:t>
+            </a:r>
+          </a:p>
+          <a:p>
+            <a:pPr marL="45720" indent="0">
+              <a:buNone/>
+            </a:pPr>
+            <a:r>
+              <a:rPr lang="en-US">
+                <a:solidFill>
+                  <a:schemeClr val="tx1"/>
+                </a:solidFill>
+              </a:rPr>
+              <a:t>How about trying to validate the established idea of human sensitiveness to price drops ? (discounted price compared to original retail_price )</a:t>
+            </a:r>
+          </a:p>
+          <a:p>
+            <a:pPr marL="45720" indent="0">
+              <a:buNone/>
+            </a:pPr>
+            <a:r>
+              <a:rPr lang="en-US">
+                <a:solidFill>
+                  <a:schemeClr val="tx1"/>
+                </a:solidFill>
+              </a:rPr>
+              <a:t>You may look for top categories of products so that you know what sells best</a:t>
+            </a:r>
+          </a:p>
+          <a:p>
+            <a:pPr marL="45720" indent="0">
+              <a:buNone/>
+            </a:pPr>
+            <a:r>
+              <a:rPr lang="en-US">
+                <a:solidFill>
+                  <a:schemeClr val="tx1"/>
+                </a:solidFill>
+              </a:rPr>
+              <a:t>Do bad products sell ? How about the relationship between the quality of a product (ratings) and its success ? Does the price factor into this ?</a:t>
+            </a:r>
+          </a:p>
+          <a:p>
+            <a:r>
+              <a:rPr lang="en-US">
+                <a:solidFill>
+                  <a:schemeClr val="tx1"/>
+                </a:solidFill>
+              </a:rPr>
+              <a:t>Collection Methodology</a:t>
+            </a:r>
+          </a:p>
+          <a:p>
+            <a:pPr marL="45720" indent="0">
+              <a:buNone/>
+            </a:pPr>
+            <a:r>
+              <a:rPr lang="en-US">
+                <a:solidFill>
+                  <a:schemeClr val="tx1"/>
+                </a:solidFill>
+              </a:rPr>
+              <a:t>- The data comes from the Wish platform.</a:t>
+            </a:r>
+          </a:p>
+          <a:p>
+            <a:pPr marL="45720" indent="0">
+              <a:buNone/>
+            </a:pPr>
+            <a:r>
+              <a:rPr lang="en-US">
+                <a:solidFill>
+                  <a:schemeClr val="tx1"/>
+                </a:solidFill>
+              </a:rPr>
+              <a:t>- You can browse it to get a feel of the type of information you can get from there and how they are presented. This might give you some ideas and a better understanding.</a:t>
+            </a:r>
+          </a:p>
+          <a:p>
+            <a:pPr marL="45720" indent="0">
+              <a:buNone/>
+            </a:pPr>
+            <a:r>
+              <a:rPr lang="en-US">
+                <a:solidFill>
+                  <a:schemeClr val="tx1"/>
+                </a:solidFill>
+              </a:rPr>
+              <a:t>- If you are confused about some columns, you can either browse the Wish website or app, or you can ask in the comments.</a:t>
+            </a:r>
+          </a:p>
+          <a:p>
+            <a:pPr marL="45720" indent="0">
+              <a:buNone/>
+            </a:pPr>
+            <a:r>
+              <a:rPr lang="en-US">
+                <a:solidFill>
+                  <a:schemeClr val="tx1"/>
+                </a:solidFill>
+              </a:rPr>
+              <a:t>- The data was scraped in the french localisation (hence some non-ascii latin characters such as « é » and « à ») in the title column.</a:t>
+            </a:r>
+          </a:p>
+          <a:p>
+            <a:pPr marL="45720" indent="0">
+              <a:buNone/>
+            </a:pPr>
+            <a:r>
+              <a:rPr lang="en-US">
+                <a:solidFill>
+                  <a:schemeClr val="tx1"/>
+                </a:solidFill>
+              </a:rPr>
+              <a:t>- Here is an example of an english search results page. Remember that the products found in this dataset are those from a French search results page.</a:t>
+            </a:r>
+          </a:p>
+        </p:txBody>
+      </p:sp>
+    </p:spTree>
+    <p:extLst>
+      <p:ext uri="{BB962C8B-B14F-4D97-AF65-F5344CB8AC3E}">
+        <p14:creationId xmlns:p14="http://schemas.microsoft.com/office/powerpoint/2010/main" val="1865421499"/>
+      </p:ext>
+    </p:extLst>
+  </p:cSld>
+  <p:clrMapOvr>
+    <a:masterClrMapping/>
+  </p:clrMapOvr>
+</p:sld>
+</file>
+
+<file path=ppt/slides/slide18.xml><?xml version="1.0" encoding="utf-8"?>
+<p:sld xmlns:a="http://schemas.openxmlformats.org/drawingml/2006/main" xmlns:r="http://schemas.openxmlformats.org/officeDocument/2006/relationships" xmlns:p="http://schemas.openxmlformats.org/presentationml/2006/main">
+  <p:cSld>
+    <p:spTree>
+      <p:nvGrpSpPr>
+        <p:cNvPr id="1" name=""/>
+        <p:cNvGrpSpPr/>
+        <p:nvPr/>
+      </p:nvGrpSpPr>
+      <p:grpSpPr>
+        <a:xfrm>
+          <a:off x="0" y="0"/>
+          <a:ext cx="0" cy="0"/>
+          <a:chOff x="0" y="0"/>
+          <a:chExt cx="0" cy="0"/>
+        </a:xfrm>
+      </p:grpSpPr>
+      <p:sp>
+        <p:nvSpPr>
+          <p:cNvPr id="3" name="Content Placeholder 2">
+            <a:extLst>
+              <a:ext uri="{FF2B5EF4-FFF2-40B4-BE49-F238E27FC236}">
+                <a16:creationId xmlns:a16="http://schemas.microsoft.com/office/drawing/2014/main" id="{DD197AB9-327B-553E-CC8F-84DE83BA056E}"/>
+              </a:ext>
+            </a:extLst>
+          </p:cNvPr>
+          <p:cNvSpPr>
+            <a:spLocks noGrp="1"/>
+          </p:cNvSpPr>
+          <p:nvPr>
+            <p:ph idx="1"/>
+          </p:nvPr>
+        </p:nvSpPr>
+        <p:spPr>
+          <a:xfrm>
+            <a:off x="452762" y="408373"/>
+            <a:ext cx="10563110" cy="5687627"/>
+          </a:xfrm>
+        </p:spPr>
+        <p:txBody>
+          <a:bodyPr>
+            <a:normAutofit/>
+          </a:bodyPr>
+          <a:lstStyle/>
+          <a:p>
+            <a:r>
+              <a:rPr lang="en-US">
+                <a:solidFill>
+                  <a:schemeClr val="tx1"/>
+                </a:solidFill>
+              </a:rPr>
+              <a:t>Example Business Task</a:t>
+            </a:r>
+          </a:p>
+          <a:p>
+            <a:pPr marL="45720" indent="0">
+              <a:buNone/>
+            </a:pPr>
+            <a:r>
+              <a:rPr lang="en-US">
+                <a:solidFill>
+                  <a:schemeClr val="tx1"/>
+                </a:solidFill>
+              </a:rPr>
+              <a:t>- Re-stocking products with the best potential is crucial for shops and businesses around the world.</a:t>
+            </a:r>
+          </a:p>
+          <a:p>
+            <a:pPr marL="45720" indent="0">
+              <a:buNone/>
+            </a:pPr>
+            <a:r>
+              <a:rPr lang="en-US">
+                <a:solidFill>
+                  <a:schemeClr val="tx1"/>
+                </a:solidFill>
+              </a:rPr>
+              <a:t>- Through this dataset and task, you are requested to build a model that can help predict how well a product is going to sell.</a:t>
+            </a:r>
+          </a:p>
+          <a:p>
+            <a:pPr marL="45720" indent="0">
+              <a:buNone/>
+            </a:pPr>
+            <a:r>
+              <a:rPr lang="en-US">
+                <a:solidFill>
+                  <a:schemeClr val="tx1"/>
+                </a:solidFill>
+              </a:rPr>
+              <a:t>- Such a model has many implications and could be used in many different ways, the most straightforward being to adjust how much of a product should be kept in stock.</a:t>
+            </a:r>
+          </a:p>
+          <a:p>
+            <a:pPr marL="45720" indent="0">
+              <a:buNone/>
+            </a:pPr>
+            <a:r>
+              <a:rPr lang="en-US">
+                <a:solidFill>
+                  <a:schemeClr val="tx1"/>
+                </a:solidFill>
+              </a:rPr>
+              <a:t>- This would allow you to better understand e-commerce sales and get you a certain expertise for helping businesses optimize their stocks and sales.</a:t>
+            </a:r>
+          </a:p>
+        </p:txBody>
+      </p:sp>
+    </p:spTree>
+    <p:extLst>
+      <p:ext uri="{BB962C8B-B14F-4D97-AF65-F5344CB8AC3E}">
+        <p14:creationId xmlns:p14="http://schemas.microsoft.com/office/powerpoint/2010/main" val="1116324193"/>
+      </p:ext>
+    </p:extLst>
+  </p:cSld>
+  <p:clrMapOvr>
+    <a:masterClrMapping/>
+  </p:clrMapOvr>
+</p:sld>
+</file>
+
+<file path=ppt/slides/slide19.xml><?xml version="1.0" encoding="utf-8"?>
+<p:sld xmlns:a="http://schemas.openxmlformats.org/drawingml/2006/main" xmlns:r="http://schemas.openxmlformats.org/officeDocument/2006/relationships" xmlns:p="http://schemas.openxmlformats.org/presentationml/2006/main">
+  <p:cSld>
+    <p:spTree>
+      <p:nvGrpSpPr>
+        <p:cNvPr id="1" name=""/>
+        <p:cNvGrpSpPr/>
+        <p:nvPr/>
+      </p:nvGrpSpPr>
+      <p:grpSpPr>
+        <a:xfrm>
+          <a:off x="0" y="0"/>
+          <a:ext cx="0" cy="0"/>
+          <a:chOff x="0" y="0"/>
+          <a:chExt cx="0" cy="0"/>
+        </a:xfrm>
+      </p:grpSpPr>
+      <p:sp>
+        <p:nvSpPr>
+          <p:cNvPr id="3" name="Content Placeholder 2">
+            <a:extLst>
+              <a:ext uri="{FF2B5EF4-FFF2-40B4-BE49-F238E27FC236}">
+                <a16:creationId xmlns:a16="http://schemas.microsoft.com/office/drawing/2014/main" id="{DD197AB9-327B-553E-CC8F-84DE83BA056E}"/>
+              </a:ext>
+            </a:extLst>
+          </p:cNvPr>
+          <p:cNvSpPr>
+            <a:spLocks noGrp="1"/>
+          </p:cNvSpPr>
+          <p:nvPr>
+            <p:ph idx="1"/>
+          </p:nvPr>
+        </p:nvSpPr>
+        <p:spPr>
+          <a:xfrm>
+            <a:off x="452761" y="408373"/>
+            <a:ext cx="11345661" cy="6081204"/>
+          </a:xfrm>
+        </p:spPr>
+        <p:txBody>
+          <a:bodyPr>
+            <a:normAutofit fontScale="77500" lnSpcReduction="20000"/>
+          </a:bodyPr>
+          <a:lstStyle/>
+          <a:p>
+            <a:r>
+              <a:rPr lang="en-US">
+                <a:solidFill>
+                  <a:schemeClr val="tx1"/>
+                </a:solidFill>
+              </a:rPr>
+              <a:t>Inspiration</a:t>
+            </a:r>
+          </a:p>
+          <a:p>
+            <a:pPr marL="45720" indent="0">
+              <a:buNone/>
+            </a:pPr>
+            <a:r>
+              <a:rPr lang="en-US">
+                <a:solidFill>
+                  <a:schemeClr val="tx1"/>
+                </a:solidFill>
+              </a:rPr>
+              <a:t>- How about trying to validate the established idea of human sensitiveness to price drops ?</a:t>
+            </a:r>
+          </a:p>
+          <a:p>
+            <a:pPr marL="45720" indent="0">
+              <a:buNone/>
+            </a:pPr>
+            <a:r>
+              <a:rPr lang="en-US">
+                <a:solidFill>
+                  <a:schemeClr val="tx1"/>
+                </a:solidFill>
+              </a:rPr>
+              <a:t>- You may look for top categories of products so that you know what sells best</a:t>
+            </a:r>
+          </a:p>
+          <a:p>
+            <a:pPr marL="45720" indent="0">
+              <a:buNone/>
+            </a:pPr>
+            <a:r>
+              <a:rPr lang="en-US">
+                <a:solidFill>
+                  <a:schemeClr val="tx1"/>
+                </a:solidFill>
+              </a:rPr>
+              <a:t>- Do bad products sell ? How about the relationship between the quality of a product (ratings) and its success ? Does the price factor into this ?</a:t>
+            </a:r>
+          </a:p>
+          <a:p>
+            <a:pPr marL="45720" indent="0">
+              <a:buNone/>
+            </a:pPr>
+            <a:r>
+              <a:rPr lang="en-US">
+                <a:solidFill>
+                  <a:schemeClr val="tx1"/>
+                </a:solidFill>
+              </a:rPr>
+              <a:t>- Do seller's fame factor into top products ?</a:t>
+            </a:r>
+          </a:p>
+          <a:p>
+            <a:pPr marL="45720" indent="0">
+              <a:buNone/>
+            </a:pPr>
+            <a:r>
+              <a:rPr lang="en-US">
+                <a:solidFill>
+                  <a:schemeClr val="tx1"/>
+                </a:solidFill>
+              </a:rPr>
+              <a:t>- Do the number of tags (making a product more discoverable) factor into the success of a product ?</a:t>
+            </a:r>
+          </a:p>
+          <a:p>
+            <a:r>
+              <a:rPr lang="en-US">
+                <a:solidFill>
+                  <a:schemeClr val="tx1"/>
+                </a:solidFill>
+              </a:rPr>
+              <a:t>Expected Submission</a:t>
+            </a:r>
+          </a:p>
+          <a:p>
+            <a:pPr marL="45720" indent="0">
+              <a:buNone/>
+            </a:pPr>
+            <a:r>
+              <a:rPr lang="en-US">
+                <a:solidFill>
+                  <a:schemeClr val="tx1"/>
+                </a:solidFill>
+              </a:rPr>
+              <a:t>- What should users submit? Should they solve the task primarily using Notebooks or Datasets? What should the solution contain? You may solve this task using a notebook.</a:t>
+            </a:r>
+          </a:p>
+          <a:p>
+            <a:r>
+              <a:rPr lang="en-US">
+                <a:solidFill>
+                  <a:schemeClr val="tx1"/>
+                </a:solidFill>
+              </a:rPr>
+              <a:t>Evaluation: What makes a good solution?</a:t>
+            </a:r>
+          </a:p>
+          <a:p>
+            <a:pPr marL="45720" indent="0">
+              <a:buNone/>
+            </a:pPr>
+            <a:r>
+              <a:rPr lang="en-US">
+                <a:solidFill>
+                  <a:schemeClr val="tx1"/>
+                </a:solidFill>
+              </a:rPr>
+              <a:t>Your solution should minimize the risks of:</a:t>
+            </a:r>
+          </a:p>
+          <a:p>
+            <a:pPr marL="45720" indent="0">
+              <a:buNone/>
+            </a:pPr>
+            <a:r>
+              <a:rPr lang="en-US">
+                <a:solidFill>
+                  <a:schemeClr val="tx1"/>
+                </a:solidFill>
+              </a:rPr>
+              <a:t>- Buying way too much of a product</a:t>
+            </a:r>
+          </a:p>
+          <a:p>
+            <a:pPr marL="45720" indent="0">
+              <a:buNone/>
+            </a:pPr>
+            <a:r>
+              <a:rPr lang="en-US">
+                <a:solidFill>
+                  <a:schemeClr val="tx1"/>
+                </a:solidFill>
+              </a:rPr>
+              <a:t>- Ideally, identify products with a higher discount regarding the retail price. Practically, this means identifying products where the seller could increase his profit margin without losing too many buyers. See the concept of Price Elasticity of the demande</a:t>
+            </a:r>
+          </a:p>
+          <a:p>
+            <a:pPr marL="45720" indent="0">
+              <a:buNone/>
+            </a:pPr>
+            <a:r>
+              <a:rPr lang="en-US">
+                <a:solidFill>
+                  <a:schemeClr val="tx1"/>
+                </a:solidFill>
+              </a:rPr>
+              <a:t>- Lastly. There are always a lot of product opportunities, so missing on a single opportunity is better than buying way too much another product, since this might cancel out the proØts gained elsewhere.</a:t>
+            </a:r>
+          </a:p>
+          <a:p>
+            <a:r>
+              <a:rPr lang="en-US">
+                <a:solidFill>
+                  <a:schemeClr val="tx1"/>
+                </a:solidFill>
+              </a:rPr>
+              <a:t>Your model will be evaluated on another similar dataset (same features and columns) to see how well it performs on new otherdata.</a:t>
+            </a:r>
+          </a:p>
+        </p:txBody>
+      </p:sp>
+    </p:spTree>
+    <p:extLst>
+      <p:ext uri="{BB962C8B-B14F-4D97-AF65-F5344CB8AC3E}">
+        <p14:creationId xmlns:p14="http://schemas.microsoft.com/office/powerpoint/2010/main" val="3346684744"/>
+      </p:ext>
+    </p:extLst>
+  </p:cSld>
+  <p:clrMapOvr>
+    <a:masterClrMapping/>
+  </p:clrMapOvr>
+</p:sld>
+</file>
+
+<file path=ppt/slides/slide2.xml><?xml version="1.0" encoding="utf-8"?>
+<p:sld xmlns:a="http://schemas.openxmlformats.org/drawingml/2006/main" xmlns:r="http://schemas.openxmlformats.org/officeDocument/2006/relationships" xmlns:p="http://schemas.openxmlformats.org/presentationml/2006/main">
+  <p:cSld>
+    <p:spTree>
+      <p:nvGrpSpPr>
+        <p:cNvPr id="1" name=""/>
+        <p:cNvGrpSpPr/>
+        <p:nvPr/>
+      </p:nvGrpSpPr>
+      <p:grpSpPr>
+        <a:xfrm>
+          <a:off x="0" y="0"/>
+          <a:ext cx="0" cy="0"/>
+          <a:chOff x="0" y="0"/>
+          <a:chExt cx="0" cy="0"/>
+        </a:xfrm>
+      </p:grpSpPr>
+      <p:pic>
+        <p:nvPicPr>
+          <p:cNvPr id="1030" name="Picture 6" descr="Download &quot;Serene Summer Escape&quot; | Wallpapers.com">
+            <a:extLst>
+              <a:ext uri="{FF2B5EF4-FFF2-40B4-BE49-F238E27FC236}">
+                <a16:creationId xmlns:a16="http://schemas.microsoft.com/office/drawing/2014/main" id="{B3C24A35-C80E-0E57-0337-5531B67AE142}"/>
+              </a:ext>
+            </a:extLst>
+          </p:cNvPr>
+          <p:cNvPicPr>
+            <a:picLocks noChangeAspect="1" noChangeArrowheads="1"/>
+          </p:cNvPicPr>
+          <p:nvPr/>
+        </p:nvPicPr>
+        <p:blipFill>
+          <a:blip r:embed="rId2">
+            <a:extLst>
+              <a:ext uri="{28A0092B-C50C-407E-A947-70E740481C1C}">
+                <a14:useLocalDpi xmlns:a14="http://schemas.microsoft.com/office/drawing/2010/main" val="0"/>
+              </a:ext>
+            </a:extLst>
+          </a:blip>
+          <a:srcRect/>
+          <a:stretch>
+            <a:fillRect/>
+          </a:stretch>
+        </p:blipFill>
+        <p:spPr bwMode="auto">
+          <a:xfrm>
+            <a:off x="7812912" y="231274"/>
+            <a:ext cx="4161268" cy="6395453"/>
+          </a:xfrm>
+          <a:prstGeom prst="rect">
+            <a:avLst/>
+          </a:prstGeom>
+          <a:noFill/>
+          <a:extLst>
+            <a:ext uri="{909E8E84-426E-40DD-AFC4-6F175D3DCCD1}">
+              <a14:hiddenFill xmlns:a14="http://schemas.microsoft.com/office/drawing/2010/main">
+                <a:solidFill>
+                  <a:srgbClr val="FFFFFF"/>
+                </a:solidFill>
+              </a14:hiddenFill>
+            </a:ext>
+          </a:extLst>
+        </p:spPr>
+      </p:pic>
+      <p:sp>
+        <p:nvSpPr>
+          <p:cNvPr id="6" name="Freeform: Shape 5">
+            <a:extLst>
+              <a:ext uri="{FF2B5EF4-FFF2-40B4-BE49-F238E27FC236}">
+                <a16:creationId xmlns:a16="http://schemas.microsoft.com/office/drawing/2014/main" id="{928D0093-DEBB-5C27-F700-FB90A066AF6C}"/>
+              </a:ext>
+            </a:extLst>
+          </p:cNvPr>
+          <p:cNvSpPr/>
+          <p:nvPr/>
+        </p:nvSpPr>
+        <p:spPr>
+          <a:xfrm rot="5400000">
+            <a:off x="437858" y="428093"/>
+            <a:ext cx="1055528" cy="1055528"/>
+          </a:xfrm>
+          <a:custGeom>
+            <a:avLst/>
+            <a:gdLst>
+              <a:gd name="connsiteX0" fmla="*/ 0 w 1492249"/>
+              <a:gd name="connsiteY0" fmla="*/ 738191 h 1492249"/>
+              <a:gd name="connsiteX1" fmla="*/ 0 w 1492249"/>
+              <a:gd name="connsiteY1" fmla="*/ 0 h 1492249"/>
+              <a:gd name="connsiteX2" fmla="*/ 754058 w 1492249"/>
+              <a:gd name="connsiteY2" fmla="*/ 0 h 1492249"/>
+              <a:gd name="connsiteX3" fmla="*/ 1492249 w 1492249"/>
+              <a:gd name="connsiteY3" fmla="*/ 0 h 1492249"/>
+              <a:gd name="connsiteX4" fmla="*/ 1492249 w 1492249"/>
+              <a:gd name="connsiteY4" fmla="*/ 738191 h 1492249"/>
+              <a:gd name="connsiteX5" fmla="*/ 1492249 w 1492249"/>
+              <a:gd name="connsiteY5" fmla="*/ 1492249 h 1492249"/>
+              <a:gd name="connsiteX6" fmla="*/ 754058 w 1492249"/>
+              <a:gd name="connsiteY6" fmla="*/ 1492249 h 1492249"/>
+              <a:gd name="connsiteX7" fmla="*/ 754058 w 1492249"/>
+              <a:gd name="connsiteY7" fmla="*/ 738191 h 1492249"/>
+            </a:gdLst>
+            <a:ahLst/>
+            <a:cxnLst>
+              <a:cxn ang="0">
+                <a:pos x="connsiteX0" y="connsiteY0"/>
+              </a:cxn>
+              <a:cxn ang="0">
+                <a:pos x="connsiteX1" y="connsiteY1"/>
+              </a:cxn>
+              <a:cxn ang="0">
+                <a:pos x="connsiteX2" y="connsiteY2"/>
+              </a:cxn>
+              <a:cxn ang="0">
+                <a:pos x="connsiteX3" y="connsiteY3"/>
+              </a:cxn>
+              <a:cxn ang="0">
+                <a:pos x="connsiteX4" y="connsiteY4"/>
+              </a:cxn>
+              <a:cxn ang="0">
+                <a:pos x="connsiteX5" y="connsiteY5"/>
+              </a:cxn>
+              <a:cxn ang="0">
+                <a:pos x="connsiteX6" y="connsiteY6"/>
+              </a:cxn>
+              <a:cxn ang="0">
+                <a:pos x="connsiteX7" y="connsiteY7"/>
+              </a:cxn>
+            </a:cxnLst>
+            <a:rect l="l" t="t" r="r" b="b"/>
+            <a:pathLst>
+              <a:path w="1492249" h="1492249">
+                <a:moveTo>
+                  <a:pt x="0" y="738191"/>
+                </a:moveTo>
+                <a:lnTo>
+                  <a:pt x="0" y="0"/>
+                </a:lnTo>
+                <a:lnTo>
+                  <a:pt x="754058" y="0"/>
+                </a:lnTo>
+                <a:lnTo>
+                  <a:pt x="1492249" y="0"/>
+                </a:lnTo>
+                <a:lnTo>
+                  <a:pt x="1492249" y="738191"/>
+                </a:lnTo>
+                <a:lnTo>
+                  <a:pt x="1492249" y="1492249"/>
+                </a:lnTo>
+                <a:lnTo>
+                  <a:pt x="754058" y="1492249"/>
+                </a:lnTo>
+                <a:lnTo>
+                  <a:pt x="754058" y="738191"/>
+                </a:lnTo>
+                <a:close/>
+              </a:path>
+            </a:pathLst>
+          </a:custGeom>
+          <a:solidFill>
+            <a:schemeClr val="accent1">
+              <a:lumMod val="60000"/>
+              <a:lumOff val="40000"/>
+            </a:schemeClr>
+          </a:solidFill>
+          <a:ln>
+            <a:noFill/>
+          </a:ln>
+        </p:spPr>
+        <p:style>
+          <a:lnRef idx="2">
+            <a:schemeClr val="accent1">
+              <a:shade val="50000"/>
+            </a:schemeClr>
+          </a:lnRef>
+          <a:fillRef idx="1">
+            <a:schemeClr val="accent1"/>
+          </a:fillRef>
+          <a:effectRef idx="0">
+            <a:schemeClr val="accent1"/>
+          </a:effectRef>
+          <a:fontRef idx="minor">
+            <a:schemeClr val="lt1"/>
+          </a:fontRef>
+        </p:style>
+        <p:txBody>
+          <a:bodyPr rtlCol="0" anchor="ctr"/>
+          <a:lstStyle/>
+          <a:p>
+            <a:pPr algn="ctr"/>
+            <a:endParaRPr lang="en-US"/>
+          </a:p>
+        </p:txBody>
+      </p:sp>
+      <p:grpSp>
+        <p:nvGrpSpPr>
+          <p:cNvPr id="7" name="Group 6">
+            <a:extLst>
+              <a:ext uri="{FF2B5EF4-FFF2-40B4-BE49-F238E27FC236}">
+                <a16:creationId xmlns:a16="http://schemas.microsoft.com/office/drawing/2014/main" id="{3A335C8F-AF4B-CFE0-FEC8-164794CC9A7D}"/>
+              </a:ext>
+            </a:extLst>
+          </p:cNvPr>
+          <p:cNvGrpSpPr/>
+          <p:nvPr/>
+        </p:nvGrpSpPr>
+        <p:grpSpPr>
+          <a:xfrm>
+            <a:off x="3813222" y="377548"/>
+            <a:ext cx="5282087" cy="6117672"/>
+            <a:chOff x="5602981" y="171345"/>
+            <a:chExt cx="5803927" cy="6531080"/>
+          </a:xfrm>
+        </p:grpSpPr>
+        <p:grpSp>
+          <p:nvGrpSpPr>
+            <p:cNvPr id="8" name="Group 7">
+              <a:extLst>
+                <a:ext uri="{FF2B5EF4-FFF2-40B4-BE49-F238E27FC236}">
+                  <a16:creationId xmlns:a16="http://schemas.microsoft.com/office/drawing/2014/main" id="{ECA4DF9F-A1AE-A524-8D11-A8A682065687}"/>
+                </a:ext>
+              </a:extLst>
+            </p:cNvPr>
+            <p:cNvGrpSpPr/>
+            <p:nvPr/>
+          </p:nvGrpSpPr>
+          <p:grpSpPr>
+            <a:xfrm>
+              <a:off x="5602981" y="171345"/>
+              <a:ext cx="5416000" cy="547368"/>
+              <a:chOff x="5602981" y="171345"/>
+              <a:chExt cx="5416000" cy="547368"/>
+            </a:xfrm>
+          </p:grpSpPr>
+          <p:grpSp>
+            <p:nvGrpSpPr>
+              <p:cNvPr id="57" name="Group 56">
+                <a:extLst>
+                  <a:ext uri="{FF2B5EF4-FFF2-40B4-BE49-F238E27FC236}">
+                    <a16:creationId xmlns:a16="http://schemas.microsoft.com/office/drawing/2014/main" id="{4040A6A5-8068-B5D5-7E1F-8600400CED96}"/>
+                  </a:ext>
+                </a:extLst>
+              </p:cNvPr>
+              <p:cNvGrpSpPr/>
+              <p:nvPr/>
+            </p:nvGrpSpPr>
+            <p:grpSpPr>
+              <a:xfrm>
+                <a:off x="5602981" y="171345"/>
+                <a:ext cx="542605" cy="547368"/>
+                <a:chOff x="5602981" y="171345"/>
+                <a:chExt cx="542605" cy="547368"/>
+              </a:xfrm>
+            </p:grpSpPr>
+            <p:sp>
+              <p:nvSpPr>
+                <p:cNvPr id="59" name="Oval 58">
+                  <a:extLst>
+                    <a:ext uri="{FF2B5EF4-FFF2-40B4-BE49-F238E27FC236}">
+                      <a16:creationId xmlns:a16="http://schemas.microsoft.com/office/drawing/2014/main" id="{B3366444-BD3B-9721-41AC-C30E3C134171}"/>
+                    </a:ext>
+                  </a:extLst>
+                </p:cNvPr>
+                <p:cNvSpPr/>
+                <p:nvPr/>
+              </p:nvSpPr>
+              <p:spPr>
+                <a:xfrm>
+                  <a:off x="5602981" y="176109"/>
+                  <a:ext cx="542605" cy="542604"/>
+                </a:xfrm>
+                <a:prstGeom prst="ellipse">
+                  <a:avLst/>
+                </a:prstGeom>
+                <a:solidFill>
+                  <a:schemeClr val="tx1">
+                    <a:alpha val="70000"/>
+                  </a:schemeClr>
+                </a:solidFill>
+                <a:ln>
+                  <a:solidFill>
+                    <a:schemeClr val="bg2">
+                      <a:lumMod val="75000"/>
+                    </a:schemeClr>
+                  </a:solidFill>
+                </a:ln>
+                <a:effectLst/>
+              </p:spPr>
+              <p:style>
+                <a:lnRef idx="2">
+                  <a:schemeClr val="accent1">
+                    <a:shade val="50000"/>
+                  </a:schemeClr>
+                </a:lnRef>
+                <a:fillRef idx="1">
+                  <a:schemeClr val="accent1"/>
+                </a:fillRef>
+                <a:effectRef idx="0">
+                  <a:schemeClr val="accent1"/>
+                </a:effectRef>
+                <a:fontRef idx="minor">
+                  <a:schemeClr val="lt1"/>
+                </a:fontRef>
+              </p:style>
+              <p:txBody>
+                <a:bodyPr rot="0" spcFirstLastPara="0" vertOverflow="overflow" horzOverflow="overflow" vert="horz" wrap="square" lIns="91440" tIns="45720" rIns="91440" bIns="45720" numCol="1" spcCol="0" rtlCol="0" fromWordArt="0" anchor="ctr" anchorCtr="0" forceAA="0" compatLnSpc="1">
+                  <a:prstTxWarp prst="textNoShape">
+                    <a:avLst/>
+                  </a:prstTxWarp>
+                  <a:noAutofit/>
+                </a:bodyPr>
+                <a:lstStyle/>
+                <a:p>
+                  <a:pPr algn="ctr"/>
+                  <a:endParaRPr lang="en-US">
+                    <a:solidFill>
+                      <a:schemeClr val="tx1"/>
+                    </a:solidFill>
+                  </a:endParaRPr>
+                </a:p>
+              </p:txBody>
+            </p:sp>
+            <p:sp>
+              <p:nvSpPr>
+                <p:cNvPr id="60" name="Oval 59">
+                  <a:extLst>
+                    <a:ext uri="{FF2B5EF4-FFF2-40B4-BE49-F238E27FC236}">
+                      <a16:creationId xmlns:a16="http://schemas.microsoft.com/office/drawing/2014/main" id="{C06894E6-29BA-826E-03D3-C152E164B1BF}"/>
+                    </a:ext>
+                  </a:extLst>
+                </p:cNvPr>
+                <p:cNvSpPr/>
+                <p:nvPr/>
+              </p:nvSpPr>
+              <p:spPr>
+                <a:xfrm>
+                  <a:off x="5678679" y="231274"/>
+                  <a:ext cx="391209" cy="391208"/>
+                </a:xfrm>
+                <a:prstGeom prst="ellipse">
+                  <a:avLst/>
+                </a:prstGeom>
+                <a:solidFill>
+                  <a:schemeClr val="accent4">
+                    <a:lumMod val="60000"/>
+                    <a:lumOff val="40000"/>
+                  </a:schemeClr>
+                </a:solidFill>
+                <a:ln>
+                  <a:noFill/>
+                </a:ln>
+                <a:effectLst>
+                  <a:outerShdw blurRad="215900" dist="25400" dir="5400000" sx="97000" sy="97000" algn="t" rotWithShape="0">
+                    <a:prstClr val="black">
+                      <a:alpha val="35000"/>
+                    </a:prstClr>
+                  </a:outerShdw>
+                </a:effectLst>
+              </p:spPr>
+              <p:style>
+                <a:lnRef idx="2">
+                  <a:schemeClr val="accent1">
+                    <a:shade val="50000"/>
+                  </a:schemeClr>
+                </a:lnRef>
+                <a:fillRef idx="1">
+                  <a:schemeClr val="accent1"/>
+                </a:fillRef>
+                <a:effectRef idx="0">
+                  <a:schemeClr val="accent1"/>
+                </a:effectRef>
+                <a:fontRef idx="minor">
+                  <a:schemeClr val="lt1"/>
+                </a:fontRef>
+              </p:style>
+              <p:txBody>
+                <a:bodyPr rot="0" spcFirstLastPara="0" vertOverflow="overflow" horzOverflow="overflow" vert="horz" wrap="square" lIns="91440" tIns="45720" rIns="91440" bIns="45720" numCol="1" spcCol="0" rtlCol="0" fromWordArt="0" anchor="ctr" anchorCtr="0" forceAA="0" compatLnSpc="1">
+                  <a:prstTxWarp prst="textNoShape">
+                    <a:avLst/>
+                  </a:prstTxWarp>
+                  <a:noAutofit/>
+                </a:bodyPr>
+                <a:lstStyle/>
+                <a:p>
+                  <a:pPr algn="ctr"/>
+                  <a:endParaRPr lang="en-US">
+                    <a:solidFill>
+                      <a:schemeClr val="tx1"/>
+                    </a:solidFill>
+                  </a:endParaRPr>
+                </a:p>
+              </p:txBody>
+            </p:sp>
+            <p:sp>
+              <p:nvSpPr>
+                <p:cNvPr id="61" name="TextBox 60">
+                  <a:extLst>
+                    <a:ext uri="{FF2B5EF4-FFF2-40B4-BE49-F238E27FC236}">
+                      <a16:creationId xmlns:a16="http://schemas.microsoft.com/office/drawing/2014/main" id="{1D609D83-ACAA-816B-5B9B-7F39DCBC2869}"/>
+                    </a:ext>
+                  </a:extLst>
+                </p:cNvPr>
+                <p:cNvSpPr txBox="1"/>
+                <p:nvPr/>
+              </p:nvSpPr>
+              <p:spPr>
+                <a:xfrm>
+                  <a:off x="5695328" y="171345"/>
+                  <a:ext cx="342059" cy="427148"/>
+                </a:xfrm>
+                <a:prstGeom prst="rect">
+                  <a:avLst/>
+                </a:prstGeom>
+                <a:noFill/>
+              </p:spPr>
+              <p:txBody>
+                <a:bodyPr wrap="none" rtlCol="0" anchor="ctr">
+                  <a:spAutoFit/>
+                </a:bodyPr>
+                <a:lstStyle/>
+                <a:p>
+                  <a:pPr algn="ctr"/>
+                  <a:r>
+                    <a:rPr lang="en-US" sz="2000" b="1"/>
+                    <a:t>1</a:t>
+                  </a:r>
+                  <a:endParaRPr lang="en-IN" sz="2000" dirty="0"/>
+                </a:p>
+              </p:txBody>
+            </p:sp>
+          </p:grpSp>
+          <p:sp>
+            <p:nvSpPr>
+              <p:cNvPr id="58" name="TextBox 57">
+                <a:extLst>
+                  <a:ext uri="{FF2B5EF4-FFF2-40B4-BE49-F238E27FC236}">
+                    <a16:creationId xmlns:a16="http://schemas.microsoft.com/office/drawing/2014/main" id="{11920D5D-3299-67EC-5924-68AE45228304}"/>
+                  </a:ext>
+                </a:extLst>
+              </p:cNvPr>
+              <p:cNvSpPr txBox="1"/>
+              <p:nvPr/>
+            </p:nvSpPr>
+            <p:spPr>
+              <a:xfrm>
+                <a:off x="6315721" y="239592"/>
+                <a:ext cx="4703260" cy="374575"/>
+              </a:xfrm>
+              <a:prstGeom prst="rect">
+                <a:avLst/>
+              </a:prstGeom>
+              <a:noFill/>
+            </p:spPr>
+            <p:txBody>
+              <a:bodyPr wrap="square" lIns="0" tIns="0" rIns="0" bIns="0" rtlCol="0" anchor="ctr">
+                <a:spAutoFit/>
+              </a:bodyPr>
+              <a:lstStyle/>
+              <a:p>
+                <a:pPr defTabSz="1219170">
+                  <a:spcBef>
+                    <a:spcPct val="20000"/>
+                  </a:spcBef>
+                  <a:defRPr/>
+                </a:pPr>
+                <a:r>
+                  <a:rPr lang="en-US" b="1"/>
+                  <a:t>Research objective</a:t>
+                </a:r>
+                <a:endParaRPr lang="en-US" b="1" dirty="0"/>
+              </a:p>
+              <a:p>
+                <a:pPr defTabSz="1219170">
+                  <a:spcBef>
+                    <a:spcPct val="20000"/>
+                  </a:spcBef>
+                  <a:defRPr/>
+                </a:pPr>
+                <a:endParaRPr lang="en-US" sz="400" b="1" dirty="0"/>
+              </a:p>
+            </p:txBody>
+          </p:sp>
+        </p:grpSp>
+        <p:grpSp>
+          <p:nvGrpSpPr>
+            <p:cNvPr id="9" name="Group 8">
+              <a:extLst>
+                <a:ext uri="{FF2B5EF4-FFF2-40B4-BE49-F238E27FC236}">
+                  <a16:creationId xmlns:a16="http://schemas.microsoft.com/office/drawing/2014/main" id="{7974F78A-AEF2-938A-8A11-3323AA0D0E3C}"/>
+                </a:ext>
+              </a:extLst>
+            </p:cNvPr>
+            <p:cNvGrpSpPr/>
+            <p:nvPr/>
+          </p:nvGrpSpPr>
+          <p:grpSpPr>
+            <a:xfrm>
+              <a:off x="5602981" y="906107"/>
+              <a:ext cx="5416000" cy="542604"/>
+              <a:chOff x="5602981" y="906107"/>
+              <a:chExt cx="5416000" cy="542604"/>
+            </a:xfrm>
+          </p:grpSpPr>
+          <p:grpSp>
+            <p:nvGrpSpPr>
+              <p:cNvPr id="52" name="Group 51">
+                <a:extLst>
+                  <a:ext uri="{FF2B5EF4-FFF2-40B4-BE49-F238E27FC236}">
+                    <a16:creationId xmlns:a16="http://schemas.microsoft.com/office/drawing/2014/main" id="{E826082A-93C3-D8F8-5D0A-034DC8C9231C}"/>
+                  </a:ext>
+                </a:extLst>
+              </p:cNvPr>
+              <p:cNvGrpSpPr/>
+              <p:nvPr/>
+            </p:nvGrpSpPr>
+            <p:grpSpPr>
+              <a:xfrm>
+                <a:off x="5602981" y="906107"/>
+                <a:ext cx="542605" cy="542604"/>
+                <a:chOff x="5602981" y="906107"/>
+                <a:chExt cx="542605" cy="542604"/>
+              </a:xfrm>
+            </p:grpSpPr>
+            <p:sp>
+              <p:nvSpPr>
+                <p:cNvPr id="54" name="Oval 53">
+                  <a:extLst>
+                    <a:ext uri="{FF2B5EF4-FFF2-40B4-BE49-F238E27FC236}">
+                      <a16:creationId xmlns:a16="http://schemas.microsoft.com/office/drawing/2014/main" id="{7A030E2B-B26B-E9C3-3A56-A8E9C16354DF}"/>
+                    </a:ext>
+                  </a:extLst>
+                </p:cNvPr>
+                <p:cNvSpPr/>
+                <p:nvPr/>
+              </p:nvSpPr>
+              <p:spPr>
+                <a:xfrm>
+                  <a:off x="5602981" y="906107"/>
+                  <a:ext cx="542605" cy="542604"/>
+                </a:xfrm>
+                <a:prstGeom prst="ellipse">
+                  <a:avLst/>
+                </a:prstGeom>
+                <a:solidFill>
+                  <a:schemeClr val="tx1">
+                    <a:alpha val="70000"/>
+                  </a:schemeClr>
+                </a:solidFill>
+                <a:ln>
+                  <a:solidFill>
+                    <a:schemeClr val="bg2">
+                      <a:lumMod val="75000"/>
+                    </a:schemeClr>
+                  </a:solidFill>
+                </a:ln>
+                <a:effectLst/>
+              </p:spPr>
+              <p:style>
+                <a:lnRef idx="2">
+                  <a:schemeClr val="accent1">
+                    <a:shade val="50000"/>
+                  </a:schemeClr>
+                </a:lnRef>
+                <a:fillRef idx="1">
+                  <a:schemeClr val="accent1"/>
+                </a:fillRef>
+                <a:effectRef idx="0">
+                  <a:schemeClr val="accent1"/>
+                </a:effectRef>
+                <a:fontRef idx="minor">
+                  <a:schemeClr val="lt1"/>
+                </a:fontRef>
+              </p:style>
+              <p:txBody>
+                <a:bodyPr rot="0" spcFirstLastPara="0" vertOverflow="overflow" horzOverflow="overflow" vert="horz" wrap="square" lIns="91440" tIns="45720" rIns="91440" bIns="45720" numCol="1" spcCol="0" rtlCol="0" fromWordArt="0" anchor="ctr" anchorCtr="0" forceAA="0" compatLnSpc="1">
+                  <a:prstTxWarp prst="textNoShape">
+                    <a:avLst/>
+                  </a:prstTxWarp>
+                  <a:noAutofit/>
+                </a:bodyPr>
+                <a:lstStyle/>
+                <a:p>
+                  <a:pPr algn="ctr"/>
+                  <a:endParaRPr lang="en-US">
+                    <a:solidFill>
+                      <a:schemeClr val="tx1"/>
+                    </a:solidFill>
+                  </a:endParaRPr>
+                </a:p>
+              </p:txBody>
+            </p:sp>
+            <p:sp>
+              <p:nvSpPr>
+                <p:cNvPr id="55" name="Oval 54">
+                  <a:extLst>
+                    <a:ext uri="{FF2B5EF4-FFF2-40B4-BE49-F238E27FC236}">
+                      <a16:creationId xmlns:a16="http://schemas.microsoft.com/office/drawing/2014/main" id="{DFAE5772-1F3B-C5F2-20A7-8529948F6DCC}"/>
+                    </a:ext>
+                  </a:extLst>
+                </p:cNvPr>
+                <p:cNvSpPr/>
+                <p:nvPr/>
+              </p:nvSpPr>
+              <p:spPr>
+                <a:xfrm>
+                  <a:off x="5678679" y="981805"/>
+                  <a:ext cx="391209" cy="391208"/>
+                </a:xfrm>
+                <a:prstGeom prst="ellipse">
+                  <a:avLst/>
+                </a:prstGeom>
+                <a:solidFill>
+                  <a:schemeClr val="accent3">
+                    <a:lumMod val="60000"/>
+                    <a:lumOff val="40000"/>
+                  </a:schemeClr>
+                </a:solidFill>
+                <a:ln>
+                  <a:noFill/>
+                </a:ln>
+                <a:effectLst>
+                  <a:outerShdw blurRad="215900" dist="25400" dir="5400000" sx="97000" sy="97000" algn="t" rotWithShape="0">
+                    <a:prstClr val="black">
+                      <a:alpha val="35000"/>
+                    </a:prstClr>
+                  </a:outerShdw>
+                </a:effectLst>
+              </p:spPr>
+              <p:style>
+                <a:lnRef idx="2">
+                  <a:schemeClr val="accent1">
+                    <a:shade val="50000"/>
+                  </a:schemeClr>
+                </a:lnRef>
+                <a:fillRef idx="1">
+                  <a:schemeClr val="accent1"/>
+                </a:fillRef>
+                <a:effectRef idx="0">
+                  <a:schemeClr val="accent1"/>
+                </a:effectRef>
+                <a:fontRef idx="minor">
+                  <a:schemeClr val="lt1"/>
+                </a:fontRef>
+              </p:style>
+              <p:txBody>
+                <a:bodyPr rot="0" spcFirstLastPara="0" vertOverflow="overflow" horzOverflow="overflow" vert="horz" wrap="square" lIns="91440" tIns="45720" rIns="91440" bIns="45720" numCol="1" spcCol="0" rtlCol="0" fromWordArt="0" anchor="ctr" anchorCtr="0" forceAA="0" compatLnSpc="1">
+                  <a:prstTxWarp prst="textNoShape">
+                    <a:avLst/>
+                  </a:prstTxWarp>
+                  <a:noAutofit/>
+                </a:bodyPr>
+                <a:lstStyle/>
+                <a:p>
+                  <a:pPr algn="ctr"/>
+                  <a:endParaRPr lang="en-US">
+                    <a:solidFill>
+                      <a:schemeClr val="tx1"/>
+                    </a:solidFill>
+                  </a:endParaRPr>
+                </a:p>
+              </p:txBody>
+            </p:sp>
+            <p:sp>
+              <p:nvSpPr>
+                <p:cNvPr id="56" name="TextBox 55">
+                  <a:extLst>
+                    <a:ext uri="{FF2B5EF4-FFF2-40B4-BE49-F238E27FC236}">
+                      <a16:creationId xmlns:a16="http://schemas.microsoft.com/office/drawing/2014/main" id="{9DC909FF-690A-4CC6-E21B-851880387AA5}"/>
+                    </a:ext>
+                  </a:extLst>
+                </p:cNvPr>
+                <p:cNvSpPr txBox="1"/>
+                <p:nvPr/>
+              </p:nvSpPr>
+              <p:spPr>
+                <a:xfrm>
+                  <a:off x="5703254" y="925014"/>
+                  <a:ext cx="343820" cy="427148"/>
+                </a:xfrm>
+                <a:prstGeom prst="rect">
+                  <a:avLst/>
+                </a:prstGeom>
+                <a:noFill/>
+              </p:spPr>
+              <p:txBody>
+                <a:bodyPr wrap="none" rtlCol="0" anchor="ctr">
+                  <a:spAutoFit/>
+                </a:bodyPr>
+                <a:lstStyle/>
+                <a:p>
+                  <a:pPr algn="ctr"/>
+                  <a:r>
+                    <a:rPr lang="en-US" sz="2000" b="1"/>
+                    <a:t>2</a:t>
+                  </a:r>
+                  <a:endParaRPr lang="en-IN" sz="2000" dirty="0"/>
+                </a:p>
+              </p:txBody>
+            </p:sp>
+          </p:grpSp>
+          <p:sp>
+            <p:nvSpPr>
+              <p:cNvPr id="53" name="TextBox 52">
+                <a:extLst>
+                  <a:ext uri="{FF2B5EF4-FFF2-40B4-BE49-F238E27FC236}">
+                    <a16:creationId xmlns:a16="http://schemas.microsoft.com/office/drawing/2014/main" id="{334D7CFB-EFF1-15A2-C4C4-08321D9A6BA9}"/>
+                  </a:ext>
+                </a:extLst>
+              </p:cNvPr>
+              <p:cNvSpPr txBox="1"/>
+              <p:nvPr/>
+            </p:nvSpPr>
+            <p:spPr>
+              <a:xfrm>
+                <a:off x="6315721" y="990122"/>
+                <a:ext cx="4703260" cy="374575"/>
+              </a:xfrm>
+              <a:prstGeom prst="rect">
+                <a:avLst/>
+              </a:prstGeom>
+              <a:noFill/>
+            </p:spPr>
+            <p:txBody>
+              <a:bodyPr wrap="square" lIns="0" tIns="0" rIns="0" bIns="0" rtlCol="0" anchor="ctr">
+                <a:spAutoFit/>
+              </a:bodyPr>
+              <a:lstStyle/>
+              <a:p>
+                <a:pPr defTabSz="1219170">
+                  <a:spcBef>
+                    <a:spcPct val="20000"/>
+                  </a:spcBef>
+                  <a:defRPr/>
+                </a:pPr>
+                <a:r>
+                  <a:rPr lang="en-US" b="1"/>
+                  <a:t>Data Overview &amp; Preparation</a:t>
+                </a:r>
+                <a:endParaRPr lang="en-US" b="1" dirty="0"/>
+              </a:p>
+              <a:p>
+                <a:pPr defTabSz="1219170">
+                  <a:spcBef>
+                    <a:spcPct val="20000"/>
+                  </a:spcBef>
+                  <a:defRPr/>
+                </a:pPr>
+                <a:endParaRPr lang="en-US" sz="400" b="1" dirty="0"/>
+              </a:p>
+            </p:txBody>
+          </p:sp>
+        </p:grpSp>
+        <p:grpSp>
+          <p:nvGrpSpPr>
+            <p:cNvPr id="10" name="Group 9">
+              <a:extLst>
+                <a:ext uri="{FF2B5EF4-FFF2-40B4-BE49-F238E27FC236}">
+                  <a16:creationId xmlns:a16="http://schemas.microsoft.com/office/drawing/2014/main" id="{90823E90-37EA-D19E-E185-8D905B9D567E}"/>
+                </a:ext>
+              </a:extLst>
+            </p:cNvPr>
+            <p:cNvGrpSpPr/>
+            <p:nvPr/>
+          </p:nvGrpSpPr>
+          <p:grpSpPr>
+            <a:xfrm>
+              <a:off x="5602981" y="1656638"/>
+              <a:ext cx="5803927" cy="542604"/>
+              <a:chOff x="5602981" y="1656638"/>
+              <a:chExt cx="5803927" cy="542604"/>
+            </a:xfrm>
+          </p:grpSpPr>
+          <p:grpSp>
+            <p:nvGrpSpPr>
+              <p:cNvPr id="47" name="Group 46">
+                <a:extLst>
+                  <a:ext uri="{FF2B5EF4-FFF2-40B4-BE49-F238E27FC236}">
+                    <a16:creationId xmlns:a16="http://schemas.microsoft.com/office/drawing/2014/main" id="{27B957FF-CC2F-CF54-6C25-8FEDADCE971B}"/>
+                  </a:ext>
+                </a:extLst>
+              </p:cNvPr>
+              <p:cNvGrpSpPr/>
+              <p:nvPr/>
+            </p:nvGrpSpPr>
+            <p:grpSpPr>
+              <a:xfrm>
+                <a:off x="5602981" y="1656638"/>
+                <a:ext cx="542605" cy="542604"/>
+                <a:chOff x="5602981" y="1656638"/>
+                <a:chExt cx="542605" cy="542604"/>
+              </a:xfrm>
+            </p:grpSpPr>
+            <p:sp>
+              <p:nvSpPr>
+                <p:cNvPr id="49" name="Oval 48">
+                  <a:extLst>
+                    <a:ext uri="{FF2B5EF4-FFF2-40B4-BE49-F238E27FC236}">
+                      <a16:creationId xmlns:a16="http://schemas.microsoft.com/office/drawing/2014/main" id="{427F1432-EFC1-D2B5-5283-DA285ED3521E}"/>
+                    </a:ext>
+                  </a:extLst>
+                </p:cNvPr>
+                <p:cNvSpPr/>
+                <p:nvPr/>
+              </p:nvSpPr>
+              <p:spPr>
+                <a:xfrm>
+                  <a:off x="5602981" y="1656638"/>
+                  <a:ext cx="542605" cy="542604"/>
+                </a:xfrm>
+                <a:prstGeom prst="ellipse">
+                  <a:avLst/>
+                </a:prstGeom>
+                <a:solidFill>
+                  <a:schemeClr val="tx1">
+                    <a:alpha val="70000"/>
+                  </a:schemeClr>
+                </a:solidFill>
+                <a:ln>
+                  <a:solidFill>
+                    <a:schemeClr val="bg2">
+                      <a:lumMod val="75000"/>
+                    </a:schemeClr>
+                  </a:solidFill>
+                </a:ln>
+                <a:effectLst/>
+              </p:spPr>
+              <p:style>
+                <a:lnRef idx="2">
+                  <a:schemeClr val="accent1">
+                    <a:shade val="50000"/>
+                  </a:schemeClr>
+                </a:lnRef>
+                <a:fillRef idx="1">
+                  <a:schemeClr val="accent1"/>
+                </a:fillRef>
+                <a:effectRef idx="0">
+                  <a:schemeClr val="accent1"/>
+                </a:effectRef>
+                <a:fontRef idx="minor">
+                  <a:schemeClr val="lt1"/>
+                </a:fontRef>
+              </p:style>
+              <p:txBody>
+                <a:bodyPr rot="0" spcFirstLastPara="0" vertOverflow="overflow" horzOverflow="overflow" vert="horz" wrap="square" lIns="91440" tIns="45720" rIns="91440" bIns="45720" numCol="1" spcCol="0" rtlCol="0" fromWordArt="0" anchor="ctr" anchorCtr="0" forceAA="0" compatLnSpc="1">
+                  <a:prstTxWarp prst="textNoShape">
+                    <a:avLst/>
+                  </a:prstTxWarp>
+                  <a:noAutofit/>
+                </a:bodyPr>
+                <a:lstStyle/>
+                <a:p>
+                  <a:pPr algn="ctr"/>
+                  <a:endParaRPr lang="en-US">
+                    <a:solidFill>
+                      <a:schemeClr val="tx1"/>
+                    </a:solidFill>
+                  </a:endParaRPr>
+                </a:p>
+              </p:txBody>
+            </p:sp>
+            <p:sp>
+              <p:nvSpPr>
+                <p:cNvPr id="50" name="Oval 49">
+                  <a:extLst>
+                    <a:ext uri="{FF2B5EF4-FFF2-40B4-BE49-F238E27FC236}">
+                      <a16:creationId xmlns:a16="http://schemas.microsoft.com/office/drawing/2014/main" id="{BE487652-7896-0288-74A7-D571B291E883}"/>
+                    </a:ext>
+                  </a:extLst>
+                </p:cNvPr>
+                <p:cNvSpPr/>
+                <p:nvPr/>
+              </p:nvSpPr>
+              <p:spPr>
+                <a:xfrm>
+                  <a:off x="5678679" y="1732336"/>
+                  <a:ext cx="391209" cy="391208"/>
+                </a:xfrm>
+                <a:prstGeom prst="ellipse">
+                  <a:avLst/>
+                </a:prstGeom>
+                <a:solidFill>
+                  <a:schemeClr val="accent2">
+                    <a:lumMod val="60000"/>
+                    <a:lumOff val="40000"/>
+                  </a:schemeClr>
+                </a:solidFill>
+                <a:ln>
+                  <a:noFill/>
+                </a:ln>
+                <a:effectLst>
+                  <a:outerShdw blurRad="215900" dist="25400" dir="5400000" sx="97000" sy="97000" algn="t" rotWithShape="0">
+                    <a:prstClr val="black">
+                      <a:alpha val="35000"/>
+                    </a:prstClr>
+                  </a:outerShdw>
+                </a:effectLst>
+              </p:spPr>
+              <p:style>
+                <a:lnRef idx="2">
+                  <a:schemeClr val="accent1">
+                    <a:shade val="50000"/>
+                  </a:schemeClr>
+                </a:lnRef>
+                <a:fillRef idx="1">
+                  <a:schemeClr val="accent1"/>
+                </a:fillRef>
+                <a:effectRef idx="0">
+                  <a:schemeClr val="accent1"/>
+                </a:effectRef>
+                <a:fontRef idx="minor">
+                  <a:schemeClr val="lt1"/>
+                </a:fontRef>
+              </p:style>
+              <p:txBody>
+                <a:bodyPr rot="0" spcFirstLastPara="0" vertOverflow="overflow" horzOverflow="overflow" vert="horz" wrap="square" lIns="91440" tIns="45720" rIns="91440" bIns="45720" numCol="1" spcCol="0" rtlCol="0" fromWordArt="0" anchor="ctr" anchorCtr="0" forceAA="0" compatLnSpc="1">
+                  <a:prstTxWarp prst="textNoShape">
+                    <a:avLst/>
+                  </a:prstTxWarp>
+                  <a:noAutofit/>
+                </a:bodyPr>
+                <a:lstStyle/>
+                <a:p>
+                  <a:pPr algn="ctr"/>
+                  <a:endParaRPr lang="en-US">
+                    <a:solidFill>
+                      <a:schemeClr val="tx1"/>
+                    </a:solidFill>
+                  </a:endParaRPr>
+                </a:p>
+              </p:txBody>
+            </p:sp>
+            <p:sp>
+              <p:nvSpPr>
+                <p:cNvPr id="51" name="TextBox 50">
+                  <a:extLst>
+                    <a:ext uri="{FF2B5EF4-FFF2-40B4-BE49-F238E27FC236}">
+                      <a16:creationId xmlns:a16="http://schemas.microsoft.com/office/drawing/2014/main" id="{44AF729F-F406-CD9C-9204-C295806D97F4}"/>
+                    </a:ext>
+                  </a:extLst>
+                </p:cNvPr>
+                <p:cNvSpPr txBox="1"/>
+                <p:nvPr/>
+              </p:nvSpPr>
+              <p:spPr>
+                <a:xfrm>
+                  <a:off x="5711180" y="1685215"/>
+                  <a:ext cx="326205" cy="394290"/>
+                </a:xfrm>
+                <a:prstGeom prst="rect">
+                  <a:avLst/>
+                </a:prstGeom>
+                <a:noFill/>
+              </p:spPr>
+              <p:txBody>
+                <a:bodyPr wrap="none" rtlCol="0" anchor="ctr">
+                  <a:spAutoFit/>
+                </a:bodyPr>
+                <a:lstStyle/>
+                <a:p>
+                  <a:pPr algn="ctr"/>
+                  <a:r>
+                    <a:rPr lang="en-US" b="1"/>
+                    <a:t>3</a:t>
+                  </a:r>
+                  <a:endParaRPr lang="en-IN" dirty="0"/>
+                </a:p>
+              </p:txBody>
+            </p:sp>
+          </p:grpSp>
+          <p:sp>
+            <p:nvSpPr>
+              <p:cNvPr id="48" name="TextBox 47">
+                <a:extLst>
+                  <a:ext uri="{FF2B5EF4-FFF2-40B4-BE49-F238E27FC236}">
+                    <a16:creationId xmlns:a16="http://schemas.microsoft.com/office/drawing/2014/main" id="{E59C756A-7323-D478-103E-2CAE8C9FC85C}"/>
+                  </a:ext>
+                </a:extLst>
+              </p:cNvPr>
+              <p:cNvSpPr txBox="1"/>
+              <p:nvPr/>
+            </p:nvSpPr>
+            <p:spPr>
+              <a:xfrm>
+                <a:off x="6315721" y="1740653"/>
+                <a:ext cx="5091187" cy="374575"/>
+              </a:xfrm>
+              <a:prstGeom prst="rect">
+                <a:avLst/>
+              </a:prstGeom>
+              <a:noFill/>
+            </p:spPr>
+            <p:txBody>
+              <a:bodyPr wrap="square" lIns="0" tIns="0" rIns="0" bIns="0" rtlCol="0" anchor="ctr">
+                <a:spAutoFit/>
+              </a:bodyPr>
+              <a:lstStyle/>
+              <a:p>
+                <a:pPr defTabSz="1219170">
+                  <a:spcBef>
+                    <a:spcPct val="20000"/>
+                  </a:spcBef>
+                  <a:defRPr/>
+                </a:pPr>
+                <a:r>
+                  <a:rPr lang="en-US" b="1"/>
+                  <a:t>Correlation analysis</a:t>
+                </a:r>
+                <a:endParaRPr lang="en-US" b="1" dirty="0"/>
+              </a:p>
+              <a:p>
+                <a:pPr defTabSz="1219170">
+                  <a:spcBef>
+                    <a:spcPct val="20000"/>
+                  </a:spcBef>
+                  <a:defRPr/>
+                </a:pPr>
+                <a:endParaRPr lang="en-US" sz="400" b="1" dirty="0"/>
+              </a:p>
+            </p:txBody>
+          </p:sp>
+        </p:grpSp>
+        <p:grpSp>
+          <p:nvGrpSpPr>
+            <p:cNvPr id="11" name="Group 10">
+              <a:extLst>
+                <a:ext uri="{FF2B5EF4-FFF2-40B4-BE49-F238E27FC236}">
+                  <a16:creationId xmlns:a16="http://schemas.microsoft.com/office/drawing/2014/main" id="{D326B4F2-2C7A-A009-30B0-DF28B9834C35}"/>
+                </a:ext>
+              </a:extLst>
+            </p:cNvPr>
+            <p:cNvGrpSpPr/>
+            <p:nvPr/>
+          </p:nvGrpSpPr>
+          <p:grpSpPr>
+            <a:xfrm>
+              <a:off x="5602981" y="2407169"/>
+              <a:ext cx="5416000" cy="542604"/>
+              <a:chOff x="5602981" y="2407169"/>
+              <a:chExt cx="5416000" cy="542604"/>
+            </a:xfrm>
+          </p:grpSpPr>
+          <p:grpSp>
+            <p:nvGrpSpPr>
+              <p:cNvPr id="42" name="Group 41">
+                <a:extLst>
+                  <a:ext uri="{FF2B5EF4-FFF2-40B4-BE49-F238E27FC236}">
+                    <a16:creationId xmlns:a16="http://schemas.microsoft.com/office/drawing/2014/main" id="{D4F58544-0CC0-5AC9-68DC-4EDFCFEFE25A}"/>
+                  </a:ext>
+                </a:extLst>
+              </p:cNvPr>
+              <p:cNvGrpSpPr/>
+              <p:nvPr/>
+            </p:nvGrpSpPr>
+            <p:grpSpPr>
+              <a:xfrm>
+                <a:off x="5602981" y="2407169"/>
+                <a:ext cx="542605" cy="542604"/>
+                <a:chOff x="5602981" y="2407169"/>
+                <a:chExt cx="542605" cy="542604"/>
+              </a:xfrm>
+            </p:grpSpPr>
+            <p:sp>
+              <p:nvSpPr>
+                <p:cNvPr id="44" name="Oval 43">
+                  <a:extLst>
+                    <a:ext uri="{FF2B5EF4-FFF2-40B4-BE49-F238E27FC236}">
+                      <a16:creationId xmlns:a16="http://schemas.microsoft.com/office/drawing/2014/main" id="{7FADCA8B-B3D6-271A-FCDE-0C212BC19234}"/>
+                    </a:ext>
+                  </a:extLst>
+                </p:cNvPr>
+                <p:cNvSpPr/>
+                <p:nvPr/>
+              </p:nvSpPr>
+              <p:spPr>
+                <a:xfrm>
+                  <a:off x="5602981" y="2407169"/>
+                  <a:ext cx="542605" cy="542604"/>
+                </a:xfrm>
+                <a:prstGeom prst="ellipse">
+                  <a:avLst/>
+                </a:prstGeom>
+                <a:solidFill>
+                  <a:schemeClr val="tx1">
+                    <a:alpha val="70000"/>
+                  </a:schemeClr>
+                </a:solidFill>
+                <a:ln>
+                  <a:solidFill>
+                    <a:schemeClr val="bg2">
+                      <a:lumMod val="75000"/>
+                    </a:schemeClr>
+                  </a:solidFill>
+                </a:ln>
+                <a:effectLst/>
+              </p:spPr>
+              <p:style>
+                <a:lnRef idx="2">
+                  <a:schemeClr val="accent1">
+                    <a:shade val="50000"/>
+                  </a:schemeClr>
+                </a:lnRef>
+                <a:fillRef idx="1">
+                  <a:schemeClr val="accent1"/>
+                </a:fillRef>
+                <a:effectRef idx="0">
+                  <a:schemeClr val="accent1"/>
+                </a:effectRef>
+                <a:fontRef idx="minor">
+                  <a:schemeClr val="lt1"/>
+                </a:fontRef>
+              </p:style>
+              <p:txBody>
+                <a:bodyPr rot="0" spcFirstLastPara="0" vertOverflow="overflow" horzOverflow="overflow" vert="horz" wrap="square" lIns="91440" tIns="45720" rIns="91440" bIns="45720" numCol="1" spcCol="0" rtlCol="0" fromWordArt="0" anchor="ctr" anchorCtr="0" forceAA="0" compatLnSpc="1">
+                  <a:prstTxWarp prst="textNoShape">
+                    <a:avLst/>
+                  </a:prstTxWarp>
+                  <a:noAutofit/>
+                </a:bodyPr>
+                <a:lstStyle/>
+                <a:p>
+                  <a:pPr algn="ctr"/>
+                  <a:endParaRPr lang="en-US">
+                    <a:solidFill>
+                      <a:schemeClr val="tx1"/>
+                    </a:solidFill>
+                  </a:endParaRPr>
+                </a:p>
+              </p:txBody>
+            </p:sp>
+            <p:sp>
+              <p:nvSpPr>
+                <p:cNvPr id="45" name="Oval 44">
+                  <a:extLst>
+                    <a:ext uri="{FF2B5EF4-FFF2-40B4-BE49-F238E27FC236}">
+                      <a16:creationId xmlns:a16="http://schemas.microsoft.com/office/drawing/2014/main" id="{AF86D140-5B9B-8E9B-0889-8AABF3D2B414}"/>
+                    </a:ext>
+                  </a:extLst>
+                </p:cNvPr>
+                <p:cNvSpPr/>
+                <p:nvPr/>
+              </p:nvSpPr>
+              <p:spPr>
+                <a:xfrm>
+                  <a:off x="5678679" y="2482867"/>
+                  <a:ext cx="391209" cy="391208"/>
+                </a:xfrm>
+                <a:prstGeom prst="ellipse">
+                  <a:avLst/>
+                </a:prstGeom>
+                <a:solidFill>
+                  <a:schemeClr val="accent4">
+                    <a:lumMod val="60000"/>
+                    <a:lumOff val="40000"/>
+                  </a:schemeClr>
+                </a:solidFill>
+                <a:ln>
+                  <a:noFill/>
+                </a:ln>
+                <a:effectLst>
+                  <a:outerShdw blurRad="215900" dist="25400" dir="5400000" sx="97000" sy="97000" algn="t" rotWithShape="0">
+                    <a:prstClr val="black">
+                      <a:alpha val="35000"/>
+                    </a:prstClr>
+                  </a:outerShdw>
+                </a:effectLst>
+              </p:spPr>
+              <p:style>
+                <a:lnRef idx="2">
+                  <a:schemeClr val="accent1">
+                    <a:shade val="50000"/>
+                  </a:schemeClr>
+                </a:lnRef>
+                <a:fillRef idx="1">
+                  <a:schemeClr val="accent1"/>
+                </a:fillRef>
+                <a:effectRef idx="0">
+                  <a:schemeClr val="accent1"/>
+                </a:effectRef>
+                <a:fontRef idx="minor">
+                  <a:schemeClr val="lt1"/>
+                </a:fontRef>
+              </p:style>
+              <p:txBody>
+                <a:bodyPr rot="0" spcFirstLastPara="0" vertOverflow="overflow" horzOverflow="overflow" vert="horz" wrap="square" lIns="91440" tIns="45720" rIns="91440" bIns="45720" numCol="1" spcCol="0" rtlCol="0" fromWordArt="0" anchor="ctr" anchorCtr="0" forceAA="0" compatLnSpc="1">
+                  <a:prstTxWarp prst="textNoShape">
+                    <a:avLst/>
+                  </a:prstTxWarp>
+                  <a:noAutofit/>
+                </a:bodyPr>
+                <a:lstStyle/>
+                <a:p>
+                  <a:pPr algn="ctr"/>
+                  <a:endParaRPr lang="en-US">
+                    <a:solidFill>
+                      <a:schemeClr val="tx1"/>
+                    </a:solidFill>
+                  </a:endParaRPr>
+                </a:p>
+              </p:txBody>
+            </p:sp>
+            <p:sp>
+              <p:nvSpPr>
+                <p:cNvPr id="46" name="TextBox 45">
+                  <a:extLst>
+                    <a:ext uri="{FF2B5EF4-FFF2-40B4-BE49-F238E27FC236}">
+                      <a16:creationId xmlns:a16="http://schemas.microsoft.com/office/drawing/2014/main" id="{8F68C455-CE48-8047-BD74-E98F68806C7C}"/>
+                    </a:ext>
+                  </a:extLst>
+                </p:cNvPr>
+                <p:cNvSpPr txBox="1"/>
+                <p:nvPr/>
+              </p:nvSpPr>
+              <p:spPr>
+                <a:xfrm>
+                  <a:off x="5696737" y="2423241"/>
+                  <a:ext cx="336774" cy="394290"/>
+                </a:xfrm>
+                <a:prstGeom prst="rect">
+                  <a:avLst/>
+                </a:prstGeom>
+                <a:noFill/>
+              </p:spPr>
+              <p:txBody>
+                <a:bodyPr wrap="none" rtlCol="0" anchor="ctr">
+                  <a:spAutoFit/>
+                </a:bodyPr>
+                <a:lstStyle/>
+                <a:p>
+                  <a:pPr algn="ctr"/>
+                  <a:r>
+                    <a:rPr lang="en-US" b="1">
+                      <a:latin typeface="+mj-lt"/>
+                    </a:rPr>
+                    <a:t>4</a:t>
+                  </a:r>
+                  <a:endParaRPr lang="en-IN" dirty="0">
+                    <a:latin typeface="+mj-lt"/>
+                  </a:endParaRPr>
+                </a:p>
+              </p:txBody>
+            </p:sp>
+          </p:grpSp>
+          <p:sp>
+            <p:nvSpPr>
+              <p:cNvPr id="43" name="TextBox 42">
+                <a:extLst>
+                  <a:ext uri="{FF2B5EF4-FFF2-40B4-BE49-F238E27FC236}">
+                    <a16:creationId xmlns:a16="http://schemas.microsoft.com/office/drawing/2014/main" id="{317176FF-C039-6E57-F4D0-DBF13C742B0D}"/>
+                  </a:ext>
+                </a:extLst>
+              </p:cNvPr>
+              <p:cNvSpPr txBox="1"/>
+              <p:nvPr/>
+            </p:nvSpPr>
+            <p:spPr>
+              <a:xfrm>
+                <a:off x="6315721" y="2491184"/>
+                <a:ext cx="4703260" cy="374575"/>
+              </a:xfrm>
+              <a:prstGeom prst="rect">
+                <a:avLst/>
+              </a:prstGeom>
+              <a:noFill/>
+            </p:spPr>
+            <p:txBody>
+              <a:bodyPr wrap="square" lIns="0" tIns="0" rIns="0" bIns="0" rtlCol="0" anchor="ctr">
+                <a:spAutoFit/>
+              </a:bodyPr>
+              <a:lstStyle/>
+              <a:p>
+                <a:pPr defTabSz="1219170">
+                  <a:spcBef>
+                    <a:spcPct val="20000"/>
+                  </a:spcBef>
+                  <a:defRPr/>
+                </a:pPr>
+                <a:r>
+                  <a:rPr lang="en-US" b="1"/>
+                  <a:t>Price sensitivity</a:t>
+                </a:r>
+                <a:endParaRPr lang="en-US" b="1" dirty="0"/>
+              </a:p>
+              <a:p>
+                <a:pPr defTabSz="1219170">
+                  <a:spcBef>
+                    <a:spcPct val="20000"/>
+                  </a:spcBef>
+                  <a:defRPr/>
+                </a:pPr>
+                <a:endParaRPr lang="en-US" sz="400" b="1" dirty="0"/>
+              </a:p>
+            </p:txBody>
+          </p:sp>
+        </p:grpSp>
+        <p:grpSp>
+          <p:nvGrpSpPr>
+            <p:cNvPr id="12" name="Group 11">
+              <a:extLst>
+                <a:ext uri="{FF2B5EF4-FFF2-40B4-BE49-F238E27FC236}">
+                  <a16:creationId xmlns:a16="http://schemas.microsoft.com/office/drawing/2014/main" id="{2AF60264-16E5-1289-C146-F6AC90B69239}"/>
+                </a:ext>
+              </a:extLst>
+            </p:cNvPr>
+            <p:cNvGrpSpPr/>
+            <p:nvPr/>
+          </p:nvGrpSpPr>
+          <p:grpSpPr>
+            <a:xfrm>
+              <a:off x="5602981" y="3157700"/>
+              <a:ext cx="5416000" cy="542604"/>
+              <a:chOff x="5602981" y="3157700"/>
+              <a:chExt cx="5416000" cy="542604"/>
+            </a:xfrm>
+          </p:grpSpPr>
+          <p:grpSp>
+            <p:nvGrpSpPr>
+              <p:cNvPr id="37" name="Group 36">
+                <a:extLst>
+                  <a:ext uri="{FF2B5EF4-FFF2-40B4-BE49-F238E27FC236}">
+                    <a16:creationId xmlns:a16="http://schemas.microsoft.com/office/drawing/2014/main" id="{27DF1D98-66BB-39FC-21CC-AAB94C5849DF}"/>
+                  </a:ext>
+                </a:extLst>
+              </p:cNvPr>
+              <p:cNvGrpSpPr/>
+              <p:nvPr/>
+            </p:nvGrpSpPr>
+            <p:grpSpPr>
+              <a:xfrm>
+                <a:off x="5602981" y="3157700"/>
+                <a:ext cx="542605" cy="542604"/>
+                <a:chOff x="5602981" y="3157700"/>
+                <a:chExt cx="542605" cy="542604"/>
+              </a:xfrm>
+            </p:grpSpPr>
+            <p:sp>
+              <p:nvSpPr>
+                <p:cNvPr id="39" name="Oval 38">
+                  <a:extLst>
+                    <a:ext uri="{FF2B5EF4-FFF2-40B4-BE49-F238E27FC236}">
+                      <a16:creationId xmlns:a16="http://schemas.microsoft.com/office/drawing/2014/main" id="{254B0F5E-037D-0294-712B-CC59A9F4649B}"/>
+                    </a:ext>
+                  </a:extLst>
+                </p:cNvPr>
+                <p:cNvSpPr/>
+                <p:nvPr/>
+              </p:nvSpPr>
+              <p:spPr>
+                <a:xfrm>
+                  <a:off x="5602981" y="3157700"/>
+                  <a:ext cx="542605" cy="542604"/>
+                </a:xfrm>
+                <a:prstGeom prst="ellipse">
+                  <a:avLst/>
+                </a:prstGeom>
+                <a:solidFill>
+                  <a:schemeClr val="tx1">
+                    <a:alpha val="70000"/>
+                  </a:schemeClr>
+                </a:solidFill>
+                <a:ln>
+                  <a:solidFill>
+                    <a:schemeClr val="bg2">
+                      <a:lumMod val="75000"/>
+                    </a:schemeClr>
+                  </a:solidFill>
+                </a:ln>
+                <a:effectLst/>
+              </p:spPr>
+              <p:style>
+                <a:lnRef idx="2">
+                  <a:schemeClr val="accent1">
+                    <a:shade val="50000"/>
+                  </a:schemeClr>
+                </a:lnRef>
+                <a:fillRef idx="1">
+                  <a:schemeClr val="accent1"/>
+                </a:fillRef>
+                <a:effectRef idx="0">
+                  <a:schemeClr val="accent1"/>
+                </a:effectRef>
+                <a:fontRef idx="minor">
+                  <a:schemeClr val="lt1"/>
+                </a:fontRef>
+              </p:style>
+              <p:txBody>
+                <a:bodyPr rot="0" spcFirstLastPara="0" vertOverflow="overflow" horzOverflow="overflow" vert="horz" wrap="square" lIns="91440" tIns="45720" rIns="91440" bIns="45720" numCol="1" spcCol="0" rtlCol="0" fromWordArt="0" anchor="ctr" anchorCtr="0" forceAA="0" compatLnSpc="1">
+                  <a:prstTxWarp prst="textNoShape">
+                    <a:avLst/>
+                  </a:prstTxWarp>
+                  <a:noAutofit/>
+                </a:bodyPr>
+                <a:lstStyle/>
+                <a:p>
+                  <a:pPr algn="ctr"/>
+                  <a:endParaRPr lang="en-US">
+                    <a:solidFill>
+                      <a:schemeClr val="tx1"/>
+                    </a:solidFill>
+                  </a:endParaRPr>
+                </a:p>
+              </p:txBody>
+            </p:sp>
+            <p:sp>
+              <p:nvSpPr>
+                <p:cNvPr id="40" name="Oval 39">
+                  <a:extLst>
+                    <a:ext uri="{FF2B5EF4-FFF2-40B4-BE49-F238E27FC236}">
+                      <a16:creationId xmlns:a16="http://schemas.microsoft.com/office/drawing/2014/main" id="{84539F28-EBFA-9A65-D0BA-25D3C855E2FC}"/>
+                    </a:ext>
+                  </a:extLst>
+                </p:cNvPr>
+                <p:cNvSpPr/>
+                <p:nvPr/>
+              </p:nvSpPr>
+              <p:spPr>
+                <a:xfrm>
+                  <a:off x="5678679" y="3233398"/>
+                  <a:ext cx="391209" cy="391208"/>
+                </a:xfrm>
+                <a:prstGeom prst="ellipse">
+                  <a:avLst/>
+                </a:prstGeom>
+                <a:solidFill>
+                  <a:schemeClr val="accent3">
+                    <a:lumMod val="60000"/>
+                    <a:lumOff val="40000"/>
+                  </a:schemeClr>
+                </a:solidFill>
+                <a:ln>
+                  <a:noFill/>
+                </a:ln>
+                <a:effectLst>
+                  <a:outerShdw blurRad="215900" dist="25400" dir="5400000" sx="97000" sy="97000" algn="t" rotWithShape="0">
+                    <a:prstClr val="black">
+                      <a:alpha val="35000"/>
+                    </a:prstClr>
+                  </a:outerShdw>
+                </a:effectLst>
+              </p:spPr>
+              <p:style>
+                <a:lnRef idx="2">
+                  <a:schemeClr val="accent1">
+                    <a:shade val="50000"/>
+                  </a:schemeClr>
+                </a:lnRef>
+                <a:fillRef idx="1">
+                  <a:schemeClr val="accent1"/>
+                </a:fillRef>
+                <a:effectRef idx="0">
+                  <a:schemeClr val="accent1"/>
+                </a:effectRef>
+                <a:fontRef idx="minor">
+                  <a:schemeClr val="lt1"/>
+                </a:fontRef>
+              </p:style>
+              <p:txBody>
+                <a:bodyPr rot="0" spcFirstLastPara="0" vertOverflow="overflow" horzOverflow="overflow" vert="horz" wrap="square" lIns="91440" tIns="45720" rIns="91440" bIns="45720" numCol="1" spcCol="0" rtlCol="0" fromWordArt="0" anchor="ctr" anchorCtr="0" forceAA="0" compatLnSpc="1">
+                  <a:prstTxWarp prst="textNoShape">
+                    <a:avLst/>
+                  </a:prstTxWarp>
+                  <a:noAutofit/>
+                </a:bodyPr>
+                <a:lstStyle/>
+                <a:p>
+                  <a:pPr algn="ctr"/>
+                  <a:endParaRPr lang="en-US">
+                    <a:solidFill>
+                      <a:schemeClr val="tx1"/>
+                    </a:solidFill>
+                  </a:endParaRPr>
+                </a:p>
+              </p:txBody>
+            </p:sp>
+            <p:sp>
+              <p:nvSpPr>
+                <p:cNvPr id="41" name="TextBox 40">
+                  <a:extLst>
+                    <a:ext uri="{FF2B5EF4-FFF2-40B4-BE49-F238E27FC236}">
+                      <a16:creationId xmlns:a16="http://schemas.microsoft.com/office/drawing/2014/main" id="{906E7ED8-E086-55A1-911E-35E45DEF0E1A}"/>
+                    </a:ext>
+                  </a:extLst>
+                </p:cNvPr>
+                <p:cNvSpPr txBox="1"/>
+                <p:nvPr/>
+              </p:nvSpPr>
+              <p:spPr>
+                <a:xfrm>
+                  <a:off x="5711180" y="3195362"/>
+                  <a:ext cx="326205" cy="394290"/>
+                </a:xfrm>
+                <a:prstGeom prst="rect">
+                  <a:avLst/>
+                </a:prstGeom>
+                <a:noFill/>
+              </p:spPr>
+              <p:txBody>
+                <a:bodyPr wrap="none" rtlCol="0" anchor="ctr">
+                  <a:spAutoFit/>
+                </a:bodyPr>
+                <a:lstStyle/>
+                <a:p>
+                  <a:pPr algn="ctr"/>
+                  <a:r>
+                    <a:rPr lang="en-US" b="1"/>
+                    <a:t>5</a:t>
+                  </a:r>
+                  <a:endParaRPr lang="en-IN" dirty="0"/>
+                </a:p>
+              </p:txBody>
+            </p:sp>
+          </p:grpSp>
+          <p:sp>
+            <p:nvSpPr>
+              <p:cNvPr id="38" name="TextBox 37">
+                <a:extLst>
+                  <a:ext uri="{FF2B5EF4-FFF2-40B4-BE49-F238E27FC236}">
+                    <a16:creationId xmlns:a16="http://schemas.microsoft.com/office/drawing/2014/main" id="{3D2CCC5E-26B7-98F0-C6EA-A612A8EBF0D8}"/>
+                  </a:ext>
+                </a:extLst>
+              </p:cNvPr>
+              <p:cNvSpPr txBox="1"/>
+              <p:nvPr/>
+            </p:nvSpPr>
+            <p:spPr>
+              <a:xfrm>
+                <a:off x="6315721" y="3241716"/>
+                <a:ext cx="4703260" cy="374575"/>
+              </a:xfrm>
+              <a:prstGeom prst="rect">
+                <a:avLst/>
+              </a:prstGeom>
+              <a:noFill/>
+            </p:spPr>
+            <p:txBody>
+              <a:bodyPr wrap="square" lIns="0" tIns="0" rIns="0" bIns="0" rtlCol="0" anchor="ctr">
+                <a:spAutoFit/>
+              </a:bodyPr>
+              <a:lstStyle/>
+              <a:p>
+                <a:pPr defTabSz="1219170">
+                  <a:spcBef>
+                    <a:spcPct val="20000"/>
+                  </a:spcBef>
+                  <a:defRPr/>
+                </a:pPr>
+                <a:r>
+                  <a:rPr lang="en-US" b="1"/>
+                  <a:t>Category performance</a:t>
+                </a:r>
+                <a:endParaRPr lang="en-US" b="1" dirty="0"/>
+              </a:p>
+              <a:p>
+                <a:pPr defTabSz="1219170">
+                  <a:spcBef>
+                    <a:spcPct val="20000"/>
+                  </a:spcBef>
+                  <a:defRPr/>
+                </a:pPr>
+                <a:endParaRPr lang="en-US" sz="400" b="1" dirty="0"/>
+              </a:p>
+            </p:txBody>
+          </p:sp>
+        </p:grpSp>
+        <p:grpSp>
+          <p:nvGrpSpPr>
+            <p:cNvPr id="13" name="Group 12">
+              <a:extLst>
+                <a:ext uri="{FF2B5EF4-FFF2-40B4-BE49-F238E27FC236}">
+                  <a16:creationId xmlns:a16="http://schemas.microsoft.com/office/drawing/2014/main" id="{6C7C7FED-B93C-D985-CD0E-9D32207D2C67}"/>
+                </a:ext>
+              </a:extLst>
+            </p:cNvPr>
+            <p:cNvGrpSpPr/>
+            <p:nvPr/>
+          </p:nvGrpSpPr>
+          <p:grpSpPr>
+            <a:xfrm>
+              <a:off x="5602981" y="3908231"/>
+              <a:ext cx="5416000" cy="542604"/>
+              <a:chOff x="5602981" y="3908231"/>
+              <a:chExt cx="5416000" cy="542604"/>
+            </a:xfrm>
+          </p:grpSpPr>
+          <p:grpSp>
+            <p:nvGrpSpPr>
+              <p:cNvPr id="32" name="Group 31">
+                <a:extLst>
+                  <a:ext uri="{FF2B5EF4-FFF2-40B4-BE49-F238E27FC236}">
+                    <a16:creationId xmlns:a16="http://schemas.microsoft.com/office/drawing/2014/main" id="{0FA8E7A4-39F9-104A-E894-674C031EC9FC}"/>
+                  </a:ext>
+                </a:extLst>
+              </p:cNvPr>
+              <p:cNvGrpSpPr/>
+              <p:nvPr/>
+            </p:nvGrpSpPr>
+            <p:grpSpPr>
+              <a:xfrm>
+                <a:off x="5602981" y="3908231"/>
+                <a:ext cx="542605" cy="542604"/>
+                <a:chOff x="5602981" y="3908231"/>
+                <a:chExt cx="542605" cy="542604"/>
+              </a:xfrm>
+            </p:grpSpPr>
+            <p:sp>
+              <p:nvSpPr>
+                <p:cNvPr id="34" name="Oval 33">
+                  <a:extLst>
+                    <a:ext uri="{FF2B5EF4-FFF2-40B4-BE49-F238E27FC236}">
+                      <a16:creationId xmlns:a16="http://schemas.microsoft.com/office/drawing/2014/main" id="{5141C18A-0E93-5972-787A-5EA14E777818}"/>
+                    </a:ext>
+                  </a:extLst>
+                </p:cNvPr>
+                <p:cNvSpPr/>
+                <p:nvPr/>
+              </p:nvSpPr>
+              <p:spPr>
+                <a:xfrm>
+                  <a:off x="5602981" y="3908231"/>
+                  <a:ext cx="542605" cy="542604"/>
+                </a:xfrm>
+                <a:prstGeom prst="ellipse">
+                  <a:avLst/>
+                </a:prstGeom>
+                <a:solidFill>
+                  <a:schemeClr val="tx1">
+                    <a:alpha val="70000"/>
+                  </a:schemeClr>
+                </a:solidFill>
+                <a:ln>
+                  <a:solidFill>
+                    <a:schemeClr val="bg2">
+                      <a:lumMod val="75000"/>
+                    </a:schemeClr>
+                  </a:solidFill>
+                </a:ln>
+                <a:effectLst/>
+              </p:spPr>
+              <p:style>
+                <a:lnRef idx="2">
+                  <a:schemeClr val="accent1">
+                    <a:shade val="50000"/>
+                  </a:schemeClr>
+                </a:lnRef>
+                <a:fillRef idx="1">
+                  <a:schemeClr val="accent1"/>
+                </a:fillRef>
+                <a:effectRef idx="0">
+                  <a:schemeClr val="accent1"/>
+                </a:effectRef>
+                <a:fontRef idx="minor">
+                  <a:schemeClr val="lt1"/>
+                </a:fontRef>
+              </p:style>
+              <p:txBody>
+                <a:bodyPr rot="0" spcFirstLastPara="0" vertOverflow="overflow" horzOverflow="overflow" vert="horz" wrap="square" lIns="91440" tIns="45720" rIns="91440" bIns="45720" numCol="1" spcCol="0" rtlCol="0" fromWordArt="0" anchor="ctr" anchorCtr="0" forceAA="0" compatLnSpc="1">
+                  <a:prstTxWarp prst="textNoShape">
+                    <a:avLst/>
+                  </a:prstTxWarp>
+                  <a:noAutofit/>
+                </a:bodyPr>
+                <a:lstStyle/>
+                <a:p>
+                  <a:pPr algn="ctr"/>
+                  <a:endParaRPr lang="en-US">
+                    <a:solidFill>
+                      <a:schemeClr val="tx1"/>
+                    </a:solidFill>
+                  </a:endParaRPr>
+                </a:p>
+              </p:txBody>
+            </p:sp>
+            <p:sp>
+              <p:nvSpPr>
+                <p:cNvPr id="35" name="Oval 34">
+                  <a:extLst>
+                    <a:ext uri="{FF2B5EF4-FFF2-40B4-BE49-F238E27FC236}">
+                      <a16:creationId xmlns:a16="http://schemas.microsoft.com/office/drawing/2014/main" id="{69B164E5-3081-6A34-B9DA-352CF8765194}"/>
+                    </a:ext>
+                  </a:extLst>
+                </p:cNvPr>
+                <p:cNvSpPr/>
+                <p:nvPr/>
+              </p:nvSpPr>
+              <p:spPr>
+                <a:xfrm>
+                  <a:off x="5678679" y="3983929"/>
+                  <a:ext cx="391209" cy="391208"/>
+                </a:xfrm>
+                <a:prstGeom prst="ellipse">
+                  <a:avLst/>
+                </a:prstGeom>
+                <a:solidFill>
+                  <a:schemeClr val="accent2">
+                    <a:lumMod val="60000"/>
+                    <a:lumOff val="40000"/>
+                  </a:schemeClr>
+                </a:solidFill>
+                <a:ln>
+                  <a:noFill/>
+                </a:ln>
+                <a:effectLst>
+                  <a:outerShdw blurRad="215900" dist="25400" dir="5400000" sx="97000" sy="97000" algn="t" rotWithShape="0">
+                    <a:prstClr val="black">
+                      <a:alpha val="35000"/>
+                    </a:prstClr>
+                  </a:outerShdw>
+                </a:effectLst>
+              </p:spPr>
+              <p:style>
+                <a:lnRef idx="2">
+                  <a:schemeClr val="accent1">
+                    <a:shade val="50000"/>
+                  </a:schemeClr>
+                </a:lnRef>
+                <a:fillRef idx="1">
+                  <a:schemeClr val="accent1"/>
+                </a:fillRef>
+                <a:effectRef idx="0">
+                  <a:schemeClr val="accent1"/>
+                </a:effectRef>
+                <a:fontRef idx="minor">
+                  <a:schemeClr val="lt1"/>
+                </a:fontRef>
+              </p:style>
+              <p:txBody>
+                <a:bodyPr rot="0" spcFirstLastPara="0" vertOverflow="overflow" horzOverflow="overflow" vert="horz" wrap="square" lIns="91440" tIns="45720" rIns="91440" bIns="45720" numCol="1" spcCol="0" rtlCol="0" fromWordArt="0" anchor="ctr" anchorCtr="0" forceAA="0" compatLnSpc="1">
+                  <a:prstTxWarp prst="textNoShape">
+                    <a:avLst/>
+                  </a:prstTxWarp>
+                  <a:noAutofit/>
+                </a:bodyPr>
+                <a:lstStyle/>
+                <a:p>
+                  <a:pPr algn="ctr"/>
+                  <a:endParaRPr lang="en-US">
+                    <a:solidFill>
+                      <a:schemeClr val="tx1"/>
+                    </a:solidFill>
+                  </a:endParaRPr>
+                </a:p>
+              </p:txBody>
+            </p:sp>
+            <p:sp>
+              <p:nvSpPr>
+                <p:cNvPr id="36" name="TextBox 35">
+                  <a:extLst>
+                    <a:ext uri="{FF2B5EF4-FFF2-40B4-BE49-F238E27FC236}">
+                      <a16:creationId xmlns:a16="http://schemas.microsoft.com/office/drawing/2014/main" id="{459494BD-2FF5-A55C-DACC-94B11BF0AA4D}"/>
+                    </a:ext>
+                  </a:extLst>
+                </p:cNvPr>
+                <p:cNvSpPr txBox="1"/>
+                <p:nvPr/>
+              </p:nvSpPr>
+              <p:spPr>
+                <a:xfrm>
+                  <a:off x="5703254" y="3988374"/>
+                  <a:ext cx="342059" cy="394290"/>
+                </a:xfrm>
+                <a:prstGeom prst="rect">
+                  <a:avLst/>
+                </a:prstGeom>
+                <a:noFill/>
+              </p:spPr>
+              <p:txBody>
+                <a:bodyPr wrap="none" rtlCol="0" anchor="ctr">
+                  <a:spAutoFit/>
+                </a:bodyPr>
+                <a:lstStyle/>
+                <a:p>
+                  <a:pPr algn="ctr"/>
+                  <a:r>
+                    <a:rPr lang="en-US" b="1"/>
+                    <a:t>6</a:t>
+                  </a:r>
+                  <a:endParaRPr lang="en-IN" dirty="0"/>
+                </a:p>
+              </p:txBody>
+            </p:sp>
+          </p:grpSp>
+          <p:sp>
+            <p:nvSpPr>
+              <p:cNvPr id="33" name="TextBox 32">
+                <a:extLst>
+                  <a:ext uri="{FF2B5EF4-FFF2-40B4-BE49-F238E27FC236}">
+                    <a16:creationId xmlns:a16="http://schemas.microsoft.com/office/drawing/2014/main" id="{1CA9C946-CFBD-8B99-33EC-1A4BEBCF2842}"/>
+                  </a:ext>
+                </a:extLst>
+              </p:cNvPr>
+              <p:cNvSpPr txBox="1"/>
+              <p:nvPr/>
+            </p:nvSpPr>
+            <p:spPr>
+              <a:xfrm>
+                <a:off x="6315721" y="3992246"/>
+                <a:ext cx="4703260" cy="374575"/>
+              </a:xfrm>
+              <a:prstGeom prst="rect">
+                <a:avLst/>
+              </a:prstGeom>
+              <a:noFill/>
+            </p:spPr>
+            <p:txBody>
+              <a:bodyPr wrap="square" lIns="0" tIns="0" rIns="0" bIns="0" rtlCol="0" anchor="ctr">
+                <a:spAutoFit/>
+              </a:bodyPr>
+              <a:lstStyle/>
+              <a:p>
+                <a:pPr defTabSz="1219170">
+                  <a:spcBef>
+                    <a:spcPct val="20000"/>
+                  </a:spcBef>
+                  <a:defRPr/>
+                </a:pPr>
+                <a:r>
+                  <a:rPr lang="en-US" b="1"/>
+                  <a:t>Quality v.s Sales</a:t>
+                </a:r>
+                <a:endParaRPr lang="en-US" b="1" dirty="0"/>
+              </a:p>
+              <a:p>
+                <a:pPr defTabSz="1219170">
+                  <a:spcBef>
+                    <a:spcPct val="20000"/>
+                  </a:spcBef>
+                  <a:defRPr/>
+                </a:pPr>
+                <a:endParaRPr lang="en-US" sz="400" b="1" dirty="0"/>
+              </a:p>
+            </p:txBody>
+          </p:sp>
+        </p:grpSp>
+        <p:grpSp>
+          <p:nvGrpSpPr>
+            <p:cNvPr id="14" name="Group 13">
+              <a:extLst>
+                <a:ext uri="{FF2B5EF4-FFF2-40B4-BE49-F238E27FC236}">
+                  <a16:creationId xmlns:a16="http://schemas.microsoft.com/office/drawing/2014/main" id="{577F600F-2CA6-B37B-E773-369D9D947140}"/>
+                </a:ext>
+              </a:extLst>
+            </p:cNvPr>
+            <p:cNvGrpSpPr/>
+            <p:nvPr/>
+          </p:nvGrpSpPr>
+          <p:grpSpPr>
+            <a:xfrm>
+              <a:off x="5602981" y="4658762"/>
+              <a:ext cx="5416000" cy="542604"/>
+              <a:chOff x="5602981" y="4658762"/>
+              <a:chExt cx="5416000" cy="542604"/>
+            </a:xfrm>
+          </p:grpSpPr>
+          <p:grpSp>
+            <p:nvGrpSpPr>
+              <p:cNvPr id="27" name="Group 26">
+                <a:extLst>
+                  <a:ext uri="{FF2B5EF4-FFF2-40B4-BE49-F238E27FC236}">
+                    <a16:creationId xmlns:a16="http://schemas.microsoft.com/office/drawing/2014/main" id="{1BD6D91B-9866-615F-8C76-772A0F3083DD}"/>
+                  </a:ext>
+                </a:extLst>
+              </p:cNvPr>
+              <p:cNvGrpSpPr/>
+              <p:nvPr/>
+            </p:nvGrpSpPr>
+            <p:grpSpPr>
+              <a:xfrm>
+                <a:off x="5602981" y="4658762"/>
+                <a:ext cx="542605" cy="542604"/>
+                <a:chOff x="5602981" y="4658762"/>
+                <a:chExt cx="542605" cy="542604"/>
+              </a:xfrm>
+            </p:grpSpPr>
+            <p:sp>
+              <p:nvSpPr>
+                <p:cNvPr id="29" name="Oval 28">
+                  <a:extLst>
+                    <a:ext uri="{FF2B5EF4-FFF2-40B4-BE49-F238E27FC236}">
+                      <a16:creationId xmlns:a16="http://schemas.microsoft.com/office/drawing/2014/main" id="{D495EC97-682A-7BA0-28DF-FF9BEC4320E7}"/>
+                    </a:ext>
+                  </a:extLst>
+                </p:cNvPr>
+                <p:cNvSpPr/>
+                <p:nvPr/>
+              </p:nvSpPr>
+              <p:spPr>
+                <a:xfrm>
+                  <a:off x="5602981" y="4658762"/>
+                  <a:ext cx="542605" cy="542604"/>
+                </a:xfrm>
+                <a:prstGeom prst="ellipse">
+                  <a:avLst/>
+                </a:prstGeom>
+                <a:solidFill>
+                  <a:schemeClr val="tx1">
+                    <a:alpha val="70000"/>
+                  </a:schemeClr>
+                </a:solidFill>
+                <a:ln>
+                  <a:solidFill>
+                    <a:schemeClr val="bg2">
+                      <a:lumMod val="75000"/>
+                    </a:schemeClr>
+                  </a:solidFill>
+                </a:ln>
+                <a:effectLst/>
+              </p:spPr>
+              <p:style>
+                <a:lnRef idx="2">
+                  <a:schemeClr val="accent1">
+                    <a:shade val="50000"/>
+                  </a:schemeClr>
+                </a:lnRef>
+                <a:fillRef idx="1">
+                  <a:schemeClr val="accent1"/>
+                </a:fillRef>
+                <a:effectRef idx="0">
+                  <a:schemeClr val="accent1"/>
+                </a:effectRef>
+                <a:fontRef idx="minor">
+                  <a:schemeClr val="lt1"/>
+                </a:fontRef>
+              </p:style>
+              <p:txBody>
+                <a:bodyPr rot="0" spcFirstLastPara="0" vertOverflow="overflow" horzOverflow="overflow" vert="horz" wrap="square" lIns="91440" tIns="45720" rIns="91440" bIns="45720" numCol="1" spcCol="0" rtlCol="0" fromWordArt="0" anchor="ctr" anchorCtr="0" forceAA="0" compatLnSpc="1">
+                  <a:prstTxWarp prst="textNoShape">
+                    <a:avLst/>
+                  </a:prstTxWarp>
+                  <a:noAutofit/>
+                </a:bodyPr>
+                <a:lstStyle/>
+                <a:p>
+                  <a:pPr algn="ctr"/>
+                  <a:endParaRPr lang="en-US">
+                    <a:solidFill>
+                      <a:schemeClr val="tx1"/>
+                    </a:solidFill>
+                  </a:endParaRPr>
+                </a:p>
+              </p:txBody>
+            </p:sp>
+            <p:sp>
+              <p:nvSpPr>
+                <p:cNvPr id="30" name="Oval 29">
+                  <a:extLst>
+                    <a:ext uri="{FF2B5EF4-FFF2-40B4-BE49-F238E27FC236}">
+                      <a16:creationId xmlns:a16="http://schemas.microsoft.com/office/drawing/2014/main" id="{F249BAD4-594C-C5A8-6C3E-DE82D3563EB4}"/>
+                    </a:ext>
+                  </a:extLst>
+                </p:cNvPr>
+                <p:cNvSpPr/>
+                <p:nvPr/>
+              </p:nvSpPr>
+              <p:spPr>
+                <a:xfrm>
+                  <a:off x="5678679" y="4734460"/>
+                  <a:ext cx="391209" cy="391208"/>
+                </a:xfrm>
+                <a:prstGeom prst="ellipse">
+                  <a:avLst/>
+                </a:prstGeom>
+                <a:solidFill>
+                  <a:schemeClr val="accent4">
+                    <a:lumMod val="60000"/>
+                    <a:lumOff val="40000"/>
+                  </a:schemeClr>
+                </a:solidFill>
+                <a:ln>
+                  <a:noFill/>
+                </a:ln>
+                <a:effectLst>
+                  <a:outerShdw blurRad="215900" dist="25400" dir="5400000" sx="97000" sy="97000" algn="t" rotWithShape="0">
+                    <a:prstClr val="black">
+                      <a:alpha val="35000"/>
+                    </a:prstClr>
+                  </a:outerShdw>
+                </a:effectLst>
+              </p:spPr>
+              <p:style>
+                <a:lnRef idx="2">
+                  <a:schemeClr val="accent1">
+                    <a:shade val="50000"/>
+                  </a:schemeClr>
+                </a:lnRef>
+                <a:fillRef idx="1">
+                  <a:schemeClr val="accent1"/>
+                </a:fillRef>
+                <a:effectRef idx="0">
+                  <a:schemeClr val="accent1"/>
+                </a:effectRef>
+                <a:fontRef idx="minor">
+                  <a:schemeClr val="lt1"/>
+                </a:fontRef>
+              </p:style>
+              <p:txBody>
+                <a:bodyPr rot="0" spcFirstLastPara="0" vertOverflow="overflow" horzOverflow="overflow" vert="horz" wrap="square" lIns="91440" tIns="45720" rIns="91440" bIns="45720" numCol="1" spcCol="0" rtlCol="0" fromWordArt="0" anchor="ctr" anchorCtr="0" forceAA="0" compatLnSpc="1">
+                  <a:prstTxWarp prst="textNoShape">
+                    <a:avLst/>
+                  </a:prstTxWarp>
+                  <a:noAutofit/>
+                </a:bodyPr>
+                <a:lstStyle/>
+                <a:p>
+                  <a:pPr algn="ctr"/>
+                  <a:endParaRPr lang="en-US">
+                    <a:solidFill>
+                      <a:schemeClr val="tx1"/>
+                    </a:solidFill>
+                  </a:endParaRPr>
+                </a:p>
+              </p:txBody>
+            </p:sp>
+            <p:sp>
+              <p:nvSpPr>
+                <p:cNvPr id="31" name="TextBox 30">
+                  <a:extLst>
+                    <a:ext uri="{FF2B5EF4-FFF2-40B4-BE49-F238E27FC236}">
+                      <a16:creationId xmlns:a16="http://schemas.microsoft.com/office/drawing/2014/main" id="{D4495C1C-083A-88DE-C6E3-7449341C621B}"/>
+                    </a:ext>
+                  </a:extLst>
+                </p:cNvPr>
+                <p:cNvSpPr txBox="1"/>
+                <p:nvPr/>
+              </p:nvSpPr>
+              <p:spPr>
+                <a:xfrm>
+                  <a:off x="5711181" y="4690621"/>
+                  <a:ext cx="326205" cy="394290"/>
+                </a:xfrm>
+                <a:prstGeom prst="rect">
+                  <a:avLst/>
+                </a:prstGeom>
+                <a:noFill/>
+              </p:spPr>
+              <p:txBody>
+                <a:bodyPr wrap="none" rtlCol="0" anchor="ctr">
+                  <a:spAutoFit/>
+                </a:bodyPr>
+                <a:lstStyle/>
+                <a:p>
+                  <a:pPr algn="ctr"/>
+                  <a:r>
+                    <a:rPr lang="en-US" b="1"/>
+                    <a:t>7</a:t>
+                  </a:r>
+                  <a:endParaRPr lang="en-IN" dirty="0"/>
+                </a:p>
+              </p:txBody>
+            </p:sp>
+          </p:grpSp>
+          <p:sp>
+            <p:nvSpPr>
+              <p:cNvPr id="28" name="TextBox 27">
+                <a:extLst>
+                  <a:ext uri="{FF2B5EF4-FFF2-40B4-BE49-F238E27FC236}">
+                    <a16:creationId xmlns:a16="http://schemas.microsoft.com/office/drawing/2014/main" id="{AFA3AB2B-4D65-5175-3AD9-535C983D4E33}"/>
+                  </a:ext>
+                </a:extLst>
+              </p:cNvPr>
+              <p:cNvSpPr txBox="1"/>
+              <p:nvPr/>
+            </p:nvSpPr>
+            <p:spPr>
+              <a:xfrm>
+                <a:off x="6315721" y="4742778"/>
+                <a:ext cx="4703260" cy="374575"/>
+              </a:xfrm>
+              <a:prstGeom prst="rect">
+                <a:avLst/>
+              </a:prstGeom>
+              <a:noFill/>
+            </p:spPr>
+            <p:txBody>
+              <a:bodyPr wrap="square" lIns="0" tIns="0" rIns="0" bIns="0" rtlCol="0" anchor="ctr">
+                <a:spAutoFit/>
+              </a:bodyPr>
+              <a:lstStyle/>
+              <a:p>
+                <a:pPr defTabSz="1219170">
+                  <a:spcBef>
+                    <a:spcPct val="20000"/>
+                  </a:spcBef>
+                  <a:defRPr/>
+                </a:pPr>
+                <a:r>
+                  <a:rPr lang="en-US" b="1"/>
+                  <a:t>Recommendations </a:t>
+                </a:r>
+                <a:endParaRPr lang="en-US" b="1" dirty="0"/>
+              </a:p>
+              <a:p>
+                <a:pPr defTabSz="1219170">
+                  <a:spcBef>
+                    <a:spcPct val="20000"/>
+                  </a:spcBef>
+                  <a:defRPr/>
+                </a:pPr>
+                <a:endParaRPr lang="en-US" sz="400" b="1" dirty="0"/>
+              </a:p>
+            </p:txBody>
+          </p:sp>
+        </p:grpSp>
+        <p:grpSp>
+          <p:nvGrpSpPr>
+            <p:cNvPr id="15" name="Group 14">
+              <a:extLst>
+                <a:ext uri="{FF2B5EF4-FFF2-40B4-BE49-F238E27FC236}">
+                  <a16:creationId xmlns:a16="http://schemas.microsoft.com/office/drawing/2014/main" id="{9BC7D3DA-FD66-735A-8F99-D689C55A0E24}"/>
+                </a:ext>
+              </a:extLst>
+            </p:cNvPr>
+            <p:cNvGrpSpPr/>
+            <p:nvPr/>
+          </p:nvGrpSpPr>
+          <p:grpSpPr>
+            <a:xfrm>
+              <a:off x="5602981" y="5409293"/>
+              <a:ext cx="5416000" cy="542604"/>
+              <a:chOff x="5602981" y="5409293"/>
+              <a:chExt cx="5416000" cy="542604"/>
+            </a:xfrm>
+          </p:grpSpPr>
+          <p:grpSp>
+            <p:nvGrpSpPr>
+              <p:cNvPr id="22" name="Group 21">
+                <a:extLst>
+                  <a:ext uri="{FF2B5EF4-FFF2-40B4-BE49-F238E27FC236}">
+                    <a16:creationId xmlns:a16="http://schemas.microsoft.com/office/drawing/2014/main" id="{BC3F802D-C88C-CF11-56F7-1ECFCD021E04}"/>
+                  </a:ext>
+                </a:extLst>
+              </p:cNvPr>
+              <p:cNvGrpSpPr/>
+              <p:nvPr/>
+            </p:nvGrpSpPr>
+            <p:grpSpPr>
+              <a:xfrm>
+                <a:off x="5602981" y="5409293"/>
+                <a:ext cx="542605" cy="542604"/>
+                <a:chOff x="5602981" y="5409293"/>
+                <a:chExt cx="542605" cy="542604"/>
+              </a:xfrm>
+            </p:grpSpPr>
+            <p:sp>
+              <p:nvSpPr>
+                <p:cNvPr id="24" name="Oval 23">
+                  <a:extLst>
+                    <a:ext uri="{FF2B5EF4-FFF2-40B4-BE49-F238E27FC236}">
+                      <a16:creationId xmlns:a16="http://schemas.microsoft.com/office/drawing/2014/main" id="{7642789A-9BA0-6E73-CF2C-FDAD3833D9F0}"/>
+                    </a:ext>
+                  </a:extLst>
+                </p:cNvPr>
+                <p:cNvSpPr/>
+                <p:nvPr/>
+              </p:nvSpPr>
+              <p:spPr>
+                <a:xfrm>
+                  <a:off x="5602981" y="5409293"/>
+                  <a:ext cx="542605" cy="542604"/>
+                </a:xfrm>
+                <a:prstGeom prst="ellipse">
+                  <a:avLst/>
+                </a:prstGeom>
+                <a:solidFill>
+                  <a:schemeClr val="tx1">
+                    <a:alpha val="70000"/>
+                  </a:schemeClr>
+                </a:solidFill>
+                <a:ln>
+                  <a:solidFill>
+                    <a:schemeClr val="bg2">
+                      <a:lumMod val="75000"/>
+                    </a:schemeClr>
+                  </a:solidFill>
+                </a:ln>
+                <a:effectLst/>
+              </p:spPr>
+              <p:style>
+                <a:lnRef idx="2">
+                  <a:schemeClr val="accent1">
+                    <a:shade val="50000"/>
+                  </a:schemeClr>
+                </a:lnRef>
+                <a:fillRef idx="1">
+                  <a:schemeClr val="accent1"/>
+                </a:fillRef>
+                <a:effectRef idx="0">
+                  <a:schemeClr val="accent1"/>
+                </a:effectRef>
+                <a:fontRef idx="minor">
+                  <a:schemeClr val="lt1"/>
+                </a:fontRef>
+              </p:style>
+              <p:txBody>
+                <a:bodyPr rot="0" spcFirstLastPara="0" vertOverflow="overflow" horzOverflow="overflow" vert="horz" wrap="square" lIns="91440" tIns="45720" rIns="91440" bIns="45720" numCol="1" spcCol="0" rtlCol="0" fromWordArt="0" anchor="ctr" anchorCtr="0" forceAA="0" compatLnSpc="1">
+                  <a:prstTxWarp prst="textNoShape">
+                    <a:avLst/>
+                  </a:prstTxWarp>
+                  <a:noAutofit/>
+                </a:bodyPr>
+                <a:lstStyle/>
+                <a:p>
+                  <a:pPr algn="ctr"/>
+                  <a:endParaRPr lang="en-US">
+                    <a:solidFill>
+                      <a:schemeClr val="tx1"/>
+                    </a:solidFill>
+                  </a:endParaRPr>
+                </a:p>
+              </p:txBody>
+            </p:sp>
+            <p:sp>
+              <p:nvSpPr>
+                <p:cNvPr id="25" name="Oval 24">
+                  <a:extLst>
+                    <a:ext uri="{FF2B5EF4-FFF2-40B4-BE49-F238E27FC236}">
+                      <a16:creationId xmlns:a16="http://schemas.microsoft.com/office/drawing/2014/main" id="{8C467D31-7500-B092-B7AF-584B884F68E2}"/>
+                    </a:ext>
+                  </a:extLst>
+                </p:cNvPr>
+                <p:cNvSpPr/>
+                <p:nvPr/>
+              </p:nvSpPr>
+              <p:spPr>
+                <a:xfrm>
+                  <a:off x="5678679" y="5484991"/>
+                  <a:ext cx="391209" cy="391208"/>
+                </a:xfrm>
+                <a:prstGeom prst="ellipse">
+                  <a:avLst/>
+                </a:prstGeom>
+                <a:solidFill>
+                  <a:schemeClr val="accent3">
+                    <a:lumMod val="60000"/>
+                    <a:lumOff val="40000"/>
+                  </a:schemeClr>
+                </a:solidFill>
+                <a:ln>
+                  <a:noFill/>
+                </a:ln>
+                <a:effectLst>
+                  <a:outerShdw blurRad="215900" dist="25400" dir="5400000" sx="97000" sy="97000" algn="t" rotWithShape="0">
+                    <a:prstClr val="black">
+                      <a:alpha val="35000"/>
+                    </a:prstClr>
+                  </a:outerShdw>
+                </a:effectLst>
+              </p:spPr>
+              <p:style>
+                <a:lnRef idx="2">
+                  <a:schemeClr val="accent1">
+                    <a:shade val="50000"/>
+                  </a:schemeClr>
+                </a:lnRef>
+                <a:fillRef idx="1">
+                  <a:schemeClr val="accent1"/>
+                </a:fillRef>
+                <a:effectRef idx="0">
+                  <a:schemeClr val="accent1"/>
+                </a:effectRef>
+                <a:fontRef idx="minor">
+                  <a:schemeClr val="lt1"/>
+                </a:fontRef>
+              </p:style>
+              <p:txBody>
+                <a:bodyPr rot="0" spcFirstLastPara="0" vertOverflow="overflow" horzOverflow="overflow" vert="horz" wrap="square" lIns="91440" tIns="45720" rIns="91440" bIns="45720" numCol="1" spcCol="0" rtlCol="0" fromWordArt="0" anchor="ctr" anchorCtr="0" forceAA="0" compatLnSpc="1">
+                  <a:prstTxWarp prst="textNoShape">
+                    <a:avLst/>
+                  </a:prstTxWarp>
+                  <a:noAutofit/>
+                </a:bodyPr>
+                <a:lstStyle/>
+                <a:p>
+                  <a:pPr algn="ctr"/>
+                  <a:endParaRPr lang="en-US">
+                    <a:solidFill>
+                      <a:schemeClr val="tx1"/>
+                    </a:solidFill>
+                  </a:endParaRPr>
+                </a:p>
+              </p:txBody>
+            </p:sp>
+            <p:sp>
+              <p:nvSpPr>
+                <p:cNvPr id="26" name="TextBox 25">
+                  <a:extLst>
+                    <a:ext uri="{FF2B5EF4-FFF2-40B4-BE49-F238E27FC236}">
+                      <a16:creationId xmlns:a16="http://schemas.microsoft.com/office/drawing/2014/main" id="{B60F66BD-5DDC-6A5D-AC63-97B9A04258B0}"/>
+                    </a:ext>
+                  </a:extLst>
+                </p:cNvPr>
+                <p:cNvSpPr txBox="1"/>
+                <p:nvPr/>
+              </p:nvSpPr>
+              <p:spPr>
+                <a:xfrm>
+                  <a:off x="5705136" y="5485345"/>
+                  <a:ext cx="343818" cy="394290"/>
+                </a:xfrm>
+                <a:prstGeom prst="rect">
+                  <a:avLst/>
+                </a:prstGeom>
+                <a:noFill/>
+              </p:spPr>
+              <p:txBody>
+                <a:bodyPr wrap="none" rtlCol="0" anchor="ctr">
+                  <a:spAutoFit/>
+                </a:bodyPr>
+                <a:lstStyle/>
+                <a:p>
+                  <a:pPr algn="ctr"/>
+                  <a:r>
+                    <a:rPr lang="en-US" b="1"/>
+                    <a:t>8</a:t>
+                  </a:r>
+                  <a:endParaRPr lang="en-IN" dirty="0"/>
+                </a:p>
+              </p:txBody>
+            </p:sp>
+          </p:grpSp>
+          <p:sp>
+            <p:nvSpPr>
+              <p:cNvPr id="23" name="TextBox 22">
+                <a:extLst>
+                  <a:ext uri="{FF2B5EF4-FFF2-40B4-BE49-F238E27FC236}">
+                    <a16:creationId xmlns:a16="http://schemas.microsoft.com/office/drawing/2014/main" id="{676441F5-9EC4-D9F1-93D9-8CFE6A8E6DC0}"/>
+                  </a:ext>
+                </a:extLst>
+              </p:cNvPr>
+              <p:cNvSpPr txBox="1"/>
+              <p:nvPr/>
+            </p:nvSpPr>
+            <p:spPr>
+              <a:xfrm>
+                <a:off x="6315721" y="5493308"/>
+                <a:ext cx="4703260" cy="374575"/>
+              </a:xfrm>
+              <a:prstGeom prst="rect">
+                <a:avLst/>
+              </a:prstGeom>
+              <a:noFill/>
+            </p:spPr>
+            <p:txBody>
+              <a:bodyPr wrap="square" lIns="0" tIns="0" rIns="0" bIns="0" rtlCol="0" anchor="ctr">
+                <a:spAutoFit/>
+              </a:bodyPr>
+              <a:lstStyle/>
+              <a:p>
+                <a:pPr defTabSz="1219170">
+                  <a:spcBef>
+                    <a:spcPct val="20000"/>
+                  </a:spcBef>
+                  <a:defRPr/>
+                </a:pPr>
+                <a:r>
+                  <a:rPr lang="en-US" b="1"/>
+                  <a:t>Risk minimization strategies  </a:t>
+                </a:r>
+                <a:endParaRPr lang="en-US" b="1" dirty="0"/>
+              </a:p>
+              <a:p>
+                <a:pPr defTabSz="1219170">
+                  <a:spcBef>
+                    <a:spcPct val="20000"/>
+                  </a:spcBef>
+                  <a:defRPr/>
+                </a:pPr>
+                <a:endParaRPr lang="en-US" sz="400" b="1" dirty="0"/>
+              </a:p>
+            </p:txBody>
+          </p:sp>
+        </p:grpSp>
+        <p:grpSp>
+          <p:nvGrpSpPr>
+            <p:cNvPr id="16" name="Group 15">
+              <a:extLst>
+                <a:ext uri="{FF2B5EF4-FFF2-40B4-BE49-F238E27FC236}">
+                  <a16:creationId xmlns:a16="http://schemas.microsoft.com/office/drawing/2014/main" id="{F9111221-CCC7-DA99-5AB4-B6CD961B02DF}"/>
+                </a:ext>
+              </a:extLst>
+            </p:cNvPr>
+            <p:cNvGrpSpPr/>
+            <p:nvPr/>
+          </p:nvGrpSpPr>
+          <p:grpSpPr>
+            <a:xfrm>
+              <a:off x="5602981" y="6159820"/>
+              <a:ext cx="5416000" cy="542605"/>
+              <a:chOff x="5602981" y="6159820"/>
+              <a:chExt cx="5416000" cy="542605"/>
+            </a:xfrm>
+          </p:grpSpPr>
+          <p:grpSp>
+            <p:nvGrpSpPr>
+              <p:cNvPr id="17" name="Group 16">
+                <a:extLst>
+                  <a:ext uri="{FF2B5EF4-FFF2-40B4-BE49-F238E27FC236}">
+                    <a16:creationId xmlns:a16="http://schemas.microsoft.com/office/drawing/2014/main" id="{9D7E6E18-2ACC-0035-F17F-796EFF2381FB}"/>
+                  </a:ext>
+                </a:extLst>
+              </p:cNvPr>
+              <p:cNvGrpSpPr/>
+              <p:nvPr/>
+            </p:nvGrpSpPr>
+            <p:grpSpPr>
+              <a:xfrm>
+                <a:off x="5602981" y="6159820"/>
+                <a:ext cx="542605" cy="542605"/>
+                <a:chOff x="5602981" y="6159820"/>
+                <a:chExt cx="542605" cy="542605"/>
+              </a:xfrm>
+            </p:grpSpPr>
+            <p:sp>
+              <p:nvSpPr>
+                <p:cNvPr id="19" name="Oval 18">
+                  <a:extLst>
+                    <a:ext uri="{FF2B5EF4-FFF2-40B4-BE49-F238E27FC236}">
+                      <a16:creationId xmlns:a16="http://schemas.microsoft.com/office/drawing/2014/main" id="{CA448854-0E76-02FD-2CD7-7D901E15F746}"/>
+                    </a:ext>
+                  </a:extLst>
+                </p:cNvPr>
+                <p:cNvSpPr/>
+                <p:nvPr/>
+              </p:nvSpPr>
+              <p:spPr>
+                <a:xfrm>
+                  <a:off x="5602981" y="6159821"/>
+                  <a:ext cx="542605" cy="542604"/>
+                </a:xfrm>
+                <a:prstGeom prst="ellipse">
+                  <a:avLst/>
+                </a:prstGeom>
+                <a:solidFill>
+                  <a:schemeClr val="tx1">
+                    <a:alpha val="70000"/>
+                  </a:schemeClr>
+                </a:solidFill>
+                <a:ln>
+                  <a:solidFill>
+                    <a:schemeClr val="bg2">
+                      <a:lumMod val="75000"/>
+                    </a:schemeClr>
+                  </a:solidFill>
+                </a:ln>
+                <a:effectLst/>
+              </p:spPr>
+              <p:style>
+                <a:lnRef idx="2">
+                  <a:schemeClr val="accent1">
+                    <a:shade val="50000"/>
+                  </a:schemeClr>
+                </a:lnRef>
+                <a:fillRef idx="1">
+                  <a:schemeClr val="accent1"/>
+                </a:fillRef>
+                <a:effectRef idx="0">
+                  <a:schemeClr val="accent1"/>
+                </a:effectRef>
+                <a:fontRef idx="minor">
+                  <a:schemeClr val="lt1"/>
+                </a:fontRef>
+              </p:style>
+              <p:txBody>
+                <a:bodyPr rot="0" spcFirstLastPara="0" vertOverflow="overflow" horzOverflow="overflow" vert="horz" wrap="square" lIns="91440" tIns="45720" rIns="91440" bIns="45720" numCol="1" spcCol="0" rtlCol="0" fromWordArt="0" anchor="ctr" anchorCtr="0" forceAA="0" compatLnSpc="1">
+                  <a:prstTxWarp prst="textNoShape">
+                    <a:avLst/>
+                  </a:prstTxWarp>
+                  <a:noAutofit/>
+                </a:bodyPr>
+                <a:lstStyle/>
+                <a:p>
+                  <a:pPr algn="ctr"/>
+                  <a:endParaRPr lang="en-US" sz="2000">
+                    <a:solidFill>
+                      <a:schemeClr val="tx1"/>
+                    </a:solidFill>
+                  </a:endParaRPr>
+                </a:p>
+              </p:txBody>
+            </p:sp>
+            <p:sp>
+              <p:nvSpPr>
+                <p:cNvPr id="20" name="Oval 19">
+                  <a:extLst>
+                    <a:ext uri="{FF2B5EF4-FFF2-40B4-BE49-F238E27FC236}">
+                      <a16:creationId xmlns:a16="http://schemas.microsoft.com/office/drawing/2014/main" id="{EDB8EED7-2EC7-FDFC-49B1-948C8CA65D34}"/>
+                    </a:ext>
+                  </a:extLst>
+                </p:cNvPr>
+                <p:cNvSpPr/>
+                <p:nvPr/>
+              </p:nvSpPr>
+              <p:spPr>
+                <a:xfrm>
+                  <a:off x="5678679" y="6235519"/>
+                  <a:ext cx="391209" cy="391208"/>
+                </a:xfrm>
+                <a:prstGeom prst="ellipse">
+                  <a:avLst/>
+                </a:prstGeom>
+                <a:solidFill>
+                  <a:schemeClr val="accent2">
+                    <a:lumMod val="60000"/>
+                    <a:lumOff val="40000"/>
+                  </a:schemeClr>
+                </a:solidFill>
+                <a:ln>
+                  <a:noFill/>
+                </a:ln>
+                <a:effectLst>
+                  <a:outerShdw blurRad="215900" dist="25400" dir="5400000" sx="97000" sy="97000" algn="t" rotWithShape="0">
+                    <a:prstClr val="black">
+                      <a:alpha val="35000"/>
+                    </a:prstClr>
+                  </a:outerShdw>
+                </a:effectLst>
+              </p:spPr>
+              <p:style>
+                <a:lnRef idx="2">
+                  <a:schemeClr val="accent1">
+                    <a:shade val="50000"/>
+                  </a:schemeClr>
+                </a:lnRef>
+                <a:fillRef idx="1">
+                  <a:schemeClr val="accent1"/>
+                </a:fillRef>
+                <a:effectRef idx="0">
+                  <a:schemeClr val="accent1"/>
+                </a:effectRef>
+                <a:fontRef idx="minor">
+                  <a:schemeClr val="lt1"/>
+                </a:fontRef>
+              </p:style>
+              <p:txBody>
+                <a:bodyPr rot="0" spcFirstLastPara="0" vertOverflow="overflow" horzOverflow="overflow" vert="horz" wrap="square" lIns="91440" tIns="45720" rIns="91440" bIns="45720" numCol="1" spcCol="0" rtlCol="0" fromWordArt="0" anchor="ctr" anchorCtr="0" forceAA="0" compatLnSpc="1">
+                  <a:prstTxWarp prst="textNoShape">
+                    <a:avLst/>
+                  </a:prstTxWarp>
+                  <a:noAutofit/>
+                </a:bodyPr>
+                <a:lstStyle/>
+                <a:p>
+                  <a:pPr algn="ctr"/>
+                  <a:endParaRPr lang="en-US" sz="2000">
+                    <a:solidFill>
+                      <a:schemeClr val="tx1"/>
+                    </a:solidFill>
+                  </a:endParaRPr>
+                </a:p>
+              </p:txBody>
+            </p:sp>
+            <p:sp>
+              <p:nvSpPr>
+                <p:cNvPr id="21" name="TextBox 20">
+                  <a:extLst>
+                    <a:ext uri="{FF2B5EF4-FFF2-40B4-BE49-F238E27FC236}">
+                      <a16:creationId xmlns:a16="http://schemas.microsoft.com/office/drawing/2014/main" id="{ED204B08-A160-5A6C-B0D8-4D3E41B9C063}"/>
+                    </a:ext>
+                  </a:extLst>
+                </p:cNvPr>
+                <p:cNvSpPr txBox="1"/>
+                <p:nvPr/>
+              </p:nvSpPr>
+              <p:spPr>
+                <a:xfrm>
+                  <a:off x="5695328" y="6159820"/>
+                  <a:ext cx="357910" cy="427148"/>
+                </a:xfrm>
+                <a:prstGeom prst="rect">
+                  <a:avLst/>
+                </a:prstGeom>
+                <a:noFill/>
+              </p:spPr>
+              <p:txBody>
+                <a:bodyPr wrap="none" rtlCol="0">
+                  <a:spAutoFit/>
+                </a:bodyPr>
+                <a:lstStyle/>
+                <a:p>
+                  <a:pPr algn="ctr"/>
+                  <a:r>
+                    <a:rPr lang="en-US" sz="2000" b="1"/>
+                    <a:t>9</a:t>
+                  </a:r>
+                  <a:endParaRPr lang="en-IN" sz="2000" dirty="0"/>
+                </a:p>
+              </p:txBody>
+            </p:sp>
+          </p:grpSp>
+          <p:sp>
+            <p:nvSpPr>
+              <p:cNvPr id="18" name="TextBox 17">
+                <a:extLst>
+                  <a:ext uri="{FF2B5EF4-FFF2-40B4-BE49-F238E27FC236}">
+                    <a16:creationId xmlns:a16="http://schemas.microsoft.com/office/drawing/2014/main" id="{A76DC300-0BCD-DF45-5927-3BFA6457E85B}"/>
+                  </a:ext>
+                </a:extLst>
+              </p:cNvPr>
+              <p:cNvSpPr txBox="1"/>
+              <p:nvPr/>
+            </p:nvSpPr>
+            <p:spPr>
+              <a:xfrm>
+                <a:off x="6315721" y="6243836"/>
+                <a:ext cx="4703260" cy="374575"/>
+              </a:xfrm>
+              <a:prstGeom prst="rect">
+                <a:avLst/>
+              </a:prstGeom>
+              <a:noFill/>
+            </p:spPr>
+            <p:txBody>
+              <a:bodyPr wrap="square" lIns="0" tIns="0" rIns="0" bIns="0" rtlCol="0" anchor="ctr">
+                <a:spAutoFit/>
+              </a:bodyPr>
+              <a:lstStyle/>
+              <a:p>
+                <a:pPr defTabSz="1219170">
+                  <a:spcBef>
+                    <a:spcPct val="20000"/>
+                  </a:spcBef>
+                  <a:defRPr/>
+                </a:pPr>
+                <a:r>
+                  <a:rPr lang="en-US" b="1"/>
+                  <a:t>Conclusion &amp; Appendix   </a:t>
+                </a:r>
+                <a:endParaRPr lang="en-US" b="1" dirty="0"/>
+              </a:p>
+              <a:p>
+                <a:pPr defTabSz="1219170">
+                  <a:spcBef>
+                    <a:spcPct val="20000"/>
+                  </a:spcBef>
+                  <a:defRPr/>
+                </a:pPr>
+                <a:endParaRPr lang="en-US" sz="400" b="1" dirty="0"/>
+              </a:p>
+            </p:txBody>
+          </p:sp>
+        </p:grpSp>
+      </p:grpSp>
+      <p:grpSp>
+        <p:nvGrpSpPr>
+          <p:cNvPr id="64" name="Group 63">
+            <a:extLst>
+              <a:ext uri="{FF2B5EF4-FFF2-40B4-BE49-F238E27FC236}">
+                <a16:creationId xmlns:a16="http://schemas.microsoft.com/office/drawing/2014/main" id="{77881111-0AD6-472E-EFF5-9E047C8B5E0B}"/>
+              </a:ext>
+            </a:extLst>
+          </p:cNvPr>
+          <p:cNvGrpSpPr/>
+          <p:nvPr/>
+        </p:nvGrpSpPr>
+        <p:grpSpPr>
+          <a:xfrm>
+            <a:off x="437858" y="1925697"/>
+            <a:ext cx="2895802" cy="4202010"/>
+            <a:chOff x="325903" y="2369072"/>
+            <a:chExt cx="4858839" cy="4202010"/>
+          </a:xfrm>
+        </p:grpSpPr>
+        <p:sp>
+          <p:nvSpPr>
+            <p:cNvPr id="66" name="TextBox 65">
+              <a:extLst>
+                <a:ext uri="{FF2B5EF4-FFF2-40B4-BE49-F238E27FC236}">
+                  <a16:creationId xmlns:a16="http://schemas.microsoft.com/office/drawing/2014/main" id="{B58ED90F-20A9-0601-67D1-D7D044280349}"/>
+                </a:ext>
+              </a:extLst>
+            </p:cNvPr>
+            <p:cNvSpPr txBox="1"/>
+            <p:nvPr/>
+          </p:nvSpPr>
+          <p:spPr>
+            <a:xfrm>
+              <a:off x="409578" y="2369072"/>
+              <a:ext cx="4681865" cy="1446550"/>
+            </a:xfrm>
+            <a:prstGeom prst="rect">
+              <a:avLst/>
+            </a:prstGeom>
+            <a:noFill/>
+          </p:spPr>
+          <p:txBody>
+            <a:bodyPr wrap="square" rtlCol="0">
+              <a:spAutoFit/>
+            </a:bodyPr>
+            <a:lstStyle/>
+            <a:p>
+              <a:r>
+                <a:rPr lang="en-US" altLang="ko-KR" sz="4400" b="1" dirty="0">
+                  <a:solidFill>
+                    <a:schemeClr val="tx1">
+                      <a:lumMod val="95000"/>
+                      <a:lumOff val="5000"/>
+                    </a:schemeClr>
+                  </a:solidFill>
+                  <a:cs typeface="Arial" panose="020B0604020202020204" pitchFamily="34" charset="0"/>
+                </a:rPr>
+                <a:t>Table Of Contents </a:t>
+              </a:r>
+              <a:endParaRPr lang="ko-KR" altLang="en-US" sz="4400" b="1" dirty="0">
+                <a:solidFill>
+                  <a:schemeClr val="tx1">
+                    <a:lumMod val="95000"/>
+                    <a:lumOff val="5000"/>
+                  </a:schemeClr>
+                </a:solidFill>
+                <a:cs typeface="Arial" panose="020B0604020202020204" pitchFamily="34" charset="0"/>
+              </a:endParaRPr>
+            </a:p>
+          </p:txBody>
+        </p:sp>
+        <p:sp>
+          <p:nvSpPr>
+            <p:cNvPr id="67" name="TextBox 66">
+              <a:extLst>
+                <a:ext uri="{FF2B5EF4-FFF2-40B4-BE49-F238E27FC236}">
+                  <a16:creationId xmlns:a16="http://schemas.microsoft.com/office/drawing/2014/main" id="{290B02D5-4177-7CEB-773C-A6AA7CABD22C}"/>
+                </a:ext>
+              </a:extLst>
+            </p:cNvPr>
+            <p:cNvSpPr txBox="1"/>
+            <p:nvPr/>
+          </p:nvSpPr>
+          <p:spPr>
+            <a:xfrm>
+              <a:off x="409578" y="3985759"/>
+              <a:ext cx="4775164" cy="2585323"/>
+            </a:xfrm>
+            <a:prstGeom prst="rect">
+              <a:avLst/>
+            </a:prstGeom>
+            <a:noFill/>
+          </p:spPr>
+          <p:txBody>
+            <a:bodyPr wrap="square" rtlCol="0">
+              <a:spAutoFit/>
+            </a:bodyPr>
+            <a:lstStyle/>
+            <a:p>
+              <a:r>
+                <a:rPr lang="en-US">
+                  <a:solidFill>
+                    <a:schemeClr val="tx1">
+                      <a:lumMod val="95000"/>
+                      <a:lumOff val="5000"/>
+                    </a:schemeClr>
+                  </a:solidFill>
+                </a:rPr>
+                <a:t>An overview of the comprehensive analysis of summer product sales performance on Wish.com, identifying key factors of success and providing strategic recommendations for inventory and </a:t>
+              </a:r>
+            </a:p>
+            <a:p>
+              <a:r>
+                <a:rPr lang="en-US">
+                  <a:solidFill>
+                    <a:schemeClr val="tx1">
+                      <a:lumMod val="95000"/>
+                      <a:lumOff val="5000"/>
+                    </a:schemeClr>
+                  </a:solidFill>
+                </a:rPr>
+                <a:t>pricing optimization.</a:t>
+              </a:r>
+              <a:endParaRPr lang="en-US" dirty="0">
+                <a:solidFill>
+                  <a:schemeClr val="tx1">
+                    <a:lumMod val="95000"/>
+                    <a:lumOff val="5000"/>
+                  </a:schemeClr>
+                </a:solidFill>
+              </a:endParaRPr>
+            </a:p>
+          </p:txBody>
+        </p:sp>
+        <p:cxnSp>
+          <p:nvCxnSpPr>
+            <p:cNvPr id="68" name="Straight Connector 67">
+              <a:extLst>
+                <a:ext uri="{FF2B5EF4-FFF2-40B4-BE49-F238E27FC236}">
+                  <a16:creationId xmlns:a16="http://schemas.microsoft.com/office/drawing/2014/main" id="{0BBE9422-91A4-EBDF-B592-78AC8960D17E}"/>
+                </a:ext>
+              </a:extLst>
+            </p:cNvPr>
+            <p:cNvCxnSpPr>
+              <a:cxnSpLocks/>
+            </p:cNvCxnSpPr>
+            <p:nvPr/>
+          </p:nvCxnSpPr>
+          <p:spPr>
+            <a:xfrm>
+              <a:off x="325903" y="3764317"/>
+              <a:ext cx="4765539" cy="0"/>
+            </a:xfrm>
+            <a:prstGeom prst="line">
+              <a:avLst/>
+            </a:prstGeom>
+            <a:ln w="9525">
+              <a:solidFill>
+                <a:schemeClr val="bg1">
+                  <a:lumMod val="85000"/>
+                </a:schemeClr>
+              </a:solidFill>
+            </a:ln>
+          </p:spPr>
+          <p:style>
+            <a:lnRef idx="1">
+              <a:schemeClr val="accent1"/>
+            </a:lnRef>
+            <a:fillRef idx="0">
+              <a:schemeClr val="accent1"/>
+            </a:fillRef>
+            <a:effectRef idx="0">
+              <a:schemeClr val="accent1"/>
+            </a:effectRef>
+            <a:fontRef idx="minor">
+              <a:schemeClr val="tx1"/>
+            </a:fontRef>
+          </p:style>
+        </p:cxnSp>
+      </p:grpSp>
+    </p:spTree>
+    <p:extLst>
+      <p:ext uri="{BB962C8B-B14F-4D97-AF65-F5344CB8AC3E}">
+        <p14:creationId xmlns:p14="http://schemas.microsoft.com/office/powerpoint/2010/main" val="3809644403"/>
+      </p:ext>
+    </p:extLst>
+  </p:cSld>
+  <p:clrMapOvr>
+    <a:masterClrMapping/>
+  </p:clrMapOvr>
+</p:sld>
+</file>
+
+<file path=ppt/slides/slide20.xml><?xml version="1.0" encoding="utf-8"?>
 <p:sld xmlns:a="http://schemas.openxmlformats.org/drawingml/2006/main" xmlns:r="http://schemas.openxmlformats.org/officeDocument/2006/relationships" xmlns:p="http://schemas.openxmlformats.org/presentationml/2006/main">
   <p:cSld>
     <p:spTree>
@@ -13650,7 +20523,7 @@
 </p:sld>
 </file>
 
-<file path=ppt/slides/slide17.xml><?xml version="1.0" encoding="utf-8"?>
+<file path=ppt/slides/slide21.xml><?xml version="1.0" encoding="utf-8"?>
 <p:sld xmlns:a="http://schemas.openxmlformats.org/drawingml/2006/main" xmlns:r="http://schemas.openxmlformats.org/officeDocument/2006/relationships" xmlns:p="http://schemas.openxmlformats.org/presentationml/2006/main">
   <p:cSld>
     <p:spTree>
@@ -13746,7 +20619,7 @@
 </p:sld>
 </file>
 
-<file path=ppt/slides/slide18.xml><?xml version="1.0" encoding="utf-8"?>
+<file path=ppt/slides/slide22.xml><?xml version="1.0" encoding="utf-8"?>
 <p:sld xmlns:a="http://schemas.openxmlformats.org/drawingml/2006/main" xmlns:r="http://schemas.openxmlformats.org/officeDocument/2006/relationships" xmlns:p="http://schemas.openxmlformats.org/presentationml/2006/main">
   <p:cSld>
     <p:spTree>
@@ -13877,7 +20750,7 @@
 </p:sld>
 </file>
 
-<file path=ppt/slides/slide19.xml><?xml version="1.0" encoding="utf-8"?>
+<file path=ppt/slides/slide23.xml><?xml version="1.0" encoding="utf-8"?>
 <p:sld xmlns:a="http://schemas.openxmlformats.org/drawingml/2006/main" xmlns:r="http://schemas.openxmlformats.org/officeDocument/2006/relationships" xmlns:p="http://schemas.openxmlformats.org/presentationml/2006/main">
   <p:cSld>
     <p:spTree>
@@ -14156,7 +21029,7 @@
 </p:sld>
 </file>
 
-<file path=ppt/slides/slide2.xml><?xml version="1.0" encoding="utf-8"?>
+<file path=ppt/slides/slide3.xml><?xml version="1.0" encoding="utf-8"?>
 <p:sld xmlns:a="http://schemas.openxmlformats.org/drawingml/2006/main" xmlns:r="http://schemas.openxmlformats.org/officeDocument/2006/relationships" xmlns:p="http://schemas.openxmlformats.org/presentationml/2006/main">
   <p:cSld>
     <p:spTree>
@@ -14223,83 +21096,69 @@
           </a:p>
         </p:txBody>
       </p:sp>
-    </p:spTree>
-    <p:extLst>
-      <p:ext uri="{BB962C8B-B14F-4D97-AF65-F5344CB8AC3E}">
-        <p14:creationId xmlns:p14="http://schemas.microsoft.com/office/powerpoint/2010/main" val="3809644403"/>
-      </p:ext>
-    </p:extLst>
-  </p:cSld>
-  <p:clrMapOvr>
-    <a:masterClrMapping/>
-  </p:clrMapOvr>
-</p:sld>
-</file>
-
-<file path=ppt/slides/slide3.xml><?xml version="1.0" encoding="utf-8"?>
-<p:sld xmlns:a="http://schemas.openxmlformats.org/drawingml/2006/main" xmlns:r="http://schemas.openxmlformats.org/officeDocument/2006/relationships" xmlns:p="http://schemas.openxmlformats.org/presentationml/2006/main">
-  <p:cSld>
-    <p:spTree>
-      <p:nvGrpSpPr>
-        <p:cNvPr id="1" name=""/>
-        <p:cNvGrpSpPr/>
-        <p:nvPr/>
-      </p:nvGrpSpPr>
-      <p:grpSpPr>
-        <a:xfrm>
-          <a:off x="0" y="0"/>
-          <a:ext cx="0" cy="0"/>
-          <a:chOff x="0" y="0"/>
-          <a:chExt cx="0" cy="0"/>
-        </a:xfrm>
-      </p:grpSpPr>
       <p:sp>
         <p:nvSpPr>
-          <p:cNvPr id="2" name="Title 1">
+          <p:cNvPr id="5" name="Rectangle 4">
             <a:extLst>
               <a:ext uri="{FF2B5EF4-FFF2-40B4-BE49-F238E27FC236}">
-                <a16:creationId xmlns:a16="http://schemas.microsoft.com/office/drawing/2014/main" id="{A75862A5-C2BF-B677-BDC6-719C72B67DB8}"/>
+                <a16:creationId xmlns:a16="http://schemas.microsoft.com/office/drawing/2014/main" id="{F4D88CF8-30F5-E43A-8954-900F4CA86B96}"/>
               </a:ext>
             </a:extLst>
           </p:cNvPr>
-          <p:cNvSpPr>
-            <a:spLocks noGrp="1"/>
-          </p:cNvSpPr>
-          <p:nvPr>
-            <p:ph type="title"/>
-          </p:nvPr>
+          <p:cNvSpPr/>
+          <p:nvPr/>
         </p:nvSpPr>
-        <p:spPr/>
+        <p:spPr>
+          <a:xfrm>
+            <a:off x="217820" y="231273"/>
+            <a:ext cx="11756360" cy="6395453"/>
+          </a:xfrm>
+          <a:prstGeom prst="rect">
+            <a:avLst/>
+          </a:prstGeom>
+          <a:solidFill>
+            <a:srgbClr val="92D050">
+              <a:alpha val="5000"/>
+            </a:srgbClr>
+          </a:solidFill>
+          <a:ln>
+            <a:noFill/>
+          </a:ln>
+        </p:spPr>
+        <p:style>
+          <a:lnRef idx="2">
+            <a:schemeClr val="accent1">
+              <a:shade val="50000"/>
+            </a:schemeClr>
+          </a:lnRef>
+          <a:fillRef idx="1">
+            <a:schemeClr val="accent1"/>
+          </a:fillRef>
+          <a:effectRef idx="0">
+            <a:schemeClr val="accent1"/>
+          </a:effectRef>
+          <a:fontRef idx="minor">
+            <a:schemeClr val="lt1"/>
+          </a:fontRef>
+        </p:style>
         <p:txBody>
-          <a:bodyPr/>
+          <a:bodyPr rot="0" spcFirstLastPara="0" vertOverflow="overflow" horzOverflow="overflow" vert="horz" wrap="square" lIns="91440" tIns="45720" rIns="91440" bIns="45720" numCol="1" spcCol="0" rtlCol="0" fromWordArt="0" anchor="ctr" anchorCtr="0" forceAA="0" compatLnSpc="1">
+            <a:prstTxWarp prst="textNoShape">
+              <a:avLst/>
+            </a:prstTxWarp>
+            <a:noAutofit/>
+          </a:bodyPr>
           <a:lstStyle/>
           <a:p>
-            <a:endParaRPr lang="en-FI"/>
+            <a:pPr algn="ctr"/>
+            <a:r>
+              <a:rPr lang="en-US"/>
+              <a:t>90</a:t>
+            </a:r>
           </a:p>
-        </p:txBody>
-      </p:sp>
-      <p:sp>
-        <p:nvSpPr>
-          <p:cNvPr id="3" name="Content Placeholder 2">
-            <a:extLst>
-              <a:ext uri="{FF2B5EF4-FFF2-40B4-BE49-F238E27FC236}">
-                <a16:creationId xmlns:a16="http://schemas.microsoft.com/office/drawing/2014/main" id="{37D7CACB-5996-A91C-584D-B7BF249982EE}"/>
-              </a:ext>
-            </a:extLst>
-          </p:cNvPr>
-          <p:cNvSpPr>
-            <a:spLocks noGrp="1"/>
-          </p:cNvSpPr>
-          <p:nvPr>
-            <p:ph idx="1"/>
-          </p:nvPr>
-        </p:nvSpPr>
-        <p:spPr/>
-        <p:txBody>
-          <a:bodyPr/>
-          <a:lstStyle/>
           <a:p>
-            <a:endParaRPr lang="en-FI"/>
+            <a:pPr algn="ctr"/>
+            <a:endParaRPr lang="en-US"/>
           </a:p>
         </p:txBody>
       </p:sp>
@@ -14383,6 +21242,72 @@
           </a:p>
         </p:txBody>
       </p:sp>
+      <p:sp>
+        <p:nvSpPr>
+          <p:cNvPr id="4" name="Rectangle 3">
+            <a:extLst>
+              <a:ext uri="{FF2B5EF4-FFF2-40B4-BE49-F238E27FC236}">
+                <a16:creationId xmlns:a16="http://schemas.microsoft.com/office/drawing/2014/main" id="{601EB25C-C314-D920-B656-FA0D9D3DA864}"/>
+              </a:ext>
+            </a:extLst>
+          </p:cNvPr>
+          <p:cNvSpPr/>
+          <p:nvPr/>
+        </p:nvSpPr>
+        <p:spPr>
+          <a:xfrm>
+            <a:off x="217820" y="231273"/>
+            <a:ext cx="11756360" cy="6395453"/>
+          </a:xfrm>
+          <a:prstGeom prst="rect">
+            <a:avLst/>
+          </a:prstGeom>
+          <a:solidFill>
+            <a:srgbClr val="92D050">
+              <a:alpha val="5000"/>
+            </a:srgbClr>
+          </a:solidFill>
+          <a:ln>
+            <a:noFill/>
+          </a:ln>
+        </p:spPr>
+        <p:style>
+          <a:lnRef idx="2">
+            <a:schemeClr val="accent1">
+              <a:shade val="50000"/>
+            </a:schemeClr>
+          </a:lnRef>
+          <a:fillRef idx="1">
+            <a:schemeClr val="accent1"/>
+          </a:fillRef>
+          <a:effectRef idx="0">
+            <a:schemeClr val="accent1"/>
+          </a:effectRef>
+          <a:fontRef idx="minor">
+            <a:schemeClr val="lt1"/>
+          </a:fontRef>
+        </p:style>
+        <p:txBody>
+          <a:bodyPr rot="0" spcFirstLastPara="0" vertOverflow="overflow" horzOverflow="overflow" vert="horz" wrap="square" lIns="91440" tIns="45720" rIns="91440" bIns="45720" numCol="1" spcCol="0" rtlCol="0" fromWordArt="0" anchor="ctr" anchorCtr="0" forceAA="0" compatLnSpc="1">
+            <a:prstTxWarp prst="textNoShape">
+              <a:avLst/>
+            </a:prstTxWarp>
+            <a:noAutofit/>
+          </a:bodyPr>
+          <a:lstStyle/>
+          <a:p>
+            <a:pPr algn="ctr"/>
+            <a:r>
+              <a:rPr lang="en-US"/>
+              <a:t>90</a:t>
+            </a:r>
+          </a:p>
+          <a:p>
+            <a:pPr algn="ctr"/>
+            <a:endParaRPr lang="en-US"/>
+          </a:p>
+        </p:txBody>
+      </p:sp>
     </p:spTree>
     <p:extLst>
       <p:ext uri="{BB962C8B-B14F-4D97-AF65-F5344CB8AC3E}">
@@ -14460,6 +21385,72 @@
           <a:lstStyle/>
           <a:p>
             <a:endParaRPr lang="en-FI"/>
+          </a:p>
+        </p:txBody>
+      </p:sp>
+      <p:sp>
+        <p:nvSpPr>
+          <p:cNvPr id="4" name="Rectangle 3">
+            <a:extLst>
+              <a:ext uri="{FF2B5EF4-FFF2-40B4-BE49-F238E27FC236}">
+                <a16:creationId xmlns:a16="http://schemas.microsoft.com/office/drawing/2014/main" id="{1A38854A-A3F0-76DE-74CF-E6734B5D305E}"/>
+              </a:ext>
+            </a:extLst>
+          </p:cNvPr>
+          <p:cNvSpPr/>
+          <p:nvPr/>
+        </p:nvSpPr>
+        <p:spPr>
+          <a:xfrm>
+            <a:off x="217820" y="231273"/>
+            <a:ext cx="11756360" cy="6395453"/>
+          </a:xfrm>
+          <a:prstGeom prst="rect">
+            <a:avLst/>
+          </a:prstGeom>
+          <a:solidFill>
+            <a:srgbClr val="92D050">
+              <a:alpha val="5000"/>
+            </a:srgbClr>
+          </a:solidFill>
+          <a:ln>
+            <a:noFill/>
+          </a:ln>
+        </p:spPr>
+        <p:style>
+          <a:lnRef idx="2">
+            <a:schemeClr val="accent1">
+              <a:shade val="50000"/>
+            </a:schemeClr>
+          </a:lnRef>
+          <a:fillRef idx="1">
+            <a:schemeClr val="accent1"/>
+          </a:fillRef>
+          <a:effectRef idx="0">
+            <a:schemeClr val="accent1"/>
+          </a:effectRef>
+          <a:fontRef idx="minor">
+            <a:schemeClr val="lt1"/>
+          </a:fontRef>
+        </p:style>
+        <p:txBody>
+          <a:bodyPr rot="0" spcFirstLastPara="0" vertOverflow="overflow" horzOverflow="overflow" vert="horz" wrap="square" lIns="91440" tIns="45720" rIns="91440" bIns="45720" numCol="1" spcCol="0" rtlCol="0" fromWordArt="0" anchor="ctr" anchorCtr="0" forceAA="0" compatLnSpc="1">
+            <a:prstTxWarp prst="textNoShape">
+              <a:avLst/>
+            </a:prstTxWarp>
+            <a:noAutofit/>
+          </a:bodyPr>
+          <a:lstStyle/>
+          <a:p>
+            <a:pPr algn="ctr"/>
+            <a:r>
+              <a:rPr lang="en-US"/>
+              <a:t>90</a:t>
+            </a:r>
+          </a:p>
+          <a:p>
+            <a:pPr algn="ctr"/>
+            <a:endParaRPr lang="en-US"/>
           </a:p>
         </p:txBody>
       </p:sp>
@@ -14543,6 +21534,72 @@
           </a:p>
         </p:txBody>
       </p:sp>
+      <p:sp>
+        <p:nvSpPr>
+          <p:cNvPr id="4" name="Rectangle 3">
+            <a:extLst>
+              <a:ext uri="{FF2B5EF4-FFF2-40B4-BE49-F238E27FC236}">
+                <a16:creationId xmlns:a16="http://schemas.microsoft.com/office/drawing/2014/main" id="{6F250314-6692-06D2-0881-8D9D3E70EDB9}"/>
+              </a:ext>
+            </a:extLst>
+          </p:cNvPr>
+          <p:cNvSpPr/>
+          <p:nvPr/>
+        </p:nvSpPr>
+        <p:spPr>
+          <a:xfrm>
+            <a:off x="217820" y="231273"/>
+            <a:ext cx="11756360" cy="6395453"/>
+          </a:xfrm>
+          <a:prstGeom prst="rect">
+            <a:avLst/>
+          </a:prstGeom>
+          <a:solidFill>
+            <a:srgbClr val="92D050">
+              <a:alpha val="5000"/>
+            </a:srgbClr>
+          </a:solidFill>
+          <a:ln>
+            <a:noFill/>
+          </a:ln>
+        </p:spPr>
+        <p:style>
+          <a:lnRef idx="2">
+            <a:schemeClr val="accent1">
+              <a:shade val="50000"/>
+            </a:schemeClr>
+          </a:lnRef>
+          <a:fillRef idx="1">
+            <a:schemeClr val="accent1"/>
+          </a:fillRef>
+          <a:effectRef idx="0">
+            <a:schemeClr val="accent1"/>
+          </a:effectRef>
+          <a:fontRef idx="minor">
+            <a:schemeClr val="lt1"/>
+          </a:fontRef>
+        </p:style>
+        <p:txBody>
+          <a:bodyPr rot="0" spcFirstLastPara="0" vertOverflow="overflow" horzOverflow="overflow" vert="horz" wrap="square" lIns="91440" tIns="45720" rIns="91440" bIns="45720" numCol="1" spcCol="0" rtlCol="0" fromWordArt="0" anchor="ctr" anchorCtr="0" forceAA="0" compatLnSpc="1">
+            <a:prstTxWarp prst="textNoShape">
+              <a:avLst/>
+            </a:prstTxWarp>
+            <a:noAutofit/>
+          </a:bodyPr>
+          <a:lstStyle/>
+          <a:p>
+            <a:pPr algn="ctr"/>
+            <a:r>
+              <a:rPr lang="en-US"/>
+              <a:t>90</a:t>
+            </a:r>
+          </a:p>
+          <a:p>
+            <a:pPr algn="ctr"/>
+            <a:endParaRPr lang="en-US"/>
+          </a:p>
+        </p:txBody>
+      </p:sp>
     </p:spTree>
     <p:extLst>
       <p:ext uri="{BB962C8B-B14F-4D97-AF65-F5344CB8AC3E}">
@@ -14620,6 +21677,72 @@
           <a:lstStyle/>
           <a:p>
             <a:endParaRPr lang="en-FI"/>
+          </a:p>
+        </p:txBody>
+      </p:sp>
+      <p:sp>
+        <p:nvSpPr>
+          <p:cNvPr id="4" name="Rectangle 3">
+            <a:extLst>
+              <a:ext uri="{FF2B5EF4-FFF2-40B4-BE49-F238E27FC236}">
+                <a16:creationId xmlns:a16="http://schemas.microsoft.com/office/drawing/2014/main" id="{81A1A64A-F69C-B3C1-3CF4-623E8899AC94}"/>
+              </a:ext>
+            </a:extLst>
+          </p:cNvPr>
+          <p:cNvSpPr/>
+          <p:nvPr/>
+        </p:nvSpPr>
+        <p:spPr>
+          <a:xfrm>
+            <a:off x="217820" y="231273"/>
+            <a:ext cx="11756360" cy="6395453"/>
+          </a:xfrm>
+          <a:prstGeom prst="rect">
+            <a:avLst/>
+          </a:prstGeom>
+          <a:solidFill>
+            <a:srgbClr val="92D050">
+              <a:alpha val="5000"/>
+            </a:srgbClr>
+          </a:solidFill>
+          <a:ln>
+            <a:noFill/>
+          </a:ln>
+        </p:spPr>
+        <p:style>
+          <a:lnRef idx="2">
+            <a:schemeClr val="accent1">
+              <a:shade val="50000"/>
+            </a:schemeClr>
+          </a:lnRef>
+          <a:fillRef idx="1">
+            <a:schemeClr val="accent1"/>
+          </a:fillRef>
+          <a:effectRef idx="0">
+            <a:schemeClr val="accent1"/>
+          </a:effectRef>
+          <a:fontRef idx="minor">
+            <a:schemeClr val="lt1"/>
+          </a:fontRef>
+        </p:style>
+        <p:txBody>
+          <a:bodyPr rot="0" spcFirstLastPara="0" vertOverflow="overflow" horzOverflow="overflow" vert="horz" wrap="square" lIns="91440" tIns="45720" rIns="91440" bIns="45720" numCol="1" spcCol="0" rtlCol="0" fromWordArt="0" anchor="ctr" anchorCtr="0" forceAA="0" compatLnSpc="1">
+            <a:prstTxWarp prst="textNoShape">
+              <a:avLst/>
+            </a:prstTxWarp>
+            <a:noAutofit/>
+          </a:bodyPr>
+          <a:lstStyle/>
+          <a:p>
+            <a:pPr algn="ctr"/>
+            <a:r>
+              <a:rPr lang="en-US"/>
+              <a:t>90</a:t>
+            </a:r>
+          </a:p>
+          <a:p>
+            <a:pPr algn="ctr"/>
+            <a:endParaRPr lang="en-US"/>
           </a:p>
         </p:txBody>
       </p:sp>
@@ -14703,6 +21826,72 @@
           </a:p>
         </p:txBody>
       </p:sp>
+      <p:sp>
+        <p:nvSpPr>
+          <p:cNvPr id="4" name="Rectangle 3">
+            <a:extLst>
+              <a:ext uri="{FF2B5EF4-FFF2-40B4-BE49-F238E27FC236}">
+                <a16:creationId xmlns:a16="http://schemas.microsoft.com/office/drawing/2014/main" id="{58778452-D764-3A56-E9A5-D1CE2D821A64}"/>
+              </a:ext>
+            </a:extLst>
+          </p:cNvPr>
+          <p:cNvSpPr/>
+          <p:nvPr/>
+        </p:nvSpPr>
+        <p:spPr>
+          <a:xfrm>
+            <a:off x="217820" y="231273"/>
+            <a:ext cx="11756360" cy="6395453"/>
+          </a:xfrm>
+          <a:prstGeom prst="rect">
+            <a:avLst/>
+          </a:prstGeom>
+          <a:solidFill>
+            <a:srgbClr val="92D050">
+              <a:alpha val="5000"/>
+            </a:srgbClr>
+          </a:solidFill>
+          <a:ln>
+            <a:noFill/>
+          </a:ln>
+        </p:spPr>
+        <p:style>
+          <a:lnRef idx="2">
+            <a:schemeClr val="accent1">
+              <a:shade val="50000"/>
+            </a:schemeClr>
+          </a:lnRef>
+          <a:fillRef idx="1">
+            <a:schemeClr val="accent1"/>
+          </a:fillRef>
+          <a:effectRef idx="0">
+            <a:schemeClr val="accent1"/>
+          </a:effectRef>
+          <a:fontRef idx="minor">
+            <a:schemeClr val="lt1"/>
+          </a:fontRef>
+        </p:style>
+        <p:txBody>
+          <a:bodyPr rot="0" spcFirstLastPara="0" vertOverflow="overflow" horzOverflow="overflow" vert="horz" wrap="square" lIns="91440" tIns="45720" rIns="91440" bIns="45720" numCol="1" spcCol="0" rtlCol="0" fromWordArt="0" anchor="ctr" anchorCtr="0" forceAA="0" compatLnSpc="1">
+            <a:prstTxWarp prst="textNoShape">
+              <a:avLst/>
+            </a:prstTxWarp>
+            <a:noAutofit/>
+          </a:bodyPr>
+          <a:lstStyle/>
+          <a:p>
+            <a:pPr algn="ctr"/>
+            <a:r>
+              <a:rPr lang="en-US"/>
+              <a:t>90</a:t>
+            </a:r>
+          </a:p>
+          <a:p>
+            <a:pPr algn="ctr"/>
+            <a:endParaRPr lang="en-US"/>
+          </a:p>
+        </p:txBody>
+      </p:sp>
     </p:spTree>
     <p:extLst>
       <p:ext uri="{BB962C8B-B14F-4D97-AF65-F5344CB8AC3E}">
@@ -14780,6 +21969,72 @@
           <a:lstStyle/>
           <a:p>
             <a:endParaRPr lang="en-FI"/>
+          </a:p>
+        </p:txBody>
+      </p:sp>
+      <p:sp>
+        <p:nvSpPr>
+          <p:cNvPr id="4" name="Rectangle 3">
+            <a:extLst>
+              <a:ext uri="{FF2B5EF4-FFF2-40B4-BE49-F238E27FC236}">
+                <a16:creationId xmlns:a16="http://schemas.microsoft.com/office/drawing/2014/main" id="{59C66302-DEF7-01BF-01AB-E94D45C5AE6A}"/>
+              </a:ext>
+            </a:extLst>
+          </p:cNvPr>
+          <p:cNvSpPr/>
+          <p:nvPr/>
+        </p:nvSpPr>
+        <p:spPr>
+          <a:xfrm>
+            <a:off x="217820" y="231273"/>
+            <a:ext cx="11756360" cy="6395453"/>
+          </a:xfrm>
+          <a:prstGeom prst="rect">
+            <a:avLst/>
+          </a:prstGeom>
+          <a:solidFill>
+            <a:srgbClr val="92D050">
+              <a:alpha val="5000"/>
+            </a:srgbClr>
+          </a:solidFill>
+          <a:ln>
+            <a:noFill/>
+          </a:ln>
+        </p:spPr>
+        <p:style>
+          <a:lnRef idx="2">
+            <a:schemeClr val="accent1">
+              <a:shade val="50000"/>
+            </a:schemeClr>
+          </a:lnRef>
+          <a:fillRef idx="1">
+            <a:schemeClr val="accent1"/>
+          </a:fillRef>
+          <a:effectRef idx="0">
+            <a:schemeClr val="accent1"/>
+          </a:effectRef>
+          <a:fontRef idx="minor">
+            <a:schemeClr val="lt1"/>
+          </a:fontRef>
+        </p:style>
+        <p:txBody>
+          <a:bodyPr rot="0" spcFirstLastPara="0" vertOverflow="overflow" horzOverflow="overflow" vert="horz" wrap="square" lIns="91440" tIns="45720" rIns="91440" bIns="45720" numCol="1" spcCol="0" rtlCol="0" fromWordArt="0" anchor="ctr" anchorCtr="0" forceAA="0" compatLnSpc="1">
+            <a:prstTxWarp prst="textNoShape">
+              <a:avLst/>
+            </a:prstTxWarp>
+            <a:noAutofit/>
+          </a:bodyPr>
+          <a:lstStyle/>
+          <a:p>
+            <a:pPr algn="ctr"/>
+            <a:r>
+              <a:rPr lang="en-US"/>
+              <a:t>90</a:t>
+            </a:r>
+          </a:p>
+          <a:p>
+            <a:pPr algn="ctr"/>
+            <a:endParaRPr lang="en-US"/>
           </a:p>
         </p:txBody>
       </p:sp>

--- a/Power BI Assignment/Business Intelligence_Power BI Assignment Report.pptx
+++ b/Power BI Assignment/Business Intelligence_Power BI Assignment Report.pptx
@@ -11510,7 +11510,7 @@
           <a:p>
             <a:fld id="{9AEA06F1-B57D-406B-8F09-B1FDC0D0B1F3}" type="datetimeFigureOut">
               <a:rPr lang="en-US" smtClean="0"/>
-              <a:t>3/13/2024</a:t>
+              <a:t>3/14/2024</a:t>
             </a:fld>
             <a:endParaRPr lang="en-US" dirty="0"/>
           </a:p>
@@ -11687,7 +11687,7 @@
           <a:p>
             <a:fld id="{4237F2BD-238E-42D0-B670-F788A50DBDE8}" type="datetimeFigureOut">
               <a:rPr lang="en-US" smtClean="0"/>
-              <a:t>3/13/2024</a:t>
+              <a:t>3/14/2024</a:t>
             </a:fld>
             <a:endParaRPr lang="en-US" dirty="0"/>
           </a:p>
@@ -12652,7 +12652,7 @@
           <a:p>
             <a:fld id="{9AB3A824-1A51-4B26-AD58-A6D8E14F6C04}" type="datetimeFigureOut">
               <a:rPr lang="en-US" noProof="0" smtClean="0"/>
-              <a:t>3/13/2024</a:t>
+              <a:t>3/14/2024</a:t>
             </a:fld>
             <a:endParaRPr lang="en-US" noProof="0" dirty="0"/>
           </a:p>
@@ -12875,7 +12875,7 @@
           <a:p>
             <a:fld id="{D857E33E-8B18-4087-B112-809917729534}" type="datetimeFigureOut">
               <a:rPr lang="en-US" noProof="0" smtClean="0"/>
-              <a:t>3/13/2024</a:t>
+              <a:t>3/14/2024</a:t>
             </a:fld>
             <a:endParaRPr lang="en-US" noProof="0" dirty="0"/>
           </a:p>
@@ -13057,7 +13057,7 @@
           <a:p>
             <a:fld id="{D3FFE419-2371-464F-8239-3959401C3561}" type="datetimeFigureOut">
               <a:rPr lang="en-US" noProof="0" smtClean="0"/>
-              <a:t>3/13/2024</a:t>
+              <a:t>3/14/2024</a:t>
             </a:fld>
             <a:endParaRPr lang="en-US" noProof="0" dirty="0"/>
           </a:p>
@@ -13229,7 +13229,7 @@
           <a:p>
             <a:fld id="{97D162C4-EDD9-4389-A98B-B87ECEA2A816}" type="datetimeFigureOut">
               <a:rPr lang="en-US" noProof="0" smtClean="0"/>
-              <a:t>3/13/2024</a:t>
+              <a:t>3/14/2024</a:t>
             </a:fld>
             <a:endParaRPr lang="en-US" noProof="0" dirty="0"/>
           </a:p>
@@ -13483,7 +13483,7 @@
           <a:p>
             <a:fld id="{3E5059C3-6A89-4494-99FF-5A4D6FFD50EB}" type="datetimeFigureOut">
               <a:rPr lang="en-US" noProof="0" smtClean="0"/>
-              <a:t>3/13/2024</a:t>
+              <a:t>3/14/2024</a:t>
             </a:fld>
             <a:endParaRPr lang="en-US" noProof="0" dirty="0"/>
           </a:p>
@@ -13807,7 +13807,7 @@
           <a:p>
             <a:fld id="{CA954B2F-12DE-47F5-8894-472B206D2E1E}" type="datetimeFigureOut">
               <a:rPr lang="en-US" noProof="0" smtClean="0"/>
-              <a:t>3/13/2024</a:t>
+              <a:t>3/14/2024</a:t>
             </a:fld>
             <a:endParaRPr lang="en-US" noProof="0" dirty="0"/>
           </a:p>
@@ -14232,7 +14232,7 @@
           <a:p>
             <a:fld id="{3CBC1C18-307B-4F68-A007-B5B542270E8D}" type="datetimeFigureOut">
               <a:rPr lang="en-US" noProof="0" smtClean="0"/>
-              <a:t>3/13/2024</a:t>
+              <a:t>3/14/2024</a:t>
             </a:fld>
             <a:endParaRPr lang="en-US" noProof="0" dirty="0"/>
           </a:p>
@@ -14355,7 +14355,7 @@
           <a:p>
             <a:fld id="{1FAF3416-4057-4DAA-829D-4CA07428D088}" type="datetimeFigureOut">
               <a:rPr lang="en-US" noProof="0" smtClean="0"/>
-              <a:t>3/13/2024</a:t>
+              <a:t>3/14/2024</a:t>
             </a:fld>
             <a:endParaRPr lang="en-US" noProof="0" dirty="0"/>
           </a:p>
@@ -14454,7 +14454,7 @@
           <a:p>
             <a:fld id="{921D9284-D300-4297-87F7-E791DCC15DB1}" type="datetimeFigureOut">
               <a:rPr lang="en-US" noProof="0" smtClean="0"/>
-              <a:t>3/13/2024</a:t>
+              <a:t>3/14/2024</a:t>
             </a:fld>
             <a:endParaRPr lang="en-US" noProof="0" dirty="0"/>
           </a:p>
@@ -14746,7 +14746,7 @@
           <a:p>
             <a:fld id="{37D525BB-DA17-4BA0-B3C8-3AC3ABC827E6}" type="datetimeFigureOut">
               <a:rPr lang="en-US" noProof="0" smtClean="0"/>
-              <a:t>3/13/2024</a:t>
+              <a:t>3/14/2024</a:t>
             </a:fld>
             <a:endParaRPr lang="en-US" noProof="0" dirty="0"/>
           </a:p>
@@ -15021,7 +15021,7 @@
           <a:p>
             <a:fld id="{B16C4C9A-3960-41CF-A4E9-2A8FB932454B}" type="datetimeFigureOut">
               <a:rPr lang="en-US" noProof="0" smtClean="0"/>
-              <a:t>3/13/2024</a:t>
+              <a:t>3/14/2024</a:t>
             </a:fld>
             <a:endParaRPr lang="en-US" noProof="0" dirty="0"/>
           </a:p>
@@ -15277,7 +15277,7 @@
           <a:p>
             <a:fld id="{3CBC1C18-307B-4F68-A007-B5B542270E8D}" type="datetimeFigureOut">
               <a:rPr lang="en-US" noProof="0" smtClean="0"/>
-              <a:t>3/13/2024</a:t>
+              <a:t>3/14/2024</a:t>
             </a:fld>
             <a:endParaRPr lang="en-US" noProof="0" dirty="0"/>
           </a:p>
@@ -16048,72 +16048,6 @@
           </a:p>
         </p:txBody>
       </p:sp>
-      <p:sp>
-        <p:nvSpPr>
-          <p:cNvPr id="4" name="Rectangle 3">
-            <a:extLst>
-              <a:ext uri="{FF2B5EF4-FFF2-40B4-BE49-F238E27FC236}">
-                <a16:creationId xmlns:a16="http://schemas.microsoft.com/office/drawing/2014/main" id="{9ABCABBF-80E9-7538-89AA-C4C8FC975A58}"/>
-              </a:ext>
-            </a:extLst>
-          </p:cNvPr>
-          <p:cNvSpPr/>
-          <p:nvPr/>
-        </p:nvSpPr>
-        <p:spPr>
-          <a:xfrm>
-            <a:off x="217820" y="231273"/>
-            <a:ext cx="11756360" cy="6395453"/>
-          </a:xfrm>
-          <a:prstGeom prst="rect">
-            <a:avLst/>
-          </a:prstGeom>
-          <a:solidFill>
-            <a:srgbClr val="92D050">
-              <a:alpha val="5000"/>
-            </a:srgbClr>
-          </a:solidFill>
-          <a:ln>
-            <a:noFill/>
-          </a:ln>
-        </p:spPr>
-        <p:style>
-          <a:lnRef idx="2">
-            <a:schemeClr val="accent1">
-              <a:shade val="50000"/>
-            </a:schemeClr>
-          </a:lnRef>
-          <a:fillRef idx="1">
-            <a:schemeClr val="accent1"/>
-          </a:fillRef>
-          <a:effectRef idx="0">
-            <a:schemeClr val="accent1"/>
-          </a:effectRef>
-          <a:fontRef idx="minor">
-            <a:schemeClr val="lt1"/>
-          </a:fontRef>
-        </p:style>
-        <p:txBody>
-          <a:bodyPr rot="0" spcFirstLastPara="0" vertOverflow="overflow" horzOverflow="overflow" vert="horz" wrap="square" lIns="91440" tIns="45720" rIns="91440" bIns="45720" numCol="1" spcCol="0" rtlCol="0" fromWordArt="0" anchor="ctr" anchorCtr="0" forceAA="0" compatLnSpc="1">
-            <a:prstTxWarp prst="textNoShape">
-              <a:avLst/>
-            </a:prstTxWarp>
-            <a:noAutofit/>
-          </a:bodyPr>
-          <a:lstStyle/>
-          <a:p>
-            <a:pPr algn="ctr"/>
-            <a:r>
-              <a:rPr lang="en-US"/>
-              <a:t>90</a:t>
-            </a:r>
-          </a:p>
-          <a:p>
-            <a:pPr algn="ctr"/>
-            <a:endParaRPr lang="en-US"/>
-          </a:p>
-        </p:txBody>
-      </p:sp>
     </p:spTree>
     <p:extLst>
       <p:ext uri="{BB962C8B-B14F-4D97-AF65-F5344CB8AC3E}">
@@ -16191,72 +16125,6 @@
           <a:lstStyle/>
           <a:p>
             <a:endParaRPr lang="en-FI"/>
-          </a:p>
-        </p:txBody>
-      </p:sp>
-      <p:sp>
-        <p:nvSpPr>
-          <p:cNvPr id="4" name="Rectangle 3">
-            <a:extLst>
-              <a:ext uri="{FF2B5EF4-FFF2-40B4-BE49-F238E27FC236}">
-                <a16:creationId xmlns:a16="http://schemas.microsoft.com/office/drawing/2014/main" id="{E2532312-F758-E123-407D-D7FF0A64F3F2}"/>
-              </a:ext>
-            </a:extLst>
-          </p:cNvPr>
-          <p:cNvSpPr/>
-          <p:nvPr/>
-        </p:nvSpPr>
-        <p:spPr>
-          <a:xfrm>
-            <a:off x="217820" y="231273"/>
-            <a:ext cx="11756360" cy="6395453"/>
-          </a:xfrm>
-          <a:prstGeom prst="rect">
-            <a:avLst/>
-          </a:prstGeom>
-          <a:solidFill>
-            <a:srgbClr val="92D050">
-              <a:alpha val="5000"/>
-            </a:srgbClr>
-          </a:solidFill>
-          <a:ln>
-            <a:noFill/>
-          </a:ln>
-        </p:spPr>
-        <p:style>
-          <a:lnRef idx="2">
-            <a:schemeClr val="accent1">
-              <a:shade val="50000"/>
-            </a:schemeClr>
-          </a:lnRef>
-          <a:fillRef idx="1">
-            <a:schemeClr val="accent1"/>
-          </a:fillRef>
-          <a:effectRef idx="0">
-            <a:schemeClr val="accent1"/>
-          </a:effectRef>
-          <a:fontRef idx="minor">
-            <a:schemeClr val="lt1"/>
-          </a:fontRef>
-        </p:style>
-        <p:txBody>
-          <a:bodyPr rot="0" spcFirstLastPara="0" vertOverflow="overflow" horzOverflow="overflow" vert="horz" wrap="square" lIns="91440" tIns="45720" rIns="91440" bIns="45720" numCol="1" spcCol="0" rtlCol="0" fromWordArt="0" anchor="ctr" anchorCtr="0" forceAA="0" compatLnSpc="1">
-            <a:prstTxWarp prst="textNoShape">
-              <a:avLst/>
-            </a:prstTxWarp>
-            <a:noAutofit/>
-          </a:bodyPr>
-          <a:lstStyle/>
-          <a:p>
-            <a:pPr algn="ctr"/>
-            <a:r>
-              <a:rPr lang="en-US"/>
-              <a:t>90</a:t>
-            </a:r>
-          </a:p>
-          <a:p>
-            <a:pPr algn="ctr"/>
-            <a:endParaRPr lang="en-US"/>
           </a:p>
         </p:txBody>
       </p:sp>
@@ -16340,72 +16208,6 @@
           </a:p>
         </p:txBody>
       </p:sp>
-      <p:sp>
-        <p:nvSpPr>
-          <p:cNvPr id="4" name="Rectangle 3">
-            <a:extLst>
-              <a:ext uri="{FF2B5EF4-FFF2-40B4-BE49-F238E27FC236}">
-                <a16:creationId xmlns:a16="http://schemas.microsoft.com/office/drawing/2014/main" id="{CC125031-B277-4866-E3C0-1BF998A9AE6A}"/>
-              </a:ext>
-            </a:extLst>
-          </p:cNvPr>
-          <p:cNvSpPr/>
-          <p:nvPr/>
-        </p:nvSpPr>
-        <p:spPr>
-          <a:xfrm>
-            <a:off x="217820" y="231273"/>
-            <a:ext cx="11756360" cy="6395453"/>
-          </a:xfrm>
-          <a:prstGeom prst="rect">
-            <a:avLst/>
-          </a:prstGeom>
-          <a:solidFill>
-            <a:srgbClr val="92D050">
-              <a:alpha val="5000"/>
-            </a:srgbClr>
-          </a:solidFill>
-          <a:ln>
-            <a:noFill/>
-          </a:ln>
-        </p:spPr>
-        <p:style>
-          <a:lnRef idx="2">
-            <a:schemeClr val="accent1">
-              <a:shade val="50000"/>
-            </a:schemeClr>
-          </a:lnRef>
-          <a:fillRef idx="1">
-            <a:schemeClr val="accent1"/>
-          </a:fillRef>
-          <a:effectRef idx="0">
-            <a:schemeClr val="accent1"/>
-          </a:effectRef>
-          <a:fontRef idx="minor">
-            <a:schemeClr val="lt1"/>
-          </a:fontRef>
-        </p:style>
-        <p:txBody>
-          <a:bodyPr rot="0" spcFirstLastPara="0" vertOverflow="overflow" horzOverflow="overflow" vert="horz" wrap="square" lIns="91440" tIns="45720" rIns="91440" bIns="45720" numCol="1" spcCol="0" rtlCol="0" fromWordArt="0" anchor="ctr" anchorCtr="0" forceAA="0" compatLnSpc="1">
-            <a:prstTxWarp prst="textNoShape">
-              <a:avLst/>
-            </a:prstTxWarp>
-            <a:noAutofit/>
-          </a:bodyPr>
-          <a:lstStyle/>
-          <a:p>
-            <a:pPr algn="ctr"/>
-            <a:r>
-              <a:rPr lang="en-US"/>
-              <a:t>90</a:t>
-            </a:r>
-          </a:p>
-          <a:p>
-            <a:pPr algn="ctr"/>
-            <a:endParaRPr lang="en-US"/>
-          </a:p>
-        </p:txBody>
-      </p:sp>
     </p:spTree>
     <p:extLst>
       <p:ext uri="{BB962C8B-B14F-4D97-AF65-F5344CB8AC3E}">
@@ -16486,72 +16288,6 @@
           </a:p>
         </p:txBody>
       </p:sp>
-      <p:sp>
-        <p:nvSpPr>
-          <p:cNvPr id="4" name="Rectangle 3">
-            <a:extLst>
-              <a:ext uri="{FF2B5EF4-FFF2-40B4-BE49-F238E27FC236}">
-                <a16:creationId xmlns:a16="http://schemas.microsoft.com/office/drawing/2014/main" id="{8BC67FAB-6BC4-CB2E-D2D3-256FDA8593D2}"/>
-              </a:ext>
-            </a:extLst>
-          </p:cNvPr>
-          <p:cNvSpPr/>
-          <p:nvPr/>
-        </p:nvSpPr>
-        <p:spPr>
-          <a:xfrm>
-            <a:off x="217820" y="231273"/>
-            <a:ext cx="11756360" cy="6395453"/>
-          </a:xfrm>
-          <a:prstGeom prst="rect">
-            <a:avLst/>
-          </a:prstGeom>
-          <a:solidFill>
-            <a:srgbClr val="92D050">
-              <a:alpha val="5000"/>
-            </a:srgbClr>
-          </a:solidFill>
-          <a:ln>
-            <a:noFill/>
-          </a:ln>
-        </p:spPr>
-        <p:style>
-          <a:lnRef idx="2">
-            <a:schemeClr val="accent1">
-              <a:shade val="50000"/>
-            </a:schemeClr>
-          </a:lnRef>
-          <a:fillRef idx="1">
-            <a:schemeClr val="accent1"/>
-          </a:fillRef>
-          <a:effectRef idx="0">
-            <a:schemeClr val="accent1"/>
-          </a:effectRef>
-          <a:fontRef idx="minor">
-            <a:schemeClr val="lt1"/>
-          </a:fontRef>
-        </p:style>
-        <p:txBody>
-          <a:bodyPr rot="0" spcFirstLastPara="0" vertOverflow="overflow" horzOverflow="overflow" vert="horz" wrap="square" lIns="91440" tIns="45720" rIns="91440" bIns="45720" numCol="1" spcCol="0" rtlCol="0" fromWordArt="0" anchor="ctr" anchorCtr="0" forceAA="0" compatLnSpc="1">
-            <a:prstTxWarp prst="textNoShape">
-              <a:avLst/>
-            </a:prstTxWarp>
-            <a:noAutofit/>
-          </a:bodyPr>
-          <a:lstStyle/>
-          <a:p>
-            <a:pPr algn="ctr"/>
-            <a:r>
-              <a:rPr lang="en-US"/>
-              <a:t>90</a:t>
-            </a:r>
-          </a:p>
-          <a:p>
-            <a:pPr algn="ctr"/>
-            <a:endParaRPr lang="en-US"/>
-          </a:p>
-        </p:txBody>
-      </p:sp>
     </p:spTree>
     <p:extLst>
       <p:ext uri="{BB962C8B-B14F-4D97-AF65-F5344CB8AC3E}">
@@ -16629,72 +16365,6 @@
           <a:lstStyle/>
           <a:p>
             <a:endParaRPr lang="en-FI"/>
-          </a:p>
-        </p:txBody>
-      </p:sp>
-      <p:sp>
-        <p:nvSpPr>
-          <p:cNvPr id="4" name="Rectangle 3">
-            <a:extLst>
-              <a:ext uri="{FF2B5EF4-FFF2-40B4-BE49-F238E27FC236}">
-                <a16:creationId xmlns:a16="http://schemas.microsoft.com/office/drawing/2014/main" id="{7BD606B2-0037-0456-D836-CEF5005AFB3B}"/>
-              </a:ext>
-            </a:extLst>
-          </p:cNvPr>
-          <p:cNvSpPr/>
-          <p:nvPr/>
-        </p:nvSpPr>
-        <p:spPr>
-          <a:xfrm>
-            <a:off x="217820" y="231273"/>
-            <a:ext cx="11756360" cy="6395453"/>
-          </a:xfrm>
-          <a:prstGeom prst="rect">
-            <a:avLst/>
-          </a:prstGeom>
-          <a:solidFill>
-            <a:srgbClr val="92D050">
-              <a:alpha val="5000"/>
-            </a:srgbClr>
-          </a:solidFill>
-          <a:ln>
-            <a:noFill/>
-          </a:ln>
-        </p:spPr>
-        <p:style>
-          <a:lnRef idx="2">
-            <a:schemeClr val="accent1">
-              <a:shade val="50000"/>
-            </a:schemeClr>
-          </a:lnRef>
-          <a:fillRef idx="1">
-            <a:schemeClr val="accent1"/>
-          </a:fillRef>
-          <a:effectRef idx="0">
-            <a:schemeClr val="accent1"/>
-          </a:effectRef>
-          <a:fontRef idx="minor">
-            <a:schemeClr val="lt1"/>
-          </a:fontRef>
-        </p:style>
-        <p:txBody>
-          <a:bodyPr rot="0" spcFirstLastPara="0" vertOverflow="overflow" horzOverflow="overflow" vert="horz" wrap="square" lIns="91440" tIns="45720" rIns="91440" bIns="45720" numCol="1" spcCol="0" rtlCol="0" fromWordArt="0" anchor="ctr" anchorCtr="0" forceAA="0" compatLnSpc="1">
-            <a:prstTxWarp prst="textNoShape">
-              <a:avLst/>
-            </a:prstTxWarp>
-            <a:noAutofit/>
-          </a:bodyPr>
-          <a:lstStyle/>
-          <a:p>
-            <a:pPr algn="ctr"/>
-            <a:r>
-              <a:rPr lang="en-US"/>
-              <a:t>90</a:t>
-            </a:r>
-          </a:p>
-          <a:p>
-            <a:pPr algn="ctr"/>
-            <a:endParaRPr lang="en-US"/>
           </a:p>
         </p:txBody>
       </p:sp>
@@ -17766,10 +17436,10 @@
         </p:nvGrpSpPr>
         <p:grpSpPr>
           <a:xfrm>
-            <a:off x="3813222" y="377548"/>
-            <a:ext cx="5282087" cy="6117672"/>
-            <a:chOff x="5602981" y="171345"/>
-            <a:chExt cx="5803927" cy="6531080"/>
+            <a:off x="3813222" y="346771"/>
+            <a:ext cx="5282087" cy="6148449"/>
+            <a:chOff x="5602981" y="138488"/>
+            <a:chExt cx="5803927" cy="6563937"/>
           </a:xfrm>
         </p:grpSpPr>
         <p:grpSp>
@@ -17786,10 +17456,10 @@
           </p:nvGrpSpPr>
           <p:grpSpPr>
             <a:xfrm>
-              <a:off x="5602981" y="171345"/>
-              <a:ext cx="5416000" cy="547368"/>
-              <a:chOff x="5602981" y="171345"/>
-              <a:chExt cx="5416000" cy="547368"/>
+              <a:off x="5602981" y="138488"/>
+              <a:ext cx="5416000" cy="580225"/>
+              <a:chOff x="5602981" y="138488"/>
+              <a:chExt cx="5416000" cy="580225"/>
             </a:xfrm>
           </p:grpSpPr>
           <p:grpSp>
@@ -17806,10 +17476,10 @@
             </p:nvGrpSpPr>
             <p:grpSpPr>
               <a:xfrm>
-                <a:off x="5602981" y="171345"/>
-                <a:ext cx="542605" cy="547368"/>
-                <a:chOff x="5602981" y="171345"/>
-                <a:chExt cx="542605" cy="547368"/>
+                <a:off x="5602981" y="138488"/>
+                <a:ext cx="542605" cy="580225"/>
+                <a:chOff x="5602981" y="138488"/>
+                <a:chExt cx="542605" cy="580225"/>
               </a:xfrm>
             </p:grpSpPr>
             <p:sp>
@@ -17965,8 +17635,8 @@
               </p:nvSpPr>
               <p:spPr>
                 <a:xfrm>
-                  <a:off x="5695328" y="171345"/>
-                  <a:ext cx="342059" cy="427148"/>
+                  <a:off x="5681237" y="138488"/>
+                  <a:ext cx="370241" cy="492863"/>
                 </a:xfrm>
                 <a:prstGeom prst="rect">
                   <a:avLst/>
@@ -17981,10 +17651,10 @@
                 <a:p>
                   <a:pPr algn="ctr"/>
                   <a:r>
-                    <a:rPr lang="en-US" sz="2000" b="1"/>
+                    <a:rPr lang="en-US" sz="2400" b="1"/>
                     <a:t>1</a:t>
                   </a:r>
-                  <a:endParaRPr lang="en-IN" sz="2000" dirty="0"/>
+                  <a:endParaRPr lang="en-IN" sz="2400" dirty="0"/>
                 </a:p>
               </p:txBody>
             </p:sp>
@@ -18055,10 +17725,10 @@
           </p:nvGrpSpPr>
           <p:grpSpPr>
             <a:xfrm>
-              <a:off x="5602981" y="906107"/>
-              <a:ext cx="5416000" cy="542604"/>
-              <a:chOff x="5602981" y="906107"/>
-              <a:chExt cx="5416000" cy="542604"/>
+              <a:off x="5602981" y="892157"/>
+              <a:ext cx="5416000" cy="556554"/>
+              <a:chOff x="5602981" y="892157"/>
+              <a:chExt cx="5416000" cy="556554"/>
             </a:xfrm>
           </p:grpSpPr>
           <p:grpSp>
@@ -18075,10 +17745,10 @@
             </p:nvGrpSpPr>
             <p:grpSpPr>
               <a:xfrm>
-                <a:off x="5602981" y="906107"/>
-                <a:ext cx="542605" cy="542604"/>
-                <a:chOff x="5602981" y="906107"/>
-                <a:chExt cx="542605" cy="542604"/>
+                <a:off x="5602981" y="892157"/>
+                <a:ext cx="542605" cy="556554"/>
+                <a:chOff x="5602981" y="892157"/>
+                <a:chExt cx="542605" cy="556554"/>
               </a:xfrm>
             </p:grpSpPr>
             <p:sp>
@@ -18234,8 +17904,8 @@
               </p:nvSpPr>
               <p:spPr>
                 <a:xfrm>
-                  <a:off x="5703254" y="925014"/>
-                  <a:ext cx="343820" cy="427148"/>
+                  <a:off x="5689163" y="892157"/>
+                  <a:ext cx="372002" cy="492862"/>
                 </a:xfrm>
                 <a:prstGeom prst="rect">
                   <a:avLst/>
@@ -18250,10 +17920,10 @@
                 <a:p>
                   <a:pPr algn="ctr"/>
                   <a:r>
-                    <a:rPr lang="en-US" sz="2000" b="1"/>
+                    <a:rPr lang="en-US" sz="2400" b="1"/>
                     <a:t>2</a:t>
                   </a:r>
-                  <a:endParaRPr lang="en-IN" sz="2000" dirty="0"/>
+                  <a:endParaRPr lang="en-IN" sz="2400" dirty="0"/>
                 </a:p>
               </p:txBody>
             </p:sp>
@@ -21096,72 +20766,6 @@
           </a:p>
         </p:txBody>
       </p:sp>
-      <p:sp>
-        <p:nvSpPr>
-          <p:cNvPr id="5" name="Rectangle 4">
-            <a:extLst>
-              <a:ext uri="{FF2B5EF4-FFF2-40B4-BE49-F238E27FC236}">
-                <a16:creationId xmlns:a16="http://schemas.microsoft.com/office/drawing/2014/main" id="{F4D88CF8-30F5-E43A-8954-900F4CA86B96}"/>
-              </a:ext>
-            </a:extLst>
-          </p:cNvPr>
-          <p:cNvSpPr/>
-          <p:nvPr/>
-        </p:nvSpPr>
-        <p:spPr>
-          <a:xfrm>
-            <a:off x="217820" y="231273"/>
-            <a:ext cx="11756360" cy="6395453"/>
-          </a:xfrm>
-          <a:prstGeom prst="rect">
-            <a:avLst/>
-          </a:prstGeom>
-          <a:solidFill>
-            <a:srgbClr val="92D050">
-              <a:alpha val="5000"/>
-            </a:srgbClr>
-          </a:solidFill>
-          <a:ln>
-            <a:noFill/>
-          </a:ln>
-        </p:spPr>
-        <p:style>
-          <a:lnRef idx="2">
-            <a:schemeClr val="accent1">
-              <a:shade val="50000"/>
-            </a:schemeClr>
-          </a:lnRef>
-          <a:fillRef idx="1">
-            <a:schemeClr val="accent1"/>
-          </a:fillRef>
-          <a:effectRef idx="0">
-            <a:schemeClr val="accent1"/>
-          </a:effectRef>
-          <a:fontRef idx="minor">
-            <a:schemeClr val="lt1"/>
-          </a:fontRef>
-        </p:style>
-        <p:txBody>
-          <a:bodyPr rot="0" spcFirstLastPara="0" vertOverflow="overflow" horzOverflow="overflow" vert="horz" wrap="square" lIns="91440" tIns="45720" rIns="91440" bIns="45720" numCol="1" spcCol="0" rtlCol="0" fromWordArt="0" anchor="ctr" anchorCtr="0" forceAA="0" compatLnSpc="1">
-            <a:prstTxWarp prst="textNoShape">
-              <a:avLst/>
-            </a:prstTxWarp>
-            <a:noAutofit/>
-          </a:bodyPr>
-          <a:lstStyle/>
-          <a:p>
-            <a:pPr algn="ctr"/>
-            <a:r>
-              <a:rPr lang="en-US"/>
-              <a:t>90</a:t>
-            </a:r>
-          </a:p>
-          <a:p>
-            <a:pPr algn="ctr"/>
-            <a:endParaRPr lang="en-US"/>
-          </a:p>
-        </p:txBody>
-      </p:sp>
     </p:spTree>
     <p:extLst>
       <p:ext uri="{BB962C8B-B14F-4D97-AF65-F5344CB8AC3E}">
@@ -21239,72 +20843,6 @@
           <a:lstStyle/>
           <a:p>
             <a:endParaRPr lang="en-FI"/>
-          </a:p>
-        </p:txBody>
-      </p:sp>
-      <p:sp>
-        <p:nvSpPr>
-          <p:cNvPr id="4" name="Rectangle 3">
-            <a:extLst>
-              <a:ext uri="{FF2B5EF4-FFF2-40B4-BE49-F238E27FC236}">
-                <a16:creationId xmlns:a16="http://schemas.microsoft.com/office/drawing/2014/main" id="{601EB25C-C314-D920-B656-FA0D9D3DA864}"/>
-              </a:ext>
-            </a:extLst>
-          </p:cNvPr>
-          <p:cNvSpPr/>
-          <p:nvPr/>
-        </p:nvSpPr>
-        <p:spPr>
-          <a:xfrm>
-            <a:off x="217820" y="231273"/>
-            <a:ext cx="11756360" cy="6395453"/>
-          </a:xfrm>
-          <a:prstGeom prst="rect">
-            <a:avLst/>
-          </a:prstGeom>
-          <a:solidFill>
-            <a:srgbClr val="92D050">
-              <a:alpha val="5000"/>
-            </a:srgbClr>
-          </a:solidFill>
-          <a:ln>
-            <a:noFill/>
-          </a:ln>
-        </p:spPr>
-        <p:style>
-          <a:lnRef idx="2">
-            <a:schemeClr val="accent1">
-              <a:shade val="50000"/>
-            </a:schemeClr>
-          </a:lnRef>
-          <a:fillRef idx="1">
-            <a:schemeClr val="accent1"/>
-          </a:fillRef>
-          <a:effectRef idx="0">
-            <a:schemeClr val="accent1"/>
-          </a:effectRef>
-          <a:fontRef idx="minor">
-            <a:schemeClr val="lt1"/>
-          </a:fontRef>
-        </p:style>
-        <p:txBody>
-          <a:bodyPr rot="0" spcFirstLastPara="0" vertOverflow="overflow" horzOverflow="overflow" vert="horz" wrap="square" lIns="91440" tIns="45720" rIns="91440" bIns="45720" numCol="1" spcCol="0" rtlCol="0" fromWordArt="0" anchor="ctr" anchorCtr="0" forceAA="0" compatLnSpc="1">
-            <a:prstTxWarp prst="textNoShape">
-              <a:avLst/>
-            </a:prstTxWarp>
-            <a:noAutofit/>
-          </a:bodyPr>
-          <a:lstStyle/>
-          <a:p>
-            <a:pPr algn="ctr"/>
-            <a:r>
-              <a:rPr lang="en-US"/>
-              <a:t>90</a:t>
-            </a:r>
-          </a:p>
-          <a:p>
-            <a:pPr algn="ctr"/>
-            <a:endParaRPr lang="en-US"/>
           </a:p>
         </p:txBody>
       </p:sp>
@@ -21388,72 +20926,6 @@
           </a:p>
         </p:txBody>
       </p:sp>
-      <p:sp>
-        <p:nvSpPr>
-          <p:cNvPr id="4" name="Rectangle 3">
-            <a:extLst>
-              <a:ext uri="{FF2B5EF4-FFF2-40B4-BE49-F238E27FC236}">
-                <a16:creationId xmlns:a16="http://schemas.microsoft.com/office/drawing/2014/main" id="{1A38854A-A3F0-76DE-74CF-E6734B5D305E}"/>
-              </a:ext>
-            </a:extLst>
-          </p:cNvPr>
-          <p:cNvSpPr/>
-          <p:nvPr/>
-        </p:nvSpPr>
-        <p:spPr>
-          <a:xfrm>
-            <a:off x="217820" y="231273"/>
-            <a:ext cx="11756360" cy="6395453"/>
-          </a:xfrm>
-          <a:prstGeom prst="rect">
-            <a:avLst/>
-          </a:prstGeom>
-          <a:solidFill>
-            <a:srgbClr val="92D050">
-              <a:alpha val="5000"/>
-            </a:srgbClr>
-          </a:solidFill>
-          <a:ln>
-            <a:noFill/>
-          </a:ln>
-        </p:spPr>
-        <p:style>
-          <a:lnRef idx="2">
-            <a:schemeClr val="accent1">
-              <a:shade val="50000"/>
-            </a:schemeClr>
-          </a:lnRef>
-          <a:fillRef idx="1">
-            <a:schemeClr val="accent1"/>
-          </a:fillRef>
-          <a:effectRef idx="0">
-            <a:schemeClr val="accent1"/>
-          </a:effectRef>
-          <a:fontRef idx="minor">
-            <a:schemeClr val="lt1"/>
-          </a:fontRef>
-        </p:style>
-        <p:txBody>
-          <a:bodyPr rot="0" spcFirstLastPara="0" vertOverflow="overflow" horzOverflow="overflow" vert="horz" wrap="square" lIns="91440" tIns="45720" rIns="91440" bIns="45720" numCol="1" spcCol="0" rtlCol="0" fromWordArt="0" anchor="ctr" anchorCtr="0" forceAA="0" compatLnSpc="1">
-            <a:prstTxWarp prst="textNoShape">
-              <a:avLst/>
-            </a:prstTxWarp>
-            <a:noAutofit/>
-          </a:bodyPr>
-          <a:lstStyle/>
-          <a:p>
-            <a:pPr algn="ctr"/>
-            <a:r>
-              <a:rPr lang="en-US"/>
-              <a:t>90</a:t>
-            </a:r>
-          </a:p>
-          <a:p>
-            <a:pPr algn="ctr"/>
-            <a:endParaRPr lang="en-US"/>
-          </a:p>
-        </p:txBody>
-      </p:sp>
     </p:spTree>
     <p:extLst>
       <p:ext uri="{BB962C8B-B14F-4D97-AF65-F5344CB8AC3E}">
@@ -21531,72 +21003,6 @@
           <a:lstStyle/>
           <a:p>
             <a:endParaRPr lang="en-FI"/>
-          </a:p>
-        </p:txBody>
-      </p:sp>
-      <p:sp>
-        <p:nvSpPr>
-          <p:cNvPr id="4" name="Rectangle 3">
-            <a:extLst>
-              <a:ext uri="{FF2B5EF4-FFF2-40B4-BE49-F238E27FC236}">
-                <a16:creationId xmlns:a16="http://schemas.microsoft.com/office/drawing/2014/main" id="{6F250314-6692-06D2-0881-8D9D3E70EDB9}"/>
-              </a:ext>
-            </a:extLst>
-          </p:cNvPr>
-          <p:cNvSpPr/>
-          <p:nvPr/>
-        </p:nvSpPr>
-        <p:spPr>
-          <a:xfrm>
-            <a:off x="217820" y="231273"/>
-            <a:ext cx="11756360" cy="6395453"/>
-          </a:xfrm>
-          <a:prstGeom prst="rect">
-            <a:avLst/>
-          </a:prstGeom>
-          <a:solidFill>
-            <a:srgbClr val="92D050">
-              <a:alpha val="5000"/>
-            </a:srgbClr>
-          </a:solidFill>
-          <a:ln>
-            <a:noFill/>
-          </a:ln>
-        </p:spPr>
-        <p:style>
-          <a:lnRef idx="2">
-            <a:schemeClr val="accent1">
-              <a:shade val="50000"/>
-            </a:schemeClr>
-          </a:lnRef>
-          <a:fillRef idx="1">
-            <a:schemeClr val="accent1"/>
-          </a:fillRef>
-          <a:effectRef idx="0">
-            <a:schemeClr val="accent1"/>
-          </a:effectRef>
-          <a:fontRef idx="minor">
-            <a:schemeClr val="lt1"/>
-          </a:fontRef>
-        </p:style>
-        <p:txBody>
-          <a:bodyPr rot="0" spcFirstLastPara="0" vertOverflow="overflow" horzOverflow="overflow" vert="horz" wrap="square" lIns="91440" tIns="45720" rIns="91440" bIns="45720" numCol="1" spcCol="0" rtlCol="0" fromWordArt="0" anchor="ctr" anchorCtr="0" forceAA="0" compatLnSpc="1">
-            <a:prstTxWarp prst="textNoShape">
-              <a:avLst/>
-            </a:prstTxWarp>
-            <a:noAutofit/>
-          </a:bodyPr>
-          <a:lstStyle/>
-          <a:p>
-            <a:pPr algn="ctr"/>
-            <a:r>
-              <a:rPr lang="en-US"/>
-              <a:t>90</a:t>
-            </a:r>
-          </a:p>
-          <a:p>
-            <a:pPr algn="ctr"/>
-            <a:endParaRPr lang="en-US"/>
           </a:p>
         </p:txBody>
       </p:sp>
@@ -21680,72 +21086,6 @@
           </a:p>
         </p:txBody>
       </p:sp>
-      <p:sp>
-        <p:nvSpPr>
-          <p:cNvPr id="4" name="Rectangle 3">
-            <a:extLst>
-              <a:ext uri="{FF2B5EF4-FFF2-40B4-BE49-F238E27FC236}">
-                <a16:creationId xmlns:a16="http://schemas.microsoft.com/office/drawing/2014/main" id="{81A1A64A-F69C-B3C1-3CF4-623E8899AC94}"/>
-              </a:ext>
-            </a:extLst>
-          </p:cNvPr>
-          <p:cNvSpPr/>
-          <p:nvPr/>
-        </p:nvSpPr>
-        <p:spPr>
-          <a:xfrm>
-            <a:off x="217820" y="231273"/>
-            <a:ext cx="11756360" cy="6395453"/>
-          </a:xfrm>
-          <a:prstGeom prst="rect">
-            <a:avLst/>
-          </a:prstGeom>
-          <a:solidFill>
-            <a:srgbClr val="92D050">
-              <a:alpha val="5000"/>
-            </a:srgbClr>
-          </a:solidFill>
-          <a:ln>
-            <a:noFill/>
-          </a:ln>
-        </p:spPr>
-        <p:style>
-          <a:lnRef idx="2">
-            <a:schemeClr val="accent1">
-              <a:shade val="50000"/>
-            </a:schemeClr>
-          </a:lnRef>
-          <a:fillRef idx="1">
-            <a:schemeClr val="accent1"/>
-          </a:fillRef>
-          <a:effectRef idx="0">
-            <a:schemeClr val="accent1"/>
-          </a:effectRef>
-          <a:fontRef idx="minor">
-            <a:schemeClr val="lt1"/>
-          </a:fontRef>
-        </p:style>
-        <p:txBody>
-          <a:bodyPr rot="0" spcFirstLastPara="0" vertOverflow="overflow" horzOverflow="overflow" vert="horz" wrap="square" lIns="91440" tIns="45720" rIns="91440" bIns="45720" numCol="1" spcCol="0" rtlCol="0" fromWordArt="0" anchor="ctr" anchorCtr="0" forceAA="0" compatLnSpc="1">
-            <a:prstTxWarp prst="textNoShape">
-              <a:avLst/>
-            </a:prstTxWarp>
-            <a:noAutofit/>
-          </a:bodyPr>
-          <a:lstStyle/>
-          <a:p>
-            <a:pPr algn="ctr"/>
-            <a:r>
-              <a:rPr lang="en-US"/>
-              <a:t>90</a:t>
-            </a:r>
-          </a:p>
-          <a:p>
-            <a:pPr algn="ctr"/>
-            <a:endParaRPr lang="en-US"/>
-          </a:p>
-        </p:txBody>
-      </p:sp>
     </p:spTree>
     <p:extLst>
       <p:ext uri="{BB962C8B-B14F-4D97-AF65-F5344CB8AC3E}">
@@ -21826,72 +21166,6 @@
           </a:p>
         </p:txBody>
       </p:sp>
-      <p:sp>
-        <p:nvSpPr>
-          <p:cNvPr id="4" name="Rectangle 3">
-            <a:extLst>
-              <a:ext uri="{FF2B5EF4-FFF2-40B4-BE49-F238E27FC236}">
-                <a16:creationId xmlns:a16="http://schemas.microsoft.com/office/drawing/2014/main" id="{58778452-D764-3A56-E9A5-D1CE2D821A64}"/>
-              </a:ext>
-            </a:extLst>
-          </p:cNvPr>
-          <p:cNvSpPr/>
-          <p:nvPr/>
-        </p:nvSpPr>
-        <p:spPr>
-          <a:xfrm>
-            <a:off x="217820" y="231273"/>
-            <a:ext cx="11756360" cy="6395453"/>
-          </a:xfrm>
-          <a:prstGeom prst="rect">
-            <a:avLst/>
-          </a:prstGeom>
-          <a:solidFill>
-            <a:srgbClr val="92D050">
-              <a:alpha val="5000"/>
-            </a:srgbClr>
-          </a:solidFill>
-          <a:ln>
-            <a:noFill/>
-          </a:ln>
-        </p:spPr>
-        <p:style>
-          <a:lnRef idx="2">
-            <a:schemeClr val="accent1">
-              <a:shade val="50000"/>
-            </a:schemeClr>
-          </a:lnRef>
-          <a:fillRef idx="1">
-            <a:schemeClr val="accent1"/>
-          </a:fillRef>
-          <a:effectRef idx="0">
-            <a:schemeClr val="accent1"/>
-          </a:effectRef>
-          <a:fontRef idx="minor">
-            <a:schemeClr val="lt1"/>
-          </a:fontRef>
-        </p:style>
-        <p:txBody>
-          <a:bodyPr rot="0" spcFirstLastPara="0" vertOverflow="overflow" horzOverflow="overflow" vert="horz" wrap="square" lIns="91440" tIns="45720" rIns="91440" bIns="45720" numCol="1" spcCol="0" rtlCol="0" fromWordArt="0" anchor="ctr" anchorCtr="0" forceAA="0" compatLnSpc="1">
-            <a:prstTxWarp prst="textNoShape">
-              <a:avLst/>
-            </a:prstTxWarp>
-            <a:noAutofit/>
-          </a:bodyPr>
-          <a:lstStyle/>
-          <a:p>
-            <a:pPr algn="ctr"/>
-            <a:r>
-              <a:rPr lang="en-US"/>
-              <a:t>90</a:t>
-            </a:r>
-          </a:p>
-          <a:p>
-            <a:pPr algn="ctr"/>
-            <a:endParaRPr lang="en-US"/>
-          </a:p>
-        </p:txBody>
-      </p:sp>
     </p:spTree>
     <p:extLst>
       <p:ext uri="{BB962C8B-B14F-4D97-AF65-F5344CB8AC3E}">
@@ -21969,72 +21243,6 @@
           <a:lstStyle/>
           <a:p>
             <a:endParaRPr lang="en-FI"/>
-          </a:p>
-        </p:txBody>
-      </p:sp>
-      <p:sp>
-        <p:nvSpPr>
-          <p:cNvPr id="4" name="Rectangle 3">
-            <a:extLst>
-              <a:ext uri="{FF2B5EF4-FFF2-40B4-BE49-F238E27FC236}">
-                <a16:creationId xmlns:a16="http://schemas.microsoft.com/office/drawing/2014/main" id="{59C66302-DEF7-01BF-01AB-E94D45C5AE6A}"/>
-              </a:ext>
-            </a:extLst>
-          </p:cNvPr>
-          <p:cNvSpPr/>
-          <p:nvPr/>
-        </p:nvSpPr>
-        <p:spPr>
-          <a:xfrm>
-            <a:off x="217820" y="231273"/>
-            <a:ext cx="11756360" cy="6395453"/>
-          </a:xfrm>
-          <a:prstGeom prst="rect">
-            <a:avLst/>
-          </a:prstGeom>
-          <a:solidFill>
-            <a:srgbClr val="92D050">
-              <a:alpha val="5000"/>
-            </a:srgbClr>
-          </a:solidFill>
-          <a:ln>
-            <a:noFill/>
-          </a:ln>
-        </p:spPr>
-        <p:style>
-          <a:lnRef idx="2">
-            <a:schemeClr val="accent1">
-              <a:shade val="50000"/>
-            </a:schemeClr>
-          </a:lnRef>
-          <a:fillRef idx="1">
-            <a:schemeClr val="accent1"/>
-          </a:fillRef>
-          <a:effectRef idx="0">
-            <a:schemeClr val="accent1"/>
-          </a:effectRef>
-          <a:fontRef idx="minor">
-            <a:schemeClr val="lt1"/>
-          </a:fontRef>
-        </p:style>
-        <p:txBody>
-          <a:bodyPr rot="0" spcFirstLastPara="0" vertOverflow="overflow" horzOverflow="overflow" vert="horz" wrap="square" lIns="91440" tIns="45720" rIns="91440" bIns="45720" numCol="1" spcCol="0" rtlCol="0" fromWordArt="0" anchor="ctr" anchorCtr="0" forceAA="0" compatLnSpc="1">
-            <a:prstTxWarp prst="textNoShape">
-              <a:avLst/>
-            </a:prstTxWarp>
-            <a:noAutofit/>
-          </a:bodyPr>
-          <a:lstStyle/>
-          <a:p>
-            <a:pPr algn="ctr"/>
-            <a:r>
-              <a:rPr lang="en-US"/>
-              <a:t>90</a:t>
-            </a:r>
-          </a:p>
-          <a:p>
-            <a:pPr algn="ctr"/>
-            <a:endParaRPr lang="en-US"/>
           </a:p>
         </p:txBody>
       </p:sp>
@@ -22879,21 +22087,21 @@
 </file>
 
 <file path=customXml/item1.xml><?xml version="1.0" encoding="utf-8"?>
+<p:properties xmlns:p="http://schemas.microsoft.com/office/2006/metadata/properties" xmlns:xsi="http://www.w3.org/2001/XMLSchema-instance" xmlns:pc="http://schemas.microsoft.com/office/infopath/2007/PartnerControls">
+  <documentManagement>
+    <Status xmlns="71af3243-3dd4-4a8d-8c0d-dd76da1f02a5">Not started</Status>
+    <MediaServiceKeyPoints xmlns="71af3243-3dd4-4a8d-8c0d-dd76da1f02a5" xsi:nil="true"/>
+  </documentManagement>
+</p:properties>
+</file>
+
+<file path=customXml/item2.xml><?xml version="1.0" encoding="utf-8"?>
 <?mso-contentType ?>
 <FormTemplates xmlns="http://schemas.microsoft.com/sharepoint/v3/contenttype/forms">
   <Display>DocumentLibraryForm</Display>
   <Edit>DocumentLibraryForm</Edit>
   <New>DocumentLibraryForm</New>
 </FormTemplates>
-</file>
-
-<file path=customXml/item2.xml><?xml version="1.0" encoding="utf-8"?>
-<p:properties xmlns:p="http://schemas.microsoft.com/office/2006/metadata/properties" xmlns:xsi="http://www.w3.org/2001/XMLSchema-instance" xmlns:pc="http://schemas.microsoft.com/office/infopath/2007/PartnerControls">
-  <documentManagement>
-    <Status xmlns="71af3243-3dd4-4a8d-8c0d-dd76da1f02a5">Not started</Status>
-    <MediaServiceKeyPoints xmlns="71af3243-3dd4-4a8d-8c0d-dd76da1f02a5" xsi:nil="true"/>
-  </documentManagement>
-</p:properties>
 </file>
 
 <file path=customXml/item3.xml><?xml version="1.0" encoding="utf-8"?>
@@ -23118,19 +22326,19 @@
 </file>
 
 <file path=customXml/itemProps1.xml><?xml version="1.0" encoding="utf-8"?>
-<ds:datastoreItem xmlns:ds="http://schemas.openxmlformats.org/officeDocument/2006/customXml" ds:itemID="{C78ADAB2-5713-4CC8-B21C-AD74ED6A7DF7}">
+<ds:datastoreItem xmlns:ds="http://schemas.openxmlformats.org/officeDocument/2006/customXml" ds:itemID="{98D3DDD6-8E74-4DF3-A7C9-6234C7DB3E79}">
   <ds:schemaRefs>
-    <ds:schemaRef ds:uri="http://schemas.microsoft.com/sharepoint/v3/contenttype/forms"/>
+    <ds:schemaRef ds:uri="http://schemas.microsoft.com/office/2006/metadata/properties"/>
+    <ds:schemaRef ds:uri="http://schemas.microsoft.com/office/infopath/2007/PartnerControls"/>
+    <ds:schemaRef ds:uri="71af3243-3dd4-4a8d-8c0d-dd76da1f02a5"/>
   </ds:schemaRefs>
 </ds:datastoreItem>
 </file>
 
 <file path=customXml/itemProps2.xml><?xml version="1.0" encoding="utf-8"?>
-<ds:datastoreItem xmlns:ds="http://schemas.openxmlformats.org/officeDocument/2006/customXml" ds:itemID="{98D3DDD6-8E74-4DF3-A7C9-6234C7DB3E79}">
+<ds:datastoreItem xmlns:ds="http://schemas.openxmlformats.org/officeDocument/2006/customXml" ds:itemID="{C78ADAB2-5713-4CC8-B21C-AD74ED6A7DF7}">
   <ds:schemaRefs>
-    <ds:schemaRef ds:uri="http://schemas.microsoft.com/office/2006/metadata/properties"/>
-    <ds:schemaRef ds:uri="http://schemas.microsoft.com/office/infopath/2007/PartnerControls"/>
-    <ds:schemaRef ds:uri="71af3243-3dd4-4a8d-8c0d-dd76da1f02a5"/>
+    <ds:schemaRef ds:uri="http://schemas.microsoft.com/sharepoint/v3/contenttype/forms"/>
   </ds:schemaRefs>
 </ds:datastoreItem>
 </file>

--- a/Power BI Assignment/Business Intelligence_Power BI Assignment Report.pptx
+++ b/Power BI Assignment/Business Intelligence_Power BI Assignment Report.pptx
@@ -14,17 +14,17 @@
     <p:sldId id="256" r:id="rId5"/>
     <p:sldId id="261" r:id="rId6"/>
     <p:sldId id="262" r:id="rId7"/>
-    <p:sldId id="263" r:id="rId8"/>
-    <p:sldId id="264" r:id="rId9"/>
-    <p:sldId id="265" r:id="rId10"/>
-    <p:sldId id="266" r:id="rId11"/>
-    <p:sldId id="267" r:id="rId12"/>
-    <p:sldId id="268" r:id="rId13"/>
-    <p:sldId id="269" r:id="rId14"/>
-    <p:sldId id="270" r:id="rId15"/>
-    <p:sldId id="271" r:id="rId16"/>
-    <p:sldId id="272" r:id="rId17"/>
-    <p:sldId id="273" r:id="rId18"/>
+    <p:sldId id="280" r:id="rId8"/>
+    <p:sldId id="281" r:id="rId9"/>
+    <p:sldId id="282" r:id="rId10"/>
+    <p:sldId id="283" r:id="rId11"/>
+    <p:sldId id="284" r:id="rId12"/>
+    <p:sldId id="285" r:id="rId13"/>
+    <p:sldId id="286" r:id="rId14"/>
+    <p:sldId id="287" r:id="rId15"/>
+    <p:sldId id="288" r:id="rId16"/>
+    <p:sldId id="289" r:id="rId17"/>
+    <p:sldId id="290" r:id="rId18"/>
     <p:sldId id="279" r:id="rId19"/>
     <p:sldId id="275" r:id="rId20"/>
     <p:sldId id="276" r:id="rId21"/>
@@ -1842,790 +1842,6 @@
 </file>
 
 <file path=ppt/diagrams/colors2.xml><?xml version="1.0" encoding="utf-8"?>
-<dgm:colorsDef xmlns:dgm="http://schemas.openxmlformats.org/drawingml/2006/diagram" xmlns:a="http://schemas.openxmlformats.org/drawingml/2006/main" uniqueId="urn:microsoft.com/office/officeart/2018/5/colors/Iconchunking_neutralicon_colorful5">
-  <dgm:title val=""/>
-  <dgm:desc val=""/>
-  <dgm:catLst>
-    <dgm:cat type="colorful" pri="10500"/>
-  </dgm:catLst>
-  <dgm:styleLbl name="node0">
-    <dgm:fillClrLst meth="repeat">
-      <a:schemeClr val="accent4"/>
-    </dgm:fillClrLst>
-    <dgm:linClrLst meth="repeat">
-      <a:schemeClr val="lt1"/>
-    </dgm:linClrLst>
-    <dgm:effectClrLst/>
-    <dgm:txLinClrLst/>
-    <dgm:txFillClrLst/>
-    <dgm:txEffectClrLst/>
-  </dgm:styleLbl>
-  <dgm:styleLbl name="node1">
-    <dgm:fillClrLst meth="repeat">
-      <a:schemeClr val="bg1"/>
-    </dgm:fillClrLst>
-    <dgm:linClrLst meth="repeat">
-      <a:schemeClr val="lt1">
-        <a:alpha val="0"/>
-      </a:schemeClr>
-    </dgm:linClrLst>
-    <dgm:effectClrLst/>
-    <dgm:txLinClrLst/>
-    <dgm:txFillClrLst meth="repeat">
-      <a:schemeClr val="dk1"/>
-    </dgm:txFillClrLst>
-    <dgm:txEffectClrLst/>
-  </dgm:styleLbl>
-  <dgm:styleLbl name="alignNode1">
-    <dgm:fillClrLst>
-      <a:schemeClr val="accent5"/>
-      <a:schemeClr val="accent6"/>
-    </dgm:fillClrLst>
-    <dgm:linClrLst>
-      <a:schemeClr val="accent5"/>
-      <a:schemeClr val="accent6"/>
-    </dgm:linClrLst>
-    <dgm:effectClrLst/>
-    <dgm:txLinClrLst/>
-    <dgm:txFillClrLst/>
-    <dgm:txEffectClrLst/>
-  </dgm:styleLbl>
-  <dgm:styleLbl name="lnNode1">
-    <dgm:fillClrLst>
-      <a:schemeClr val="accent5"/>
-      <a:schemeClr val="accent6"/>
-    </dgm:fillClrLst>
-    <dgm:linClrLst meth="repeat">
-      <a:schemeClr val="lt1"/>
-    </dgm:linClrLst>
-    <dgm:effectClrLst/>
-    <dgm:txLinClrLst/>
-    <dgm:txFillClrLst/>
-    <dgm:txEffectClrLst/>
-  </dgm:styleLbl>
-  <dgm:styleLbl name="vennNode1">
-    <dgm:fillClrLst>
-      <a:schemeClr val="accent5">
-        <a:alpha val="50000"/>
-      </a:schemeClr>
-      <a:schemeClr val="accent6">
-        <a:alpha val="50000"/>
-      </a:schemeClr>
-    </dgm:fillClrLst>
-    <dgm:linClrLst meth="repeat">
-      <a:schemeClr val="lt1"/>
-    </dgm:linClrLst>
-    <dgm:effectClrLst/>
-    <dgm:txLinClrLst/>
-    <dgm:txFillClrLst/>
-    <dgm:txEffectClrLst/>
-  </dgm:styleLbl>
-  <dgm:styleLbl name="node2">
-    <dgm:fillClrLst>
-      <a:schemeClr val="accent6"/>
-    </dgm:fillClrLst>
-    <dgm:linClrLst meth="repeat">
-      <a:schemeClr val="lt1"/>
-    </dgm:linClrLst>
-    <dgm:effectClrLst/>
-    <dgm:txLinClrLst/>
-    <dgm:txFillClrLst/>
-    <dgm:txEffectClrLst/>
-  </dgm:styleLbl>
-  <dgm:styleLbl name="node3">
-    <dgm:fillClrLst>
-      <a:schemeClr val="accent1"/>
-    </dgm:fillClrLst>
-    <dgm:linClrLst meth="repeat">
-      <a:schemeClr val="lt1"/>
-    </dgm:linClrLst>
-    <dgm:effectClrLst/>
-    <dgm:txLinClrLst/>
-    <dgm:txFillClrLst/>
-    <dgm:txEffectClrLst/>
-  </dgm:styleLbl>
-  <dgm:styleLbl name="node4">
-    <dgm:fillClrLst>
-      <a:schemeClr val="accent2"/>
-    </dgm:fillClrLst>
-    <dgm:linClrLst meth="repeat">
-      <a:schemeClr val="lt1"/>
-    </dgm:linClrLst>
-    <dgm:effectClrLst/>
-    <dgm:txLinClrLst/>
-    <dgm:txFillClrLst/>
-    <dgm:txEffectClrLst/>
-  </dgm:styleLbl>
-  <dgm:styleLbl name="fgImgPlace1">
-    <dgm:fillClrLst>
-      <a:schemeClr val="accent5">
-        <a:tint val="50000"/>
-      </a:schemeClr>
-      <a:schemeClr val="accent6">
-        <a:tint val="50000"/>
-      </a:schemeClr>
-    </dgm:fillClrLst>
-    <dgm:linClrLst meth="repeat">
-      <a:schemeClr val="lt1"/>
-    </dgm:linClrLst>
-    <dgm:effectClrLst/>
-    <dgm:txLinClrLst/>
-    <dgm:txFillClrLst meth="repeat">
-      <a:schemeClr val="lt1"/>
-    </dgm:txFillClrLst>
-    <dgm:txEffectClrLst/>
-  </dgm:styleLbl>
-  <dgm:styleLbl name="alignImgPlace1">
-    <dgm:fillClrLst>
-      <a:schemeClr val="accent5">
-        <a:tint val="50000"/>
-      </a:schemeClr>
-      <a:schemeClr val="accent6">
-        <a:tint val="20000"/>
-      </a:schemeClr>
-    </dgm:fillClrLst>
-    <dgm:linClrLst meth="repeat">
-      <a:schemeClr val="lt1"/>
-    </dgm:linClrLst>
-    <dgm:effectClrLst/>
-    <dgm:txLinClrLst/>
-    <dgm:txFillClrLst meth="repeat">
-      <a:schemeClr val="lt1"/>
-    </dgm:txFillClrLst>
-    <dgm:txEffectClrLst/>
-  </dgm:styleLbl>
-  <dgm:styleLbl name="bgImgPlace1">
-    <dgm:fillClrLst>
-      <a:schemeClr val="accent5">
-        <a:tint val="50000"/>
-      </a:schemeClr>
-      <a:schemeClr val="accent6">
-        <a:tint val="20000"/>
-      </a:schemeClr>
-    </dgm:fillClrLst>
-    <dgm:linClrLst meth="repeat">
-      <a:schemeClr val="lt1"/>
-    </dgm:linClrLst>
-    <dgm:effectClrLst/>
-    <dgm:txLinClrLst/>
-    <dgm:txFillClrLst meth="repeat">
-      <a:schemeClr val="lt1"/>
-    </dgm:txFillClrLst>
-    <dgm:txEffectClrLst/>
-  </dgm:styleLbl>
-  <dgm:styleLbl name="sibTrans2D1">
-    <dgm:fillClrLst>
-      <a:schemeClr val="accent5"/>
-      <a:schemeClr val="accent6"/>
-    </dgm:fillClrLst>
-    <dgm:linClrLst meth="repeat">
-      <a:schemeClr val="lt1"/>
-    </dgm:linClrLst>
-    <dgm:effectClrLst/>
-    <dgm:txLinClrLst/>
-    <dgm:txFillClrLst/>
-    <dgm:txEffectClrLst/>
-  </dgm:styleLbl>
-  <dgm:styleLbl name="fgSibTrans2D1">
-    <dgm:fillClrLst>
-      <a:schemeClr val="accent5"/>
-      <a:schemeClr val="accent6"/>
-    </dgm:fillClrLst>
-    <dgm:linClrLst meth="repeat">
-      <a:schemeClr val="lt1"/>
-    </dgm:linClrLst>
-    <dgm:effectClrLst/>
-    <dgm:txLinClrLst/>
-    <dgm:txFillClrLst meth="repeat">
-      <a:schemeClr val="lt1"/>
-    </dgm:txFillClrLst>
-    <dgm:txEffectClrLst/>
-  </dgm:styleLbl>
-  <dgm:styleLbl name="bgSibTrans2D1">
-    <dgm:fillClrLst>
-      <a:schemeClr val="accent5"/>
-      <a:schemeClr val="accent6"/>
-    </dgm:fillClrLst>
-    <dgm:linClrLst meth="repeat">
-      <a:schemeClr val="lt1"/>
-    </dgm:linClrLst>
-    <dgm:effectClrLst/>
-    <dgm:txLinClrLst/>
-    <dgm:txFillClrLst meth="repeat">
-      <a:schemeClr val="lt1"/>
-    </dgm:txFillClrLst>
-    <dgm:txEffectClrLst/>
-  </dgm:styleLbl>
-  <dgm:styleLbl name="sibTrans1D1">
-    <dgm:fillClrLst/>
-    <dgm:linClrLst>
-      <a:schemeClr val="accent5"/>
-      <a:schemeClr val="accent6"/>
-    </dgm:linClrLst>
-    <dgm:effectClrLst/>
-    <dgm:txLinClrLst/>
-    <dgm:txFillClrLst meth="repeat">
-      <a:schemeClr val="tx1"/>
-    </dgm:txFillClrLst>
-    <dgm:txEffectClrLst/>
-  </dgm:styleLbl>
-  <dgm:styleLbl name="callout">
-    <dgm:fillClrLst meth="repeat">
-      <a:schemeClr val="accent5"/>
-    </dgm:fillClrLst>
-    <dgm:linClrLst meth="repeat">
-      <a:schemeClr val="accent5">
-        <a:tint val="50000"/>
-      </a:schemeClr>
-    </dgm:linClrLst>
-    <dgm:effectClrLst/>
-    <dgm:txLinClrLst/>
-    <dgm:txFillClrLst meth="repeat">
-      <a:schemeClr val="tx1"/>
-    </dgm:txFillClrLst>
-    <dgm:txEffectClrLst/>
-  </dgm:styleLbl>
-  <dgm:styleLbl name="asst0">
-    <dgm:fillClrLst meth="repeat">
-      <a:schemeClr val="accent5"/>
-    </dgm:fillClrLst>
-    <dgm:linClrLst meth="repeat">
-      <a:schemeClr val="lt1">
-        <a:shade val="80000"/>
-      </a:schemeClr>
-    </dgm:linClrLst>
-    <dgm:effectClrLst/>
-    <dgm:txLinClrLst/>
-    <dgm:txFillClrLst/>
-    <dgm:txEffectClrLst/>
-  </dgm:styleLbl>
-  <dgm:styleLbl name="asst1">
-    <dgm:fillClrLst meth="repeat">
-      <a:schemeClr val="accent6"/>
-    </dgm:fillClrLst>
-    <dgm:linClrLst meth="repeat">
-      <a:schemeClr val="lt1">
-        <a:shade val="80000"/>
-      </a:schemeClr>
-    </dgm:linClrLst>
-    <dgm:effectClrLst/>
-    <dgm:txLinClrLst/>
-    <dgm:txFillClrLst/>
-    <dgm:txEffectClrLst/>
-  </dgm:styleLbl>
-  <dgm:styleLbl name="asst2">
-    <dgm:fillClrLst>
-      <a:schemeClr val="accent1"/>
-    </dgm:fillClrLst>
-    <dgm:linClrLst meth="repeat">
-      <a:schemeClr val="lt1"/>
-    </dgm:linClrLst>
-    <dgm:effectClrLst/>
-    <dgm:txLinClrLst/>
-    <dgm:txFillClrLst/>
-    <dgm:txEffectClrLst/>
-  </dgm:styleLbl>
-  <dgm:styleLbl name="asst3">
-    <dgm:fillClrLst>
-      <a:schemeClr val="accent2"/>
-    </dgm:fillClrLst>
-    <dgm:linClrLst meth="repeat">
-      <a:schemeClr val="lt1"/>
-    </dgm:linClrLst>
-    <dgm:effectClrLst/>
-    <dgm:txLinClrLst/>
-    <dgm:txFillClrLst/>
-    <dgm:txEffectClrLst/>
-  </dgm:styleLbl>
-  <dgm:styleLbl name="asst4">
-    <dgm:fillClrLst>
-      <a:schemeClr val="accent3"/>
-    </dgm:fillClrLst>
-    <dgm:linClrLst meth="repeat">
-      <a:schemeClr val="lt1"/>
-    </dgm:linClrLst>
-    <dgm:effectClrLst/>
-    <dgm:txLinClrLst/>
-    <dgm:txFillClrLst/>
-    <dgm:txEffectClrLst/>
-  </dgm:styleLbl>
-  <dgm:styleLbl name="parChTrans2D1">
-    <dgm:fillClrLst meth="repeat">
-      <a:schemeClr val="accent5"/>
-    </dgm:fillClrLst>
-    <dgm:linClrLst meth="repeat">
-      <a:schemeClr val="lt1"/>
-    </dgm:linClrLst>
-    <dgm:effectClrLst/>
-    <dgm:txLinClrLst/>
-    <dgm:txFillClrLst meth="repeat">
-      <a:schemeClr val="lt1"/>
-    </dgm:txFillClrLst>
-    <dgm:txEffectClrLst/>
-  </dgm:styleLbl>
-  <dgm:styleLbl name="parChTrans2D2">
-    <dgm:fillClrLst meth="repeat">
-      <a:schemeClr val="accent6"/>
-    </dgm:fillClrLst>
-    <dgm:linClrLst meth="repeat">
-      <a:schemeClr val="lt1"/>
-    </dgm:linClrLst>
-    <dgm:effectClrLst/>
-    <dgm:txLinClrLst/>
-    <dgm:txFillClrLst/>
-    <dgm:txEffectClrLst/>
-  </dgm:styleLbl>
-  <dgm:styleLbl name="parChTrans2D3">
-    <dgm:fillClrLst meth="repeat">
-      <a:schemeClr val="accent6"/>
-    </dgm:fillClrLst>
-    <dgm:linClrLst meth="repeat">
-      <a:schemeClr val="lt1"/>
-    </dgm:linClrLst>
-    <dgm:effectClrLst/>
-    <dgm:txLinClrLst/>
-    <dgm:txFillClrLst/>
-    <dgm:txEffectClrLst/>
-  </dgm:styleLbl>
-  <dgm:styleLbl name="parChTrans2D4">
-    <dgm:fillClrLst meth="repeat">
-      <a:schemeClr val="accent1"/>
-    </dgm:fillClrLst>
-    <dgm:linClrLst meth="repeat">
-      <a:schemeClr val="lt1"/>
-    </dgm:linClrLst>
-    <dgm:effectClrLst/>
-    <dgm:txLinClrLst/>
-    <dgm:txFillClrLst meth="repeat">
-      <a:schemeClr val="lt1"/>
-    </dgm:txFillClrLst>
-    <dgm:txEffectClrLst/>
-  </dgm:styleLbl>
-  <dgm:styleLbl name="parChTrans1D1">
-    <dgm:fillClrLst meth="repeat">
-      <a:schemeClr val="accent5"/>
-    </dgm:fillClrLst>
-    <dgm:linClrLst meth="repeat">
-      <a:schemeClr val="accent5"/>
-    </dgm:linClrLst>
-    <dgm:effectClrLst/>
-    <dgm:txLinClrLst/>
-    <dgm:txFillClrLst meth="repeat">
-      <a:schemeClr val="tx1"/>
-    </dgm:txFillClrLst>
-    <dgm:txEffectClrLst/>
-  </dgm:styleLbl>
-  <dgm:styleLbl name="parChTrans1D2">
-    <dgm:fillClrLst meth="repeat">
-      <a:schemeClr val="accent6">
-        <a:tint val="90000"/>
-      </a:schemeClr>
-    </dgm:fillClrLst>
-    <dgm:linClrLst meth="repeat">
-      <a:schemeClr val="accent6"/>
-    </dgm:linClrLst>
-    <dgm:effectClrLst/>
-    <dgm:txLinClrLst/>
-    <dgm:txFillClrLst meth="repeat">
-      <a:schemeClr val="tx1"/>
-    </dgm:txFillClrLst>
-    <dgm:txEffectClrLst/>
-  </dgm:styleLbl>
-  <dgm:styleLbl name="parChTrans1D3">
-    <dgm:fillClrLst meth="repeat">
-      <a:schemeClr val="accent6">
-        <a:tint val="70000"/>
-      </a:schemeClr>
-    </dgm:fillClrLst>
-    <dgm:linClrLst meth="repeat">
-      <a:schemeClr val="accent1"/>
-    </dgm:linClrLst>
-    <dgm:effectClrLst/>
-    <dgm:txLinClrLst/>
-    <dgm:txFillClrLst meth="repeat">
-      <a:schemeClr val="tx1"/>
-    </dgm:txFillClrLst>
-    <dgm:txEffectClrLst/>
-  </dgm:styleLbl>
-  <dgm:styleLbl name="parChTrans1D4">
-    <dgm:fillClrLst meth="repeat">
-      <a:schemeClr val="accent6">
-        <a:tint val="50000"/>
-      </a:schemeClr>
-    </dgm:fillClrLst>
-    <dgm:linClrLst meth="repeat">
-      <a:schemeClr val="accent2"/>
-    </dgm:linClrLst>
-    <dgm:effectClrLst/>
-    <dgm:txLinClrLst/>
-    <dgm:txFillClrLst meth="repeat">
-      <a:schemeClr val="tx1"/>
-    </dgm:txFillClrLst>
-    <dgm:txEffectClrLst/>
-  </dgm:styleLbl>
-  <dgm:styleLbl name="fgAcc1">
-    <dgm:fillClrLst meth="repeat">
-      <a:schemeClr val="lt1">
-        <a:alpha val="90000"/>
-      </a:schemeClr>
-    </dgm:fillClrLst>
-    <dgm:linClrLst>
-      <a:schemeClr val="accent5"/>
-      <a:schemeClr val="accent6"/>
-    </dgm:linClrLst>
-    <dgm:effectClrLst/>
-    <dgm:txLinClrLst/>
-    <dgm:txFillClrLst meth="repeat">
-      <a:schemeClr val="dk1"/>
-    </dgm:txFillClrLst>
-    <dgm:txEffectClrLst/>
-  </dgm:styleLbl>
-  <dgm:styleLbl name="conFgAcc1">
-    <dgm:fillClrLst meth="repeat">
-      <a:schemeClr val="lt1">
-        <a:alpha val="90000"/>
-      </a:schemeClr>
-    </dgm:fillClrLst>
-    <dgm:linClrLst>
-      <a:schemeClr val="accent5"/>
-      <a:schemeClr val="accent6"/>
-    </dgm:linClrLst>
-    <dgm:effectClrLst/>
-    <dgm:txLinClrLst/>
-    <dgm:txFillClrLst meth="repeat">
-      <a:schemeClr val="dk1"/>
-    </dgm:txFillClrLst>
-    <dgm:txEffectClrLst/>
-  </dgm:styleLbl>
-  <dgm:styleLbl name="alignAcc1">
-    <dgm:fillClrLst meth="repeat">
-      <a:schemeClr val="lt1">
-        <a:alpha val="90000"/>
-      </a:schemeClr>
-    </dgm:fillClrLst>
-    <dgm:linClrLst>
-      <a:schemeClr val="accent5"/>
-      <a:schemeClr val="accent6"/>
-    </dgm:linClrLst>
-    <dgm:effectClrLst/>
-    <dgm:txLinClrLst/>
-    <dgm:txFillClrLst meth="repeat">
-      <a:schemeClr val="dk1"/>
-    </dgm:txFillClrLst>
-    <dgm:txEffectClrLst/>
-  </dgm:styleLbl>
-  <dgm:styleLbl name="trAlignAcc1">
-    <dgm:fillClrLst meth="repeat">
-      <a:schemeClr val="lt1">
-        <a:alpha val="40000"/>
-      </a:schemeClr>
-    </dgm:fillClrLst>
-    <dgm:linClrLst meth="repeat">
-      <a:schemeClr val="accent5"/>
-    </dgm:linClrLst>
-    <dgm:effectClrLst/>
-    <dgm:txLinClrLst/>
-    <dgm:txFillClrLst meth="repeat">
-      <a:schemeClr val="dk1"/>
-    </dgm:txFillClrLst>
-    <dgm:txEffectClrLst/>
-  </dgm:styleLbl>
-  <dgm:styleLbl name="bgAcc1">
-    <dgm:fillClrLst meth="repeat">
-      <a:schemeClr val="lt1">
-        <a:alpha val="90000"/>
-      </a:schemeClr>
-    </dgm:fillClrLst>
-    <dgm:linClrLst>
-      <a:schemeClr val="accent5"/>
-      <a:schemeClr val="accent6"/>
-    </dgm:linClrLst>
-    <dgm:effectClrLst/>
-    <dgm:txLinClrLst/>
-    <dgm:txFillClrLst meth="repeat">
-      <a:schemeClr val="dk1"/>
-    </dgm:txFillClrLst>
-    <dgm:txEffectClrLst/>
-  </dgm:styleLbl>
-  <dgm:styleLbl name="solidFgAcc1">
-    <dgm:fillClrLst meth="repeat">
-      <a:schemeClr val="lt1"/>
-    </dgm:fillClrLst>
-    <dgm:linClrLst>
-      <a:schemeClr val="accent5"/>
-      <a:schemeClr val="accent6"/>
-    </dgm:linClrLst>
-    <dgm:effectClrLst/>
-    <dgm:txLinClrLst/>
-    <dgm:txFillClrLst meth="repeat">
-      <a:schemeClr val="dk1"/>
-    </dgm:txFillClrLst>
-    <dgm:txEffectClrLst/>
-  </dgm:styleLbl>
-  <dgm:styleLbl name="solidAlignAcc1">
-    <dgm:fillClrLst meth="repeat">
-      <a:schemeClr val="lt1"/>
-    </dgm:fillClrLst>
-    <dgm:linClrLst>
-      <a:schemeClr val="accent5"/>
-      <a:schemeClr val="accent6"/>
-    </dgm:linClrLst>
-    <dgm:effectClrLst/>
-    <dgm:txLinClrLst/>
-    <dgm:txFillClrLst meth="repeat">
-      <a:schemeClr val="dk1"/>
-    </dgm:txFillClrLst>
-    <dgm:txEffectClrLst/>
-  </dgm:styleLbl>
-  <dgm:styleLbl name="solidBgAcc1">
-    <dgm:fillClrLst meth="repeat">
-      <a:schemeClr val="lt1"/>
-    </dgm:fillClrLst>
-    <dgm:linClrLst>
-      <a:schemeClr val="accent5"/>
-      <a:schemeClr val="accent6"/>
-    </dgm:linClrLst>
-    <dgm:effectClrLst/>
-    <dgm:txLinClrLst/>
-    <dgm:txFillClrLst meth="repeat">
-      <a:schemeClr val="dk1"/>
-    </dgm:txFillClrLst>
-    <dgm:txEffectClrLst/>
-  </dgm:styleLbl>
-  <dgm:styleLbl name="fgAccFollowNode1">
-    <dgm:fillClrLst>
-      <a:schemeClr val="accent5">
-        <a:tint val="40000"/>
-        <a:alpha val="90000"/>
-      </a:schemeClr>
-      <a:schemeClr val="accent6">
-        <a:tint val="40000"/>
-        <a:alpha val="90000"/>
-      </a:schemeClr>
-    </dgm:fillClrLst>
-    <dgm:linClrLst>
-      <a:schemeClr val="accent5">
-        <a:tint val="40000"/>
-        <a:alpha val="90000"/>
-      </a:schemeClr>
-      <a:schemeClr val="accent5">
-        <a:tint val="40000"/>
-        <a:alpha val="90000"/>
-      </a:schemeClr>
-    </dgm:linClrLst>
-    <dgm:effectClrLst/>
-    <dgm:txLinClrLst/>
-    <dgm:txFillClrLst meth="repeat">
-      <a:schemeClr val="dk1"/>
-    </dgm:txFillClrLst>
-    <dgm:txEffectClrLst/>
-  </dgm:styleLbl>
-  <dgm:styleLbl name="alignAccFollowNode1">
-    <dgm:fillClrLst>
-      <a:schemeClr val="accent5">
-        <a:tint val="40000"/>
-        <a:alpha val="90000"/>
-      </a:schemeClr>
-      <a:schemeClr val="accent6">
-        <a:tint val="40000"/>
-        <a:alpha val="90000"/>
-      </a:schemeClr>
-    </dgm:fillClrLst>
-    <dgm:linClrLst>
-      <a:schemeClr val="accent5">
-        <a:tint val="40000"/>
-        <a:alpha val="90000"/>
-      </a:schemeClr>
-      <a:schemeClr val="accent6">
-        <a:tint val="40000"/>
-        <a:alpha val="90000"/>
-      </a:schemeClr>
-    </dgm:linClrLst>
-    <dgm:effectClrLst/>
-    <dgm:txLinClrLst/>
-    <dgm:txFillClrLst meth="repeat">
-      <a:schemeClr val="dk1"/>
-    </dgm:txFillClrLst>
-    <dgm:txEffectClrLst/>
-  </dgm:styleLbl>
-  <dgm:styleLbl name="bgAccFollowNode1">
-    <dgm:fillClrLst>
-      <a:schemeClr val="accent5">
-        <a:tint val="40000"/>
-        <a:alpha val="90000"/>
-      </a:schemeClr>
-      <a:schemeClr val="accent6">
-        <a:tint val="40000"/>
-        <a:alpha val="90000"/>
-      </a:schemeClr>
-    </dgm:fillClrLst>
-    <dgm:linClrLst>
-      <a:schemeClr val="accent5">
-        <a:tint val="40000"/>
-        <a:alpha val="90000"/>
-      </a:schemeClr>
-      <a:schemeClr val="accent6">
-        <a:tint val="40000"/>
-        <a:alpha val="90000"/>
-      </a:schemeClr>
-    </dgm:linClrLst>
-    <dgm:effectClrLst/>
-    <dgm:txLinClrLst/>
-    <dgm:txFillClrLst meth="repeat">
-      <a:schemeClr val="dk1"/>
-    </dgm:txFillClrLst>
-    <dgm:txEffectClrLst/>
-  </dgm:styleLbl>
-  <dgm:styleLbl name="fgAcc0">
-    <dgm:fillClrLst meth="repeat">
-      <a:schemeClr val="lt1">
-        <a:alpha val="90000"/>
-      </a:schemeClr>
-    </dgm:fillClrLst>
-    <dgm:linClrLst>
-      <a:schemeClr val="accent4"/>
-    </dgm:linClrLst>
-    <dgm:effectClrLst/>
-    <dgm:txLinClrLst/>
-    <dgm:txFillClrLst meth="repeat">
-      <a:schemeClr val="dk1"/>
-    </dgm:txFillClrLst>
-    <dgm:txEffectClrLst/>
-  </dgm:styleLbl>
-  <dgm:styleLbl name="fgAcc2">
-    <dgm:fillClrLst meth="repeat">
-      <a:schemeClr val="lt1">
-        <a:alpha val="90000"/>
-      </a:schemeClr>
-    </dgm:fillClrLst>
-    <dgm:linClrLst>
-      <a:schemeClr val="accent6"/>
-    </dgm:linClrLst>
-    <dgm:effectClrLst/>
-    <dgm:txLinClrLst/>
-    <dgm:txFillClrLst meth="repeat">
-      <a:schemeClr val="dk1"/>
-    </dgm:txFillClrLst>
-    <dgm:txEffectClrLst/>
-  </dgm:styleLbl>
-  <dgm:styleLbl name="fgAcc3">
-    <dgm:fillClrLst meth="repeat">
-      <a:schemeClr val="lt1">
-        <a:alpha val="90000"/>
-      </a:schemeClr>
-    </dgm:fillClrLst>
-    <dgm:linClrLst>
-      <a:schemeClr val="accent1"/>
-    </dgm:linClrLst>
-    <dgm:effectClrLst/>
-    <dgm:txLinClrLst/>
-    <dgm:txFillClrLst meth="repeat">
-      <a:schemeClr val="dk1"/>
-    </dgm:txFillClrLst>
-    <dgm:txEffectClrLst/>
-  </dgm:styleLbl>
-  <dgm:styleLbl name="fgAcc4">
-    <dgm:fillClrLst meth="repeat">
-      <a:schemeClr val="lt1">
-        <a:alpha val="90000"/>
-      </a:schemeClr>
-    </dgm:fillClrLst>
-    <dgm:linClrLst>
-      <a:schemeClr val="accent2"/>
-    </dgm:linClrLst>
-    <dgm:effectClrLst/>
-    <dgm:txLinClrLst/>
-    <dgm:txFillClrLst meth="repeat">
-      <a:schemeClr val="dk1"/>
-    </dgm:txFillClrLst>
-    <dgm:txEffectClrLst/>
-  </dgm:styleLbl>
-  <dgm:styleLbl name="bgShp">
-    <dgm:fillClrLst>
-      <a:schemeClr val="accent5"/>
-      <a:schemeClr val="accent6"/>
-    </dgm:fillClrLst>
-    <dgm:linClrLst meth="repeat">
-      <a:schemeClr val="lt1">
-        <a:alpha val="0"/>
-      </a:schemeClr>
-    </dgm:linClrLst>
-    <dgm:effectClrLst/>
-    <dgm:txLinClrLst/>
-    <dgm:txFillClrLst/>
-    <dgm:txEffectClrLst/>
-  </dgm:styleLbl>
-  <dgm:styleLbl name="dkBgShp">
-    <dgm:fillClrLst meth="repeat">
-      <a:schemeClr val="accent5">
-        <a:shade val="90000"/>
-      </a:schemeClr>
-    </dgm:fillClrLst>
-    <dgm:linClrLst meth="repeat">
-      <a:schemeClr val="dk1"/>
-    </dgm:linClrLst>
-    <dgm:effectClrLst/>
-    <dgm:txLinClrLst/>
-    <dgm:txFillClrLst meth="repeat">
-      <a:schemeClr val="lt1"/>
-    </dgm:txFillClrLst>
-    <dgm:txEffectClrLst/>
-  </dgm:styleLbl>
-  <dgm:styleLbl name="trBgShp">
-    <dgm:fillClrLst meth="repeat">
-      <a:schemeClr val="accent5">
-        <a:tint val="50000"/>
-        <a:alpha val="40000"/>
-      </a:schemeClr>
-    </dgm:fillClrLst>
-    <dgm:linClrLst meth="repeat">
-      <a:schemeClr val="accent5"/>
-    </dgm:linClrLst>
-    <dgm:effectClrLst/>
-    <dgm:txLinClrLst/>
-    <dgm:txFillClrLst meth="repeat">
-      <a:schemeClr val="lt1"/>
-    </dgm:txFillClrLst>
-    <dgm:txEffectClrLst/>
-  </dgm:styleLbl>
-  <dgm:styleLbl name="fgShp">
-    <dgm:fillClrLst meth="repeat">
-      <a:schemeClr val="accent5">
-        <a:tint val="40000"/>
-      </a:schemeClr>
-    </dgm:fillClrLst>
-    <dgm:linClrLst meth="repeat">
-      <a:schemeClr val="lt1"/>
-    </dgm:linClrLst>
-    <dgm:effectClrLst/>
-    <dgm:txLinClrLst/>
-    <dgm:txFillClrLst meth="repeat">
-      <a:schemeClr val="dk1"/>
-    </dgm:txFillClrLst>
-    <dgm:txEffectClrLst/>
-  </dgm:styleLbl>
-  <dgm:styleLbl name="revTx">
-    <dgm:fillClrLst meth="repeat">
-      <a:schemeClr val="lt1">
-        <a:alpha val="0"/>
-      </a:schemeClr>
-    </dgm:fillClrLst>
-    <dgm:linClrLst meth="repeat">
-      <a:schemeClr val="dk1">
-        <a:alpha val="0"/>
-      </a:schemeClr>
-    </dgm:linClrLst>
-    <dgm:effectClrLst/>
-    <dgm:txLinClrLst/>
-    <dgm:txFillClrLst meth="repeat">
-      <a:schemeClr val="tx1"/>
-    </dgm:txFillClrLst>
-    <dgm:txEffectClrLst/>
-  </dgm:styleLbl>
-</dgm:colorsDef>
-</file>
-
-<file path=ppt/diagrams/colors3.xml><?xml version="1.0" encoding="utf-8"?>
 <dgm:colorsDef xmlns:dgm="http://schemas.openxmlformats.org/drawingml/2006/diagram" xmlns:a="http://schemas.openxmlformats.org/drawingml/2006/main" uniqueId="urn:microsoft.com/office/officeart/2005/8/colors/accent0_3">
   <dgm:title val=""/>
   <dgm:desc val=""/>
@@ -3712,341 +2928,6 @@
 </file>
 
 <file path=ppt/diagrams/data2.xml><?xml version="1.0" encoding="utf-8"?>
-<dgm:dataModel xmlns:dgm="http://schemas.openxmlformats.org/drawingml/2006/diagram" xmlns:a="http://schemas.openxmlformats.org/drawingml/2006/main">
-  <dgm:ptLst>
-    <dgm:pt modelId="{7F564E9C-DC4B-4FCA-A45C-7A2A68ABF190}" type="doc">
-      <dgm:prSet loTypeId="urn:microsoft.com/office/officeart/2018/5/layout/IconCircleLabelList" loCatId="icon" qsTypeId="urn:microsoft.com/office/officeart/2005/8/quickstyle/simple1" qsCatId="simple" csTypeId="urn:microsoft.com/office/officeart/2018/5/colors/Iconchunking_neutralicon_colorful5" csCatId="colorful" phldr="1"/>
-      <dgm:spPr/>
-      <dgm:t>
-        <a:bodyPr/>
-        <a:lstStyle/>
-        <a:p>
-          <a:endParaRPr lang="en-US"/>
-        </a:p>
-      </dgm:t>
-    </dgm:pt>
-    <dgm:pt modelId="{0C85100E-26AF-40B3-97DF-19C4EC3CCEC0}">
-      <dgm:prSet/>
-      <dgm:spPr/>
-      <dgm:t>
-        <a:bodyPr/>
-        <a:lstStyle/>
-        <a:p>
-          <a:pPr>
-            <a:lnSpc>
-              <a:spcPct val="100000"/>
-            </a:lnSpc>
-            <a:defRPr cap="all"/>
-          </a:pPr>
-          <a:r>
-            <a:rPr lang="en-ZA" cap="none" dirty="0"/>
-            <a:t>Adventure</a:t>
-          </a:r>
-          <a:endParaRPr lang="en-US" cap="none" dirty="0"/>
-        </a:p>
-      </dgm:t>
-    </dgm:pt>
-    <dgm:pt modelId="{83E371DD-FB17-4628-859D-A2979B7D3099}" type="parTrans" cxnId="{FD66337D-8FE8-48E6-BE0F-CFD328BEE42E}">
-      <dgm:prSet/>
-      <dgm:spPr/>
-      <dgm:t>
-        <a:bodyPr/>
-        <a:lstStyle/>
-        <a:p>
-          <a:endParaRPr lang="en-US" sz="1800"/>
-        </a:p>
-      </dgm:t>
-    </dgm:pt>
-    <dgm:pt modelId="{8A672CE1-4528-44AE-9157-DA340C2CD5DB}" type="sibTrans" cxnId="{FD66337D-8FE8-48E6-BE0F-CFD328BEE42E}">
-      <dgm:prSet/>
-      <dgm:spPr/>
-      <dgm:t>
-        <a:bodyPr/>
-        <a:lstStyle/>
-        <a:p>
-          <a:endParaRPr lang="en-US"/>
-        </a:p>
-      </dgm:t>
-    </dgm:pt>
-    <dgm:pt modelId="{69653324-E1E3-437C-A9D5-28B1353F645A}">
-      <dgm:prSet/>
-      <dgm:spPr/>
-      <dgm:t>
-        <a:bodyPr/>
-        <a:lstStyle/>
-        <a:p>
-          <a:pPr>
-            <a:lnSpc>
-              <a:spcPct val="100000"/>
-            </a:lnSpc>
-            <a:defRPr cap="all"/>
-          </a:pPr>
-          <a:r>
-            <a:rPr lang="en-ZA" cap="none" dirty="0"/>
-            <a:t>Enthusiasm</a:t>
-          </a:r>
-          <a:endParaRPr lang="en-US" cap="none" dirty="0"/>
-        </a:p>
-      </dgm:t>
-    </dgm:pt>
-    <dgm:pt modelId="{F0466364-A484-4F50-8E01-C00666AA6B96}" type="parTrans" cxnId="{25667268-FED2-4149-B353-F16FED2D1A5A}">
-      <dgm:prSet/>
-      <dgm:spPr/>
-      <dgm:t>
-        <a:bodyPr/>
-        <a:lstStyle/>
-        <a:p>
-          <a:endParaRPr lang="en-US" sz="1800"/>
-        </a:p>
-      </dgm:t>
-    </dgm:pt>
-    <dgm:pt modelId="{6F20977E-D589-4920-96AA-44AAF9391C6A}" type="sibTrans" cxnId="{25667268-FED2-4149-B353-F16FED2D1A5A}">
-      <dgm:prSet/>
-      <dgm:spPr/>
-      <dgm:t>
-        <a:bodyPr/>
-        <a:lstStyle/>
-        <a:p>
-          <a:endParaRPr lang="en-US"/>
-        </a:p>
-      </dgm:t>
-    </dgm:pt>
-    <dgm:pt modelId="{7F8797D3-295D-45B0-9E28-F7696E313AE3}">
-      <dgm:prSet/>
-      <dgm:spPr/>
-      <dgm:t>
-        <a:bodyPr/>
-        <a:lstStyle/>
-        <a:p>
-          <a:pPr>
-            <a:lnSpc>
-              <a:spcPct val="100000"/>
-            </a:lnSpc>
-            <a:defRPr cap="all"/>
-          </a:pPr>
-          <a:r>
-            <a:rPr lang="en-ZA" cap="none" dirty="0"/>
-            <a:t>Discovery</a:t>
-          </a:r>
-          <a:endParaRPr lang="en-US" cap="none" dirty="0"/>
-        </a:p>
-      </dgm:t>
-    </dgm:pt>
-    <dgm:pt modelId="{2A0378C1-9628-41C6-B719-DFD7DD7C2513}" type="parTrans" cxnId="{B9DB5BF3-D3B4-4EF2-9219-9820EFCDD141}">
-      <dgm:prSet/>
-      <dgm:spPr/>
-      <dgm:t>
-        <a:bodyPr/>
-        <a:lstStyle/>
-        <a:p>
-          <a:endParaRPr lang="en-US" sz="1800"/>
-        </a:p>
-      </dgm:t>
-    </dgm:pt>
-    <dgm:pt modelId="{BD09EA6A-7770-4233-AA60-BFF5DA55D6CE}" type="sibTrans" cxnId="{B9DB5BF3-D3B4-4EF2-9219-9820EFCDD141}">
-      <dgm:prSet/>
-      <dgm:spPr/>
-      <dgm:t>
-        <a:bodyPr/>
-        <a:lstStyle/>
-        <a:p>
-          <a:endParaRPr lang="en-US"/>
-        </a:p>
-      </dgm:t>
-    </dgm:pt>
-    <dgm:pt modelId="{E3F9E5A9-51B2-43A8-8F03-9194571938CF}" type="pres">
-      <dgm:prSet presAssocID="{7F564E9C-DC4B-4FCA-A45C-7A2A68ABF190}" presName="root" presStyleCnt="0">
-        <dgm:presLayoutVars>
-          <dgm:dir/>
-          <dgm:resizeHandles val="exact"/>
-        </dgm:presLayoutVars>
-      </dgm:prSet>
-      <dgm:spPr/>
-    </dgm:pt>
-    <dgm:pt modelId="{8929C738-FC34-44B7-BD7A-E6975C65F703}" type="pres">
-      <dgm:prSet presAssocID="{0C85100E-26AF-40B3-97DF-19C4EC3CCEC0}" presName="compNode" presStyleCnt="0"/>
-      <dgm:spPr/>
-    </dgm:pt>
-    <dgm:pt modelId="{D7FE9191-F345-41D1-BC78-A57FAC85C889}" type="pres">
-      <dgm:prSet presAssocID="{0C85100E-26AF-40B3-97DF-19C4EC3CCEC0}" presName="iconBgRect" presStyleLbl="bgShp" presStyleIdx="0" presStyleCnt="3"/>
-      <dgm:spPr/>
-    </dgm:pt>
-    <dgm:pt modelId="{8FF3ED10-1F7A-4228-8DBA-95ED52350852}" type="pres">
-      <dgm:prSet presAssocID="{0C85100E-26AF-40B3-97DF-19C4EC3CCEC0}" presName="iconRect" presStyleLbl="node1" presStyleIdx="0" presStyleCnt="3"/>
-      <dgm:spPr>
-        <a:blipFill>
-          <a:blip xmlns:r="http://schemas.openxmlformats.org/officeDocument/2006/relationships" r:embed="rId1">
-            <a:extLst>
-              <a:ext uri="{28A0092B-C50C-407E-A947-70E740481C1C}">
-                <a14:useLocalDpi xmlns:a14="http://schemas.microsoft.com/office/drawing/2010/main" val="0"/>
-              </a:ext>
-              <a:ext uri="{96DAC541-7B7A-43D3-8B79-37D633B846F1}">
-                <asvg:svgBlip xmlns:asvg="http://schemas.microsoft.com/office/drawing/2016/SVG/main" r:embed="rId2"/>
-              </a:ext>
-            </a:extLst>
-          </a:blip>
-          <a:stretch>
-            <a:fillRect/>
-          </a:stretch>
-        </a:blipFill>
-      </dgm:spPr>
-      <dgm:extLst>
-        <a:ext uri="{E40237B7-FDA0-4F09-8148-C483321AD2D9}">
-          <dgm14:cNvPr xmlns:dgm14="http://schemas.microsoft.com/office/drawing/2010/diagram" id="0" name="" descr="Hike"/>
-        </a:ext>
-      </dgm:extLst>
-    </dgm:pt>
-    <dgm:pt modelId="{DEEFA25E-941B-435D-9E6A-508386CFE47E}" type="pres">
-      <dgm:prSet presAssocID="{0C85100E-26AF-40B3-97DF-19C4EC3CCEC0}" presName="spaceRect" presStyleCnt="0"/>
-      <dgm:spPr/>
-    </dgm:pt>
-    <dgm:pt modelId="{54849521-B57C-45E5-AE0C-3EC2C0D4D0A2}" type="pres">
-      <dgm:prSet presAssocID="{0C85100E-26AF-40B3-97DF-19C4EC3CCEC0}" presName="textRect" presStyleLbl="revTx" presStyleIdx="0" presStyleCnt="3">
-        <dgm:presLayoutVars>
-          <dgm:chMax val="1"/>
-          <dgm:chPref val="1"/>
-        </dgm:presLayoutVars>
-      </dgm:prSet>
-      <dgm:spPr/>
-    </dgm:pt>
-    <dgm:pt modelId="{0F6A2FC3-9E47-40CA-83F9-5B63CA09FDA8}" type="pres">
-      <dgm:prSet presAssocID="{8A672CE1-4528-44AE-9157-DA340C2CD5DB}" presName="sibTrans" presStyleCnt="0"/>
-      <dgm:spPr/>
-    </dgm:pt>
-    <dgm:pt modelId="{11E84AED-826F-45C8-83C4-91F1A078E1E0}" type="pres">
-      <dgm:prSet presAssocID="{69653324-E1E3-437C-A9D5-28B1353F645A}" presName="compNode" presStyleCnt="0"/>
-      <dgm:spPr/>
-    </dgm:pt>
-    <dgm:pt modelId="{CA2BB399-46B1-46DF-BB84-F602FEBB6E8F}" type="pres">
-      <dgm:prSet presAssocID="{69653324-E1E3-437C-A9D5-28B1353F645A}" presName="iconBgRect" presStyleLbl="bgShp" presStyleIdx="1" presStyleCnt="3"/>
-      <dgm:spPr/>
-    </dgm:pt>
-    <dgm:pt modelId="{D6853916-A787-4645-8300-F6B01D5465FD}" type="pres">
-      <dgm:prSet presAssocID="{69653324-E1E3-437C-A9D5-28B1353F645A}" presName="iconRect" presStyleLbl="node1" presStyleIdx="1" presStyleCnt="3"/>
-      <dgm:spPr>
-        <a:blipFill>
-          <a:blip xmlns:r="http://schemas.openxmlformats.org/officeDocument/2006/relationships" r:embed="rId3">
-            <a:extLst>
-              <a:ext uri="{28A0092B-C50C-407E-A947-70E740481C1C}">
-                <a14:useLocalDpi xmlns:a14="http://schemas.microsoft.com/office/drawing/2010/main" val="0"/>
-              </a:ext>
-              <a:ext uri="{96DAC541-7B7A-43D3-8B79-37D633B846F1}">
-                <asvg:svgBlip xmlns:asvg="http://schemas.microsoft.com/office/drawing/2016/SVG/main" r:embed="rId4"/>
-              </a:ext>
-            </a:extLst>
-          </a:blip>
-          <a:stretch>
-            <a:fillRect/>
-          </a:stretch>
-        </a:blipFill>
-      </dgm:spPr>
-      <dgm:extLst>
-        <a:ext uri="{E40237B7-FDA0-4F09-8148-C483321AD2D9}">
-          <dgm14:cNvPr xmlns:dgm14="http://schemas.microsoft.com/office/drawing/2010/diagram" id="0" name="" descr="Run"/>
-        </a:ext>
-      </dgm:extLst>
-    </dgm:pt>
-    <dgm:pt modelId="{20F4B50A-E3EC-4DC1-8B67-BB5C3777405D}" type="pres">
-      <dgm:prSet presAssocID="{69653324-E1E3-437C-A9D5-28B1353F645A}" presName="spaceRect" presStyleCnt="0"/>
-      <dgm:spPr/>
-    </dgm:pt>
-    <dgm:pt modelId="{1236D849-CB48-479C-B013-12E41455C64A}" type="pres">
-      <dgm:prSet presAssocID="{69653324-E1E3-437C-A9D5-28B1353F645A}" presName="textRect" presStyleLbl="revTx" presStyleIdx="1" presStyleCnt="3">
-        <dgm:presLayoutVars>
-          <dgm:chMax val="1"/>
-          <dgm:chPref val="1"/>
-        </dgm:presLayoutVars>
-      </dgm:prSet>
-      <dgm:spPr/>
-    </dgm:pt>
-    <dgm:pt modelId="{77E7D738-E9B1-4ED4-B593-EC450EE23F5E}" type="pres">
-      <dgm:prSet presAssocID="{6F20977E-D589-4920-96AA-44AAF9391C6A}" presName="sibTrans" presStyleCnt="0"/>
-      <dgm:spPr/>
-    </dgm:pt>
-    <dgm:pt modelId="{504F53A5-75F2-4237-863E-8BEA18033D97}" type="pres">
-      <dgm:prSet presAssocID="{7F8797D3-295D-45B0-9E28-F7696E313AE3}" presName="compNode" presStyleCnt="0"/>
-      <dgm:spPr/>
-    </dgm:pt>
-    <dgm:pt modelId="{1FBD15DA-15EC-437E-AD24-BB3FBA44188E}" type="pres">
-      <dgm:prSet presAssocID="{7F8797D3-295D-45B0-9E28-F7696E313AE3}" presName="iconBgRect" presStyleLbl="bgShp" presStyleIdx="2" presStyleCnt="3"/>
-      <dgm:spPr/>
-    </dgm:pt>
-    <dgm:pt modelId="{F978FA78-402E-430D-BD6D-B50543BC1779}" type="pres">
-      <dgm:prSet presAssocID="{7F8797D3-295D-45B0-9E28-F7696E313AE3}" presName="iconRect" presStyleLbl="node1" presStyleIdx="2" presStyleCnt="3"/>
-      <dgm:spPr>
-        <a:blipFill>
-          <a:blip xmlns:r="http://schemas.openxmlformats.org/officeDocument/2006/relationships" r:embed="rId5">
-            <a:extLst>
-              <a:ext uri="{28A0092B-C50C-407E-A947-70E740481C1C}">
-                <a14:useLocalDpi xmlns:a14="http://schemas.microsoft.com/office/drawing/2010/main" val="0"/>
-              </a:ext>
-              <a:ext uri="{96DAC541-7B7A-43D3-8B79-37D633B846F1}">
-                <asvg:svgBlip xmlns:asvg="http://schemas.microsoft.com/office/drawing/2016/SVG/main" r:embed="rId6"/>
-              </a:ext>
-            </a:extLst>
-          </a:blip>
-          <a:stretch>
-            <a:fillRect/>
-          </a:stretch>
-        </a:blipFill>
-      </dgm:spPr>
-      <dgm:extLst>
-        <a:ext uri="{E40237B7-FDA0-4F09-8148-C483321AD2D9}">
-          <dgm14:cNvPr xmlns:dgm14="http://schemas.microsoft.com/office/drawing/2010/diagram" id="0" name="" descr="Telescope"/>
-        </a:ext>
-      </dgm:extLst>
-    </dgm:pt>
-    <dgm:pt modelId="{8E26FA69-DD6D-41A2-A1C3-C84664B3DEA9}" type="pres">
-      <dgm:prSet presAssocID="{7F8797D3-295D-45B0-9E28-F7696E313AE3}" presName="spaceRect" presStyleCnt="0"/>
-      <dgm:spPr/>
-    </dgm:pt>
-    <dgm:pt modelId="{1437B87F-714F-41BA-8ABB-43977D1FDD2E}" type="pres">
-      <dgm:prSet presAssocID="{7F8797D3-295D-45B0-9E28-F7696E313AE3}" presName="textRect" presStyleLbl="revTx" presStyleIdx="2" presStyleCnt="3">
-        <dgm:presLayoutVars>
-          <dgm:chMax val="1"/>
-          <dgm:chPref val="1"/>
-        </dgm:presLayoutVars>
-      </dgm:prSet>
-      <dgm:spPr/>
-    </dgm:pt>
-  </dgm:ptLst>
-  <dgm:cxnLst>
-    <dgm:cxn modelId="{9EF79A2A-C397-458C-A3B4-D48F7182843D}" type="presOf" srcId="{7F564E9C-DC4B-4FCA-A45C-7A2A68ABF190}" destId="{E3F9E5A9-51B2-43A8-8F03-9194571938CF}" srcOrd="0" destOrd="0" presId="urn:microsoft.com/office/officeart/2018/5/layout/IconCircleLabelList"/>
-    <dgm:cxn modelId="{25667268-FED2-4149-B353-F16FED2D1A5A}" srcId="{7F564E9C-DC4B-4FCA-A45C-7A2A68ABF190}" destId="{69653324-E1E3-437C-A9D5-28B1353F645A}" srcOrd="1" destOrd="0" parTransId="{F0466364-A484-4F50-8E01-C00666AA6B96}" sibTransId="{6F20977E-D589-4920-96AA-44AAF9391C6A}"/>
-    <dgm:cxn modelId="{FD66337D-8FE8-48E6-BE0F-CFD328BEE42E}" srcId="{7F564E9C-DC4B-4FCA-A45C-7A2A68ABF190}" destId="{0C85100E-26AF-40B3-97DF-19C4EC3CCEC0}" srcOrd="0" destOrd="0" parTransId="{83E371DD-FB17-4628-859D-A2979B7D3099}" sibTransId="{8A672CE1-4528-44AE-9157-DA340C2CD5DB}"/>
-    <dgm:cxn modelId="{66AF4AA0-077B-441F-8BCF-84949DFE4A4A}" type="presOf" srcId="{69653324-E1E3-437C-A9D5-28B1353F645A}" destId="{1236D849-CB48-479C-B013-12E41455C64A}" srcOrd="0" destOrd="0" presId="urn:microsoft.com/office/officeart/2018/5/layout/IconCircleLabelList"/>
-    <dgm:cxn modelId="{89A64FA4-89F2-4CC0-9791-9B99DFBDFD94}" type="presOf" srcId="{0C85100E-26AF-40B3-97DF-19C4EC3CCEC0}" destId="{54849521-B57C-45E5-AE0C-3EC2C0D4D0A2}" srcOrd="0" destOrd="0" presId="urn:microsoft.com/office/officeart/2018/5/layout/IconCircleLabelList"/>
-    <dgm:cxn modelId="{30BBCAE1-AA43-4AE4-A79A-B5150A5E89F9}" type="presOf" srcId="{7F8797D3-295D-45B0-9E28-F7696E313AE3}" destId="{1437B87F-714F-41BA-8ABB-43977D1FDD2E}" srcOrd="0" destOrd="0" presId="urn:microsoft.com/office/officeart/2018/5/layout/IconCircleLabelList"/>
-    <dgm:cxn modelId="{B9DB5BF3-D3B4-4EF2-9219-9820EFCDD141}" srcId="{7F564E9C-DC4B-4FCA-A45C-7A2A68ABF190}" destId="{7F8797D3-295D-45B0-9E28-F7696E313AE3}" srcOrd="2" destOrd="0" parTransId="{2A0378C1-9628-41C6-B719-DFD7DD7C2513}" sibTransId="{BD09EA6A-7770-4233-AA60-BFF5DA55D6CE}"/>
-    <dgm:cxn modelId="{046E5389-75CC-49E4-A852-97C2E7E6D226}" type="presParOf" srcId="{E3F9E5A9-51B2-43A8-8F03-9194571938CF}" destId="{8929C738-FC34-44B7-BD7A-E6975C65F703}" srcOrd="0" destOrd="0" presId="urn:microsoft.com/office/officeart/2018/5/layout/IconCircleLabelList"/>
-    <dgm:cxn modelId="{38860D80-65A2-4FE3-A65F-086B501908CF}" type="presParOf" srcId="{8929C738-FC34-44B7-BD7A-E6975C65F703}" destId="{D7FE9191-F345-41D1-BC78-A57FAC85C889}" srcOrd="0" destOrd="0" presId="urn:microsoft.com/office/officeart/2018/5/layout/IconCircleLabelList"/>
-    <dgm:cxn modelId="{15291291-59DE-4F27-AE8E-09905698A26B}" type="presParOf" srcId="{8929C738-FC34-44B7-BD7A-E6975C65F703}" destId="{8FF3ED10-1F7A-4228-8DBA-95ED52350852}" srcOrd="1" destOrd="0" presId="urn:microsoft.com/office/officeart/2018/5/layout/IconCircleLabelList"/>
-    <dgm:cxn modelId="{D93A254D-2C2B-4E74-9B75-CFB868080C85}" type="presParOf" srcId="{8929C738-FC34-44B7-BD7A-E6975C65F703}" destId="{DEEFA25E-941B-435D-9E6A-508386CFE47E}" srcOrd="2" destOrd="0" presId="urn:microsoft.com/office/officeart/2018/5/layout/IconCircleLabelList"/>
-    <dgm:cxn modelId="{A6870060-E9BF-4E45-B0B2-CE2FEB416253}" type="presParOf" srcId="{8929C738-FC34-44B7-BD7A-E6975C65F703}" destId="{54849521-B57C-45E5-AE0C-3EC2C0D4D0A2}" srcOrd="3" destOrd="0" presId="urn:microsoft.com/office/officeart/2018/5/layout/IconCircleLabelList"/>
-    <dgm:cxn modelId="{80671972-08BA-4928-BC1F-B3133C587435}" type="presParOf" srcId="{E3F9E5A9-51B2-43A8-8F03-9194571938CF}" destId="{0F6A2FC3-9E47-40CA-83F9-5B63CA09FDA8}" srcOrd="1" destOrd="0" presId="urn:microsoft.com/office/officeart/2018/5/layout/IconCircleLabelList"/>
-    <dgm:cxn modelId="{D51D2133-6F1D-4DF6-96E7-C6625A6BEED1}" type="presParOf" srcId="{E3F9E5A9-51B2-43A8-8F03-9194571938CF}" destId="{11E84AED-826F-45C8-83C4-91F1A078E1E0}" srcOrd="2" destOrd="0" presId="urn:microsoft.com/office/officeart/2018/5/layout/IconCircleLabelList"/>
-    <dgm:cxn modelId="{F9245669-8D02-42CA-A21E-BA72A76391A2}" type="presParOf" srcId="{11E84AED-826F-45C8-83C4-91F1A078E1E0}" destId="{CA2BB399-46B1-46DF-BB84-F602FEBB6E8F}" srcOrd="0" destOrd="0" presId="urn:microsoft.com/office/officeart/2018/5/layout/IconCircleLabelList"/>
-    <dgm:cxn modelId="{3E304E6E-CFA0-4E02-97C9-2358B1325747}" type="presParOf" srcId="{11E84AED-826F-45C8-83C4-91F1A078E1E0}" destId="{D6853916-A787-4645-8300-F6B01D5465FD}" srcOrd="1" destOrd="0" presId="urn:microsoft.com/office/officeart/2018/5/layout/IconCircleLabelList"/>
-    <dgm:cxn modelId="{A3A558FB-B42D-4CD9-880D-C8970DD9B2CF}" type="presParOf" srcId="{11E84AED-826F-45C8-83C4-91F1A078E1E0}" destId="{20F4B50A-E3EC-4DC1-8B67-BB5C3777405D}" srcOrd="2" destOrd="0" presId="urn:microsoft.com/office/officeart/2018/5/layout/IconCircleLabelList"/>
-    <dgm:cxn modelId="{4085BB99-4E4A-42E3-8624-72E8460B7F02}" type="presParOf" srcId="{11E84AED-826F-45C8-83C4-91F1A078E1E0}" destId="{1236D849-CB48-479C-B013-12E41455C64A}" srcOrd="3" destOrd="0" presId="urn:microsoft.com/office/officeart/2018/5/layout/IconCircleLabelList"/>
-    <dgm:cxn modelId="{575C131A-D48A-429B-9E4C-1B1619D7306D}" type="presParOf" srcId="{E3F9E5A9-51B2-43A8-8F03-9194571938CF}" destId="{77E7D738-E9B1-4ED4-B593-EC450EE23F5E}" srcOrd="3" destOrd="0" presId="urn:microsoft.com/office/officeart/2018/5/layout/IconCircleLabelList"/>
-    <dgm:cxn modelId="{8B3BABB7-9BE3-4CCA-A90F-E5EEF1A4BE2F}" type="presParOf" srcId="{E3F9E5A9-51B2-43A8-8F03-9194571938CF}" destId="{504F53A5-75F2-4237-863E-8BEA18033D97}" srcOrd="4" destOrd="0" presId="urn:microsoft.com/office/officeart/2018/5/layout/IconCircleLabelList"/>
-    <dgm:cxn modelId="{38FDD328-2F4A-4403-9CE3-84E8C6AD81A2}" type="presParOf" srcId="{504F53A5-75F2-4237-863E-8BEA18033D97}" destId="{1FBD15DA-15EC-437E-AD24-BB3FBA44188E}" srcOrd="0" destOrd="0" presId="urn:microsoft.com/office/officeart/2018/5/layout/IconCircleLabelList"/>
-    <dgm:cxn modelId="{C1E19D95-E19A-48D8-976F-1762354AC7D6}" type="presParOf" srcId="{504F53A5-75F2-4237-863E-8BEA18033D97}" destId="{F978FA78-402E-430D-BD6D-B50543BC1779}" srcOrd="1" destOrd="0" presId="urn:microsoft.com/office/officeart/2018/5/layout/IconCircleLabelList"/>
-    <dgm:cxn modelId="{0BF6A35D-48A0-49CB-BFE7-DD9C3FBF1D73}" type="presParOf" srcId="{504F53A5-75F2-4237-863E-8BEA18033D97}" destId="{8E26FA69-DD6D-41A2-A1C3-C84664B3DEA9}" srcOrd="2" destOrd="0" presId="urn:microsoft.com/office/officeart/2018/5/layout/IconCircleLabelList"/>
-    <dgm:cxn modelId="{36CE7DD6-956C-461B-94DF-658454BF2FDC}" type="presParOf" srcId="{504F53A5-75F2-4237-863E-8BEA18033D97}" destId="{1437B87F-714F-41BA-8ABB-43977D1FDD2E}" srcOrd="3" destOrd="0" presId="urn:microsoft.com/office/officeart/2018/5/layout/IconCircleLabelList"/>
-  </dgm:cxnLst>
-  <dgm:bg/>
-  <dgm:whole/>
-  <dgm:extLst>
-    <a:ext uri="http://schemas.microsoft.com/office/drawing/2008/diagram">
-      <dsp:dataModelExt xmlns:dsp="http://schemas.microsoft.com/office/drawing/2008/diagram" relId="rId8" minVer="http://schemas.openxmlformats.org/drawingml/2006/diagram"/>
-    </a:ext>
-  </dgm:extLst>
-</dgm:dataModel>
-</file>
-
-<file path=ppt/diagrams/data3.xml><?xml version="1.0" encoding="utf-8"?>
 <dgm:dataModel xmlns:dgm="http://schemas.openxmlformats.org/drawingml/2006/diagram" xmlns:a="http://schemas.openxmlformats.org/drawingml/2006/main">
   <dgm:ptLst>
     <dgm:pt modelId="{6A1362DA-B794-45B9-9BEE-599A1FD4F7C7}" type="doc">
@@ -5273,492 +4154,6 @@
       <dsp:cNvGrpSpPr/>
     </dsp:nvGrpSpPr>
     <dsp:grpSpPr/>
-    <dsp:sp modelId="{D7FE9191-F345-41D1-BC78-A57FAC85C889}">
-      <dsp:nvSpPr>
-        <dsp:cNvPr id="0" name=""/>
-        <dsp:cNvSpPr/>
-      </dsp:nvSpPr>
-      <dsp:spPr>
-        <a:xfrm>
-          <a:off x="432780" y="871800"/>
-          <a:ext cx="1200937" cy="1200937"/>
-        </a:xfrm>
-        <a:prstGeom prst="ellipse">
-          <a:avLst/>
-        </a:prstGeom>
-        <a:solidFill>
-          <a:schemeClr val="accent5">
-            <a:hueOff val="0"/>
-            <a:satOff val="0"/>
-            <a:lumOff val="0"/>
-            <a:alphaOff val="0"/>
-          </a:schemeClr>
-        </a:solidFill>
-        <a:ln>
-          <a:noFill/>
-        </a:ln>
-        <a:effectLst/>
-      </dsp:spPr>
-      <dsp:style>
-        <a:lnRef idx="0">
-          <a:scrgbClr r="0" g="0" b="0"/>
-        </a:lnRef>
-        <a:fillRef idx="1">
-          <a:scrgbClr r="0" g="0" b="0"/>
-        </a:fillRef>
-        <a:effectRef idx="0">
-          <a:scrgbClr r="0" g="0" b="0"/>
-        </a:effectRef>
-        <a:fontRef idx="minor"/>
-      </dsp:style>
-    </dsp:sp>
-    <dsp:sp modelId="{8FF3ED10-1F7A-4228-8DBA-95ED52350852}">
-      <dsp:nvSpPr>
-        <dsp:cNvPr id="0" name=""/>
-        <dsp:cNvSpPr/>
-      </dsp:nvSpPr>
-      <dsp:spPr>
-        <a:xfrm>
-          <a:off x="688718" y="1127737"/>
-          <a:ext cx="689062" cy="689062"/>
-        </a:xfrm>
-        <a:prstGeom prst="rect">
-          <a:avLst/>
-        </a:prstGeom>
-        <a:blipFill>
-          <a:blip xmlns:r="http://schemas.openxmlformats.org/officeDocument/2006/relationships" r:embed="rId1">
-            <a:extLst>
-              <a:ext uri="{28A0092B-C50C-407E-A947-70E740481C1C}">
-                <a14:useLocalDpi xmlns:a14="http://schemas.microsoft.com/office/drawing/2010/main" val="0"/>
-              </a:ext>
-              <a:ext uri="{96DAC541-7B7A-43D3-8B79-37D633B846F1}">
-                <asvg:svgBlip xmlns:asvg="http://schemas.microsoft.com/office/drawing/2016/SVG/main" r:embed="rId2"/>
-              </a:ext>
-            </a:extLst>
-          </a:blip>
-          <a:stretch>
-            <a:fillRect/>
-          </a:stretch>
-        </a:blipFill>
-        <a:ln w="19050" cap="flat" cmpd="sng" algn="ctr">
-          <a:solidFill>
-            <a:schemeClr val="lt1">
-              <a:alpha val="0"/>
-              <a:hueOff val="0"/>
-              <a:satOff val="0"/>
-              <a:lumOff val="0"/>
-              <a:alphaOff val="0"/>
-            </a:schemeClr>
-          </a:solidFill>
-          <a:prstDash val="solid"/>
-        </a:ln>
-        <a:effectLst/>
-      </dsp:spPr>
-      <dsp:style>
-        <a:lnRef idx="2">
-          <a:scrgbClr r="0" g="0" b="0"/>
-        </a:lnRef>
-        <a:fillRef idx="1">
-          <a:scrgbClr r="0" g="0" b="0"/>
-        </a:fillRef>
-        <a:effectRef idx="0">
-          <a:scrgbClr r="0" g="0" b="0"/>
-        </a:effectRef>
-        <a:fontRef idx="minor">
-          <a:schemeClr val="lt1"/>
-        </a:fontRef>
-      </dsp:style>
-    </dsp:sp>
-    <dsp:sp modelId="{54849521-B57C-45E5-AE0C-3EC2C0D4D0A2}">
-      <dsp:nvSpPr>
-        <dsp:cNvPr id="0" name=""/>
-        <dsp:cNvSpPr/>
-      </dsp:nvSpPr>
-      <dsp:spPr>
-        <a:xfrm>
-          <a:off x="48874" y="2446800"/>
-          <a:ext cx="1968750" cy="720000"/>
-        </a:xfrm>
-        <a:prstGeom prst="rect">
-          <a:avLst/>
-        </a:prstGeom>
-        <a:noFill/>
-        <a:ln>
-          <a:noFill/>
-        </a:ln>
-        <a:effectLst/>
-      </dsp:spPr>
-      <dsp:style>
-        <a:lnRef idx="0">
-          <a:scrgbClr r="0" g="0" b="0"/>
-        </a:lnRef>
-        <a:fillRef idx="0">
-          <a:scrgbClr r="0" g="0" b="0"/>
-        </a:fillRef>
-        <a:effectRef idx="0">
-          <a:scrgbClr r="0" g="0" b="0"/>
-        </a:effectRef>
-        <a:fontRef idx="minor"/>
-      </dsp:style>
-      <dsp:txBody>
-        <a:bodyPr spcFirstLastPara="0" vert="horz" wrap="square" lIns="0" tIns="0" rIns="0" bIns="0" numCol="1" spcCol="1270" anchor="t" anchorCtr="0">
-          <a:noAutofit/>
-        </a:bodyPr>
-        <a:lstStyle/>
-        <a:p>
-          <a:pPr marL="0" lvl="0" indent="0" algn="ctr" defTabSz="1422400">
-            <a:lnSpc>
-              <a:spcPct val="100000"/>
-            </a:lnSpc>
-            <a:spcBef>
-              <a:spcPct val="0"/>
-            </a:spcBef>
-            <a:spcAft>
-              <a:spcPct val="35000"/>
-            </a:spcAft>
-            <a:buNone/>
-            <a:defRPr cap="all"/>
-          </a:pPr>
-          <a:r>
-            <a:rPr lang="en-ZA" sz="3200" kern="1200" cap="none" dirty="0"/>
-            <a:t>Adventure</a:t>
-          </a:r>
-          <a:endParaRPr lang="en-US" sz="3200" kern="1200" cap="none" dirty="0"/>
-        </a:p>
-      </dsp:txBody>
-      <dsp:txXfrm>
-        <a:off x="48874" y="2446800"/>
-        <a:ext cx="1968750" cy="720000"/>
-      </dsp:txXfrm>
-    </dsp:sp>
-    <dsp:sp modelId="{CA2BB399-46B1-46DF-BB84-F602FEBB6E8F}">
-      <dsp:nvSpPr>
-        <dsp:cNvPr id="0" name=""/>
-        <dsp:cNvSpPr/>
-      </dsp:nvSpPr>
-      <dsp:spPr>
-        <a:xfrm>
-          <a:off x="2746061" y="871800"/>
-          <a:ext cx="1200937" cy="1200937"/>
-        </a:xfrm>
-        <a:prstGeom prst="ellipse">
-          <a:avLst/>
-        </a:prstGeom>
-        <a:solidFill>
-          <a:schemeClr val="accent5">
-            <a:hueOff val="5437504"/>
-            <a:satOff val="-31742"/>
-            <a:lumOff val="-2549"/>
-            <a:alphaOff val="0"/>
-          </a:schemeClr>
-        </a:solidFill>
-        <a:ln>
-          <a:noFill/>
-        </a:ln>
-        <a:effectLst/>
-      </dsp:spPr>
-      <dsp:style>
-        <a:lnRef idx="0">
-          <a:scrgbClr r="0" g="0" b="0"/>
-        </a:lnRef>
-        <a:fillRef idx="1">
-          <a:scrgbClr r="0" g="0" b="0"/>
-        </a:fillRef>
-        <a:effectRef idx="0">
-          <a:scrgbClr r="0" g="0" b="0"/>
-        </a:effectRef>
-        <a:fontRef idx="minor"/>
-      </dsp:style>
-    </dsp:sp>
-    <dsp:sp modelId="{D6853916-A787-4645-8300-F6B01D5465FD}">
-      <dsp:nvSpPr>
-        <dsp:cNvPr id="0" name=""/>
-        <dsp:cNvSpPr/>
-      </dsp:nvSpPr>
-      <dsp:spPr>
-        <a:xfrm>
-          <a:off x="3001999" y="1127737"/>
-          <a:ext cx="689062" cy="689062"/>
-        </a:xfrm>
-        <a:prstGeom prst="rect">
-          <a:avLst/>
-        </a:prstGeom>
-        <a:blipFill>
-          <a:blip xmlns:r="http://schemas.openxmlformats.org/officeDocument/2006/relationships" r:embed="rId3">
-            <a:extLst>
-              <a:ext uri="{28A0092B-C50C-407E-A947-70E740481C1C}">
-                <a14:useLocalDpi xmlns:a14="http://schemas.microsoft.com/office/drawing/2010/main" val="0"/>
-              </a:ext>
-              <a:ext uri="{96DAC541-7B7A-43D3-8B79-37D633B846F1}">
-                <asvg:svgBlip xmlns:asvg="http://schemas.microsoft.com/office/drawing/2016/SVG/main" r:embed="rId4"/>
-              </a:ext>
-            </a:extLst>
-          </a:blip>
-          <a:stretch>
-            <a:fillRect/>
-          </a:stretch>
-        </a:blipFill>
-        <a:ln w="19050" cap="flat" cmpd="sng" algn="ctr">
-          <a:solidFill>
-            <a:schemeClr val="lt1">
-              <a:alpha val="0"/>
-              <a:hueOff val="0"/>
-              <a:satOff val="0"/>
-              <a:lumOff val="0"/>
-              <a:alphaOff val="0"/>
-            </a:schemeClr>
-          </a:solidFill>
-          <a:prstDash val="solid"/>
-        </a:ln>
-        <a:effectLst/>
-      </dsp:spPr>
-      <dsp:style>
-        <a:lnRef idx="2">
-          <a:scrgbClr r="0" g="0" b="0"/>
-        </a:lnRef>
-        <a:fillRef idx="1">
-          <a:scrgbClr r="0" g="0" b="0"/>
-        </a:fillRef>
-        <a:effectRef idx="0">
-          <a:scrgbClr r="0" g="0" b="0"/>
-        </a:effectRef>
-        <a:fontRef idx="minor">
-          <a:schemeClr val="lt1"/>
-        </a:fontRef>
-      </dsp:style>
-    </dsp:sp>
-    <dsp:sp modelId="{1236D849-CB48-479C-B013-12E41455C64A}">
-      <dsp:nvSpPr>
-        <dsp:cNvPr id="0" name=""/>
-        <dsp:cNvSpPr/>
-      </dsp:nvSpPr>
-      <dsp:spPr>
-        <a:xfrm>
-          <a:off x="2362155" y="2446800"/>
-          <a:ext cx="1968750" cy="720000"/>
-        </a:xfrm>
-        <a:prstGeom prst="rect">
-          <a:avLst/>
-        </a:prstGeom>
-        <a:noFill/>
-        <a:ln>
-          <a:noFill/>
-        </a:ln>
-        <a:effectLst/>
-      </dsp:spPr>
-      <dsp:style>
-        <a:lnRef idx="0">
-          <a:scrgbClr r="0" g="0" b="0"/>
-        </a:lnRef>
-        <a:fillRef idx="0">
-          <a:scrgbClr r="0" g="0" b="0"/>
-        </a:fillRef>
-        <a:effectRef idx="0">
-          <a:scrgbClr r="0" g="0" b="0"/>
-        </a:effectRef>
-        <a:fontRef idx="minor"/>
-      </dsp:style>
-      <dsp:txBody>
-        <a:bodyPr spcFirstLastPara="0" vert="horz" wrap="square" lIns="0" tIns="0" rIns="0" bIns="0" numCol="1" spcCol="1270" anchor="t" anchorCtr="0">
-          <a:noAutofit/>
-        </a:bodyPr>
-        <a:lstStyle/>
-        <a:p>
-          <a:pPr marL="0" lvl="0" indent="0" algn="ctr" defTabSz="1422400">
-            <a:lnSpc>
-              <a:spcPct val="100000"/>
-            </a:lnSpc>
-            <a:spcBef>
-              <a:spcPct val="0"/>
-            </a:spcBef>
-            <a:spcAft>
-              <a:spcPct val="35000"/>
-            </a:spcAft>
-            <a:buNone/>
-            <a:defRPr cap="all"/>
-          </a:pPr>
-          <a:r>
-            <a:rPr lang="en-ZA" sz="3200" kern="1200" cap="none" dirty="0"/>
-            <a:t>Enthusiasm</a:t>
-          </a:r>
-          <a:endParaRPr lang="en-US" sz="3200" kern="1200" cap="none" dirty="0"/>
-        </a:p>
-      </dsp:txBody>
-      <dsp:txXfrm>
-        <a:off x="2362155" y="2446800"/>
-        <a:ext cx="1968750" cy="720000"/>
-      </dsp:txXfrm>
-    </dsp:sp>
-    <dsp:sp modelId="{1FBD15DA-15EC-437E-AD24-BB3FBA44188E}">
-      <dsp:nvSpPr>
-        <dsp:cNvPr id="0" name=""/>
-        <dsp:cNvSpPr/>
-      </dsp:nvSpPr>
-      <dsp:spPr>
-        <a:xfrm>
-          <a:off x="5059343" y="871800"/>
-          <a:ext cx="1200937" cy="1200937"/>
-        </a:xfrm>
-        <a:prstGeom prst="ellipse">
-          <a:avLst/>
-        </a:prstGeom>
-        <a:solidFill>
-          <a:schemeClr val="accent5">
-            <a:hueOff val="10875008"/>
-            <a:satOff val="-63485"/>
-            <a:lumOff val="-5097"/>
-            <a:alphaOff val="0"/>
-          </a:schemeClr>
-        </a:solidFill>
-        <a:ln>
-          <a:noFill/>
-        </a:ln>
-        <a:effectLst/>
-      </dsp:spPr>
-      <dsp:style>
-        <a:lnRef idx="0">
-          <a:scrgbClr r="0" g="0" b="0"/>
-        </a:lnRef>
-        <a:fillRef idx="1">
-          <a:scrgbClr r="0" g="0" b="0"/>
-        </a:fillRef>
-        <a:effectRef idx="0">
-          <a:scrgbClr r="0" g="0" b="0"/>
-        </a:effectRef>
-        <a:fontRef idx="minor"/>
-      </dsp:style>
-    </dsp:sp>
-    <dsp:sp modelId="{F978FA78-402E-430D-BD6D-B50543BC1779}">
-      <dsp:nvSpPr>
-        <dsp:cNvPr id="0" name=""/>
-        <dsp:cNvSpPr/>
-      </dsp:nvSpPr>
-      <dsp:spPr>
-        <a:xfrm>
-          <a:off x="5315280" y="1127737"/>
-          <a:ext cx="689062" cy="689062"/>
-        </a:xfrm>
-        <a:prstGeom prst="rect">
-          <a:avLst/>
-        </a:prstGeom>
-        <a:blipFill>
-          <a:blip xmlns:r="http://schemas.openxmlformats.org/officeDocument/2006/relationships" r:embed="rId5">
-            <a:extLst>
-              <a:ext uri="{28A0092B-C50C-407E-A947-70E740481C1C}">
-                <a14:useLocalDpi xmlns:a14="http://schemas.microsoft.com/office/drawing/2010/main" val="0"/>
-              </a:ext>
-              <a:ext uri="{96DAC541-7B7A-43D3-8B79-37D633B846F1}">
-                <asvg:svgBlip xmlns:asvg="http://schemas.microsoft.com/office/drawing/2016/SVG/main" r:embed="rId6"/>
-              </a:ext>
-            </a:extLst>
-          </a:blip>
-          <a:stretch>
-            <a:fillRect/>
-          </a:stretch>
-        </a:blipFill>
-        <a:ln w="19050" cap="flat" cmpd="sng" algn="ctr">
-          <a:solidFill>
-            <a:schemeClr val="lt1">
-              <a:alpha val="0"/>
-              <a:hueOff val="0"/>
-              <a:satOff val="0"/>
-              <a:lumOff val="0"/>
-              <a:alphaOff val="0"/>
-            </a:schemeClr>
-          </a:solidFill>
-          <a:prstDash val="solid"/>
-        </a:ln>
-        <a:effectLst/>
-      </dsp:spPr>
-      <dsp:style>
-        <a:lnRef idx="2">
-          <a:scrgbClr r="0" g="0" b="0"/>
-        </a:lnRef>
-        <a:fillRef idx="1">
-          <a:scrgbClr r="0" g="0" b="0"/>
-        </a:fillRef>
-        <a:effectRef idx="0">
-          <a:scrgbClr r="0" g="0" b="0"/>
-        </a:effectRef>
-        <a:fontRef idx="minor">
-          <a:schemeClr val="lt1"/>
-        </a:fontRef>
-      </dsp:style>
-    </dsp:sp>
-    <dsp:sp modelId="{1437B87F-714F-41BA-8ABB-43977D1FDD2E}">
-      <dsp:nvSpPr>
-        <dsp:cNvPr id="0" name=""/>
-        <dsp:cNvSpPr/>
-      </dsp:nvSpPr>
-      <dsp:spPr>
-        <a:xfrm>
-          <a:off x="4675436" y="2446800"/>
-          <a:ext cx="1968750" cy="720000"/>
-        </a:xfrm>
-        <a:prstGeom prst="rect">
-          <a:avLst/>
-        </a:prstGeom>
-        <a:noFill/>
-        <a:ln>
-          <a:noFill/>
-        </a:ln>
-        <a:effectLst/>
-      </dsp:spPr>
-      <dsp:style>
-        <a:lnRef idx="0">
-          <a:scrgbClr r="0" g="0" b="0"/>
-        </a:lnRef>
-        <a:fillRef idx="0">
-          <a:scrgbClr r="0" g="0" b="0"/>
-        </a:fillRef>
-        <a:effectRef idx="0">
-          <a:scrgbClr r="0" g="0" b="0"/>
-        </a:effectRef>
-        <a:fontRef idx="minor"/>
-      </dsp:style>
-      <dsp:txBody>
-        <a:bodyPr spcFirstLastPara="0" vert="horz" wrap="square" lIns="0" tIns="0" rIns="0" bIns="0" numCol="1" spcCol="1270" anchor="t" anchorCtr="0">
-          <a:noAutofit/>
-        </a:bodyPr>
-        <a:lstStyle/>
-        <a:p>
-          <a:pPr marL="0" lvl="0" indent="0" algn="ctr" defTabSz="1422400">
-            <a:lnSpc>
-              <a:spcPct val="100000"/>
-            </a:lnSpc>
-            <a:spcBef>
-              <a:spcPct val="0"/>
-            </a:spcBef>
-            <a:spcAft>
-              <a:spcPct val="35000"/>
-            </a:spcAft>
-            <a:buNone/>
-            <a:defRPr cap="all"/>
-          </a:pPr>
-          <a:r>
-            <a:rPr lang="en-ZA" sz="3200" kern="1200" cap="none" dirty="0"/>
-            <a:t>Discovery</a:t>
-          </a:r>
-          <a:endParaRPr lang="en-US" sz="3200" kern="1200" cap="none" dirty="0"/>
-        </a:p>
-      </dsp:txBody>
-      <dsp:txXfrm>
-        <a:off x="4675436" y="2446800"/>
-        <a:ext cx="1968750" cy="720000"/>
-      </dsp:txXfrm>
-    </dsp:sp>
-  </dsp:spTree>
-</dsp:drawing>
-</file>
-
-<file path=ppt/diagrams/drawing3.xml><?xml version="1.0" encoding="utf-8"?>
-<dsp:drawing xmlns:dgm="http://schemas.openxmlformats.org/drawingml/2006/diagram" xmlns:dsp="http://schemas.microsoft.com/office/drawing/2008/diagram" xmlns:a="http://schemas.openxmlformats.org/drawingml/2006/main">
-  <dsp:spTree>
-    <dsp:nvGrpSpPr>
-      <dsp:cNvPr id="0" name=""/>
-      <dsp:cNvGrpSpPr/>
-    </dsp:nvGrpSpPr>
-    <dsp:grpSpPr/>
     <dsp:sp modelId="{0659EFF8-8E37-48D0-8531-AA8591B030C2}">
       <dsp:nvSpPr>
         <dsp:cNvPr id="0" name=""/>
@@ -6913,221 +5308,6 @@
 </file>
 
 <file path=ppt/diagrams/layout2.xml><?xml version="1.0" encoding="utf-8"?>
-<dgm:layoutDef xmlns:dgm="http://schemas.openxmlformats.org/drawingml/2006/diagram" xmlns:a="http://schemas.openxmlformats.org/drawingml/2006/main" uniqueId="urn:microsoft.com/office/officeart/2018/5/layout/IconCircleLabelList">
-  <dgm:title val="Icon Circle Label List"/>
-  <dgm:desc val="Use to show non-sequential or grouped chunks of information accompanied by a related visuals. Works best with icons or small pictures with short text captions."/>
-  <dgm:catLst>
-    <dgm:cat type="icon" pri="500"/>
-  </dgm:catLst>
-  <dgm:sampData useDef="1">
-    <dgm:dataModel>
-      <dgm:ptLst/>
-      <dgm:bg/>
-      <dgm:whole/>
-    </dgm:dataModel>
-  </dgm:sampData>
-  <dgm:styleData useDef="1">
-    <dgm:dataModel>
-      <dgm:ptLst/>
-      <dgm:bg/>
-      <dgm:whole/>
-    </dgm:dataModel>
-  </dgm:styleData>
-  <dgm:clrData useDef="1">
-    <dgm:dataModel>
-      <dgm:ptLst/>
-      <dgm:bg/>
-      <dgm:whole/>
-    </dgm:dataModel>
-  </dgm:clrData>
-  <dgm:layoutNode name="root">
-    <dgm:varLst>
-      <dgm:dir/>
-      <dgm:resizeHandles val="exact"/>
-    </dgm:varLst>
-    <dgm:choose name="Name0">
-      <dgm:if name="Name1" axis="self" func="var" arg="dir" op="equ" val="norm">
-        <dgm:alg type="snake">
-          <dgm:param type="grDir" val="tL"/>
-          <dgm:param type="flowDir" val="row"/>
-          <dgm:param type="contDir" val="sameDir"/>
-          <dgm:param type="off" val="ctr"/>
-          <dgm:param type="vertAlign" val="mid"/>
-          <dgm:param type="horzAlign" val="ctr"/>
-        </dgm:alg>
-      </dgm:if>
-      <dgm:else name="Name2">
-        <dgm:alg type="snake">
-          <dgm:param type="grDir" val="tR"/>
-          <dgm:param type="flowDir" val="row"/>
-          <dgm:param type="contDir" val="sameDir"/>
-          <dgm:param type="off" val="ctr"/>
-          <dgm:param type="vertAlign" val="mid"/>
-          <dgm:param type="horzAlign" val="ctr"/>
-        </dgm:alg>
-      </dgm:else>
-    </dgm:choose>
-    <dgm:shape xmlns:r="http://schemas.openxmlformats.org/officeDocument/2006/relationships" r:blip="">
-      <dgm:adjLst/>
-    </dgm:shape>
-    <dgm:presOf/>
-    <dgm:choose name="Name3">
-      <dgm:if name="Name4" axis="ch" ptType="node" func="cnt" op="lte" val="2">
-        <dgm:constrLst>
-          <dgm:constr type="h" for="ch" forName="compNode" refType="h" fact="0.4"/>
-          <dgm:constr type="w" for="ch" forName="compNode" val="100"/>
-          <dgm:constr type="w" for="ch" forName="sibTrans" refType="w" refFor="ch" refForName="compNode" fact="0.175"/>
-          <dgm:constr type="sp" refType="w" refFor="ch" refForName="compNode" op="equ" fact="0.25"/>
-          <dgm:constr type="primFontSz" for="des" ptType="node" op="equ" val="44"/>
-          <dgm:constr type="h" for="des" forName="compNode" op="equ"/>
-          <dgm:constr type="h" for="des" forName="textRect" op="equ"/>
-        </dgm:constrLst>
-      </dgm:if>
-      <dgm:if name="Name5" axis="ch" ptType="node" func="cnt" op="lte" val="3">
-        <dgm:constrLst>
-          <dgm:constr type="h" for="ch" forName="compNode" refType="h" fact="0.4"/>
-          <dgm:constr type="w" for="ch" forName="compNode" val="100"/>
-          <dgm:constr type="w" for="ch" forName="sibTrans" refType="w" refFor="ch" refForName="compNode" fact="0.175"/>
-          <dgm:constr type="sp" refType="w" refFor="ch" refForName="compNode" op="equ" fact="0.25"/>
-          <dgm:constr type="primFontSz" for="des" ptType="node" op="equ" val="40"/>
-          <dgm:constr type="h" for="des" forName="compNode" op="equ"/>
-          <dgm:constr type="h" for="des" forName="textRect" op="equ"/>
-        </dgm:constrLst>
-      </dgm:if>
-      <dgm:if name="Name6" axis="ch" ptType="node" func="cnt" op="lte" val="4">
-        <dgm:constrLst>
-          <dgm:constr type="h" for="ch" forName="compNode" refType="h" fact="0.4"/>
-          <dgm:constr type="w" for="ch" forName="compNode" refType="w"/>
-          <dgm:constr type="w" for="ch" forName="sibTrans" refType="w" refFor="ch" refForName="compNode" fact="0.175"/>
-          <dgm:constr type="sp" refType="w" refFor="ch" refForName="compNode" op="equ" fact="0.25"/>
-          <dgm:constr type="primFontSz" for="des" ptType="node" op="equ" val="32"/>
-          <dgm:constr type="h" for="des" forName="compNode" op="equ"/>
-          <dgm:constr type="h" for="des" forName="textRect" op="equ"/>
-        </dgm:constrLst>
-      </dgm:if>
-      <dgm:else name="Name7">
-        <dgm:constrLst>
-          <dgm:constr type="h" for="ch" forName="compNode" refType="h" fact="0.4"/>
-          <dgm:constr type="w" for="ch" forName="compNode" refType="w"/>
-          <dgm:constr type="w" for="ch" forName="sibTrans" refType="w" refFor="ch" refForName="compNode" fact="0.175"/>
-          <dgm:constr type="sp" refType="w" refFor="ch" refForName="compNode" op="equ" fact="0.25"/>
-          <dgm:constr type="primFontSz" for="des" ptType="node" op="equ" val="24"/>
-          <dgm:constr type="h" for="des" forName="compNode" op="equ"/>
-          <dgm:constr type="h" for="des" forName="textRect" op="equ"/>
-        </dgm:constrLst>
-      </dgm:else>
-    </dgm:choose>
-    <dgm:ruleLst>
-      <dgm:rule type="w" for="ch" forName="compNode" val="50" fact="NaN" max="NaN"/>
-    </dgm:ruleLst>
-    <dgm:forEach name="Name8" axis="ch" ptType="node">
-      <dgm:layoutNode name="compNode">
-        <dgm:alg type="composite"/>
-        <dgm:shape xmlns:r="http://schemas.openxmlformats.org/officeDocument/2006/relationships" r:blip="">
-          <dgm:adjLst/>
-        </dgm:shape>
-        <dgm:presOf axis="self"/>
-        <dgm:constrLst>
-          <dgm:constr type="w" for="ch" forName="iconBgRect" refType="w" fact="0.61"/>
-          <dgm:constr type="h" for="ch" forName="iconBgRect" refType="w" refFor="ch" refForName="iconBgRect"/>
-          <dgm:constr type="t" for="ch" forName="iconBgRect"/>
-          <dgm:constr type="ctrX" for="ch" forName="iconBgRect" refType="w" fact="0.5"/>
-          <dgm:constr type="w" for="ch" forName="iconRect" refType="w" fact="0.35"/>
-          <dgm:constr type="h" for="ch" forName="iconRect" refType="w" refFor="ch" refForName="iconRect"/>
-          <dgm:constr type="ctrX" for="ch" forName="iconRect" refType="ctrX" refFor="ch" refForName="iconBgRect"/>
-          <dgm:constr type="ctrY" for="ch" forName="iconRect" refType="ctrY" refFor="ch" refForName="iconBgRect"/>
-          <dgm:constr type="h" for="ch" forName="spaceRect" refType="w" fact="0.19"/>
-          <dgm:constr type="w" for="ch" forName="spaceRect" refType="w"/>
-          <dgm:constr type="l" for="ch" forName="spaceRect"/>
-          <dgm:constr type="t" for="ch" forName="spaceRect" refType="b" refFor="ch" refForName="iconBgRect"/>
-          <dgm:constr type="h" for="ch" forName="textRect" val="20"/>
-          <dgm:constr type="w" for="ch" forName="textRect" refType="w"/>
-          <dgm:constr type="l" for="ch" forName="textRect"/>
-          <dgm:constr type="t" for="ch" forName="textRect" refType="b" refFor="ch" refForName="spaceRect"/>
-        </dgm:constrLst>
-        <dgm:ruleLst>
-          <dgm:rule type="h" val="INF" fact="NaN" max="NaN"/>
-        </dgm:ruleLst>
-        <dgm:layoutNode name="iconBgRect" styleLbl="bgShp">
-          <dgm:alg type="sp"/>
-          <dgm:shape xmlns:r="http://schemas.openxmlformats.org/officeDocument/2006/relationships" type="ellipse" r:blip="">
-            <dgm:adjLst/>
-          </dgm:shape>
-          <dgm:presOf/>
-          <dgm:constrLst/>
-          <dgm:ruleLst/>
-        </dgm:layoutNode>
-        <dgm:layoutNode name="iconRect" styleLbl="node1">
-          <dgm:alg type="sp"/>
-          <dgm:shape xmlns:r="http://schemas.openxmlformats.org/officeDocument/2006/relationships" type="rect" r:blip="" blipPhldr="1">
-            <dgm:adjLst/>
-          </dgm:shape>
-          <dgm:presOf/>
-          <dgm:constrLst/>
-          <dgm:ruleLst/>
-        </dgm:layoutNode>
-        <dgm:layoutNode name="spaceRect">
-          <dgm:alg type="sp"/>
-          <dgm:shape xmlns:r="http://schemas.openxmlformats.org/officeDocument/2006/relationships" r:blip="">
-            <dgm:adjLst/>
-          </dgm:shape>
-          <dgm:presOf/>
-          <dgm:constrLst/>
-          <dgm:ruleLst/>
-        </dgm:layoutNode>
-        <dgm:layoutNode name="textRect" styleLbl="revTx">
-          <dgm:varLst>
-            <dgm:chMax val="1"/>
-            <dgm:chPref val="1"/>
-          </dgm:varLst>
-          <dgm:alg type="tx">
-            <dgm:param type="txAnchorVert" val="t"/>
-          </dgm:alg>
-          <dgm:shape xmlns:r="http://schemas.openxmlformats.org/officeDocument/2006/relationships" type="rect" r:blip="">
-            <dgm:adjLst/>
-          </dgm:shape>
-          <dgm:presOf axis="self" ptType="node"/>
-          <dgm:constrLst>
-            <dgm:constr type="lMarg"/>
-            <dgm:constr type="rMarg"/>
-            <dgm:constr type="tMarg"/>
-            <dgm:constr type="bMarg"/>
-          </dgm:constrLst>
-          <dgm:ruleLst>
-            <dgm:rule type="primFontSz" val="11" fact="NaN" max="NaN"/>
-            <dgm:rule type="h" val="INF" fact="NaN" max="NaN"/>
-          </dgm:ruleLst>
-        </dgm:layoutNode>
-      </dgm:layoutNode>
-      <dgm:forEach name="Name9" axis="followSib" ptType="sibTrans" cnt="1">
-        <dgm:layoutNode name="sibTrans">
-          <dgm:alg type="sp"/>
-          <dgm:shape xmlns:r="http://schemas.openxmlformats.org/officeDocument/2006/relationships" r:blip="">
-            <dgm:adjLst/>
-          </dgm:shape>
-          <dgm:presOf axis="self"/>
-          <dgm:constrLst/>
-          <dgm:ruleLst/>
-        </dgm:layoutNode>
-      </dgm:forEach>
-    </dgm:forEach>
-  </dgm:layoutNode>
-  <dgm:extLst>
-    <a:ext uri="{68A01E43-0DF5-4B5B-8FA6-DAF915123BFB}">
-      <dgm1612:lstStyle xmlns:dgm1612="http://schemas.microsoft.com/office/drawing/2016/12/diagram">
-        <a:lvl1pPr>
-          <a:lnSpc>
-            <a:spcPct val="100000"/>
-          </a:lnSpc>
-          <a:defRPr cap="all"/>
-        </a:lvl1pPr>
-      </dgm1612:lstStyle>
-    </a:ext>
-  </dgm:extLst>
-</dgm:layoutDef>
-</file>
-
-<file path=ppt/diagrams/layout3.xml><?xml version="1.0" encoding="utf-8"?>
 <dgm:layoutDef xmlns:dgm="http://schemas.openxmlformats.org/drawingml/2006/diagram" xmlns:a="http://schemas.openxmlformats.org/drawingml/2006/main" uniqueId="urn:microsoft.com/office/officeart/2009/3/layout/PhasedProcess">
   <dgm:title val=""/>
   <dgm:desc val=""/>
@@ -9323,1040 +7503,6 @@
 </file>
 
 <file path=ppt/diagrams/quickStyle2.xml><?xml version="1.0" encoding="utf-8"?>
-<dgm:styleDef xmlns:dgm="http://schemas.openxmlformats.org/drawingml/2006/diagram" xmlns:a="http://schemas.openxmlformats.org/drawingml/2006/main" uniqueId="urn:microsoft.com/office/officeart/2005/8/quickstyle/simple1">
-  <dgm:title val=""/>
-  <dgm:desc val=""/>
-  <dgm:catLst>
-    <dgm:cat type="simple" pri="10100"/>
-  </dgm:catLst>
-  <dgm:scene3d>
-    <a:camera prst="orthographicFront"/>
-    <a:lightRig rig="threePt" dir="t"/>
-  </dgm:scene3d>
-  <dgm:styleLbl name="node0">
-    <dgm:scene3d>
-      <a:camera prst="orthographicFront"/>
-      <a:lightRig rig="threePt" dir="t"/>
-    </dgm:scene3d>
-    <dgm:sp3d/>
-    <dgm:txPr/>
-    <dgm:style>
-      <a:lnRef idx="2">
-        <a:scrgbClr r="0" g="0" b="0"/>
-      </a:lnRef>
-      <a:fillRef idx="1">
-        <a:scrgbClr r="0" g="0" b="0"/>
-      </a:fillRef>
-      <a:effectRef idx="0">
-        <a:scrgbClr r="0" g="0" b="0"/>
-      </a:effectRef>
-      <a:fontRef idx="minor">
-        <a:schemeClr val="lt1"/>
-      </a:fontRef>
-    </dgm:style>
-  </dgm:styleLbl>
-  <dgm:styleLbl name="lnNode1">
-    <dgm:scene3d>
-      <a:camera prst="orthographicFront"/>
-      <a:lightRig rig="threePt" dir="t"/>
-    </dgm:scene3d>
-    <dgm:sp3d/>
-    <dgm:txPr/>
-    <dgm:style>
-      <a:lnRef idx="2">
-        <a:scrgbClr r="0" g="0" b="0"/>
-      </a:lnRef>
-      <a:fillRef idx="1">
-        <a:scrgbClr r="0" g="0" b="0"/>
-      </a:fillRef>
-      <a:effectRef idx="0">
-        <a:scrgbClr r="0" g="0" b="0"/>
-      </a:effectRef>
-      <a:fontRef idx="minor">
-        <a:schemeClr val="lt1"/>
-      </a:fontRef>
-    </dgm:style>
-  </dgm:styleLbl>
-  <dgm:styleLbl name="vennNode1">
-    <dgm:scene3d>
-      <a:camera prst="orthographicFront"/>
-      <a:lightRig rig="threePt" dir="t"/>
-    </dgm:scene3d>
-    <dgm:sp3d/>
-    <dgm:txPr/>
-    <dgm:style>
-      <a:lnRef idx="2">
-        <a:scrgbClr r="0" g="0" b="0"/>
-      </a:lnRef>
-      <a:fillRef idx="1">
-        <a:scrgbClr r="0" g="0" b="0"/>
-      </a:fillRef>
-      <a:effectRef idx="0">
-        <a:scrgbClr r="0" g="0" b="0"/>
-      </a:effectRef>
-      <a:fontRef idx="minor">
-        <a:schemeClr val="tx1"/>
-      </a:fontRef>
-    </dgm:style>
-  </dgm:styleLbl>
-  <dgm:styleLbl name="alignNode1">
-    <dgm:scene3d>
-      <a:camera prst="orthographicFront"/>
-      <a:lightRig rig="threePt" dir="t"/>
-    </dgm:scene3d>
-    <dgm:sp3d/>
-    <dgm:txPr/>
-    <dgm:style>
-      <a:lnRef idx="2">
-        <a:scrgbClr r="0" g="0" b="0"/>
-      </a:lnRef>
-      <a:fillRef idx="1">
-        <a:scrgbClr r="0" g="0" b="0"/>
-      </a:fillRef>
-      <a:effectRef idx="0">
-        <a:scrgbClr r="0" g="0" b="0"/>
-      </a:effectRef>
-      <a:fontRef idx="minor">
-        <a:schemeClr val="lt1"/>
-      </a:fontRef>
-    </dgm:style>
-  </dgm:styleLbl>
-  <dgm:styleLbl name="node1">
-    <dgm:scene3d>
-      <a:camera prst="orthographicFront"/>
-      <a:lightRig rig="threePt" dir="t"/>
-    </dgm:scene3d>
-    <dgm:sp3d/>
-    <dgm:txPr/>
-    <dgm:style>
-      <a:lnRef idx="2">
-        <a:scrgbClr r="0" g="0" b="0"/>
-      </a:lnRef>
-      <a:fillRef idx="1">
-        <a:scrgbClr r="0" g="0" b="0"/>
-      </a:fillRef>
-      <a:effectRef idx="0">
-        <a:scrgbClr r="0" g="0" b="0"/>
-      </a:effectRef>
-      <a:fontRef idx="minor">
-        <a:schemeClr val="lt1"/>
-      </a:fontRef>
-    </dgm:style>
-  </dgm:styleLbl>
-  <dgm:styleLbl name="node2">
-    <dgm:scene3d>
-      <a:camera prst="orthographicFront"/>
-      <a:lightRig rig="threePt" dir="t"/>
-    </dgm:scene3d>
-    <dgm:sp3d/>
-    <dgm:txPr/>
-    <dgm:style>
-      <a:lnRef idx="2">
-        <a:scrgbClr r="0" g="0" b="0"/>
-      </a:lnRef>
-      <a:fillRef idx="1">
-        <a:scrgbClr r="0" g="0" b="0"/>
-      </a:fillRef>
-      <a:effectRef idx="0">
-        <a:scrgbClr r="0" g="0" b="0"/>
-      </a:effectRef>
-      <a:fontRef idx="minor">
-        <a:schemeClr val="lt1"/>
-      </a:fontRef>
-    </dgm:style>
-  </dgm:styleLbl>
-  <dgm:styleLbl name="node3">
-    <dgm:scene3d>
-      <a:camera prst="orthographicFront"/>
-      <a:lightRig rig="threePt" dir="t"/>
-    </dgm:scene3d>
-    <dgm:sp3d/>
-    <dgm:txPr/>
-    <dgm:style>
-      <a:lnRef idx="2">
-        <a:scrgbClr r="0" g="0" b="0"/>
-      </a:lnRef>
-      <a:fillRef idx="1">
-        <a:scrgbClr r="0" g="0" b="0"/>
-      </a:fillRef>
-      <a:effectRef idx="0">
-        <a:scrgbClr r="0" g="0" b="0"/>
-      </a:effectRef>
-      <a:fontRef idx="minor">
-        <a:schemeClr val="lt1"/>
-      </a:fontRef>
-    </dgm:style>
-  </dgm:styleLbl>
-  <dgm:styleLbl name="node4">
-    <dgm:scene3d>
-      <a:camera prst="orthographicFront"/>
-      <a:lightRig rig="threePt" dir="t"/>
-    </dgm:scene3d>
-    <dgm:sp3d/>
-    <dgm:txPr/>
-    <dgm:style>
-      <a:lnRef idx="2">
-        <a:scrgbClr r="0" g="0" b="0"/>
-      </a:lnRef>
-      <a:fillRef idx="1">
-        <a:scrgbClr r="0" g="0" b="0"/>
-      </a:fillRef>
-      <a:effectRef idx="0">
-        <a:scrgbClr r="0" g="0" b="0"/>
-      </a:effectRef>
-      <a:fontRef idx="minor">
-        <a:schemeClr val="lt1"/>
-      </a:fontRef>
-    </dgm:style>
-  </dgm:styleLbl>
-  <dgm:styleLbl name="fgImgPlace1">
-    <dgm:scene3d>
-      <a:camera prst="orthographicFront"/>
-      <a:lightRig rig="threePt" dir="t"/>
-    </dgm:scene3d>
-    <dgm:sp3d/>
-    <dgm:txPr/>
-    <dgm:style>
-      <a:lnRef idx="2">
-        <a:scrgbClr r="0" g="0" b="0"/>
-      </a:lnRef>
-      <a:fillRef idx="1">
-        <a:scrgbClr r="0" g="0" b="0"/>
-      </a:fillRef>
-      <a:effectRef idx="0">
-        <a:scrgbClr r="0" g="0" b="0"/>
-      </a:effectRef>
-      <a:fontRef idx="minor"/>
-    </dgm:style>
-  </dgm:styleLbl>
-  <dgm:styleLbl name="alignImgPlace1">
-    <dgm:scene3d>
-      <a:camera prst="orthographicFront"/>
-      <a:lightRig rig="threePt" dir="t"/>
-    </dgm:scene3d>
-    <dgm:sp3d/>
-    <dgm:txPr/>
-    <dgm:style>
-      <a:lnRef idx="2">
-        <a:scrgbClr r="0" g="0" b="0"/>
-      </a:lnRef>
-      <a:fillRef idx="1">
-        <a:scrgbClr r="0" g="0" b="0"/>
-      </a:fillRef>
-      <a:effectRef idx="0">
-        <a:scrgbClr r="0" g="0" b="0"/>
-      </a:effectRef>
-      <a:fontRef idx="minor"/>
-    </dgm:style>
-  </dgm:styleLbl>
-  <dgm:styleLbl name="bgImgPlace1">
-    <dgm:scene3d>
-      <a:camera prst="orthographicFront"/>
-      <a:lightRig rig="threePt" dir="t"/>
-    </dgm:scene3d>
-    <dgm:sp3d/>
-    <dgm:txPr/>
-    <dgm:style>
-      <a:lnRef idx="2">
-        <a:scrgbClr r="0" g="0" b="0"/>
-      </a:lnRef>
-      <a:fillRef idx="1">
-        <a:scrgbClr r="0" g="0" b="0"/>
-      </a:fillRef>
-      <a:effectRef idx="0">
-        <a:scrgbClr r="0" g="0" b="0"/>
-      </a:effectRef>
-      <a:fontRef idx="minor"/>
-    </dgm:style>
-  </dgm:styleLbl>
-  <dgm:styleLbl name="sibTrans2D1">
-    <dgm:scene3d>
-      <a:camera prst="orthographicFront"/>
-      <a:lightRig rig="threePt" dir="t"/>
-    </dgm:scene3d>
-    <dgm:sp3d/>
-    <dgm:txPr/>
-    <dgm:style>
-      <a:lnRef idx="0">
-        <a:scrgbClr r="0" g="0" b="0"/>
-      </a:lnRef>
-      <a:fillRef idx="1">
-        <a:scrgbClr r="0" g="0" b="0"/>
-      </a:fillRef>
-      <a:effectRef idx="0">
-        <a:scrgbClr r="0" g="0" b="0"/>
-      </a:effectRef>
-      <a:fontRef idx="minor">
-        <a:schemeClr val="lt1"/>
-      </a:fontRef>
-    </dgm:style>
-  </dgm:styleLbl>
-  <dgm:styleLbl name="fgSibTrans2D1">
-    <dgm:scene3d>
-      <a:camera prst="orthographicFront"/>
-      <a:lightRig rig="threePt" dir="t"/>
-    </dgm:scene3d>
-    <dgm:sp3d/>
-    <dgm:txPr/>
-    <dgm:style>
-      <a:lnRef idx="0">
-        <a:scrgbClr r="0" g="0" b="0"/>
-      </a:lnRef>
-      <a:fillRef idx="1">
-        <a:scrgbClr r="0" g="0" b="0"/>
-      </a:fillRef>
-      <a:effectRef idx="0">
-        <a:scrgbClr r="0" g="0" b="0"/>
-      </a:effectRef>
-      <a:fontRef idx="minor">
-        <a:schemeClr val="lt1"/>
-      </a:fontRef>
-    </dgm:style>
-  </dgm:styleLbl>
-  <dgm:styleLbl name="bgSibTrans2D1">
-    <dgm:scene3d>
-      <a:camera prst="orthographicFront"/>
-      <a:lightRig rig="threePt" dir="t"/>
-    </dgm:scene3d>
-    <dgm:sp3d/>
-    <dgm:txPr/>
-    <dgm:style>
-      <a:lnRef idx="0">
-        <a:scrgbClr r="0" g="0" b="0"/>
-      </a:lnRef>
-      <a:fillRef idx="1">
-        <a:scrgbClr r="0" g="0" b="0"/>
-      </a:fillRef>
-      <a:effectRef idx="0">
-        <a:scrgbClr r="0" g="0" b="0"/>
-      </a:effectRef>
-      <a:fontRef idx="minor">
-        <a:schemeClr val="lt1"/>
-      </a:fontRef>
-    </dgm:style>
-  </dgm:styleLbl>
-  <dgm:styleLbl name="sibTrans1D1">
-    <dgm:scene3d>
-      <a:camera prst="orthographicFront"/>
-      <a:lightRig rig="threePt" dir="t"/>
-    </dgm:scene3d>
-    <dgm:sp3d/>
-    <dgm:txPr/>
-    <dgm:style>
-      <a:lnRef idx="1">
-        <a:scrgbClr r="0" g="0" b="0"/>
-      </a:lnRef>
-      <a:fillRef idx="0">
-        <a:scrgbClr r="0" g="0" b="0"/>
-      </a:fillRef>
-      <a:effectRef idx="0">
-        <a:scrgbClr r="0" g="0" b="0"/>
-      </a:effectRef>
-      <a:fontRef idx="minor"/>
-    </dgm:style>
-  </dgm:styleLbl>
-  <dgm:styleLbl name="callout">
-    <dgm:scene3d>
-      <a:camera prst="orthographicFront"/>
-      <a:lightRig rig="threePt" dir="t"/>
-    </dgm:scene3d>
-    <dgm:sp3d/>
-    <dgm:txPr/>
-    <dgm:style>
-      <a:lnRef idx="2">
-        <a:scrgbClr r="0" g="0" b="0"/>
-      </a:lnRef>
-      <a:fillRef idx="1">
-        <a:scrgbClr r="0" g="0" b="0"/>
-      </a:fillRef>
-      <a:effectRef idx="0">
-        <a:scrgbClr r="0" g="0" b="0"/>
-      </a:effectRef>
-      <a:fontRef idx="minor"/>
-    </dgm:style>
-  </dgm:styleLbl>
-  <dgm:styleLbl name="asst0">
-    <dgm:scene3d>
-      <a:camera prst="orthographicFront"/>
-      <a:lightRig rig="threePt" dir="t"/>
-    </dgm:scene3d>
-    <dgm:sp3d/>
-    <dgm:txPr/>
-    <dgm:style>
-      <a:lnRef idx="2">
-        <a:scrgbClr r="0" g="0" b="0"/>
-      </a:lnRef>
-      <a:fillRef idx="1">
-        <a:scrgbClr r="0" g="0" b="0"/>
-      </a:fillRef>
-      <a:effectRef idx="0">
-        <a:scrgbClr r="0" g="0" b="0"/>
-      </a:effectRef>
-      <a:fontRef idx="minor">
-        <a:schemeClr val="lt1"/>
-      </a:fontRef>
-    </dgm:style>
-  </dgm:styleLbl>
-  <dgm:styleLbl name="asst1">
-    <dgm:scene3d>
-      <a:camera prst="orthographicFront"/>
-      <a:lightRig rig="threePt" dir="t"/>
-    </dgm:scene3d>
-    <dgm:sp3d/>
-    <dgm:txPr/>
-    <dgm:style>
-      <a:lnRef idx="2">
-        <a:scrgbClr r="0" g="0" b="0"/>
-      </a:lnRef>
-      <a:fillRef idx="1">
-        <a:scrgbClr r="0" g="0" b="0"/>
-      </a:fillRef>
-      <a:effectRef idx="0">
-        <a:scrgbClr r="0" g="0" b="0"/>
-      </a:effectRef>
-      <a:fontRef idx="minor">
-        <a:schemeClr val="lt1"/>
-      </a:fontRef>
-    </dgm:style>
-  </dgm:styleLbl>
-  <dgm:styleLbl name="asst2">
-    <dgm:scene3d>
-      <a:camera prst="orthographicFront"/>
-      <a:lightRig rig="threePt" dir="t"/>
-    </dgm:scene3d>
-    <dgm:sp3d/>
-    <dgm:txPr/>
-    <dgm:style>
-      <a:lnRef idx="2">
-        <a:scrgbClr r="0" g="0" b="0"/>
-      </a:lnRef>
-      <a:fillRef idx="1">
-        <a:scrgbClr r="0" g="0" b="0"/>
-      </a:fillRef>
-      <a:effectRef idx="0">
-        <a:scrgbClr r="0" g="0" b="0"/>
-      </a:effectRef>
-      <a:fontRef idx="minor">
-        <a:schemeClr val="lt1"/>
-      </a:fontRef>
-    </dgm:style>
-  </dgm:styleLbl>
-  <dgm:styleLbl name="asst3">
-    <dgm:scene3d>
-      <a:camera prst="orthographicFront"/>
-      <a:lightRig rig="threePt" dir="t"/>
-    </dgm:scene3d>
-    <dgm:sp3d/>
-    <dgm:txPr/>
-    <dgm:style>
-      <a:lnRef idx="2">
-        <a:scrgbClr r="0" g="0" b="0"/>
-      </a:lnRef>
-      <a:fillRef idx="1">
-        <a:scrgbClr r="0" g="0" b="0"/>
-      </a:fillRef>
-      <a:effectRef idx="0">
-        <a:scrgbClr r="0" g="0" b="0"/>
-      </a:effectRef>
-      <a:fontRef idx="minor">
-        <a:schemeClr val="lt1"/>
-      </a:fontRef>
-    </dgm:style>
-  </dgm:styleLbl>
-  <dgm:styleLbl name="asst4">
-    <dgm:scene3d>
-      <a:camera prst="orthographicFront"/>
-      <a:lightRig rig="threePt" dir="t"/>
-    </dgm:scene3d>
-    <dgm:sp3d/>
-    <dgm:txPr/>
-    <dgm:style>
-      <a:lnRef idx="2">
-        <a:scrgbClr r="0" g="0" b="0"/>
-      </a:lnRef>
-      <a:fillRef idx="1">
-        <a:scrgbClr r="0" g="0" b="0"/>
-      </a:fillRef>
-      <a:effectRef idx="0">
-        <a:scrgbClr r="0" g="0" b="0"/>
-      </a:effectRef>
-      <a:fontRef idx="minor">
-        <a:schemeClr val="lt1"/>
-      </a:fontRef>
-    </dgm:style>
-  </dgm:styleLbl>
-  <dgm:styleLbl name="parChTrans2D1">
-    <dgm:scene3d>
-      <a:camera prst="orthographicFront"/>
-      <a:lightRig rig="threePt" dir="t"/>
-    </dgm:scene3d>
-    <dgm:sp3d/>
-    <dgm:txPr/>
-    <dgm:style>
-      <a:lnRef idx="2">
-        <a:scrgbClr r="0" g="0" b="0"/>
-      </a:lnRef>
-      <a:fillRef idx="1">
-        <a:scrgbClr r="0" g="0" b="0"/>
-      </a:fillRef>
-      <a:effectRef idx="0">
-        <a:scrgbClr r="0" g="0" b="0"/>
-      </a:effectRef>
-      <a:fontRef idx="minor">
-        <a:schemeClr val="lt1"/>
-      </a:fontRef>
-    </dgm:style>
-  </dgm:styleLbl>
-  <dgm:styleLbl name="parChTrans2D2">
-    <dgm:scene3d>
-      <a:camera prst="orthographicFront"/>
-      <a:lightRig rig="threePt" dir="t"/>
-    </dgm:scene3d>
-    <dgm:sp3d/>
-    <dgm:txPr/>
-    <dgm:style>
-      <a:lnRef idx="2">
-        <a:scrgbClr r="0" g="0" b="0"/>
-      </a:lnRef>
-      <a:fillRef idx="1">
-        <a:scrgbClr r="0" g="0" b="0"/>
-      </a:fillRef>
-      <a:effectRef idx="0">
-        <a:scrgbClr r="0" g="0" b="0"/>
-      </a:effectRef>
-      <a:fontRef idx="minor">
-        <a:schemeClr val="lt1"/>
-      </a:fontRef>
-    </dgm:style>
-  </dgm:styleLbl>
-  <dgm:styleLbl name="parChTrans2D3">
-    <dgm:scene3d>
-      <a:camera prst="orthographicFront"/>
-      <a:lightRig rig="threePt" dir="t"/>
-    </dgm:scene3d>
-    <dgm:sp3d/>
-    <dgm:txPr/>
-    <dgm:style>
-      <a:lnRef idx="2">
-        <a:scrgbClr r="0" g="0" b="0"/>
-      </a:lnRef>
-      <a:fillRef idx="1">
-        <a:scrgbClr r="0" g="0" b="0"/>
-      </a:fillRef>
-      <a:effectRef idx="0">
-        <a:scrgbClr r="0" g="0" b="0"/>
-      </a:effectRef>
-      <a:fontRef idx="minor">
-        <a:schemeClr val="lt1"/>
-      </a:fontRef>
-    </dgm:style>
-  </dgm:styleLbl>
-  <dgm:styleLbl name="parChTrans2D4">
-    <dgm:scene3d>
-      <a:camera prst="orthographicFront"/>
-      <a:lightRig rig="threePt" dir="t"/>
-    </dgm:scene3d>
-    <dgm:sp3d/>
-    <dgm:txPr/>
-    <dgm:style>
-      <a:lnRef idx="2">
-        <a:scrgbClr r="0" g="0" b="0"/>
-      </a:lnRef>
-      <a:fillRef idx="1">
-        <a:scrgbClr r="0" g="0" b="0"/>
-      </a:fillRef>
-      <a:effectRef idx="0">
-        <a:scrgbClr r="0" g="0" b="0"/>
-      </a:effectRef>
-      <a:fontRef idx="minor">
-        <a:schemeClr val="lt1"/>
-      </a:fontRef>
-    </dgm:style>
-  </dgm:styleLbl>
-  <dgm:styleLbl name="parChTrans1D1">
-    <dgm:scene3d>
-      <a:camera prst="orthographicFront"/>
-      <a:lightRig rig="threePt" dir="t"/>
-    </dgm:scene3d>
-    <dgm:sp3d/>
-    <dgm:txPr/>
-    <dgm:style>
-      <a:lnRef idx="2">
-        <a:scrgbClr r="0" g="0" b="0"/>
-      </a:lnRef>
-      <a:fillRef idx="0">
-        <a:scrgbClr r="0" g="0" b="0"/>
-      </a:fillRef>
-      <a:effectRef idx="0">
-        <a:scrgbClr r="0" g="0" b="0"/>
-      </a:effectRef>
-      <a:fontRef idx="minor"/>
-    </dgm:style>
-  </dgm:styleLbl>
-  <dgm:styleLbl name="parChTrans1D2">
-    <dgm:scene3d>
-      <a:camera prst="orthographicFront"/>
-      <a:lightRig rig="threePt" dir="t"/>
-    </dgm:scene3d>
-    <dgm:sp3d/>
-    <dgm:txPr/>
-    <dgm:style>
-      <a:lnRef idx="2">
-        <a:scrgbClr r="0" g="0" b="0"/>
-      </a:lnRef>
-      <a:fillRef idx="0">
-        <a:scrgbClr r="0" g="0" b="0"/>
-      </a:fillRef>
-      <a:effectRef idx="0">
-        <a:scrgbClr r="0" g="0" b="0"/>
-      </a:effectRef>
-      <a:fontRef idx="minor"/>
-    </dgm:style>
-  </dgm:styleLbl>
-  <dgm:styleLbl name="parChTrans1D3">
-    <dgm:scene3d>
-      <a:camera prst="orthographicFront"/>
-      <a:lightRig rig="threePt" dir="t"/>
-    </dgm:scene3d>
-    <dgm:sp3d/>
-    <dgm:txPr/>
-    <dgm:style>
-      <a:lnRef idx="2">
-        <a:scrgbClr r="0" g="0" b="0"/>
-      </a:lnRef>
-      <a:fillRef idx="0">
-        <a:scrgbClr r="0" g="0" b="0"/>
-      </a:fillRef>
-      <a:effectRef idx="0">
-        <a:scrgbClr r="0" g="0" b="0"/>
-      </a:effectRef>
-      <a:fontRef idx="minor"/>
-    </dgm:style>
-  </dgm:styleLbl>
-  <dgm:styleLbl name="parChTrans1D4">
-    <dgm:scene3d>
-      <a:camera prst="orthographicFront"/>
-      <a:lightRig rig="threePt" dir="t"/>
-    </dgm:scene3d>
-    <dgm:sp3d/>
-    <dgm:txPr/>
-    <dgm:style>
-      <a:lnRef idx="2">
-        <a:scrgbClr r="0" g="0" b="0"/>
-      </a:lnRef>
-      <a:fillRef idx="0">
-        <a:scrgbClr r="0" g="0" b="0"/>
-      </a:fillRef>
-      <a:effectRef idx="0">
-        <a:scrgbClr r="0" g="0" b="0"/>
-      </a:effectRef>
-      <a:fontRef idx="minor"/>
-    </dgm:style>
-  </dgm:styleLbl>
-  <dgm:styleLbl name="fgAcc1">
-    <dgm:scene3d>
-      <a:camera prst="orthographicFront"/>
-      <a:lightRig rig="threePt" dir="t"/>
-    </dgm:scene3d>
-    <dgm:sp3d/>
-    <dgm:txPr/>
-    <dgm:style>
-      <a:lnRef idx="2">
-        <a:scrgbClr r="0" g="0" b="0"/>
-      </a:lnRef>
-      <a:fillRef idx="1">
-        <a:scrgbClr r="0" g="0" b="0"/>
-      </a:fillRef>
-      <a:effectRef idx="0">
-        <a:scrgbClr r="0" g="0" b="0"/>
-      </a:effectRef>
-      <a:fontRef idx="minor"/>
-    </dgm:style>
-  </dgm:styleLbl>
-  <dgm:styleLbl name="conFgAcc1">
-    <dgm:scene3d>
-      <a:camera prst="orthographicFront"/>
-      <a:lightRig rig="threePt" dir="t"/>
-    </dgm:scene3d>
-    <dgm:sp3d/>
-    <dgm:txPr/>
-    <dgm:style>
-      <a:lnRef idx="2">
-        <a:scrgbClr r="0" g="0" b="0"/>
-      </a:lnRef>
-      <a:fillRef idx="1">
-        <a:scrgbClr r="0" g="0" b="0"/>
-      </a:fillRef>
-      <a:effectRef idx="0">
-        <a:scrgbClr r="0" g="0" b="0"/>
-      </a:effectRef>
-      <a:fontRef idx="minor"/>
-    </dgm:style>
-  </dgm:styleLbl>
-  <dgm:styleLbl name="alignAcc1">
-    <dgm:scene3d>
-      <a:camera prst="orthographicFront"/>
-      <a:lightRig rig="threePt" dir="t"/>
-    </dgm:scene3d>
-    <dgm:sp3d/>
-    <dgm:txPr/>
-    <dgm:style>
-      <a:lnRef idx="2">
-        <a:scrgbClr r="0" g="0" b="0"/>
-      </a:lnRef>
-      <a:fillRef idx="1">
-        <a:scrgbClr r="0" g="0" b="0"/>
-      </a:fillRef>
-      <a:effectRef idx="0">
-        <a:scrgbClr r="0" g="0" b="0"/>
-      </a:effectRef>
-      <a:fontRef idx="minor"/>
-    </dgm:style>
-  </dgm:styleLbl>
-  <dgm:styleLbl name="trAlignAcc1">
-    <dgm:scene3d>
-      <a:camera prst="orthographicFront"/>
-      <a:lightRig rig="threePt" dir="t"/>
-    </dgm:scene3d>
-    <dgm:sp3d/>
-    <dgm:txPr/>
-    <dgm:style>
-      <a:lnRef idx="1">
-        <a:scrgbClr r="0" g="0" b="0"/>
-      </a:lnRef>
-      <a:fillRef idx="1">
-        <a:scrgbClr r="0" g="0" b="0"/>
-      </a:fillRef>
-      <a:effectRef idx="0">
-        <a:scrgbClr r="0" g="0" b="0"/>
-      </a:effectRef>
-      <a:fontRef idx="minor"/>
-    </dgm:style>
-  </dgm:styleLbl>
-  <dgm:styleLbl name="bgAcc1">
-    <dgm:scene3d>
-      <a:camera prst="orthographicFront"/>
-      <a:lightRig rig="threePt" dir="t"/>
-    </dgm:scene3d>
-    <dgm:sp3d/>
-    <dgm:txPr/>
-    <dgm:style>
-      <a:lnRef idx="2">
-        <a:scrgbClr r="0" g="0" b="0"/>
-      </a:lnRef>
-      <a:fillRef idx="1">
-        <a:scrgbClr r="0" g="0" b="0"/>
-      </a:fillRef>
-      <a:effectRef idx="0">
-        <a:scrgbClr r="0" g="0" b="0"/>
-      </a:effectRef>
-      <a:fontRef idx="minor"/>
-    </dgm:style>
-  </dgm:styleLbl>
-  <dgm:styleLbl name="solidFgAcc1">
-    <dgm:scene3d>
-      <a:camera prst="orthographicFront"/>
-      <a:lightRig rig="threePt" dir="t"/>
-    </dgm:scene3d>
-    <dgm:sp3d/>
-    <dgm:txPr/>
-    <dgm:style>
-      <a:lnRef idx="2">
-        <a:scrgbClr r="0" g="0" b="0"/>
-      </a:lnRef>
-      <a:fillRef idx="1">
-        <a:scrgbClr r="0" g="0" b="0"/>
-      </a:fillRef>
-      <a:effectRef idx="0">
-        <a:scrgbClr r="0" g="0" b="0"/>
-      </a:effectRef>
-      <a:fontRef idx="minor"/>
-    </dgm:style>
-  </dgm:styleLbl>
-  <dgm:styleLbl name="solidAlignAcc1">
-    <dgm:scene3d>
-      <a:camera prst="orthographicFront"/>
-      <a:lightRig rig="threePt" dir="t"/>
-    </dgm:scene3d>
-    <dgm:sp3d/>
-    <dgm:txPr/>
-    <dgm:style>
-      <a:lnRef idx="2">
-        <a:scrgbClr r="0" g="0" b="0"/>
-      </a:lnRef>
-      <a:fillRef idx="1">
-        <a:scrgbClr r="0" g="0" b="0"/>
-      </a:fillRef>
-      <a:effectRef idx="0">
-        <a:scrgbClr r="0" g="0" b="0"/>
-      </a:effectRef>
-      <a:fontRef idx="minor"/>
-    </dgm:style>
-  </dgm:styleLbl>
-  <dgm:styleLbl name="solidBgAcc1">
-    <dgm:scene3d>
-      <a:camera prst="orthographicFront"/>
-      <a:lightRig rig="threePt" dir="t"/>
-    </dgm:scene3d>
-    <dgm:sp3d/>
-    <dgm:txPr/>
-    <dgm:style>
-      <a:lnRef idx="2">
-        <a:scrgbClr r="0" g="0" b="0"/>
-      </a:lnRef>
-      <a:fillRef idx="1">
-        <a:scrgbClr r="0" g="0" b="0"/>
-      </a:fillRef>
-      <a:effectRef idx="0">
-        <a:scrgbClr r="0" g="0" b="0"/>
-      </a:effectRef>
-      <a:fontRef idx="minor"/>
-    </dgm:style>
-  </dgm:styleLbl>
-  <dgm:styleLbl name="fgAccFollowNode1">
-    <dgm:scene3d>
-      <a:camera prst="orthographicFront"/>
-      <a:lightRig rig="threePt" dir="t"/>
-    </dgm:scene3d>
-    <dgm:sp3d/>
-    <dgm:txPr/>
-    <dgm:style>
-      <a:lnRef idx="2">
-        <a:scrgbClr r="0" g="0" b="0"/>
-      </a:lnRef>
-      <a:fillRef idx="1">
-        <a:scrgbClr r="0" g="0" b="0"/>
-      </a:fillRef>
-      <a:effectRef idx="0">
-        <a:scrgbClr r="0" g="0" b="0"/>
-      </a:effectRef>
-      <a:fontRef idx="minor"/>
-    </dgm:style>
-  </dgm:styleLbl>
-  <dgm:styleLbl name="alignAccFollowNode1">
-    <dgm:scene3d>
-      <a:camera prst="orthographicFront"/>
-      <a:lightRig rig="threePt" dir="t"/>
-    </dgm:scene3d>
-    <dgm:sp3d/>
-    <dgm:txPr/>
-    <dgm:style>
-      <a:lnRef idx="2">
-        <a:scrgbClr r="0" g="0" b="0"/>
-      </a:lnRef>
-      <a:fillRef idx="1">
-        <a:scrgbClr r="0" g="0" b="0"/>
-      </a:fillRef>
-      <a:effectRef idx="0">
-        <a:scrgbClr r="0" g="0" b="0"/>
-      </a:effectRef>
-      <a:fontRef idx="minor"/>
-    </dgm:style>
-  </dgm:styleLbl>
-  <dgm:styleLbl name="bgAccFollowNode1">
-    <dgm:scene3d>
-      <a:camera prst="orthographicFront"/>
-      <a:lightRig rig="threePt" dir="t"/>
-    </dgm:scene3d>
-    <dgm:sp3d/>
-    <dgm:txPr/>
-    <dgm:style>
-      <a:lnRef idx="2">
-        <a:scrgbClr r="0" g="0" b="0"/>
-      </a:lnRef>
-      <a:fillRef idx="1">
-        <a:scrgbClr r="0" g="0" b="0"/>
-      </a:fillRef>
-      <a:effectRef idx="0">
-        <a:scrgbClr r="0" g="0" b="0"/>
-      </a:effectRef>
-      <a:fontRef idx="minor"/>
-    </dgm:style>
-  </dgm:styleLbl>
-  <dgm:styleLbl name="fgAcc0">
-    <dgm:scene3d>
-      <a:camera prst="orthographicFront"/>
-      <a:lightRig rig="threePt" dir="t"/>
-    </dgm:scene3d>
-    <dgm:sp3d/>
-    <dgm:txPr/>
-    <dgm:style>
-      <a:lnRef idx="2">
-        <a:scrgbClr r="0" g="0" b="0"/>
-      </a:lnRef>
-      <a:fillRef idx="1">
-        <a:scrgbClr r="0" g="0" b="0"/>
-      </a:fillRef>
-      <a:effectRef idx="0">
-        <a:scrgbClr r="0" g="0" b="0"/>
-      </a:effectRef>
-      <a:fontRef idx="minor"/>
-    </dgm:style>
-  </dgm:styleLbl>
-  <dgm:styleLbl name="fgAcc2">
-    <dgm:scene3d>
-      <a:camera prst="orthographicFront"/>
-      <a:lightRig rig="threePt" dir="t"/>
-    </dgm:scene3d>
-    <dgm:sp3d/>
-    <dgm:txPr/>
-    <dgm:style>
-      <a:lnRef idx="2">
-        <a:scrgbClr r="0" g="0" b="0"/>
-      </a:lnRef>
-      <a:fillRef idx="1">
-        <a:scrgbClr r="0" g="0" b="0"/>
-      </a:fillRef>
-      <a:effectRef idx="0">
-        <a:scrgbClr r="0" g="0" b="0"/>
-      </a:effectRef>
-      <a:fontRef idx="minor"/>
-    </dgm:style>
-  </dgm:styleLbl>
-  <dgm:styleLbl name="fgAcc3">
-    <dgm:scene3d>
-      <a:camera prst="orthographicFront"/>
-      <a:lightRig rig="threePt" dir="t"/>
-    </dgm:scene3d>
-    <dgm:sp3d/>
-    <dgm:txPr/>
-    <dgm:style>
-      <a:lnRef idx="2">
-        <a:scrgbClr r="0" g="0" b="0"/>
-      </a:lnRef>
-      <a:fillRef idx="1">
-        <a:scrgbClr r="0" g="0" b="0"/>
-      </a:fillRef>
-      <a:effectRef idx="0">
-        <a:scrgbClr r="0" g="0" b="0"/>
-      </a:effectRef>
-      <a:fontRef idx="minor"/>
-    </dgm:style>
-  </dgm:styleLbl>
-  <dgm:styleLbl name="fgAcc4">
-    <dgm:scene3d>
-      <a:camera prst="orthographicFront"/>
-      <a:lightRig rig="threePt" dir="t"/>
-    </dgm:scene3d>
-    <dgm:sp3d/>
-    <dgm:txPr/>
-    <dgm:style>
-      <a:lnRef idx="2">
-        <a:scrgbClr r="0" g="0" b="0"/>
-      </a:lnRef>
-      <a:fillRef idx="1">
-        <a:scrgbClr r="0" g="0" b="0"/>
-      </a:fillRef>
-      <a:effectRef idx="0">
-        <a:scrgbClr r="0" g="0" b="0"/>
-      </a:effectRef>
-      <a:fontRef idx="minor"/>
-    </dgm:style>
-  </dgm:styleLbl>
-  <dgm:styleLbl name="bgShp">
-    <dgm:scene3d>
-      <a:camera prst="orthographicFront"/>
-      <a:lightRig rig="threePt" dir="t"/>
-    </dgm:scene3d>
-    <dgm:sp3d/>
-    <dgm:txPr/>
-    <dgm:style>
-      <a:lnRef idx="0">
-        <a:scrgbClr r="0" g="0" b="0"/>
-      </a:lnRef>
-      <a:fillRef idx="1">
-        <a:scrgbClr r="0" g="0" b="0"/>
-      </a:fillRef>
-      <a:effectRef idx="0">
-        <a:scrgbClr r="0" g="0" b="0"/>
-      </a:effectRef>
-      <a:fontRef idx="minor"/>
-    </dgm:style>
-  </dgm:styleLbl>
-  <dgm:styleLbl name="dkBgShp">
-    <dgm:scene3d>
-      <a:camera prst="orthographicFront"/>
-      <a:lightRig rig="threePt" dir="t"/>
-    </dgm:scene3d>
-    <dgm:sp3d/>
-    <dgm:txPr/>
-    <dgm:style>
-      <a:lnRef idx="0">
-        <a:scrgbClr r="0" g="0" b="0"/>
-      </a:lnRef>
-      <a:fillRef idx="1">
-        <a:scrgbClr r="0" g="0" b="0"/>
-      </a:fillRef>
-      <a:effectRef idx="0">
-        <a:scrgbClr r="0" g="0" b="0"/>
-      </a:effectRef>
-      <a:fontRef idx="minor"/>
-    </dgm:style>
-  </dgm:styleLbl>
-  <dgm:styleLbl name="trBgShp">
-    <dgm:scene3d>
-      <a:camera prst="orthographicFront"/>
-      <a:lightRig rig="threePt" dir="t"/>
-    </dgm:scene3d>
-    <dgm:sp3d/>
-    <dgm:txPr/>
-    <dgm:style>
-      <a:lnRef idx="0">
-        <a:scrgbClr r="0" g="0" b="0"/>
-      </a:lnRef>
-      <a:fillRef idx="1">
-        <a:scrgbClr r="0" g="0" b="0"/>
-      </a:fillRef>
-      <a:effectRef idx="0">
-        <a:scrgbClr r="0" g="0" b="0"/>
-      </a:effectRef>
-      <a:fontRef idx="minor"/>
-    </dgm:style>
-  </dgm:styleLbl>
-  <dgm:styleLbl name="fgShp">
-    <dgm:scene3d>
-      <a:camera prst="orthographicFront"/>
-      <a:lightRig rig="threePt" dir="t"/>
-    </dgm:scene3d>
-    <dgm:sp3d/>
-    <dgm:txPr/>
-    <dgm:style>
-      <a:lnRef idx="2">
-        <a:scrgbClr r="0" g="0" b="0"/>
-      </a:lnRef>
-      <a:fillRef idx="1">
-        <a:scrgbClr r="0" g="0" b="0"/>
-      </a:fillRef>
-      <a:effectRef idx="0">
-        <a:scrgbClr r="0" g="0" b="0"/>
-      </a:effectRef>
-      <a:fontRef idx="minor"/>
-    </dgm:style>
-  </dgm:styleLbl>
-  <dgm:styleLbl name="revTx">
-    <dgm:scene3d>
-      <a:camera prst="orthographicFront"/>
-      <a:lightRig rig="threePt" dir="t"/>
-    </dgm:scene3d>
-    <dgm:sp3d/>
-    <dgm:txPr/>
-    <dgm:style>
-      <a:lnRef idx="0">
-        <a:scrgbClr r="0" g="0" b="0"/>
-      </a:lnRef>
-      <a:fillRef idx="0">
-        <a:scrgbClr r="0" g="0" b="0"/>
-      </a:fillRef>
-      <a:effectRef idx="0">
-        <a:scrgbClr r="0" g="0" b="0"/>
-      </a:effectRef>
-      <a:fontRef idx="minor"/>
-    </dgm:style>
-  </dgm:styleLbl>
-</dgm:styleDef>
-</file>
-
-<file path=ppt/diagrams/quickStyle3.xml><?xml version="1.0" encoding="utf-8"?>
 <dgm:styleDef xmlns:dgm="http://schemas.openxmlformats.org/drawingml/2006/diagram" xmlns:a="http://schemas.openxmlformats.org/drawingml/2006/main" uniqueId="urn:microsoft.com/office/officeart/2005/8/quickstyle/simple3">
   <dgm:title val=""/>
   <dgm:desc val=""/>
@@ -16000,31 +13146,6 @@
       </p:grpSpPr>
       <p:sp>
         <p:nvSpPr>
-          <p:cNvPr id="2" name="Title 1">
-            <a:extLst>
-              <a:ext uri="{FF2B5EF4-FFF2-40B4-BE49-F238E27FC236}">
-                <a16:creationId xmlns:a16="http://schemas.microsoft.com/office/drawing/2014/main" id="{A75862A5-C2BF-B677-BDC6-719C72B67DB8}"/>
-              </a:ext>
-            </a:extLst>
-          </p:cNvPr>
-          <p:cNvSpPr>
-            <a:spLocks noGrp="1"/>
-          </p:cNvSpPr>
-          <p:nvPr>
-            <p:ph type="title"/>
-          </p:nvPr>
-        </p:nvSpPr>
-        <p:spPr/>
-        <p:txBody>
-          <a:bodyPr/>
-          <a:lstStyle/>
-          <a:p>
-            <a:endParaRPr lang="en-FI"/>
-          </a:p>
-        </p:txBody>
-      </p:sp>
-      <p:sp>
-        <p:nvSpPr>
           <p:cNvPr id="3" name="Content Placeholder 2">
             <a:extLst>
               <a:ext uri="{FF2B5EF4-FFF2-40B4-BE49-F238E27FC236}">
@@ -16039,11 +13160,186 @@
             <p:ph idx="1"/>
           </p:nvPr>
         </p:nvSpPr>
-        <p:spPr/>
+        <p:spPr>
+          <a:xfrm>
+            <a:off x="523783" y="4740676"/>
+            <a:ext cx="11185864" cy="1626892"/>
+          </a:xfrm>
+        </p:spPr>
         <p:txBody>
           <a:bodyPr/>
           <a:lstStyle/>
           <a:p>
+            <a:endParaRPr lang="en-FI"/>
+          </a:p>
+        </p:txBody>
+      </p:sp>
+      <p:sp>
+        <p:nvSpPr>
+          <p:cNvPr id="8" name="TextBox 7">
+            <a:extLst>
+              <a:ext uri="{FF2B5EF4-FFF2-40B4-BE49-F238E27FC236}">
+                <a16:creationId xmlns:a16="http://schemas.microsoft.com/office/drawing/2014/main" id="{86BFC7D6-5CAE-BFBB-7ACF-049FEF989161}"/>
+              </a:ext>
+            </a:extLst>
+          </p:cNvPr>
+          <p:cNvSpPr txBox="1"/>
+          <p:nvPr/>
+        </p:nvSpPr>
+        <p:spPr>
+          <a:xfrm>
+            <a:off x="292963" y="323314"/>
+            <a:ext cx="826390" cy="584775"/>
+          </a:xfrm>
+          <a:prstGeom prst="rect">
+            <a:avLst/>
+          </a:prstGeom>
+          <a:noFill/>
+          <a:ln>
+            <a:noFill/>
+          </a:ln>
+        </p:spPr>
+        <p:txBody>
+          <a:bodyPr wrap="square" lIns="108000" rIns="108000" rtlCol="0" anchor="ctr">
+            <a:spAutoFit/>
+          </a:bodyPr>
+          <a:lstStyle/>
+          <a:p>
+            <a:pPr algn="ctr"/>
+            <a:r>
+              <a:rPr lang="en-US" altLang="ko-KR" sz="3200" b="1">
+                <a:solidFill>
+                  <a:schemeClr val="tx1">
+                    <a:lumMod val="75000"/>
+                    <a:lumOff val="25000"/>
+                  </a:schemeClr>
+                </a:solidFill>
+                <a:cs typeface="Arial" pitchFamily="34" charset="0"/>
+              </a:rPr>
+              <a:t>08</a:t>
+            </a:r>
+            <a:endParaRPr lang="ko-KR" altLang="en-US" sz="3200" b="1" dirty="0">
+              <a:solidFill>
+                <a:schemeClr val="tx1">
+                  <a:lumMod val="75000"/>
+                  <a:lumOff val="25000"/>
+                </a:schemeClr>
+              </a:solidFill>
+              <a:cs typeface="Arial" pitchFamily="34" charset="0"/>
+            </a:endParaRPr>
+          </a:p>
+        </p:txBody>
+      </p:sp>
+      <p:sp>
+        <p:nvSpPr>
+          <p:cNvPr id="11" name="TextBox 10">
+            <a:extLst>
+              <a:ext uri="{FF2B5EF4-FFF2-40B4-BE49-F238E27FC236}">
+                <a16:creationId xmlns:a16="http://schemas.microsoft.com/office/drawing/2014/main" id="{37B58FC4-5334-80E9-99F3-B1FC227F2AEA}"/>
+              </a:ext>
+            </a:extLst>
+          </p:cNvPr>
+          <p:cNvSpPr txBox="1"/>
+          <p:nvPr/>
+        </p:nvSpPr>
+        <p:spPr>
+          <a:xfrm>
+            <a:off x="1119353" y="388738"/>
+            <a:ext cx="7921543" cy="519351"/>
+          </a:xfrm>
+          <a:prstGeom prst="roundRect">
+            <a:avLst>
+              <a:gd name="adj" fmla="val 50000"/>
+            </a:avLst>
+          </a:prstGeom>
+          <a:solidFill>
+            <a:srgbClr val="D3E171"/>
+          </a:solidFill>
+        </p:spPr>
+        <p:style>
+          <a:lnRef idx="2">
+            <a:schemeClr val="accent5">
+              <a:shade val="15000"/>
+            </a:schemeClr>
+          </a:lnRef>
+          <a:fillRef idx="1">
+            <a:schemeClr val="accent5"/>
+          </a:fillRef>
+          <a:effectRef idx="0">
+            <a:schemeClr val="accent5"/>
+          </a:effectRef>
+          <a:fontRef idx="minor">
+            <a:schemeClr val="lt1"/>
+          </a:fontRef>
+        </p:style>
+        <p:txBody>
+          <a:bodyPr wrap="square" lIns="274320" rtlCol="0" anchor="ctr">
+            <a:spAutoFit/>
+          </a:bodyPr>
+          <a:lstStyle/>
+          <a:p>
+            <a:r>
+              <a:rPr lang="en-US" altLang="ko-KR" b="1">
+                <a:solidFill>
+                  <a:schemeClr val="tx1">
+                    <a:lumMod val="75000"/>
+                    <a:lumOff val="25000"/>
+                  </a:schemeClr>
+                </a:solidFill>
+                <a:cs typeface="Arial" pitchFamily="34" charset="0"/>
+              </a:rPr>
+              <a:t>Shipping Options and Sales Impact</a:t>
+            </a:r>
+            <a:endParaRPr lang="ko-KR" altLang="en-US" b="1" dirty="0">
+              <a:solidFill>
+                <a:schemeClr val="tx1">
+                  <a:lumMod val="75000"/>
+                  <a:lumOff val="25000"/>
+                </a:schemeClr>
+              </a:solidFill>
+              <a:cs typeface="Arial" pitchFamily="34" charset="0"/>
+            </a:endParaRPr>
+          </a:p>
+        </p:txBody>
+      </p:sp>
+      <p:sp>
+        <p:nvSpPr>
+          <p:cNvPr id="4" name="TextBox 3">
+            <a:extLst>
+              <a:ext uri="{FF2B5EF4-FFF2-40B4-BE49-F238E27FC236}">
+                <a16:creationId xmlns:a16="http://schemas.microsoft.com/office/drawing/2014/main" id="{789FB2C3-B16B-2184-7FB7-9F7D7A4508F0}"/>
+              </a:ext>
+            </a:extLst>
+          </p:cNvPr>
+          <p:cNvSpPr txBox="1"/>
+          <p:nvPr/>
+        </p:nvSpPr>
+        <p:spPr>
+          <a:xfrm>
+            <a:off x="3047260" y="2969554"/>
+            <a:ext cx="6094520" cy="923330"/>
+          </a:xfrm>
+          <a:prstGeom prst="rect">
+            <a:avLst/>
+          </a:prstGeom>
+          <a:noFill/>
+        </p:spPr>
+        <p:txBody>
+          <a:bodyPr wrap="square">
+            <a:spAutoFit/>
+          </a:bodyPr>
+          <a:lstStyle/>
+          <a:p>
+            <a:r>
+              <a:rPr lang="en-US"/>
+              <a:t>Analysis of how different shipping options (including express shipping availability) affect sales volumes.</a:t>
+            </a:r>
+          </a:p>
+          <a:p>
+            <a:r>
+              <a:rPr lang="en-US"/>
+              <a:t>Highlight preferences and trends related to shipping.</a:t>
+            </a:r>
             <a:endParaRPr lang="en-FI"/>
           </a:p>
         </p:txBody>
@@ -16051,7 +13347,7 @@
     </p:spTree>
     <p:extLst>
       <p:ext uri="{BB962C8B-B14F-4D97-AF65-F5344CB8AC3E}">
-        <p14:creationId xmlns:p14="http://schemas.microsoft.com/office/powerpoint/2010/main" val="408947109"/>
+        <p14:creationId xmlns:p14="http://schemas.microsoft.com/office/powerpoint/2010/main" val="3057922407"/>
       </p:ext>
     </p:extLst>
   </p:cSld>
@@ -16080,31 +13376,6 @@
       </p:grpSpPr>
       <p:sp>
         <p:nvSpPr>
-          <p:cNvPr id="2" name="Title 1">
-            <a:extLst>
-              <a:ext uri="{FF2B5EF4-FFF2-40B4-BE49-F238E27FC236}">
-                <a16:creationId xmlns:a16="http://schemas.microsoft.com/office/drawing/2014/main" id="{A75862A5-C2BF-B677-BDC6-719C72B67DB8}"/>
-              </a:ext>
-            </a:extLst>
-          </p:cNvPr>
-          <p:cNvSpPr>
-            <a:spLocks noGrp="1"/>
-          </p:cNvSpPr>
-          <p:nvPr>
-            <p:ph type="title"/>
-          </p:nvPr>
-        </p:nvSpPr>
-        <p:spPr/>
-        <p:txBody>
-          <a:bodyPr/>
-          <a:lstStyle/>
-          <a:p>
-            <a:endParaRPr lang="en-FI"/>
-          </a:p>
-        </p:txBody>
-      </p:sp>
-      <p:sp>
-        <p:nvSpPr>
           <p:cNvPr id="3" name="Content Placeholder 2">
             <a:extLst>
               <a:ext uri="{FF2B5EF4-FFF2-40B4-BE49-F238E27FC236}">
@@ -16119,11 +13390,186 @@
             <p:ph idx="1"/>
           </p:nvPr>
         </p:nvSpPr>
-        <p:spPr/>
+        <p:spPr>
+          <a:xfrm>
+            <a:off x="523783" y="3515557"/>
+            <a:ext cx="11185864" cy="2852011"/>
+          </a:xfrm>
+        </p:spPr>
         <p:txBody>
           <a:bodyPr/>
           <a:lstStyle/>
           <a:p>
+            <a:endParaRPr lang="en-FI"/>
+          </a:p>
+        </p:txBody>
+      </p:sp>
+      <p:sp>
+        <p:nvSpPr>
+          <p:cNvPr id="8" name="TextBox 7">
+            <a:extLst>
+              <a:ext uri="{FF2B5EF4-FFF2-40B4-BE49-F238E27FC236}">
+                <a16:creationId xmlns:a16="http://schemas.microsoft.com/office/drawing/2014/main" id="{86BFC7D6-5CAE-BFBB-7ACF-049FEF989161}"/>
+              </a:ext>
+            </a:extLst>
+          </p:cNvPr>
+          <p:cNvSpPr txBox="1"/>
+          <p:nvPr/>
+        </p:nvSpPr>
+        <p:spPr>
+          <a:xfrm>
+            <a:off x="292963" y="323314"/>
+            <a:ext cx="826390" cy="584775"/>
+          </a:xfrm>
+          <a:prstGeom prst="rect">
+            <a:avLst/>
+          </a:prstGeom>
+          <a:noFill/>
+          <a:ln>
+            <a:noFill/>
+          </a:ln>
+        </p:spPr>
+        <p:txBody>
+          <a:bodyPr wrap="square" lIns="108000" rIns="108000" rtlCol="0" anchor="ctr">
+            <a:spAutoFit/>
+          </a:bodyPr>
+          <a:lstStyle/>
+          <a:p>
+            <a:pPr algn="ctr"/>
+            <a:r>
+              <a:rPr lang="en-US" altLang="ko-KR" sz="3200" b="1">
+                <a:solidFill>
+                  <a:schemeClr val="tx1">
+                    <a:lumMod val="75000"/>
+                    <a:lumOff val="25000"/>
+                  </a:schemeClr>
+                </a:solidFill>
+                <a:cs typeface="Arial" pitchFamily="34" charset="0"/>
+              </a:rPr>
+              <a:t>09</a:t>
+            </a:r>
+            <a:endParaRPr lang="ko-KR" altLang="en-US" sz="3200" b="1" dirty="0">
+              <a:solidFill>
+                <a:schemeClr val="tx1">
+                  <a:lumMod val="75000"/>
+                  <a:lumOff val="25000"/>
+                </a:schemeClr>
+              </a:solidFill>
+              <a:cs typeface="Arial" pitchFamily="34" charset="0"/>
+            </a:endParaRPr>
+          </a:p>
+        </p:txBody>
+      </p:sp>
+      <p:sp>
+        <p:nvSpPr>
+          <p:cNvPr id="11" name="TextBox 10">
+            <a:extLst>
+              <a:ext uri="{FF2B5EF4-FFF2-40B4-BE49-F238E27FC236}">
+                <a16:creationId xmlns:a16="http://schemas.microsoft.com/office/drawing/2014/main" id="{37B58FC4-5334-80E9-99F3-B1FC227F2AEA}"/>
+              </a:ext>
+            </a:extLst>
+          </p:cNvPr>
+          <p:cNvSpPr txBox="1"/>
+          <p:nvPr/>
+        </p:nvSpPr>
+        <p:spPr>
+          <a:xfrm>
+            <a:off x="1119353" y="388738"/>
+            <a:ext cx="7921543" cy="519351"/>
+          </a:xfrm>
+          <a:prstGeom prst="roundRect">
+            <a:avLst>
+              <a:gd name="adj" fmla="val 50000"/>
+            </a:avLst>
+          </a:prstGeom>
+          <a:solidFill>
+            <a:srgbClr val="D3E171"/>
+          </a:solidFill>
+        </p:spPr>
+        <p:style>
+          <a:lnRef idx="2">
+            <a:schemeClr val="accent5">
+              <a:shade val="15000"/>
+            </a:schemeClr>
+          </a:lnRef>
+          <a:fillRef idx="1">
+            <a:schemeClr val="accent5"/>
+          </a:fillRef>
+          <a:effectRef idx="0">
+            <a:schemeClr val="accent5"/>
+          </a:effectRef>
+          <a:fontRef idx="minor">
+            <a:schemeClr val="lt1"/>
+          </a:fontRef>
+        </p:style>
+        <p:txBody>
+          <a:bodyPr wrap="square" lIns="274320" rtlCol="0" anchor="ctr">
+            <a:spAutoFit/>
+          </a:bodyPr>
+          <a:lstStyle/>
+          <a:p>
+            <a:r>
+              <a:rPr lang="en-US" altLang="ko-KR" b="1">
+                <a:solidFill>
+                  <a:schemeClr val="tx1">
+                    <a:lumMod val="75000"/>
+                    <a:lumOff val="25000"/>
+                  </a:schemeClr>
+                </a:solidFill>
+                <a:cs typeface="Arial" pitchFamily="34" charset="0"/>
+              </a:rPr>
+              <a:t>Urgency and Sales</a:t>
+            </a:r>
+            <a:endParaRPr lang="ko-KR" altLang="en-US" b="1" dirty="0">
+              <a:solidFill>
+                <a:schemeClr val="tx1">
+                  <a:lumMod val="75000"/>
+                  <a:lumOff val="25000"/>
+                </a:schemeClr>
+              </a:solidFill>
+              <a:cs typeface="Arial" pitchFamily="34" charset="0"/>
+            </a:endParaRPr>
+          </a:p>
+        </p:txBody>
+      </p:sp>
+      <p:sp>
+        <p:nvSpPr>
+          <p:cNvPr id="4" name="TextBox 3">
+            <a:extLst>
+              <a:ext uri="{FF2B5EF4-FFF2-40B4-BE49-F238E27FC236}">
+                <a16:creationId xmlns:a16="http://schemas.microsoft.com/office/drawing/2014/main" id="{3B0F3F85-613C-579A-74E8-B200BDC331C0}"/>
+              </a:ext>
+            </a:extLst>
+          </p:cNvPr>
+          <p:cNvSpPr txBox="1"/>
+          <p:nvPr/>
+        </p:nvSpPr>
+        <p:spPr>
+          <a:xfrm>
+            <a:off x="2032864" y="1739102"/>
+            <a:ext cx="6094520" cy="1200329"/>
+          </a:xfrm>
+          <a:prstGeom prst="rect">
+            <a:avLst/>
+          </a:prstGeom>
+          <a:noFill/>
+        </p:spPr>
+        <p:txBody>
+          <a:bodyPr wrap="square">
+            <a:spAutoFit/>
+          </a:bodyPr>
+          <a:lstStyle/>
+          <a:p>
+            <a:r>
+              <a:rPr lang="en-US"/>
+              <a:t>Explore the presence of an urgency banner (e.g., limited stock) on product listings and its impact on sales.</a:t>
+            </a:r>
+          </a:p>
+          <a:p>
+            <a:r>
+              <a:rPr lang="en-US"/>
+              <a:t>Provide insights into consumer behavior related to urgency in purchasing.</a:t>
+            </a:r>
             <a:endParaRPr lang="en-FI"/>
           </a:p>
         </p:txBody>
@@ -16131,7 +13577,7 @@
     </p:spTree>
     <p:extLst>
       <p:ext uri="{BB962C8B-B14F-4D97-AF65-F5344CB8AC3E}">
-        <p14:creationId xmlns:p14="http://schemas.microsoft.com/office/powerpoint/2010/main" val="1513074550"/>
+        <p14:creationId xmlns:p14="http://schemas.microsoft.com/office/powerpoint/2010/main" val="1843469264"/>
       </p:ext>
     </p:extLst>
   </p:cSld>
@@ -16160,31 +13606,6 @@
       </p:grpSpPr>
       <p:sp>
         <p:nvSpPr>
-          <p:cNvPr id="2" name="Title 1">
-            <a:extLst>
-              <a:ext uri="{FF2B5EF4-FFF2-40B4-BE49-F238E27FC236}">
-                <a16:creationId xmlns:a16="http://schemas.microsoft.com/office/drawing/2014/main" id="{A75862A5-C2BF-B677-BDC6-719C72B67DB8}"/>
-              </a:ext>
-            </a:extLst>
-          </p:cNvPr>
-          <p:cNvSpPr>
-            <a:spLocks noGrp="1"/>
-          </p:cNvSpPr>
-          <p:nvPr>
-            <p:ph type="title"/>
-          </p:nvPr>
-        </p:nvSpPr>
-        <p:spPr/>
-        <p:txBody>
-          <a:bodyPr/>
-          <a:lstStyle/>
-          <a:p>
-            <a:endParaRPr lang="en-FI"/>
-          </a:p>
-        </p:txBody>
-      </p:sp>
-      <p:sp>
-        <p:nvSpPr>
           <p:cNvPr id="3" name="Content Placeholder 2">
             <a:extLst>
               <a:ext uri="{FF2B5EF4-FFF2-40B4-BE49-F238E27FC236}">
@@ -16199,11 +13620,186 @@
             <p:ph idx="1"/>
           </p:nvPr>
         </p:nvSpPr>
-        <p:spPr/>
+        <p:spPr>
+          <a:xfrm>
+            <a:off x="523783" y="2583402"/>
+            <a:ext cx="11185864" cy="3784166"/>
+          </a:xfrm>
+        </p:spPr>
         <p:txBody>
           <a:bodyPr/>
           <a:lstStyle/>
           <a:p>
+            <a:endParaRPr lang="en-FI"/>
+          </a:p>
+        </p:txBody>
+      </p:sp>
+      <p:sp>
+        <p:nvSpPr>
+          <p:cNvPr id="8" name="TextBox 7">
+            <a:extLst>
+              <a:ext uri="{FF2B5EF4-FFF2-40B4-BE49-F238E27FC236}">
+                <a16:creationId xmlns:a16="http://schemas.microsoft.com/office/drawing/2014/main" id="{86BFC7D6-5CAE-BFBB-7ACF-049FEF989161}"/>
+              </a:ext>
+            </a:extLst>
+          </p:cNvPr>
+          <p:cNvSpPr txBox="1"/>
+          <p:nvPr/>
+        </p:nvSpPr>
+        <p:spPr>
+          <a:xfrm>
+            <a:off x="292963" y="323314"/>
+            <a:ext cx="826390" cy="584775"/>
+          </a:xfrm>
+          <a:prstGeom prst="rect">
+            <a:avLst/>
+          </a:prstGeom>
+          <a:noFill/>
+          <a:ln>
+            <a:noFill/>
+          </a:ln>
+        </p:spPr>
+        <p:txBody>
+          <a:bodyPr wrap="square" lIns="108000" rIns="108000" rtlCol="0" anchor="ctr">
+            <a:spAutoFit/>
+          </a:bodyPr>
+          <a:lstStyle/>
+          <a:p>
+            <a:pPr algn="ctr"/>
+            <a:r>
+              <a:rPr lang="en-US" altLang="ko-KR" sz="3200" b="1">
+                <a:solidFill>
+                  <a:schemeClr val="tx1">
+                    <a:lumMod val="75000"/>
+                    <a:lumOff val="25000"/>
+                  </a:schemeClr>
+                </a:solidFill>
+                <a:cs typeface="Arial" pitchFamily="34" charset="0"/>
+              </a:rPr>
+              <a:t>10</a:t>
+            </a:r>
+            <a:endParaRPr lang="ko-KR" altLang="en-US" sz="3200" b="1" dirty="0">
+              <a:solidFill>
+                <a:schemeClr val="tx1">
+                  <a:lumMod val="75000"/>
+                  <a:lumOff val="25000"/>
+                </a:schemeClr>
+              </a:solidFill>
+              <a:cs typeface="Arial" pitchFamily="34" charset="0"/>
+            </a:endParaRPr>
+          </a:p>
+        </p:txBody>
+      </p:sp>
+      <p:sp>
+        <p:nvSpPr>
+          <p:cNvPr id="11" name="TextBox 10">
+            <a:extLst>
+              <a:ext uri="{FF2B5EF4-FFF2-40B4-BE49-F238E27FC236}">
+                <a16:creationId xmlns:a16="http://schemas.microsoft.com/office/drawing/2014/main" id="{37B58FC4-5334-80E9-99F3-B1FC227F2AEA}"/>
+              </a:ext>
+            </a:extLst>
+          </p:cNvPr>
+          <p:cNvSpPr txBox="1"/>
+          <p:nvPr/>
+        </p:nvSpPr>
+        <p:spPr>
+          <a:xfrm>
+            <a:off x="1119353" y="388738"/>
+            <a:ext cx="7921543" cy="519351"/>
+          </a:xfrm>
+          <a:prstGeom prst="roundRect">
+            <a:avLst>
+              <a:gd name="adj" fmla="val 50000"/>
+            </a:avLst>
+          </a:prstGeom>
+          <a:solidFill>
+            <a:srgbClr val="D3E171"/>
+          </a:solidFill>
+        </p:spPr>
+        <p:style>
+          <a:lnRef idx="2">
+            <a:schemeClr val="accent5">
+              <a:shade val="15000"/>
+            </a:schemeClr>
+          </a:lnRef>
+          <a:fillRef idx="1">
+            <a:schemeClr val="accent5"/>
+          </a:fillRef>
+          <a:effectRef idx="0">
+            <a:schemeClr val="accent5"/>
+          </a:effectRef>
+          <a:fontRef idx="minor">
+            <a:schemeClr val="lt1"/>
+          </a:fontRef>
+        </p:style>
+        <p:txBody>
+          <a:bodyPr wrap="square" lIns="274320" rtlCol="0" anchor="ctr">
+            <a:spAutoFit/>
+          </a:bodyPr>
+          <a:lstStyle/>
+          <a:p>
+            <a:r>
+              <a:rPr lang="en-US" altLang="ko-KR" b="1">
+                <a:solidFill>
+                  <a:schemeClr val="tx1">
+                    <a:lumMod val="75000"/>
+                    <a:lumOff val="25000"/>
+                  </a:schemeClr>
+                </a:solidFill>
+                <a:cs typeface="Arial" pitchFamily="34" charset="0"/>
+              </a:rPr>
+              <a:t>Top Selling Products and Success Factors</a:t>
+            </a:r>
+            <a:endParaRPr lang="ko-KR" altLang="en-US" b="1" dirty="0">
+              <a:solidFill>
+                <a:schemeClr val="tx1">
+                  <a:lumMod val="75000"/>
+                  <a:lumOff val="25000"/>
+                </a:schemeClr>
+              </a:solidFill>
+              <a:cs typeface="Arial" pitchFamily="34" charset="0"/>
+            </a:endParaRPr>
+          </a:p>
+        </p:txBody>
+      </p:sp>
+      <p:sp>
+        <p:nvSpPr>
+          <p:cNvPr id="4" name="TextBox 3">
+            <a:extLst>
+              <a:ext uri="{FF2B5EF4-FFF2-40B4-BE49-F238E27FC236}">
+                <a16:creationId xmlns:a16="http://schemas.microsoft.com/office/drawing/2014/main" id="{48DC1376-FBA0-3354-B6C9-BB44F0B3548D}"/>
+              </a:ext>
+            </a:extLst>
+          </p:cNvPr>
+          <p:cNvSpPr txBox="1"/>
+          <p:nvPr/>
+        </p:nvSpPr>
+        <p:spPr>
+          <a:xfrm>
+            <a:off x="706158" y="1145581"/>
+            <a:ext cx="6094520" cy="1200329"/>
+          </a:xfrm>
+          <a:prstGeom prst="rect">
+            <a:avLst/>
+          </a:prstGeom>
+          <a:noFill/>
+        </p:spPr>
+        <p:txBody>
+          <a:bodyPr wrap="square">
+            <a:spAutoFit/>
+          </a:bodyPr>
+          <a:lstStyle/>
+          <a:p>
+            <a:r>
+              <a:rPr lang="en-US"/>
+              <a:t>Showcase top-selling products and identify common factors contributing to their success.</a:t>
+            </a:r>
+          </a:p>
+          <a:p>
+            <a:r>
+              <a:rPr lang="en-US"/>
+              <a:t>Summarize key elements that can be leveraged for future product listings and marketing strategies.</a:t>
+            </a:r>
             <a:endParaRPr lang="en-FI"/>
           </a:p>
         </p:txBody>
@@ -16211,7 +13807,7 @@
     </p:spTree>
     <p:extLst>
       <p:ext uri="{BB962C8B-B14F-4D97-AF65-F5344CB8AC3E}">
-        <p14:creationId xmlns:p14="http://schemas.microsoft.com/office/powerpoint/2010/main" val="1871810703"/>
+        <p14:creationId xmlns:p14="http://schemas.microsoft.com/office/powerpoint/2010/main" val="2684801169"/>
       </p:ext>
     </p:extLst>
   </p:cSld>
@@ -16240,31 +13836,6 @@
       </p:grpSpPr>
       <p:sp>
         <p:nvSpPr>
-          <p:cNvPr id="2" name="Title 1">
-            <a:extLst>
-              <a:ext uri="{FF2B5EF4-FFF2-40B4-BE49-F238E27FC236}">
-                <a16:creationId xmlns:a16="http://schemas.microsoft.com/office/drawing/2014/main" id="{A75862A5-C2BF-B677-BDC6-719C72B67DB8}"/>
-              </a:ext>
-            </a:extLst>
-          </p:cNvPr>
-          <p:cNvSpPr>
-            <a:spLocks noGrp="1"/>
-          </p:cNvSpPr>
-          <p:nvPr>
-            <p:ph type="title"/>
-          </p:nvPr>
-        </p:nvSpPr>
-        <p:spPr/>
-        <p:txBody>
-          <a:bodyPr/>
-          <a:lstStyle/>
-          <a:p>
-            <a:endParaRPr lang="en-FI"/>
-          </a:p>
-        </p:txBody>
-      </p:sp>
-      <p:sp>
-        <p:nvSpPr>
           <p:cNvPr id="3" name="Content Placeholder 2">
             <a:extLst>
               <a:ext uri="{FF2B5EF4-FFF2-40B4-BE49-F238E27FC236}">
@@ -16279,19 +13850,162 @@
             <p:ph idx="1"/>
           </p:nvPr>
         </p:nvSpPr>
-        <p:spPr/>
+        <p:spPr>
+          <a:xfrm>
+            <a:off x="523783" y="1269505"/>
+            <a:ext cx="11185864" cy="5098063"/>
+          </a:xfrm>
+        </p:spPr>
         <p:txBody>
           <a:bodyPr/>
           <a:lstStyle/>
           <a:p>
+            <a:r>
+              <a:rPr lang="en-US">
+                <a:solidFill>
+                  <a:schemeClr val="tx1"/>
+                </a:solidFill>
+              </a:rPr>
+              <a:t>How about trying to validate the established idea of human sensitiveness to price drops ? (discounted price compared to original retail_price)</a:t>
+            </a:r>
+          </a:p>
+          <a:p>
             <a:endParaRPr lang="en-FI"/>
+          </a:p>
+        </p:txBody>
+      </p:sp>
+      <p:sp>
+        <p:nvSpPr>
+          <p:cNvPr id="8" name="TextBox 7">
+            <a:extLst>
+              <a:ext uri="{FF2B5EF4-FFF2-40B4-BE49-F238E27FC236}">
+                <a16:creationId xmlns:a16="http://schemas.microsoft.com/office/drawing/2014/main" id="{86BFC7D6-5CAE-BFBB-7ACF-049FEF989161}"/>
+              </a:ext>
+            </a:extLst>
+          </p:cNvPr>
+          <p:cNvSpPr txBox="1"/>
+          <p:nvPr/>
+        </p:nvSpPr>
+        <p:spPr>
+          <a:xfrm>
+            <a:off x="292963" y="323314"/>
+            <a:ext cx="826390" cy="584775"/>
+          </a:xfrm>
+          <a:prstGeom prst="rect">
+            <a:avLst/>
+          </a:prstGeom>
+          <a:noFill/>
+          <a:ln>
+            <a:noFill/>
+          </a:ln>
+        </p:spPr>
+        <p:txBody>
+          <a:bodyPr wrap="square" lIns="108000" rIns="108000" rtlCol="0" anchor="ctr">
+            <a:spAutoFit/>
+          </a:bodyPr>
+          <a:lstStyle/>
+          <a:p>
+            <a:pPr algn="ctr"/>
+            <a:r>
+              <a:rPr lang="en-US" altLang="ko-KR" sz="3200" b="1">
+                <a:solidFill>
+                  <a:schemeClr val="tx1">
+                    <a:lumMod val="75000"/>
+                    <a:lumOff val="25000"/>
+                  </a:schemeClr>
+                </a:solidFill>
+                <a:cs typeface="Arial" pitchFamily="34" charset="0"/>
+              </a:rPr>
+              <a:t>11</a:t>
+            </a:r>
+            <a:endParaRPr lang="ko-KR" altLang="en-US" sz="3200" b="1" dirty="0">
+              <a:solidFill>
+                <a:schemeClr val="tx1">
+                  <a:lumMod val="75000"/>
+                  <a:lumOff val="25000"/>
+                </a:schemeClr>
+              </a:solidFill>
+              <a:cs typeface="Arial" pitchFamily="34" charset="0"/>
+            </a:endParaRPr>
+          </a:p>
+        </p:txBody>
+      </p:sp>
+      <p:sp>
+        <p:nvSpPr>
+          <p:cNvPr id="11" name="TextBox 10">
+            <a:extLst>
+              <a:ext uri="{FF2B5EF4-FFF2-40B4-BE49-F238E27FC236}">
+                <a16:creationId xmlns:a16="http://schemas.microsoft.com/office/drawing/2014/main" id="{37B58FC4-5334-80E9-99F3-B1FC227F2AEA}"/>
+              </a:ext>
+            </a:extLst>
+          </p:cNvPr>
+          <p:cNvSpPr txBox="1"/>
+          <p:nvPr/>
+        </p:nvSpPr>
+        <p:spPr>
+          <a:xfrm>
+            <a:off x="1119353" y="388738"/>
+            <a:ext cx="7921543" cy="519351"/>
+          </a:xfrm>
+          <a:prstGeom prst="roundRect">
+            <a:avLst>
+              <a:gd name="adj" fmla="val 50000"/>
+            </a:avLst>
+          </a:prstGeom>
+          <a:solidFill>
+            <a:srgbClr val="D3E171"/>
+          </a:solidFill>
+        </p:spPr>
+        <p:style>
+          <a:lnRef idx="2">
+            <a:schemeClr val="accent5">
+              <a:shade val="15000"/>
+            </a:schemeClr>
+          </a:lnRef>
+          <a:fillRef idx="1">
+            <a:schemeClr val="accent5"/>
+          </a:fillRef>
+          <a:effectRef idx="0">
+            <a:schemeClr val="accent5"/>
+          </a:effectRef>
+          <a:fontRef idx="minor">
+            <a:schemeClr val="lt1"/>
+          </a:fontRef>
+        </p:style>
+        <p:txBody>
+          <a:bodyPr wrap="square" lIns="274320" rtlCol="0" anchor="ctr">
+            <a:spAutoFit/>
+          </a:bodyPr>
+          <a:lstStyle/>
+          <a:p>
+            <a:r>
+              <a:rPr lang="en-US" altLang="ko-KR" b="1">
+                <a:solidFill>
+                  <a:schemeClr val="tx1">
+                    <a:lumMod val="75000"/>
+                    <a:lumOff val="25000"/>
+                  </a:schemeClr>
+                </a:solidFill>
+                <a:cs typeface="Arial" pitchFamily="34" charset="0"/>
+              </a:rPr>
+              <a:t>Human sensitiveness to price drops</a:t>
+            </a:r>
+            <a:endParaRPr lang="ko-KR" altLang="en-US" b="1" dirty="0">
+              <a:solidFill>
+                <a:schemeClr val="tx1">
+                  <a:lumMod val="75000"/>
+                  <a:lumOff val="25000"/>
+                </a:schemeClr>
+              </a:solidFill>
+              <a:cs typeface="Arial" pitchFamily="34" charset="0"/>
+            </a:endParaRPr>
           </a:p>
         </p:txBody>
       </p:sp>
     </p:spTree>
     <p:extLst>
       <p:ext uri="{BB962C8B-B14F-4D97-AF65-F5344CB8AC3E}">
-        <p14:creationId xmlns:p14="http://schemas.microsoft.com/office/powerpoint/2010/main" val="1337360001"/>
+        <p14:creationId xmlns:p14="http://schemas.microsoft.com/office/powerpoint/2010/main" val="3090820305"/>
       </p:ext>
     </p:extLst>
   </p:cSld>
@@ -16320,31 +14034,6 @@
       </p:grpSpPr>
       <p:sp>
         <p:nvSpPr>
-          <p:cNvPr id="2" name="Title 1">
-            <a:extLst>
-              <a:ext uri="{FF2B5EF4-FFF2-40B4-BE49-F238E27FC236}">
-                <a16:creationId xmlns:a16="http://schemas.microsoft.com/office/drawing/2014/main" id="{A75862A5-C2BF-B677-BDC6-719C72B67DB8}"/>
-              </a:ext>
-            </a:extLst>
-          </p:cNvPr>
-          <p:cNvSpPr>
-            <a:spLocks noGrp="1"/>
-          </p:cNvSpPr>
-          <p:nvPr>
-            <p:ph type="title"/>
-          </p:nvPr>
-        </p:nvSpPr>
-        <p:spPr/>
-        <p:txBody>
-          <a:bodyPr/>
-          <a:lstStyle/>
-          <a:p>
-            <a:endParaRPr lang="en-FI"/>
-          </a:p>
-        </p:txBody>
-      </p:sp>
-      <p:sp>
-        <p:nvSpPr>
           <p:cNvPr id="3" name="Content Placeholder 2">
             <a:extLst>
               <a:ext uri="{FF2B5EF4-FFF2-40B4-BE49-F238E27FC236}">
@@ -16359,19 +14048,205 @@
             <p:ph idx="1"/>
           </p:nvPr>
         </p:nvSpPr>
-        <p:spPr/>
+        <p:spPr>
+          <a:xfrm>
+            <a:off x="523783" y="3835153"/>
+            <a:ext cx="11185864" cy="2532415"/>
+          </a:xfrm>
+        </p:spPr>
         <p:txBody>
           <a:bodyPr/>
           <a:lstStyle/>
           <a:p>
             <a:endParaRPr lang="en-FI"/>
+          </a:p>
+        </p:txBody>
+      </p:sp>
+      <p:sp>
+        <p:nvSpPr>
+          <p:cNvPr id="8" name="TextBox 7">
+            <a:extLst>
+              <a:ext uri="{FF2B5EF4-FFF2-40B4-BE49-F238E27FC236}">
+                <a16:creationId xmlns:a16="http://schemas.microsoft.com/office/drawing/2014/main" id="{86BFC7D6-5CAE-BFBB-7ACF-049FEF989161}"/>
+              </a:ext>
+            </a:extLst>
+          </p:cNvPr>
+          <p:cNvSpPr txBox="1"/>
+          <p:nvPr/>
+        </p:nvSpPr>
+        <p:spPr>
+          <a:xfrm>
+            <a:off x="292963" y="323314"/>
+            <a:ext cx="826390" cy="584775"/>
+          </a:xfrm>
+          <a:prstGeom prst="rect">
+            <a:avLst/>
+          </a:prstGeom>
+          <a:noFill/>
+          <a:ln>
+            <a:noFill/>
+          </a:ln>
+        </p:spPr>
+        <p:txBody>
+          <a:bodyPr wrap="square" lIns="108000" rIns="108000" rtlCol="0" anchor="ctr">
+            <a:spAutoFit/>
+          </a:bodyPr>
+          <a:lstStyle/>
+          <a:p>
+            <a:pPr algn="ctr"/>
+            <a:r>
+              <a:rPr lang="en-US" altLang="ko-KR" sz="3200" b="1">
+                <a:solidFill>
+                  <a:schemeClr val="tx1">
+                    <a:lumMod val="75000"/>
+                    <a:lumOff val="25000"/>
+                  </a:schemeClr>
+                </a:solidFill>
+                <a:cs typeface="Arial" pitchFamily="34" charset="0"/>
+              </a:rPr>
+              <a:t>12</a:t>
+            </a:r>
+            <a:endParaRPr lang="ko-KR" altLang="en-US" sz="3200" b="1" dirty="0">
+              <a:solidFill>
+                <a:schemeClr val="tx1">
+                  <a:lumMod val="75000"/>
+                  <a:lumOff val="25000"/>
+                </a:schemeClr>
+              </a:solidFill>
+              <a:cs typeface="Arial" pitchFamily="34" charset="0"/>
+            </a:endParaRPr>
+          </a:p>
+        </p:txBody>
+      </p:sp>
+      <p:sp>
+        <p:nvSpPr>
+          <p:cNvPr id="11" name="TextBox 10">
+            <a:extLst>
+              <a:ext uri="{FF2B5EF4-FFF2-40B4-BE49-F238E27FC236}">
+                <a16:creationId xmlns:a16="http://schemas.microsoft.com/office/drawing/2014/main" id="{37B58FC4-5334-80E9-99F3-B1FC227F2AEA}"/>
+              </a:ext>
+            </a:extLst>
+          </p:cNvPr>
+          <p:cNvSpPr txBox="1"/>
+          <p:nvPr/>
+        </p:nvSpPr>
+        <p:spPr>
+          <a:xfrm>
+            <a:off x="1119353" y="388738"/>
+            <a:ext cx="7921543" cy="519351"/>
+          </a:xfrm>
+          <a:prstGeom prst="roundRect">
+            <a:avLst>
+              <a:gd name="adj" fmla="val 50000"/>
+            </a:avLst>
+          </a:prstGeom>
+          <a:solidFill>
+            <a:srgbClr val="D3E171"/>
+          </a:solidFill>
+        </p:spPr>
+        <p:style>
+          <a:lnRef idx="2">
+            <a:schemeClr val="accent5">
+              <a:shade val="15000"/>
+            </a:schemeClr>
+          </a:lnRef>
+          <a:fillRef idx="1">
+            <a:schemeClr val="accent5"/>
+          </a:fillRef>
+          <a:effectRef idx="0">
+            <a:schemeClr val="accent5"/>
+          </a:effectRef>
+          <a:fontRef idx="minor">
+            <a:schemeClr val="lt1"/>
+          </a:fontRef>
+        </p:style>
+        <p:txBody>
+          <a:bodyPr wrap="square" lIns="274320" rtlCol="0" anchor="ctr">
+            <a:spAutoFit/>
+          </a:bodyPr>
+          <a:lstStyle/>
+          <a:p>
+            <a:r>
+              <a:rPr lang="en-US" altLang="ko-KR" b="1">
+                <a:solidFill>
+                  <a:schemeClr val="tx1">
+                    <a:lumMod val="75000"/>
+                    <a:lumOff val="25000"/>
+                  </a:schemeClr>
+                </a:solidFill>
+                <a:cs typeface="Arial" pitchFamily="34" charset="0"/>
+              </a:rPr>
+              <a:t>Price elasticity of demand</a:t>
+            </a:r>
+            <a:endParaRPr lang="ko-KR" altLang="en-US" b="1" dirty="0">
+              <a:solidFill>
+                <a:schemeClr val="tx1">
+                  <a:lumMod val="75000"/>
+                  <a:lumOff val="25000"/>
+                </a:schemeClr>
+              </a:solidFill>
+              <a:cs typeface="Arial" pitchFamily="34" charset="0"/>
+            </a:endParaRPr>
+          </a:p>
+        </p:txBody>
+      </p:sp>
+      <p:sp>
+        <p:nvSpPr>
+          <p:cNvPr id="4" name="TextBox 3">
+            <a:extLst>
+              <a:ext uri="{FF2B5EF4-FFF2-40B4-BE49-F238E27FC236}">
+                <a16:creationId xmlns:a16="http://schemas.microsoft.com/office/drawing/2014/main" id="{64AF7BA7-72CD-CA40-D068-41E8EB32BD6A}"/>
+              </a:ext>
+            </a:extLst>
+          </p:cNvPr>
+          <p:cNvSpPr txBox="1"/>
+          <p:nvPr/>
+        </p:nvSpPr>
+        <p:spPr>
+          <a:xfrm>
+            <a:off x="621435" y="1231245"/>
+            <a:ext cx="11185863" cy="2031325"/>
+          </a:xfrm>
+          <a:prstGeom prst="rect">
+            <a:avLst/>
+          </a:prstGeom>
+          <a:noFill/>
+        </p:spPr>
+        <p:txBody>
+          <a:bodyPr wrap="square">
+            <a:spAutoFit/>
+          </a:bodyPr>
+          <a:lstStyle/>
+          <a:p>
+            <a:r>
+              <a:rPr lang="en-US"/>
+              <a:t>Your solution should minimize the risks of:</a:t>
+            </a:r>
+          </a:p>
+          <a:p>
+            <a:r>
+              <a:rPr lang="en-US"/>
+              <a:t>- Buying way too much of a product</a:t>
+            </a:r>
+          </a:p>
+          <a:p>
+            <a:r>
+              <a:rPr lang="en-US"/>
+              <a:t>- Ideally, identify products with a higher discount regarding the retail price. Practically, this means identifying products where the seller could increase his profit margin without losing too many buyers. See the concept of Price Elasticity of the demande</a:t>
+            </a:r>
+          </a:p>
+          <a:p>
+            <a:r>
+              <a:rPr lang="en-US"/>
+              <a:t>- Lastly. There are always a lot of product opportunities, so missing on a single opportunity is better than buying way too much another product, since this might cancel out the profits gained elsewhere.</a:t>
+            </a:r>
           </a:p>
         </p:txBody>
       </p:sp>
     </p:spTree>
     <p:extLst>
       <p:ext uri="{BB962C8B-B14F-4D97-AF65-F5344CB8AC3E}">
-        <p14:creationId xmlns:p14="http://schemas.microsoft.com/office/powerpoint/2010/main" val="3976247800"/>
+        <p14:creationId xmlns:p14="http://schemas.microsoft.com/office/powerpoint/2010/main" val="2832405671"/>
       </p:ext>
     </p:extLst>
   </p:cSld>
@@ -16417,7 +14292,7 @@
         <p:spPr>
           <a:xfrm>
             <a:off x="1143000" y="609600"/>
-            <a:ext cx="6693061" cy="1356360"/>
+            <a:ext cx="6693061" cy="793072"/>
           </a:xfrm>
         </p:spPr>
         <p:txBody>
@@ -16469,32 +14344,6 @@
           </a:prstGeom>
         </p:spPr>
       </p:pic>
-      <p:graphicFrame>
-        <p:nvGraphicFramePr>
-          <p:cNvPr id="5" name="Content Placeholder 2" descr="Icon Bullets">
-            <a:extLst>
-              <a:ext uri="{FF2B5EF4-FFF2-40B4-BE49-F238E27FC236}">
-                <a16:creationId xmlns:a16="http://schemas.microsoft.com/office/drawing/2014/main" id="{8453D1B9-6A3D-441D-888D-C1BEB727AD58}"/>
-              </a:ext>
-            </a:extLst>
-          </p:cNvPr>
-          <p:cNvGraphicFramePr>
-            <a:graphicFrameLocks noGrp="1"/>
-          </p:cNvGraphicFramePr>
-          <p:nvPr>
-            <p:ph idx="1"/>
-          </p:nvPr>
-        </p:nvGraphicFramePr>
-        <p:xfrm>
-          <a:off x="1143000" y="2057400"/>
-          <a:ext cx="6693061" cy="4038600"/>
-        </p:xfrm>
-        <a:graphic>
-          <a:graphicData uri="http://schemas.openxmlformats.org/drawingml/2006/diagram">
-            <dgm:relIds xmlns:dgm="http://schemas.openxmlformats.org/drawingml/2006/diagram" xmlns:r="http://schemas.openxmlformats.org/officeDocument/2006/relationships" r:dm="rId4" r:lo="rId5" r:qs="rId6" r:cs="rId7"/>
-          </a:graphicData>
-        </a:graphic>
-      </p:graphicFrame>
     </p:spTree>
     <p:extLst>
       <p:ext uri="{BB962C8B-B14F-4D97-AF65-F5344CB8AC3E}">
@@ -16544,12 +14393,12 @@
         <p:spPr>
           <a:xfrm>
             <a:off x="452762" y="408373"/>
-            <a:ext cx="10563110" cy="5687627"/>
+            <a:ext cx="10563110" cy="5921406"/>
           </a:xfrm>
         </p:spPr>
         <p:txBody>
           <a:bodyPr>
-            <a:normAutofit fontScale="92500" lnSpcReduction="20000"/>
+            <a:normAutofit lnSpcReduction="10000"/>
           </a:bodyPr>
           <a:lstStyle/>
           <a:p>
@@ -16618,20 +14467,7 @@
                   <a:schemeClr val="tx1"/>
                 </a:solidFill>
               </a:rPr>
-              <a:t>This users dataset is a preview of a much bigger dataset, with lots of related data (product listings of sellers, reviews on listed</a:t>
-            </a:r>
-          </a:p>
-          <a:p>
-            <a:pPr marL="45720" indent="0">
-              <a:buNone/>
-            </a:pPr>
-            <a:r>
-              <a:rPr lang="en-US">
-                <a:solidFill>
-                  <a:schemeClr val="tx1"/>
-                </a:solidFill>
-              </a:rPr>
-              <a:t>products, etc...).</a:t>
+              <a:t>This users dataset is a preview of a much bigger dataset, with lots of related data (product listings of sellers, reviews on listed products, etc...).</a:t>
             </a:r>
           </a:p>
           <a:p>
@@ -16677,7 +14513,7 @@
                   <a:schemeClr val="tx1"/>
                 </a:solidFill>
               </a:rPr>
-              <a:t>This dataset contains product listings as well as products ratings and sales performance, which you would not find in other datasets. With this, you can finally start to look for correlations and patterns regarding the success of a product and the various components.</a:t>
+              <a:t>This dataset contains product listings as well as sales performance, which you would not find in other datasets. With this, you can finally start to look for correlations and patterns regarding the success of a product and the various components.</a:t>
             </a:r>
           </a:p>
         </p:txBody>
@@ -16730,13 +14566,13 @@
         </p:nvSpPr>
         <p:spPr>
           <a:xfrm>
-            <a:off x="452762" y="408373"/>
-            <a:ext cx="10563110" cy="5687627"/>
+            <a:off x="452761" y="408373"/>
+            <a:ext cx="11354539" cy="6196613"/>
           </a:xfrm>
         </p:spPr>
         <p:txBody>
           <a:bodyPr>
-            <a:normAutofit fontScale="92500" lnSpcReduction="10000"/>
+            <a:normAutofit lnSpcReduction="10000"/>
           </a:bodyPr>
           <a:lstStyle/>
           <a:p>
@@ -16759,7 +14595,7 @@
                   <a:schemeClr val="tx1"/>
                 </a:solidFill>
               </a:rPr>
-              <a:t>How about trying to validate the established idea of human sensitiveness to price drops ? (discounted price compared to original retail_price )</a:t>
+              <a:t>How about trying to validate the established idea of human sensitiveness to price drops ? (discounted price compared to original retail_price)</a:t>
             </a:r>
           </a:p>
           <a:p>
@@ -16913,8 +14749,8 @@
         </p:nvSpPr>
         <p:spPr>
           <a:xfrm>
-            <a:off x="452762" y="408373"/>
-            <a:ext cx="10563110" cy="5687627"/>
+            <a:off x="452761" y="408373"/>
+            <a:ext cx="11576481" cy="5687627"/>
           </a:xfrm>
         </p:spPr>
         <p:txBody>
@@ -17200,7 +15036,7 @@
                   <a:schemeClr val="tx1"/>
                 </a:solidFill>
               </a:rPr>
-              <a:t>- Lastly. There are always a lot of product opportunities, so missing on a single opportunity is better than buying way too much another product, since this might cancel out the proØts gained elsewhere.</a:t>
+              <a:t>- Lastly. There are always a lot of product opportunities, so missing on a single opportunity is better than buying way too much another product, since this might cancel out the profits gained elsewhere.</a:t>
             </a:r>
           </a:p>
           <a:p>
@@ -17210,7 +15046,7 @@
                   <a:schemeClr val="tx1"/>
                 </a:solidFill>
               </a:rPr>
-              <a:t>Your model will be evaluated on another similar dataset (same features and columns) to see how well it performs on new otherdata.</a:t>
+              <a:t>Your model will be evaluated on another similar dataset (same features and columns) to see how well it performs on new other data.</a:t>
             </a:r>
           </a:p>
         </p:txBody>
@@ -17306,7 +15142,7 @@
         </p:nvSpPr>
         <p:spPr>
           <a:xfrm rot="5400000">
-            <a:off x="437858" y="428093"/>
+            <a:off x="506750" y="527242"/>
             <a:ext cx="1055528" cy="1055528"/>
           </a:xfrm>
           <a:custGeom>
@@ -17424,10 +15260,10 @@
       </p:sp>
       <p:grpSp>
         <p:nvGrpSpPr>
-          <p:cNvPr id="7" name="Group 6">
+          <p:cNvPr id="64" name="Group 63">
             <a:extLst>
               <a:ext uri="{FF2B5EF4-FFF2-40B4-BE49-F238E27FC236}">
-                <a16:creationId xmlns:a16="http://schemas.microsoft.com/office/drawing/2014/main" id="{3A335C8F-AF4B-CFE0-FEC8-164794CC9A7D}"/>
+                <a16:creationId xmlns:a16="http://schemas.microsoft.com/office/drawing/2014/main" id="{77881111-0AD6-472E-EFF5-9E047C8B5E0B}"/>
               </a:ext>
             </a:extLst>
           </p:cNvPr>
@@ -17436,18 +15272,136 @@
         </p:nvGrpSpPr>
         <p:grpSpPr>
           <a:xfrm>
-            <a:off x="3813222" y="346771"/>
-            <a:ext cx="5282087" cy="6148449"/>
+            <a:off x="437858" y="593465"/>
+            <a:ext cx="6939486" cy="1288511"/>
+            <a:chOff x="325903" y="1523130"/>
+            <a:chExt cx="12347908" cy="2241187"/>
+          </a:xfrm>
+        </p:grpSpPr>
+        <p:sp>
+          <p:nvSpPr>
+            <p:cNvPr id="66" name="TextBox 65">
+              <a:extLst>
+                <a:ext uri="{FF2B5EF4-FFF2-40B4-BE49-F238E27FC236}">
+                  <a16:creationId xmlns:a16="http://schemas.microsoft.com/office/drawing/2014/main" id="{B58ED90F-20A9-0601-67D1-D7D044280349}"/>
+                </a:ext>
+              </a:extLst>
+            </p:cNvPr>
+            <p:cNvSpPr txBox="1"/>
+            <p:nvPr/>
+          </p:nvSpPr>
+          <p:spPr>
+            <a:xfrm>
+              <a:off x="3602647" y="1523130"/>
+              <a:ext cx="8326827" cy="1338336"/>
+            </a:xfrm>
+            <a:prstGeom prst="rect">
+              <a:avLst/>
+            </a:prstGeom>
+            <a:noFill/>
+          </p:spPr>
+          <p:txBody>
+            <a:bodyPr wrap="square" rtlCol="0">
+              <a:spAutoFit/>
+            </a:bodyPr>
+            <a:lstStyle/>
+            <a:p>
+              <a:r>
+                <a:rPr lang="en-US" altLang="ko-KR" sz="4400" b="1" dirty="0">
+                  <a:solidFill>
+                    <a:schemeClr val="tx1">
+                      <a:lumMod val="95000"/>
+                      <a:lumOff val="5000"/>
+                    </a:schemeClr>
+                  </a:solidFill>
+                  <a:cs typeface="Arial" panose="020B0604020202020204" pitchFamily="34" charset="0"/>
+                </a:rPr>
+                <a:t>Table Of Contents </a:t>
+              </a:r>
+              <a:endParaRPr lang="ko-KR" altLang="en-US" sz="4400" b="1" dirty="0">
+                <a:solidFill>
+                  <a:schemeClr val="tx1">
+                    <a:lumMod val="95000"/>
+                    <a:lumOff val="5000"/>
+                  </a:schemeClr>
+                </a:solidFill>
+                <a:cs typeface="Arial" panose="020B0604020202020204" pitchFamily="34" charset="0"/>
+              </a:endParaRPr>
+            </a:p>
+          </p:txBody>
+        </p:sp>
+        <p:cxnSp>
+          <p:nvCxnSpPr>
+            <p:cNvPr id="68" name="Straight Connector 67">
+              <a:extLst>
+                <a:ext uri="{FF2B5EF4-FFF2-40B4-BE49-F238E27FC236}">
+                  <a16:creationId xmlns:a16="http://schemas.microsoft.com/office/drawing/2014/main" id="{0BBE9422-91A4-EBDF-B592-78AC8960D17E}"/>
+                </a:ext>
+              </a:extLst>
+            </p:cNvPr>
+            <p:cNvCxnSpPr>
+              <a:cxnSpLocks/>
+            </p:cNvCxnSpPr>
+            <p:nvPr/>
+          </p:nvCxnSpPr>
+          <p:spPr>
+            <a:xfrm>
+              <a:off x="325903" y="3764317"/>
+              <a:ext cx="12347908" cy="0"/>
+            </a:xfrm>
+            <a:prstGeom prst="line">
+              <a:avLst/>
+            </a:prstGeom>
+            <a:ln w="9525">
+              <a:solidFill>
+                <a:schemeClr val="bg1">
+                  <a:lumMod val="85000"/>
+                </a:schemeClr>
+              </a:solidFill>
+            </a:ln>
+          </p:spPr>
+          <p:style>
+            <a:lnRef idx="1">
+              <a:schemeClr val="accent1"/>
+            </a:lnRef>
+            <a:fillRef idx="0">
+              <a:schemeClr val="accent1"/>
+            </a:fillRef>
+            <a:effectRef idx="0">
+              <a:schemeClr val="accent1"/>
+            </a:effectRef>
+            <a:fontRef idx="minor">
+              <a:schemeClr val="tx1"/>
+            </a:fontRef>
+          </p:style>
+        </p:cxnSp>
+      </p:grpSp>
+      <p:grpSp>
+        <p:nvGrpSpPr>
+          <p:cNvPr id="2" name="Group 1">
+            <a:extLst>
+              <a:ext uri="{FF2B5EF4-FFF2-40B4-BE49-F238E27FC236}">
+                <a16:creationId xmlns:a16="http://schemas.microsoft.com/office/drawing/2014/main" id="{0E8E7FD7-366E-2E16-FBB2-65529F34451B}"/>
+              </a:ext>
+            </a:extLst>
+          </p:cNvPr>
+          <p:cNvGrpSpPr/>
+          <p:nvPr/>
+        </p:nvGrpSpPr>
+        <p:grpSpPr>
+          <a:xfrm>
+            <a:off x="437858" y="2303850"/>
+            <a:ext cx="5282087" cy="4039381"/>
             <a:chOff x="5602981" y="138488"/>
-            <a:chExt cx="5803927" cy="6563937"/>
+            <a:chExt cx="5803927" cy="4312347"/>
           </a:xfrm>
         </p:grpSpPr>
         <p:grpSp>
           <p:nvGrpSpPr>
-            <p:cNvPr id="8" name="Group 7">
+            <p:cNvPr id="3" name="Group 2">
               <a:extLst>
                 <a:ext uri="{FF2B5EF4-FFF2-40B4-BE49-F238E27FC236}">
-                  <a16:creationId xmlns:a16="http://schemas.microsoft.com/office/drawing/2014/main" id="{ECA4DF9F-A1AE-A524-8D11-A8A682065687}"/>
+                  <a16:creationId xmlns:a16="http://schemas.microsoft.com/office/drawing/2014/main" id="{1F353EE9-4B11-92C6-4035-3C4911A9E8FD}"/>
                 </a:ext>
               </a:extLst>
             </p:cNvPr>
@@ -17464,10 +15418,10 @@
           </p:grpSpPr>
           <p:grpSp>
             <p:nvGrpSpPr>
-              <p:cNvPr id="57" name="Group 56">
+              <p:cNvPr id="112" name="Group 111">
                 <a:extLst>
                   <a:ext uri="{FF2B5EF4-FFF2-40B4-BE49-F238E27FC236}">
-                    <a16:creationId xmlns:a16="http://schemas.microsoft.com/office/drawing/2014/main" id="{4040A6A5-8068-B5D5-7E1F-8600400CED96}"/>
+                    <a16:creationId xmlns:a16="http://schemas.microsoft.com/office/drawing/2014/main" id="{A0CEC7DB-7186-40E2-D6D7-4A42C41015CC}"/>
                   </a:ext>
                 </a:extLst>
               </p:cNvPr>
@@ -17484,10 +15438,10 @@
             </p:grpSpPr>
             <p:sp>
               <p:nvSpPr>
-                <p:cNvPr id="59" name="Oval 58">
+                <p:cNvPr id="114" name="Oval 113">
                   <a:extLst>
                     <a:ext uri="{FF2B5EF4-FFF2-40B4-BE49-F238E27FC236}">
-                      <a16:creationId xmlns:a16="http://schemas.microsoft.com/office/drawing/2014/main" id="{B3366444-BD3B-9721-41AC-C30E3C134171}"/>
+                      <a16:creationId xmlns:a16="http://schemas.microsoft.com/office/drawing/2014/main" id="{6725EA57-9CCF-DD6D-D13A-3A9D1E7C1ACB}"/>
                     </a:ext>
                   </a:extLst>
                 </p:cNvPr>
@@ -17552,10 +15506,10 @@
             </p:sp>
             <p:sp>
               <p:nvSpPr>
-                <p:cNvPr id="60" name="Oval 59">
+                <p:cNvPr id="115" name="Oval 114">
                   <a:extLst>
                     <a:ext uri="{FF2B5EF4-FFF2-40B4-BE49-F238E27FC236}">
-                      <a16:creationId xmlns:a16="http://schemas.microsoft.com/office/drawing/2014/main" id="{C06894E6-29BA-826E-03D3-C152E164B1BF}"/>
+                      <a16:creationId xmlns:a16="http://schemas.microsoft.com/office/drawing/2014/main" id="{169CB7F1-8C8D-E8AB-B94B-500022F89A00}"/>
                     </a:ext>
                   </a:extLst>
                 </p:cNvPr>
@@ -17623,10 +15577,10 @@
             </p:sp>
             <p:sp>
               <p:nvSpPr>
-                <p:cNvPr id="61" name="TextBox 60">
+                <p:cNvPr id="116" name="TextBox 115">
                   <a:extLst>
                     <a:ext uri="{FF2B5EF4-FFF2-40B4-BE49-F238E27FC236}">
-                      <a16:creationId xmlns:a16="http://schemas.microsoft.com/office/drawing/2014/main" id="{1D609D83-ACAA-816B-5B9B-7F39DCBC2869}"/>
+                      <a16:creationId xmlns:a16="http://schemas.microsoft.com/office/drawing/2014/main" id="{61CCB722-E2FC-3DE1-E3EB-B71E34737CD8}"/>
                     </a:ext>
                   </a:extLst>
                 </p:cNvPr>
@@ -17635,7 +15589,7 @@
               </p:nvSpPr>
               <p:spPr>
                 <a:xfrm>
-                  <a:off x="5681237" y="138488"/>
+                  <a:off x="5681238" y="138488"/>
                   <a:ext cx="370241" cy="492863"/>
                 </a:xfrm>
                 <a:prstGeom prst="rect">
@@ -17661,10 +15615,10 @@
           </p:grpSp>
           <p:sp>
             <p:nvSpPr>
-              <p:cNvPr id="58" name="TextBox 57">
+              <p:cNvPr id="113" name="TextBox 112">
                 <a:extLst>
                   <a:ext uri="{FF2B5EF4-FFF2-40B4-BE49-F238E27FC236}">
-                    <a16:creationId xmlns:a16="http://schemas.microsoft.com/office/drawing/2014/main" id="{11920D5D-3299-67EC-5924-68AE45228304}"/>
+                    <a16:creationId xmlns:a16="http://schemas.microsoft.com/office/drawing/2014/main" id="{84D82074-E472-40D2-7BAC-ED7B80BA7276}"/>
                   </a:ext>
                 </a:extLst>
               </p:cNvPr>
@@ -17695,7 +15649,7 @@
                 </a:pPr>
                 <a:r>
                   <a:rPr lang="en-US" b="1"/>
-                  <a:t>Research objective</a:t>
+                  <a:t>Dataset overview</a:t>
                 </a:r>
                 <a:endParaRPr lang="en-US" b="1" dirty="0"/>
               </a:p>
@@ -17713,10 +15667,10 @@
         </p:grpSp>
         <p:grpSp>
           <p:nvGrpSpPr>
-            <p:cNvPr id="9" name="Group 8">
+            <p:cNvPr id="4" name="Group 3">
               <a:extLst>
                 <a:ext uri="{FF2B5EF4-FFF2-40B4-BE49-F238E27FC236}">
-                  <a16:creationId xmlns:a16="http://schemas.microsoft.com/office/drawing/2014/main" id="{7974F78A-AEF2-938A-8A11-3323AA0D0E3C}"/>
+                  <a16:creationId xmlns:a16="http://schemas.microsoft.com/office/drawing/2014/main" id="{2FFD24C8-09B4-3D90-6A6C-E57F0A38723E}"/>
                 </a:ext>
               </a:extLst>
             </p:cNvPr>
@@ -17733,10 +15687,10 @@
           </p:grpSpPr>
           <p:grpSp>
             <p:nvGrpSpPr>
-              <p:cNvPr id="52" name="Group 51">
+              <p:cNvPr id="107" name="Group 106">
                 <a:extLst>
                   <a:ext uri="{FF2B5EF4-FFF2-40B4-BE49-F238E27FC236}">
-                    <a16:creationId xmlns:a16="http://schemas.microsoft.com/office/drawing/2014/main" id="{E826082A-93C3-D8F8-5D0A-034DC8C9231C}"/>
+                    <a16:creationId xmlns:a16="http://schemas.microsoft.com/office/drawing/2014/main" id="{781F10C0-1D7E-BF45-C546-9239A3CFFD93}"/>
                   </a:ext>
                 </a:extLst>
               </p:cNvPr>
@@ -17753,10 +15707,10 @@
             </p:grpSpPr>
             <p:sp>
               <p:nvSpPr>
-                <p:cNvPr id="54" name="Oval 53">
+                <p:cNvPr id="109" name="Oval 108">
                   <a:extLst>
                     <a:ext uri="{FF2B5EF4-FFF2-40B4-BE49-F238E27FC236}">
-                      <a16:creationId xmlns:a16="http://schemas.microsoft.com/office/drawing/2014/main" id="{7A030E2B-B26B-E9C3-3A56-A8E9C16354DF}"/>
+                      <a16:creationId xmlns:a16="http://schemas.microsoft.com/office/drawing/2014/main" id="{78A257A2-E60B-940C-EC1D-7B6751EE94C9}"/>
                     </a:ext>
                   </a:extLst>
                 </p:cNvPr>
@@ -17821,10 +15775,10 @@
             </p:sp>
             <p:sp>
               <p:nvSpPr>
-                <p:cNvPr id="55" name="Oval 54">
+                <p:cNvPr id="110" name="Oval 109">
                   <a:extLst>
                     <a:ext uri="{FF2B5EF4-FFF2-40B4-BE49-F238E27FC236}">
-                      <a16:creationId xmlns:a16="http://schemas.microsoft.com/office/drawing/2014/main" id="{DFAE5772-1F3B-C5F2-20A7-8529948F6DCC}"/>
+                      <a16:creationId xmlns:a16="http://schemas.microsoft.com/office/drawing/2014/main" id="{CA5CAD04-7C31-93D5-8052-1F9BC9805535}"/>
                     </a:ext>
                   </a:extLst>
                 </p:cNvPr>
@@ -17892,10 +15846,10 @@
             </p:sp>
             <p:sp>
               <p:nvSpPr>
-                <p:cNvPr id="56" name="TextBox 55">
+                <p:cNvPr id="111" name="TextBox 110">
                   <a:extLst>
                     <a:ext uri="{FF2B5EF4-FFF2-40B4-BE49-F238E27FC236}">
-                      <a16:creationId xmlns:a16="http://schemas.microsoft.com/office/drawing/2014/main" id="{9DC909FF-690A-4CC6-E21B-851880387AA5}"/>
+                      <a16:creationId xmlns:a16="http://schemas.microsoft.com/office/drawing/2014/main" id="{E5539E95-DB96-3FC6-D961-A3C342739174}"/>
                     </a:ext>
                   </a:extLst>
                 </p:cNvPr>
@@ -17905,7 +15859,7 @@
               <p:spPr>
                 <a:xfrm>
                   <a:off x="5689163" y="892157"/>
-                  <a:ext cx="372002" cy="492862"/>
+                  <a:ext cx="372002" cy="492861"/>
                 </a:xfrm>
                 <a:prstGeom prst="rect">
                   <a:avLst/>
@@ -17930,10 +15884,10 @@
           </p:grpSp>
           <p:sp>
             <p:nvSpPr>
-              <p:cNvPr id="53" name="TextBox 52">
+              <p:cNvPr id="108" name="TextBox 107">
                 <a:extLst>
                   <a:ext uri="{FF2B5EF4-FFF2-40B4-BE49-F238E27FC236}">
-                    <a16:creationId xmlns:a16="http://schemas.microsoft.com/office/drawing/2014/main" id="{334D7CFB-EFF1-15A2-C4C4-08321D9A6BA9}"/>
+                    <a16:creationId xmlns:a16="http://schemas.microsoft.com/office/drawing/2014/main" id="{F46201BD-6BDF-DC8C-96D0-AA9BD404A9CA}"/>
                   </a:ext>
                 </a:extLst>
               </p:cNvPr>
@@ -17982,10 +15936,10 @@
         </p:grpSp>
         <p:grpSp>
           <p:nvGrpSpPr>
-            <p:cNvPr id="10" name="Group 9">
+            <p:cNvPr id="5" name="Group 4">
               <a:extLst>
                 <a:ext uri="{FF2B5EF4-FFF2-40B4-BE49-F238E27FC236}">
-                  <a16:creationId xmlns:a16="http://schemas.microsoft.com/office/drawing/2014/main" id="{90823E90-37EA-D19E-E185-8D905B9D567E}"/>
+                  <a16:creationId xmlns:a16="http://schemas.microsoft.com/office/drawing/2014/main" id="{997D204C-18F0-BF9D-CCB7-982F73B0A2BC}"/>
                 </a:ext>
               </a:extLst>
             </p:cNvPr>
@@ -18002,10 +15956,10 @@
           </p:grpSpPr>
           <p:grpSp>
             <p:nvGrpSpPr>
-              <p:cNvPr id="47" name="Group 46">
+              <p:cNvPr id="102" name="Group 101">
                 <a:extLst>
                   <a:ext uri="{FF2B5EF4-FFF2-40B4-BE49-F238E27FC236}">
-                    <a16:creationId xmlns:a16="http://schemas.microsoft.com/office/drawing/2014/main" id="{27B957FF-CC2F-CF54-6C25-8FEDADCE971B}"/>
+                    <a16:creationId xmlns:a16="http://schemas.microsoft.com/office/drawing/2014/main" id="{26F3FE85-8F96-29FD-E6B7-6B1E8E59DCD2}"/>
                   </a:ext>
                 </a:extLst>
               </p:cNvPr>
@@ -18022,10 +15976,10 @@
             </p:grpSpPr>
             <p:sp>
               <p:nvSpPr>
-                <p:cNvPr id="49" name="Oval 48">
+                <p:cNvPr id="104" name="Oval 103">
                   <a:extLst>
                     <a:ext uri="{FF2B5EF4-FFF2-40B4-BE49-F238E27FC236}">
-                      <a16:creationId xmlns:a16="http://schemas.microsoft.com/office/drawing/2014/main" id="{427F1432-EFC1-D2B5-5283-DA285ED3521E}"/>
+                      <a16:creationId xmlns:a16="http://schemas.microsoft.com/office/drawing/2014/main" id="{6BC4396C-B11A-E156-7860-10B48526CCF8}"/>
                     </a:ext>
                   </a:extLst>
                 </p:cNvPr>
@@ -18090,10 +16044,10 @@
             </p:sp>
             <p:sp>
               <p:nvSpPr>
-                <p:cNvPr id="50" name="Oval 49">
+                <p:cNvPr id="105" name="Oval 104">
                   <a:extLst>
                     <a:ext uri="{FF2B5EF4-FFF2-40B4-BE49-F238E27FC236}">
-                      <a16:creationId xmlns:a16="http://schemas.microsoft.com/office/drawing/2014/main" id="{BE487652-7896-0288-74A7-D571B291E883}"/>
+                      <a16:creationId xmlns:a16="http://schemas.microsoft.com/office/drawing/2014/main" id="{3D99BA0B-551B-C31B-B164-EA2F5F316450}"/>
                     </a:ext>
                   </a:extLst>
                 </p:cNvPr>
@@ -18102,7 +16056,7 @@
               </p:nvSpPr>
               <p:spPr>
                 <a:xfrm>
-                  <a:off x="5678679" y="1732336"/>
+                  <a:off x="5678680" y="1732336"/>
                   <a:ext cx="391209" cy="391208"/>
                 </a:xfrm>
                 <a:prstGeom prst="ellipse">
@@ -18161,10 +16115,10 @@
             </p:sp>
             <p:sp>
               <p:nvSpPr>
-                <p:cNvPr id="51" name="TextBox 50">
+                <p:cNvPr id="106" name="TextBox 105">
                   <a:extLst>
                     <a:ext uri="{FF2B5EF4-FFF2-40B4-BE49-F238E27FC236}">
-                      <a16:creationId xmlns:a16="http://schemas.microsoft.com/office/drawing/2014/main" id="{44AF729F-F406-CD9C-9204-C295806D97F4}"/>
+                      <a16:creationId xmlns:a16="http://schemas.microsoft.com/office/drawing/2014/main" id="{CD1F0B6C-C2A7-036A-3B6C-6D39AB2BE499}"/>
                     </a:ext>
                   </a:extLst>
                 </p:cNvPr>
@@ -18199,10 +16153,10 @@
           </p:grpSp>
           <p:sp>
             <p:nvSpPr>
-              <p:cNvPr id="48" name="TextBox 47">
+              <p:cNvPr id="103" name="TextBox 102">
                 <a:extLst>
                   <a:ext uri="{FF2B5EF4-FFF2-40B4-BE49-F238E27FC236}">
-                    <a16:creationId xmlns:a16="http://schemas.microsoft.com/office/drawing/2014/main" id="{E59C756A-7323-D478-103E-2CAE8C9FC85C}"/>
+                    <a16:creationId xmlns:a16="http://schemas.microsoft.com/office/drawing/2014/main" id="{A4BFAE98-0FC2-A199-D7E0-C1B03E02E544}"/>
                   </a:ext>
                 </a:extLst>
               </p:cNvPr>
@@ -18251,10 +16205,10 @@
         </p:grpSp>
         <p:grpSp>
           <p:nvGrpSpPr>
-            <p:cNvPr id="11" name="Group 10">
+            <p:cNvPr id="62" name="Group 61">
               <a:extLst>
                 <a:ext uri="{FF2B5EF4-FFF2-40B4-BE49-F238E27FC236}">
-                  <a16:creationId xmlns:a16="http://schemas.microsoft.com/office/drawing/2014/main" id="{D326B4F2-2C7A-A009-30B0-DF28B9834C35}"/>
+                  <a16:creationId xmlns:a16="http://schemas.microsoft.com/office/drawing/2014/main" id="{ED9677F8-F772-72A3-1447-EA975308D6C7}"/>
                 </a:ext>
               </a:extLst>
             </p:cNvPr>
@@ -18271,10 +16225,10 @@
           </p:grpSpPr>
           <p:grpSp>
             <p:nvGrpSpPr>
-              <p:cNvPr id="42" name="Group 41">
+              <p:cNvPr id="97" name="Group 96">
                 <a:extLst>
                   <a:ext uri="{FF2B5EF4-FFF2-40B4-BE49-F238E27FC236}">
-                    <a16:creationId xmlns:a16="http://schemas.microsoft.com/office/drawing/2014/main" id="{D4F58544-0CC0-5AC9-68DC-4EDFCFEFE25A}"/>
+                    <a16:creationId xmlns:a16="http://schemas.microsoft.com/office/drawing/2014/main" id="{2206C7C8-D0DA-260B-82E1-0CF8A11D9BE2}"/>
                   </a:ext>
                 </a:extLst>
               </p:cNvPr>
@@ -18291,10 +16245,10 @@
             </p:grpSpPr>
             <p:sp>
               <p:nvSpPr>
-                <p:cNvPr id="44" name="Oval 43">
+                <p:cNvPr id="99" name="Oval 98">
                   <a:extLst>
                     <a:ext uri="{FF2B5EF4-FFF2-40B4-BE49-F238E27FC236}">
-                      <a16:creationId xmlns:a16="http://schemas.microsoft.com/office/drawing/2014/main" id="{7FADCA8B-B3D6-271A-FCDE-0C212BC19234}"/>
+                      <a16:creationId xmlns:a16="http://schemas.microsoft.com/office/drawing/2014/main" id="{7BBD4FF3-E99F-8231-FFA2-98AE8BE07F8D}"/>
                     </a:ext>
                   </a:extLst>
                 </p:cNvPr>
@@ -18359,10 +16313,10 @@
             </p:sp>
             <p:sp>
               <p:nvSpPr>
-                <p:cNvPr id="45" name="Oval 44">
+                <p:cNvPr id="100" name="Oval 99">
                   <a:extLst>
                     <a:ext uri="{FF2B5EF4-FFF2-40B4-BE49-F238E27FC236}">
-                      <a16:creationId xmlns:a16="http://schemas.microsoft.com/office/drawing/2014/main" id="{AF86D140-5B9B-8E9B-0889-8AABF3D2B414}"/>
+                      <a16:creationId xmlns:a16="http://schemas.microsoft.com/office/drawing/2014/main" id="{7C1DE028-CB18-3297-3C0A-613549798D2B}"/>
                     </a:ext>
                   </a:extLst>
                 </p:cNvPr>
@@ -18430,10 +16384,10 @@
             </p:sp>
             <p:sp>
               <p:nvSpPr>
-                <p:cNvPr id="46" name="TextBox 45">
+                <p:cNvPr id="101" name="TextBox 100">
                   <a:extLst>
                     <a:ext uri="{FF2B5EF4-FFF2-40B4-BE49-F238E27FC236}">
-                      <a16:creationId xmlns:a16="http://schemas.microsoft.com/office/drawing/2014/main" id="{8F68C455-CE48-8047-BD74-E98F68806C7C}"/>
+                      <a16:creationId xmlns:a16="http://schemas.microsoft.com/office/drawing/2014/main" id="{7B7D8F5B-7750-82FF-2A7D-8D6AF55CE712}"/>
                     </a:ext>
                   </a:extLst>
                 </p:cNvPr>
@@ -18472,10 +16426,10 @@
           </p:grpSp>
           <p:sp>
             <p:nvSpPr>
-              <p:cNvPr id="43" name="TextBox 42">
+              <p:cNvPr id="98" name="TextBox 97">
                 <a:extLst>
                   <a:ext uri="{FF2B5EF4-FFF2-40B4-BE49-F238E27FC236}">
-                    <a16:creationId xmlns:a16="http://schemas.microsoft.com/office/drawing/2014/main" id="{317176FF-C039-6E57-F4D0-DBF13C742B0D}"/>
+                    <a16:creationId xmlns:a16="http://schemas.microsoft.com/office/drawing/2014/main" id="{2F1A98E2-DE7A-A38A-34D5-B030DD692EC1}"/>
                   </a:ext>
                 </a:extLst>
               </p:cNvPr>
@@ -18524,10 +16478,10 @@
         </p:grpSp>
         <p:grpSp>
           <p:nvGrpSpPr>
-            <p:cNvPr id="12" name="Group 11">
+            <p:cNvPr id="63" name="Group 62">
               <a:extLst>
                 <a:ext uri="{FF2B5EF4-FFF2-40B4-BE49-F238E27FC236}">
-                  <a16:creationId xmlns:a16="http://schemas.microsoft.com/office/drawing/2014/main" id="{2AF60264-16E5-1289-C146-F6AC90B69239}"/>
+                  <a16:creationId xmlns:a16="http://schemas.microsoft.com/office/drawing/2014/main" id="{18EFDB5C-E708-4BF1-5818-AA74757090DE}"/>
                 </a:ext>
               </a:extLst>
             </p:cNvPr>
@@ -18544,10 +16498,10 @@
           </p:grpSpPr>
           <p:grpSp>
             <p:nvGrpSpPr>
-              <p:cNvPr id="37" name="Group 36">
+              <p:cNvPr id="92" name="Group 91">
                 <a:extLst>
                   <a:ext uri="{FF2B5EF4-FFF2-40B4-BE49-F238E27FC236}">
-                    <a16:creationId xmlns:a16="http://schemas.microsoft.com/office/drawing/2014/main" id="{27DF1D98-66BB-39FC-21CC-AAB94C5849DF}"/>
+                    <a16:creationId xmlns:a16="http://schemas.microsoft.com/office/drawing/2014/main" id="{DF522378-CFB5-091C-EFF5-4BD809A5FAB9}"/>
                   </a:ext>
                 </a:extLst>
               </p:cNvPr>
@@ -18564,10 +16518,10 @@
             </p:grpSpPr>
             <p:sp>
               <p:nvSpPr>
-                <p:cNvPr id="39" name="Oval 38">
+                <p:cNvPr id="94" name="Oval 93">
                   <a:extLst>
                     <a:ext uri="{FF2B5EF4-FFF2-40B4-BE49-F238E27FC236}">
-                      <a16:creationId xmlns:a16="http://schemas.microsoft.com/office/drawing/2014/main" id="{254B0F5E-037D-0294-712B-CC59A9F4649B}"/>
+                      <a16:creationId xmlns:a16="http://schemas.microsoft.com/office/drawing/2014/main" id="{662FFE41-DABD-B42B-38B5-66ABD5E786A4}"/>
                     </a:ext>
                   </a:extLst>
                 </p:cNvPr>
@@ -18632,10 +16586,10 @@
             </p:sp>
             <p:sp>
               <p:nvSpPr>
-                <p:cNvPr id="40" name="Oval 39">
+                <p:cNvPr id="95" name="Oval 94">
                   <a:extLst>
                     <a:ext uri="{FF2B5EF4-FFF2-40B4-BE49-F238E27FC236}">
-                      <a16:creationId xmlns:a16="http://schemas.microsoft.com/office/drawing/2014/main" id="{84539F28-EBFA-9A65-D0BA-25D3C855E2FC}"/>
+                      <a16:creationId xmlns:a16="http://schemas.microsoft.com/office/drawing/2014/main" id="{74E953BE-38E7-BF74-BC9D-71CF016594A3}"/>
                     </a:ext>
                   </a:extLst>
                 </p:cNvPr>
@@ -18703,10 +16657,10 @@
             </p:sp>
             <p:sp>
               <p:nvSpPr>
-                <p:cNvPr id="41" name="TextBox 40">
+                <p:cNvPr id="96" name="TextBox 95">
                   <a:extLst>
                     <a:ext uri="{FF2B5EF4-FFF2-40B4-BE49-F238E27FC236}">
-                      <a16:creationId xmlns:a16="http://schemas.microsoft.com/office/drawing/2014/main" id="{906E7ED8-E086-55A1-911E-35E45DEF0E1A}"/>
+                      <a16:creationId xmlns:a16="http://schemas.microsoft.com/office/drawing/2014/main" id="{EA87C022-5DE4-FB3E-8D50-6C53EF3D7453}"/>
                     </a:ext>
                   </a:extLst>
                 </p:cNvPr>
@@ -18741,10 +16695,10 @@
           </p:grpSp>
           <p:sp>
             <p:nvSpPr>
-              <p:cNvPr id="38" name="TextBox 37">
+              <p:cNvPr id="93" name="TextBox 92">
                 <a:extLst>
                   <a:ext uri="{FF2B5EF4-FFF2-40B4-BE49-F238E27FC236}">
-                    <a16:creationId xmlns:a16="http://schemas.microsoft.com/office/drawing/2014/main" id="{3D2CCC5E-26B7-98F0-C6EA-A612A8EBF0D8}"/>
+                    <a16:creationId xmlns:a16="http://schemas.microsoft.com/office/drawing/2014/main" id="{229817B1-8B2E-9946-36BD-9F9773D9051E}"/>
                   </a:ext>
                 </a:extLst>
               </p:cNvPr>
@@ -18793,10 +16747,10 @@
         </p:grpSp>
         <p:grpSp>
           <p:nvGrpSpPr>
-            <p:cNvPr id="13" name="Group 12">
+            <p:cNvPr id="65" name="Group 64">
               <a:extLst>
                 <a:ext uri="{FF2B5EF4-FFF2-40B4-BE49-F238E27FC236}">
-                  <a16:creationId xmlns:a16="http://schemas.microsoft.com/office/drawing/2014/main" id="{6C7C7FED-B93C-D985-CD0E-9D32207D2C67}"/>
+                  <a16:creationId xmlns:a16="http://schemas.microsoft.com/office/drawing/2014/main" id="{56BA6E81-3C21-4F9E-EDCC-02B1FD676EE6}"/>
                 </a:ext>
               </a:extLst>
             </p:cNvPr>
@@ -18813,10 +16767,10 @@
           </p:grpSpPr>
           <p:grpSp>
             <p:nvGrpSpPr>
-              <p:cNvPr id="32" name="Group 31">
+              <p:cNvPr id="87" name="Group 86">
                 <a:extLst>
                   <a:ext uri="{FF2B5EF4-FFF2-40B4-BE49-F238E27FC236}">
-                    <a16:creationId xmlns:a16="http://schemas.microsoft.com/office/drawing/2014/main" id="{0FA8E7A4-39F9-104A-E894-674C031EC9FC}"/>
+                    <a16:creationId xmlns:a16="http://schemas.microsoft.com/office/drawing/2014/main" id="{9B54E8A9-5147-D80E-69CC-EF92D25DA298}"/>
                   </a:ext>
                 </a:extLst>
               </p:cNvPr>
@@ -18833,10 +16787,10 @@
             </p:grpSpPr>
             <p:sp>
               <p:nvSpPr>
-                <p:cNvPr id="34" name="Oval 33">
+                <p:cNvPr id="89" name="Oval 88">
                   <a:extLst>
                     <a:ext uri="{FF2B5EF4-FFF2-40B4-BE49-F238E27FC236}">
-                      <a16:creationId xmlns:a16="http://schemas.microsoft.com/office/drawing/2014/main" id="{5141C18A-0E93-5972-787A-5EA14E777818}"/>
+                      <a16:creationId xmlns:a16="http://schemas.microsoft.com/office/drawing/2014/main" id="{A9B2846B-068C-E6CD-7555-7F763E6F58C7}"/>
                     </a:ext>
                   </a:extLst>
                 </p:cNvPr>
@@ -18901,10 +16855,10 @@
             </p:sp>
             <p:sp>
               <p:nvSpPr>
-                <p:cNvPr id="35" name="Oval 34">
+                <p:cNvPr id="90" name="Oval 89">
                   <a:extLst>
                     <a:ext uri="{FF2B5EF4-FFF2-40B4-BE49-F238E27FC236}">
-                      <a16:creationId xmlns:a16="http://schemas.microsoft.com/office/drawing/2014/main" id="{69B164E5-3081-6A34-B9DA-352CF8765194}"/>
+                      <a16:creationId xmlns:a16="http://schemas.microsoft.com/office/drawing/2014/main" id="{3CC46648-42F1-5FAA-1E7F-0158F6989F45}"/>
                     </a:ext>
                   </a:extLst>
                 </p:cNvPr>
@@ -18972,10 +16926,10 @@
             </p:sp>
             <p:sp>
               <p:nvSpPr>
-                <p:cNvPr id="36" name="TextBox 35">
+                <p:cNvPr id="91" name="TextBox 90">
                   <a:extLst>
                     <a:ext uri="{FF2B5EF4-FFF2-40B4-BE49-F238E27FC236}">
-                      <a16:creationId xmlns:a16="http://schemas.microsoft.com/office/drawing/2014/main" id="{459494BD-2FF5-A55C-DACC-94B11BF0AA4D}"/>
+                      <a16:creationId xmlns:a16="http://schemas.microsoft.com/office/drawing/2014/main" id="{18D0D60E-18FF-F06F-415C-8D746B989A8C}"/>
                     </a:ext>
                   </a:extLst>
                 </p:cNvPr>
@@ -19010,10 +16964,10 @@
           </p:grpSp>
           <p:sp>
             <p:nvSpPr>
-              <p:cNvPr id="33" name="TextBox 32">
+              <p:cNvPr id="88" name="TextBox 87">
                 <a:extLst>
                   <a:ext uri="{FF2B5EF4-FFF2-40B4-BE49-F238E27FC236}">
-                    <a16:creationId xmlns:a16="http://schemas.microsoft.com/office/drawing/2014/main" id="{1CA9C946-CFBD-8B99-33EC-1A4BEBCF2842}"/>
+                    <a16:creationId xmlns:a16="http://schemas.microsoft.com/office/drawing/2014/main" id="{8187CED5-593F-F235-A964-44906C50790A}"/>
                   </a:ext>
                 </a:extLst>
               </p:cNvPr>
@@ -19060,12 +17014,33 @@
             </p:txBody>
           </p:sp>
         </p:grpSp>
+      </p:grpSp>
+      <p:grpSp>
+        <p:nvGrpSpPr>
+          <p:cNvPr id="117" name="Group 116">
+            <a:extLst>
+              <a:ext uri="{FF2B5EF4-FFF2-40B4-BE49-F238E27FC236}">
+                <a16:creationId xmlns:a16="http://schemas.microsoft.com/office/drawing/2014/main" id="{61BAD27A-5B75-9256-4940-9A841F89D7BA}"/>
+              </a:ext>
+            </a:extLst>
+          </p:cNvPr>
+          <p:cNvGrpSpPr/>
+          <p:nvPr/>
+        </p:nvGrpSpPr>
+        <p:grpSpPr>
+          <a:xfrm>
+            <a:off x="4125385" y="2303850"/>
+            <a:ext cx="5282087" cy="4039381"/>
+            <a:chOff x="5602981" y="138488"/>
+            <a:chExt cx="5803927" cy="4312347"/>
+          </a:xfrm>
+        </p:grpSpPr>
         <p:grpSp>
           <p:nvGrpSpPr>
-            <p:cNvPr id="14" name="Group 13">
+            <p:cNvPr id="118" name="Group 117">
               <a:extLst>
                 <a:ext uri="{FF2B5EF4-FFF2-40B4-BE49-F238E27FC236}">
-                  <a16:creationId xmlns:a16="http://schemas.microsoft.com/office/drawing/2014/main" id="{577F600F-2CA6-B37B-E773-369D9D947140}"/>
+                  <a16:creationId xmlns:a16="http://schemas.microsoft.com/office/drawing/2014/main" id="{30F0CDA2-0D03-5A5D-8747-55CB368F9AD6}"/>
                 </a:ext>
               </a:extLst>
             </p:cNvPr>
@@ -19074,18 +17049,18 @@
           </p:nvGrpSpPr>
           <p:grpSpPr>
             <a:xfrm>
-              <a:off x="5602981" y="4658762"/>
-              <a:ext cx="5416000" cy="542604"/>
-              <a:chOff x="5602981" y="4658762"/>
-              <a:chExt cx="5416000" cy="542604"/>
+              <a:off x="5602981" y="138488"/>
+              <a:ext cx="5416000" cy="580225"/>
+              <a:chOff x="5602981" y="138488"/>
+              <a:chExt cx="5416000" cy="580225"/>
             </a:xfrm>
           </p:grpSpPr>
           <p:grpSp>
             <p:nvGrpSpPr>
-              <p:cNvPr id="27" name="Group 26">
+              <p:cNvPr id="1046" name="Group 1045">
                 <a:extLst>
                   <a:ext uri="{FF2B5EF4-FFF2-40B4-BE49-F238E27FC236}">
-                    <a16:creationId xmlns:a16="http://schemas.microsoft.com/office/drawing/2014/main" id="{1BD6D91B-9866-615F-8C76-772A0F3083DD}"/>
+                    <a16:creationId xmlns:a16="http://schemas.microsoft.com/office/drawing/2014/main" id="{E4603315-1E76-F252-F416-9CD73166EC4A}"/>
                   </a:ext>
                 </a:extLst>
               </p:cNvPr>
@@ -19094,18 +17069,18 @@
             </p:nvGrpSpPr>
             <p:grpSpPr>
               <a:xfrm>
-                <a:off x="5602981" y="4658762"/>
-                <a:ext cx="542605" cy="542604"/>
-                <a:chOff x="5602981" y="4658762"/>
-                <a:chExt cx="542605" cy="542604"/>
+                <a:off x="5602981" y="138488"/>
+                <a:ext cx="542605" cy="580225"/>
+                <a:chOff x="5602981" y="138488"/>
+                <a:chExt cx="542605" cy="580225"/>
               </a:xfrm>
             </p:grpSpPr>
             <p:sp>
               <p:nvSpPr>
-                <p:cNvPr id="29" name="Oval 28">
+                <p:cNvPr id="1048" name="Oval 1047">
                   <a:extLst>
                     <a:ext uri="{FF2B5EF4-FFF2-40B4-BE49-F238E27FC236}">
-                      <a16:creationId xmlns:a16="http://schemas.microsoft.com/office/drawing/2014/main" id="{D495EC97-682A-7BA0-28DF-FF9BEC4320E7}"/>
+                      <a16:creationId xmlns:a16="http://schemas.microsoft.com/office/drawing/2014/main" id="{DD28C5F0-05D8-5D0E-5C18-638E01E7960B}"/>
                     </a:ext>
                   </a:extLst>
                 </p:cNvPr>
@@ -19114,7 +17089,7 @@
               </p:nvSpPr>
               <p:spPr>
                 <a:xfrm>
-                  <a:off x="5602981" y="4658762"/>
+                  <a:off x="5602981" y="176109"/>
                   <a:ext cx="542605" cy="542604"/>
                 </a:xfrm>
                 <a:prstGeom prst="ellipse">
@@ -19170,10 +17145,10 @@
             </p:sp>
             <p:sp>
               <p:nvSpPr>
-                <p:cNvPr id="30" name="Oval 29">
+                <p:cNvPr id="1049" name="Oval 1048">
                   <a:extLst>
                     <a:ext uri="{FF2B5EF4-FFF2-40B4-BE49-F238E27FC236}">
-                      <a16:creationId xmlns:a16="http://schemas.microsoft.com/office/drawing/2014/main" id="{F249BAD4-594C-C5A8-6C3E-DE82D3563EB4}"/>
+                      <a16:creationId xmlns:a16="http://schemas.microsoft.com/office/drawing/2014/main" id="{A1E441F9-D121-52E7-BCEC-C27201111DCD}"/>
                     </a:ext>
                   </a:extLst>
                 </p:cNvPr>
@@ -19182,7 +17157,7 @@
               </p:nvSpPr>
               <p:spPr>
                 <a:xfrm>
-                  <a:off x="5678679" y="4734460"/>
+                  <a:off x="5678679" y="231274"/>
                   <a:ext cx="391209" cy="391208"/>
                 </a:xfrm>
                 <a:prstGeom prst="ellipse">
@@ -19241,10 +17216,10 @@
             </p:sp>
             <p:sp>
               <p:nvSpPr>
-                <p:cNvPr id="31" name="TextBox 30">
+                <p:cNvPr id="1050" name="TextBox 1049">
                   <a:extLst>
                     <a:ext uri="{FF2B5EF4-FFF2-40B4-BE49-F238E27FC236}">
-                      <a16:creationId xmlns:a16="http://schemas.microsoft.com/office/drawing/2014/main" id="{D4495C1C-083A-88DE-C6E3-7449341C621B}"/>
+                      <a16:creationId xmlns:a16="http://schemas.microsoft.com/office/drawing/2014/main" id="{DB1B9485-270D-AA5E-52F5-0F4355DA19A8}"/>
                     </a:ext>
                   </a:extLst>
                 </p:cNvPr>
@@ -19253,8 +17228,8 @@
               </p:nvSpPr>
               <p:spPr>
                 <a:xfrm>
-                  <a:off x="5711181" y="4690621"/>
-                  <a:ext cx="326205" cy="394290"/>
+                  <a:off x="5682119" y="138488"/>
+                  <a:ext cx="368478" cy="492862"/>
                 </a:xfrm>
                 <a:prstGeom prst="rect">
                   <a:avLst/>
@@ -19269,20 +17244,20 @@
                 <a:p>
                   <a:pPr algn="ctr"/>
                   <a:r>
-                    <a:rPr lang="en-US" b="1"/>
+                    <a:rPr lang="en-US" sz="2400" b="1"/>
                     <a:t>7</a:t>
                   </a:r>
-                  <a:endParaRPr lang="en-IN" dirty="0"/>
+                  <a:endParaRPr lang="en-IN" sz="2400" dirty="0"/>
                 </a:p>
               </p:txBody>
             </p:sp>
           </p:grpSp>
           <p:sp>
             <p:nvSpPr>
-              <p:cNvPr id="28" name="TextBox 27">
+              <p:cNvPr id="1047" name="TextBox 1046">
                 <a:extLst>
                   <a:ext uri="{FF2B5EF4-FFF2-40B4-BE49-F238E27FC236}">
-                    <a16:creationId xmlns:a16="http://schemas.microsoft.com/office/drawing/2014/main" id="{AFA3AB2B-4D65-5175-3AD9-535C983D4E33}"/>
+                    <a16:creationId xmlns:a16="http://schemas.microsoft.com/office/drawing/2014/main" id="{930BA393-DB44-2C37-FCFC-597BD8E77846}"/>
                   </a:ext>
                 </a:extLst>
               </p:cNvPr>
@@ -19291,7 +17266,7 @@
             </p:nvSpPr>
             <p:spPr>
               <a:xfrm>
-                <a:off x="6315721" y="4742778"/>
+                <a:off x="6315721" y="239592"/>
                 <a:ext cx="4703260" cy="374575"/>
               </a:xfrm>
               <a:prstGeom prst="rect">
@@ -19313,7 +17288,7 @@
                 </a:pPr>
                 <a:r>
                   <a:rPr lang="en-US" b="1"/>
-                  <a:t>Recommendations </a:t>
+                  <a:t>Research objective</a:t>
                 </a:r>
                 <a:endParaRPr lang="en-US" b="1" dirty="0"/>
               </a:p>
@@ -19331,10 +17306,10 @@
         </p:grpSp>
         <p:grpSp>
           <p:nvGrpSpPr>
-            <p:cNvPr id="15" name="Group 14">
+            <p:cNvPr id="119" name="Group 118">
               <a:extLst>
                 <a:ext uri="{FF2B5EF4-FFF2-40B4-BE49-F238E27FC236}">
-                  <a16:creationId xmlns:a16="http://schemas.microsoft.com/office/drawing/2014/main" id="{9BC7D3DA-FD66-735A-8F99-D689C55A0E24}"/>
+                  <a16:creationId xmlns:a16="http://schemas.microsoft.com/office/drawing/2014/main" id="{702C82AF-7891-64EF-EC13-6F14985F5D89}"/>
                 </a:ext>
               </a:extLst>
             </p:cNvPr>
@@ -19343,18 +17318,18 @@
           </p:nvGrpSpPr>
           <p:grpSpPr>
             <a:xfrm>
-              <a:off x="5602981" y="5409293"/>
+              <a:off x="5602981" y="906107"/>
               <a:ext cx="5416000" cy="542604"/>
-              <a:chOff x="5602981" y="5409293"/>
+              <a:chOff x="5602981" y="906107"/>
               <a:chExt cx="5416000" cy="542604"/>
             </a:xfrm>
           </p:grpSpPr>
           <p:grpSp>
             <p:nvGrpSpPr>
-              <p:cNvPr id="22" name="Group 21">
+              <p:cNvPr id="1041" name="Group 1040">
                 <a:extLst>
                   <a:ext uri="{FF2B5EF4-FFF2-40B4-BE49-F238E27FC236}">
-                    <a16:creationId xmlns:a16="http://schemas.microsoft.com/office/drawing/2014/main" id="{BC3F802D-C88C-CF11-56F7-1ECFCD021E04}"/>
+                    <a16:creationId xmlns:a16="http://schemas.microsoft.com/office/drawing/2014/main" id="{6F9AEB2D-6F7B-85DD-75FB-FF39297074F1}"/>
                   </a:ext>
                 </a:extLst>
               </p:cNvPr>
@@ -19363,18 +17338,18 @@
             </p:nvGrpSpPr>
             <p:grpSpPr>
               <a:xfrm>
-                <a:off x="5602981" y="5409293"/>
+                <a:off x="5602981" y="906107"/>
                 <a:ext cx="542605" cy="542604"/>
-                <a:chOff x="5602981" y="5409293"/>
+                <a:chOff x="5602981" y="906107"/>
                 <a:chExt cx="542605" cy="542604"/>
               </a:xfrm>
             </p:grpSpPr>
             <p:sp>
               <p:nvSpPr>
-                <p:cNvPr id="24" name="Oval 23">
+                <p:cNvPr id="1043" name="Oval 1042">
                   <a:extLst>
                     <a:ext uri="{FF2B5EF4-FFF2-40B4-BE49-F238E27FC236}">
-                      <a16:creationId xmlns:a16="http://schemas.microsoft.com/office/drawing/2014/main" id="{7642789A-9BA0-6E73-CF2C-FDAD3833D9F0}"/>
+                      <a16:creationId xmlns:a16="http://schemas.microsoft.com/office/drawing/2014/main" id="{895A49E3-0319-6E36-FE54-FDF0E0630AD1}"/>
                     </a:ext>
                   </a:extLst>
                 </p:cNvPr>
@@ -19383,7 +17358,7 @@
               </p:nvSpPr>
               <p:spPr>
                 <a:xfrm>
-                  <a:off x="5602981" y="5409293"/>
+                  <a:off x="5602981" y="906107"/>
                   <a:ext cx="542605" cy="542604"/>
                 </a:xfrm>
                 <a:prstGeom prst="ellipse">
@@ -19439,10 +17414,10 @@
             </p:sp>
             <p:sp>
               <p:nvSpPr>
-                <p:cNvPr id="25" name="Oval 24">
+                <p:cNvPr id="1044" name="Oval 1043">
                   <a:extLst>
                     <a:ext uri="{FF2B5EF4-FFF2-40B4-BE49-F238E27FC236}">
-                      <a16:creationId xmlns:a16="http://schemas.microsoft.com/office/drawing/2014/main" id="{8C467D31-7500-B092-B7AF-584B884F68E2}"/>
+                      <a16:creationId xmlns:a16="http://schemas.microsoft.com/office/drawing/2014/main" id="{6040950D-2DD2-F2A3-3B6F-339D12AD3C54}"/>
                     </a:ext>
                   </a:extLst>
                 </p:cNvPr>
@@ -19451,7 +17426,7 @@
               </p:nvSpPr>
               <p:spPr>
                 <a:xfrm>
-                  <a:off x="5678679" y="5484991"/>
+                  <a:off x="5678679" y="981805"/>
                   <a:ext cx="391209" cy="391208"/>
                 </a:xfrm>
                 <a:prstGeom prst="ellipse">
@@ -19510,10 +17485,10 @@
             </p:sp>
             <p:sp>
               <p:nvSpPr>
-                <p:cNvPr id="26" name="TextBox 25">
+                <p:cNvPr id="1045" name="TextBox 1044">
                   <a:extLst>
                     <a:ext uri="{FF2B5EF4-FFF2-40B4-BE49-F238E27FC236}">
-                      <a16:creationId xmlns:a16="http://schemas.microsoft.com/office/drawing/2014/main" id="{B60F66BD-5DDC-6A5D-AC63-97B9A04258B0}"/>
+                      <a16:creationId xmlns:a16="http://schemas.microsoft.com/office/drawing/2014/main" id="{31D6FDCD-A118-9EC9-7EEF-DA22AB648083}"/>
                     </a:ext>
                   </a:extLst>
                 </p:cNvPr>
@@ -19522,8 +17497,8 @@
               </p:nvSpPr>
               <p:spPr>
                 <a:xfrm>
-                  <a:off x="5705136" y="5485345"/>
-                  <a:ext cx="343818" cy="394290"/>
+                  <a:off x="5678596" y="938853"/>
+                  <a:ext cx="391377" cy="492862"/>
                 </a:xfrm>
                 <a:prstGeom prst="rect">
                   <a:avLst/>
@@ -19538,20 +17513,20 @@
                 <a:p>
                   <a:pPr algn="ctr"/>
                   <a:r>
-                    <a:rPr lang="en-US" b="1"/>
+                    <a:rPr lang="en-US" sz="2400" b="1"/>
                     <a:t>8</a:t>
                   </a:r>
-                  <a:endParaRPr lang="en-IN" dirty="0"/>
+                  <a:endParaRPr lang="en-IN" sz="2400" dirty="0"/>
                 </a:p>
               </p:txBody>
             </p:sp>
           </p:grpSp>
           <p:sp>
             <p:nvSpPr>
-              <p:cNvPr id="23" name="TextBox 22">
+              <p:cNvPr id="1042" name="TextBox 1041">
                 <a:extLst>
                   <a:ext uri="{FF2B5EF4-FFF2-40B4-BE49-F238E27FC236}">
-                    <a16:creationId xmlns:a16="http://schemas.microsoft.com/office/drawing/2014/main" id="{676441F5-9EC4-D9F1-93D9-8CFE6A8E6DC0}"/>
+                    <a16:creationId xmlns:a16="http://schemas.microsoft.com/office/drawing/2014/main" id="{C1E8FB67-9F9F-49DD-F512-1651B0E7F19E}"/>
                   </a:ext>
                 </a:extLst>
               </p:cNvPr>
@@ -19560,7 +17535,7 @@
             </p:nvSpPr>
             <p:spPr>
               <a:xfrm>
-                <a:off x="6315721" y="5493308"/>
+                <a:off x="6315721" y="990122"/>
                 <a:ext cx="4703260" cy="374575"/>
               </a:xfrm>
               <a:prstGeom prst="rect">
@@ -19582,7 +17557,7 @@
                 </a:pPr>
                 <a:r>
                   <a:rPr lang="en-US" b="1"/>
-                  <a:t>Risk minimization strategies  </a:t>
+                  <a:t>Data Overview &amp; Preparation</a:t>
                 </a:r>
                 <a:endParaRPr lang="en-US" b="1" dirty="0"/>
               </a:p>
@@ -19600,10 +17575,10 @@
         </p:grpSp>
         <p:grpSp>
           <p:nvGrpSpPr>
-            <p:cNvPr id="16" name="Group 15">
+            <p:cNvPr id="120" name="Group 119">
               <a:extLst>
                 <a:ext uri="{FF2B5EF4-FFF2-40B4-BE49-F238E27FC236}">
-                  <a16:creationId xmlns:a16="http://schemas.microsoft.com/office/drawing/2014/main" id="{F9111221-CCC7-DA99-5AB4-B6CD961B02DF}"/>
+                  <a16:creationId xmlns:a16="http://schemas.microsoft.com/office/drawing/2014/main" id="{DBC740B2-BCD0-CDB7-D253-89F60DD74E72}"/>
                 </a:ext>
               </a:extLst>
             </p:cNvPr>
@@ -19612,18 +17587,18 @@
           </p:nvGrpSpPr>
           <p:grpSpPr>
             <a:xfrm>
-              <a:off x="5602981" y="6159820"/>
-              <a:ext cx="5416000" cy="542605"/>
-              <a:chOff x="5602981" y="6159820"/>
-              <a:chExt cx="5416000" cy="542605"/>
+              <a:off x="5602981" y="1656638"/>
+              <a:ext cx="5803927" cy="542604"/>
+              <a:chOff x="5602981" y="1656638"/>
+              <a:chExt cx="5803927" cy="542604"/>
             </a:xfrm>
           </p:grpSpPr>
           <p:grpSp>
             <p:nvGrpSpPr>
-              <p:cNvPr id="17" name="Group 16">
+              <p:cNvPr id="1036" name="Group 1035">
                 <a:extLst>
                   <a:ext uri="{FF2B5EF4-FFF2-40B4-BE49-F238E27FC236}">
-                    <a16:creationId xmlns:a16="http://schemas.microsoft.com/office/drawing/2014/main" id="{9D7E6E18-2ACC-0035-F17F-796EFF2381FB}"/>
+                    <a16:creationId xmlns:a16="http://schemas.microsoft.com/office/drawing/2014/main" id="{47C58596-0468-1437-469A-1D50E985EA5E}"/>
                   </a:ext>
                 </a:extLst>
               </p:cNvPr>
@@ -19632,18 +17607,18 @@
             </p:nvGrpSpPr>
             <p:grpSpPr>
               <a:xfrm>
-                <a:off x="5602981" y="6159820"/>
-                <a:ext cx="542605" cy="542605"/>
-                <a:chOff x="5602981" y="6159820"/>
-                <a:chExt cx="542605" cy="542605"/>
+                <a:off x="5602981" y="1656638"/>
+                <a:ext cx="542605" cy="542604"/>
+                <a:chOff x="5602981" y="1656638"/>
+                <a:chExt cx="542605" cy="542604"/>
               </a:xfrm>
             </p:grpSpPr>
             <p:sp>
               <p:nvSpPr>
-                <p:cNvPr id="19" name="Oval 18">
+                <p:cNvPr id="1038" name="Oval 1037">
                   <a:extLst>
                     <a:ext uri="{FF2B5EF4-FFF2-40B4-BE49-F238E27FC236}">
-                      <a16:creationId xmlns:a16="http://schemas.microsoft.com/office/drawing/2014/main" id="{CA448854-0E76-02FD-2CD7-7D901E15F746}"/>
+                      <a16:creationId xmlns:a16="http://schemas.microsoft.com/office/drawing/2014/main" id="{96176F17-B814-10C9-C2EF-AB690F612B38}"/>
                     </a:ext>
                   </a:extLst>
                 </p:cNvPr>
@@ -19652,7 +17627,7 @@
               </p:nvSpPr>
               <p:spPr>
                 <a:xfrm>
-                  <a:off x="5602981" y="6159821"/>
+                  <a:off x="5602981" y="1656638"/>
                   <a:ext cx="542605" cy="542604"/>
                 </a:xfrm>
                 <a:prstGeom prst="ellipse">
@@ -19698,7 +17673,7 @@
                 <a:lstStyle/>
                 <a:p>
                   <a:pPr algn="ctr"/>
-                  <a:endParaRPr lang="en-US" sz="2000">
+                  <a:endParaRPr lang="en-US">
                     <a:solidFill>
                       <a:schemeClr val="tx1"/>
                     </a:solidFill>
@@ -19708,10 +17683,10 @@
             </p:sp>
             <p:sp>
               <p:nvSpPr>
-                <p:cNvPr id="20" name="Oval 19">
+                <p:cNvPr id="1039" name="Oval 1038">
                   <a:extLst>
                     <a:ext uri="{FF2B5EF4-FFF2-40B4-BE49-F238E27FC236}">
-                      <a16:creationId xmlns:a16="http://schemas.microsoft.com/office/drawing/2014/main" id="{EDB8EED7-2EC7-FDFC-49B1-948C8CA65D34}"/>
+                      <a16:creationId xmlns:a16="http://schemas.microsoft.com/office/drawing/2014/main" id="{98BE086B-B74C-2A5F-3F7C-F23F1FE2A075}"/>
                     </a:ext>
                   </a:extLst>
                 </p:cNvPr>
@@ -19720,7 +17695,7 @@
               </p:nvSpPr>
               <p:spPr>
                 <a:xfrm>
-                  <a:off x="5678679" y="6235519"/>
+                  <a:off x="5678680" y="1732336"/>
                   <a:ext cx="391209" cy="391208"/>
                 </a:xfrm>
                 <a:prstGeom prst="ellipse">
@@ -19769,7 +17744,7 @@
                 <a:lstStyle/>
                 <a:p>
                   <a:pPr algn="ctr"/>
-                  <a:endParaRPr lang="en-US" sz="2000">
+                  <a:endParaRPr lang="en-US">
                     <a:solidFill>
                       <a:schemeClr val="tx1"/>
                     </a:solidFill>
@@ -19779,10 +17754,10 @@
             </p:sp>
             <p:sp>
               <p:nvSpPr>
-                <p:cNvPr id="21" name="TextBox 20">
+                <p:cNvPr id="1040" name="TextBox 1039">
                   <a:extLst>
                     <a:ext uri="{FF2B5EF4-FFF2-40B4-BE49-F238E27FC236}">
-                      <a16:creationId xmlns:a16="http://schemas.microsoft.com/office/drawing/2014/main" id="{ED204B08-A160-5A6C-B0D8-4D3E41B9C063}"/>
+                      <a16:creationId xmlns:a16="http://schemas.microsoft.com/office/drawing/2014/main" id="{60853BAB-B4F3-DC46-0436-6D0C99B7B776}"/>
                     </a:ext>
                   </a:extLst>
                 </p:cNvPr>
@@ -19791,8 +17766,8 @@
               </p:nvSpPr>
               <p:spPr>
                 <a:xfrm>
-                  <a:off x="5695328" y="6159820"/>
-                  <a:ext cx="357910" cy="427148"/>
+                  <a:off x="5703254" y="1685215"/>
+                  <a:ext cx="342059" cy="394290"/>
                 </a:xfrm>
                 <a:prstGeom prst="rect">
                   <a:avLst/>
@@ -19800,27 +17775,27 @@
                 <a:noFill/>
               </p:spPr>
               <p:txBody>
-                <a:bodyPr wrap="none" rtlCol="0">
+                <a:bodyPr wrap="none" rtlCol="0" anchor="ctr">
                   <a:spAutoFit/>
                 </a:bodyPr>
                 <a:lstStyle/>
                 <a:p>
                   <a:pPr algn="ctr"/>
                   <a:r>
-                    <a:rPr lang="en-US" sz="2000" b="1"/>
+                    <a:rPr lang="en-US" b="1"/>
                     <a:t>9</a:t>
                   </a:r>
-                  <a:endParaRPr lang="en-IN" sz="2000" dirty="0"/>
+                  <a:endParaRPr lang="en-IN" dirty="0"/>
                 </a:p>
               </p:txBody>
             </p:sp>
           </p:grpSp>
           <p:sp>
             <p:nvSpPr>
-              <p:cNvPr id="18" name="TextBox 17">
+              <p:cNvPr id="1037" name="TextBox 1036">
                 <a:extLst>
                   <a:ext uri="{FF2B5EF4-FFF2-40B4-BE49-F238E27FC236}">
-                    <a16:creationId xmlns:a16="http://schemas.microsoft.com/office/drawing/2014/main" id="{A76DC300-0BCD-DF45-5927-3BFA6457E85B}"/>
+                    <a16:creationId xmlns:a16="http://schemas.microsoft.com/office/drawing/2014/main" id="{4BB06E41-7E09-CC0E-A6D7-52E944780B5C}"/>
                   </a:ext>
                 </a:extLst>
               </p:cNvPr>
@@ -19829,7 +17804,280 @@
             </p:nvSpPr>
             <p:spPr>
               <a:xfrm>
-                <a:off x="6315721" y="6243836"/>
+                <a:off x="6315721" y="1740653"/>
+                <a:ext cx="5091187" cy="374575"/>
+              </a:xfrm>
+              <a:prstGeom prst="rect">
+                <a:avLst/>
+              </a:prstGeom>
+              <a:noFill/>
+            </p:spPr>
+            <p:txBody>
+              <a:bodyPr wrap="square" lIns="0" tIns="0" rIns="0" bIns="0" rtlCol="0" anchor="ctr">
+                <a:spAutoFit/>
+              </a:bodyPr>
+              <a:lstStyle/>
+              <a:p>
+                <a:pPr defTabSz="1219170">
+                  <a:spcBef>
+                    <a:spcPct val="20000"/>
+                  </a:spcBef>
+                  <a:defRPr/>
+                </a:pPr>
+                <a:r>
+                  <a:rPr lang="en-US" b="1"/>
+                  <a:t>Correlation analysis</a:t>
+                </a:r>
+                <a:endParaRPr lang="en-US" b="1" dirty="0"/>
+              </a:p>
+              <a:p>
+                <a:pPr defTabSz="1219170">
+                  <a:spcBef>
+                    <a:spcPct val="20000"/>
+                  </a:spcBef>
+                  <a:defRPr/>
+                </a:pPr>
+                <a:endParaRPr lang="en-US" sz="400" b="1" dirty="0"/>
+              </a:p>
+            </p:txBody>
+          </p:sp>
+        </p:grpSp>
+        <p:grpSp>
+          <p:nvGrpSpPr>
+            <p:cNvPr id="121" name="Group 120">
+              <a:extLst>
+                <a:ext uri="{FF2B5EF4-FFF2-40B4-BE49-F238E27FC236}">
+                  <a16:creationId xmlns:a16="http://schemas.microsoft.com/office/drawing/2014/main" id="{21B86516-085C-4E5E-0CFA-EAF3C1E5141A}"/>
+                </a:ext>
+              </a:extLst>
+            </p:cNvPr>
+            <p:cNvGrpSpPr/>
+            <p:nvPr/>
+          </p:nvGrpSpPr>
+          <p:grpSpPr>
+            <a:xfrm>
+              <a:off x="5602981" y="2407169"/>
+              <a:ext cx="5416000" cy="542604"/>
+              <a:chOff x="5602981" y="2407169"/>
+              <a:chExt cx="5416000" cy="542604"/>
+            </a:xfrm>
+          </p:grpSpPr>
+          <p:grpSp>
+            <p:nvGrpSpPr>
+              <p:cNvPr id="1031" name="Group 1030">
+                <a:extLst>
+                  <a:ext uri="{FF2B5EF4-FFF2-40B4-BE49-F238E27FC236}">
+                    <a16:creationId xmlns:a16="http://schemas.microsoft.com/office/drawing/2014/main" id="{12795704-6654-FF85-F3E2-2BC5EAEA0529}"/>
+                  </a:ext>
+                </a:extLst>
+              </p:cNvPr>
+              <p:cNvGrpSpPr/>
+              <p:nvPr/>
+            </p:nvGrpSpPr>
+            <p:grpSpPr>
+              <a:xfrm>
+                <a:off x="5602981" y="2407169"/>
+                <a:ext cx="542605" cy="542604"/>
+                <a:chOff x="5602981" y="2407169"/>
+                <a:chExt cx="542605" cy="542604"/>
+              </a:xfrm>
+            </p:grpSpPr>
+            <p:sp>
+              <p:nvSpPr>
+                <p:cNvPr id="1033" name="Oval 1032">
+                  <a:extLst>
+                    <a:ext uri="{FF2B5EF4-FFF2-40B4-BE49-F238E27FC236}">
+                      <a16:creationId xmlns:a16="http://schemas.microsoft.com/office/drawing/2014/main" id="{0762A960-95BD-AC52-F0B6-FE9C5789FC16}"/>
+                    </a:ext>
+                  </a:extLst>
+                </p:cNvPr>
+                <p:cNvSpPr/>
+                <p:nvPr/>
+              </p:nvSpPr>
+              <p:spPr>
+                <a:xfrm>
+                  <a:off x="5602981" y="2407169"/>
+                  <a:ext cx="542605" cy="542604"/>
+                </a:xfrm>
+                <a:prstGeom prst="ellipse">
+                  <a:avLst/>
+                </a:prstGeom>
+                <a:solidFill>
+                  <a:schemeClr val="tx1">
+                    <a:alpha val="70000"/>
+                  </a:schemeClr>
+                </a:solidFill>
+                <a:ln>
+                  <a:solidFill>
+                    <a:schemeClr val="bg2">
+                      <a:lumMod val="75000"/>
+                    </a:schemeClr>
+                  </a:solidFill>
+                </a:ln>
+                <a:effectLst/>
+              </p:spPr>
+              <p:style>
+                <a:lnRef idx="2">
+                  <a:schemeClr val="accent1">
+                    <a:shade val="50000"/>
+                  </a:schemeClr>
+                </a:lnRef>
+                <a:fillRef idx="1">
+                  <a:schemeClr val="accent1"/>
+                </a:fillRef>
+                <a:effectRef idx="0">
+                  <a:schemeClr val="accent1"/>
+                </a:effectRef>
+                <a:fontRef idx="minor">
+                  <a:schemeClr val="lt1"/>
+                </a:fontRef>
+              </p:style>
+              <p:txBody>
+                <a:bodyPr rot="0" spcFirstLastPara="0" vertOverflow="overflow" horzOverflow="overflow" vert="horz" wrap="square" lIns="91440" tIns="45720" rIns="91440" bIns="45720" numCol="1" spcCol="0" rtlCol="0" fromWordArt="0" anchor="ctr" anchorCtr="0" forceAA="0" compatLnSpc="1">
+                  <a:prstTxWarp prst="textNoShape">
+                    <a:avLst/>
+                  </a:prstTxWarp>
+                  <a:noAutofit/>
+                </a:bodyPr>
+                <a:lstStyle/>
+                <a:p>
+                  <a:pPr algn="ctr"/>
+                  <a:endParaRPr lang="en-US">
+                    <a:solidFill>
+                      <a:schemeClr val="tx1"/>
+                    </a:solidFill>
+                  </a:endParaRPr>
+                </a:p>
+              </p:txBody>
+            </p:sp>
+            <p:sp>
+              <p:nvSpPr>
+                <p:cNvPr id="1034" name="Oval 1033">
+                  <a:extLst>
+                    <a:ext uri="{FF2B5EF4-FFF2-40B4-BE49-F238E27FC236}">
+                      <a16:creationId xmlns:a16="http://schemas.microsoft.com/office/drawing/2014/main" id="{4558F979-80B9-D8AC-5426-278B97BC9AA1}"/>
+                    </a:ext>
+                  </a:extLst>
+                </p:cNvPr>
+                <p:cNvSpPr/>
+                <p:nvPr/>
+              </p:nvSpPr>
+              <p:spPr>
+                <a:xfrm>
+                  <a:off x="5678679" y="2482867"/>
+                  <a:ext cx="391209" cy="391208"/>
+                </a:xfrm>
+                <a:prstGeom prst="ellipse">
+                  <a:avLst/>
+                </a:prstGeom>
+                <a:solidFill>
+                  <a:schemeClr val="accent4">
+                    <a:lumMod val="60000"/>
+                    <a:lumOff val="40000"/>
+                  </a:schemeClr>
+                </a:solidFill>
+                <a:ln>
+                  <a:noFill/>
+                </a:ln>
+                <a:effectLst>
+                  <a:outerShdw blurRad="215900" dist="25400" dir="5400000" sx="97000" sy="97000" algn="t" rotWithShape="0">
+                    <a:prstClr val="black">
+                      <a:alpha val="35000"/>
+                    </a:prstClr>
+                  </a:outerShdw>
+                </a:effectLst>
+              </p:spPr>
+              <p:style>
+                <a:lnRef idx="2">
+                  <a:schemeClr val="accent1">
+                    <a:shade val="50000"/>
+                  </a:schemeClr>
+                </a:lnRef>
+                <a:fillRef idx="1">
+                  <a:schemeClr val="accent1"/>
+                </a:fillRef>
+                <a:effectRef idx="0">
+                  <a:schemeClr val="accent1"/>
+                </a:effectRef>
+                <a:fontRef idx="minor">
+                  <a:schemeClr val="lt1"/>
+                </a:fontRef>
+              </p:style>
+              <p:txBody>
+                <a:bodyPr rot="0" spcFirstLastPara="0" vertOverflow="overflow" horzOverflow="overflow" vert="horz" wrap="square" lIns="91440" tIns="45720" rIns="91440" bIns="45720" numCol="1" spcCol="0" rtlCol="0" fromWordArt="0" anchor="ctr" anchorCtr="0" forceAA="0" compatLnSpc="1">
+                  <a:prstTxWarp prst="textNoShape">
+                    <a:avLst/>
+                  </a:prstTxWarp>
+                  <a:noAutofit/>
+                </a:bodyPr>
+                <a:lstStyle/>
+                <a:p>
+                  <a:pPr algn="ctr"/>
+                  <a:endParaRPr lang="en-US">
+                    <a:solidFill>
+                      <a:schemeClr val="tx1"/>
+                    </a:solidFill>
+                  </a:endParaRPr>
+                </a:p>
+              </p:txBody>
+            </p:sp>
+            <p:sp>
+              <p:nvSpPr>
+                <p:cNvPr id="1035" name="TextBox 1034">
+                  <a:extLst>
+                    <a:ext uri="{FF2B5EF4-FFF2-40B4-BE49-F238E27FC236}">
+                      <a16:creationId xmlns:a16="http://schemas.microsoft.com/office/drawing/2014/main" id="{EA2DB6B1-9BB8-FF27-3E32-F7EC4FB30CBC}"/>
+                    </a:ext>
+                  </a:extLst>
+                </p:cNvPr>
+                <p:cNvSpPr txBox="1"/>
+                <p:nvPr/>
+              </p:nvSpPr>
+              <p:spPr>
+                <a:xfrm>
+                  <a:off x="5635969" y="2423241"/>
+                  <a:ext cx="458309" cy="394290"/>
+                </a:xfrm>
+                <a:prstGeom prst="rect">
+                  <a:avLst/>
+                </a:prstGeom>
+                <a:noFill/>
+              </p:spPr>
+              <p:txBody>
+                <a:bodyPr wrap="none" rtlCol="0" anchor="ctr">
+                  <a:spAutoFit/>
+                </a:bodyPr>
+                <a:lstStyle/>
+                <a:p>
+                  <a:pPr algn="ctr"/>
+                  <a:r>
+                    <a:rPr lang="en-US" b="1">
+                      <a:latin typeface="+mj-lt"/>
+                    </a:rPr>
+                    <a:t>10</a:t>
+                  </a:r>
+                  <a:endParaRPr lang="en-IN" dirty="0">
+                    <a:latin typeface="+mj-lt"/>
+                  </a:endParaRPr>
+                </a:p>
+              </p:txBody>
+            </p:sp>
+          </p:grpSp>
+          <p:sp>
+            <p:nvSpPr>
+              <p:cNvPr id="1032" name="TextBox 1031">
+                <a:extLst>
+                  <a:ext uri="{FF2B5EF4-FFF2-40B4-BE49-F238E27FC236}">
+                    <a16:creationId xmlns:a16="http://schemas.microsoft.com/office/drawing/2014/main" id="{80AE31C8-B3F4-50D9-4ACC-15B48F9165E0}"/>
+                  </a:ext>
+                </a:extLst>
+              </p:cNvPr>
+              <p:cNvSpPr txBox="1"/>
+              <p:nvPr/>
+            </p:nvSpPr>
+            <p:spPr>
+              <a:xfrm>
+                <a:off x="6315721" y="2491184"/>
                 <a:ext cx="4703260" cy="374575"/>
               </a:xfrm>
               <a:prstGeom prst="rect">
@@ -19851,7 +18099,7 @@
                 </a:pPr>
                 <a:r>
                   <a:rPr lang="en-US" b="1"/>
-                  <a:t>Conclusion &amp; Appendix   </a:t>
+                  <a:t>Price sensitivity</a:t>
                 </a:r>
                 <a:endParaRPr lang="en-US" b="1" dirty="0"/>
               </a:p>
@@ -19867,187 +18115,544 @@
             </p:txBody>
           </p:sp>
         </p:grpSp>
-      </p:grpSp>
-      <p:grpSp>
-        <p:nvGrpSpPr>
-          <p:cNvPr id="64" name="Group 63">
-            <a:extLst>
-              <a:ext uri="{FF2B5EF4-FFF2-40B4-BE49-F238E27FC236}">
-                <a16:creationId xmlns:a16="http://schemas.microsoft.com/office/drawing/2014/main" id="{77881111-0AD6-472E-EFF5-9E047C8B5E0B}"/>
-              </a:ext>
-            </a:extLst>
-          </p:cNvPr>
-          <p:cNvGrpSpPr/>
-          <p:nvPr/>
-        </p:nvGrpSpPr>
-        <p:grpSpPr>
-          <a:xfrm>
-            <a:off x="437858" y="1925697"/>
-            <a:ext cx="2895802" cy="4202010"/>
-            <a:chOff x="325903" y="2369072"/>
-            <a:chExt cx="4858839" cy="4202010"/>
-          </a:xfrm>
-        </p:grpSpPr>
-        <p:sp>
-          <p:nvSpPr>
-            <p:cNvPr id="66" name="TextBox 65">
+        <p:grpSp>
+          <p:nvGrpSpPr>
+            <p:cNvPr id="122" name="Group 121">
               <a:extLst>
                 <a:ext uri="{FF2B5EF4-FFF2-40B4-BE49-F238E27FC236}">
-                  <a16:creationId xmlns:a16="http://schemas.microsoft.com/office/drawing/2014/main" id="{B58ED90F-20A9-0601-67D1-D7D044280349}"/>
+                  <a16:creationId xmlns:a16="http://schemas.microsoft.com/office/drawing/2014/main" id="{96F3CC86-FD5C-2940-12D5-C2113C8AA630}"/>
                 </a:ext>
               </a:extLst>
             </p:cNvPr>
-            <p:cNvSpPr txBox="1"/>
+            <p:cNvGrpSpPr/>
             <p:nvPr/>
-          </p:nvSpPr>
-          <p:spPr>
+          </p:nvGrpSpPr>
+          <p:grpSpPr>
             <a:xfrm>
-              <a:off x="409578" y="2369072"/>
-              <a:ext cx="4681865" cy="1446550"/>
+              <a:off x="5602981" y="3157700"/>
+              <a:ext cx="5416000" cy="542604"/>
+              <a:chOff x="5602981" y="3157700"/>
+              <a:chExt cx="5416000" cy="542604"/>
             </a:xfrm>
-            <a:prstGeom prst="rect">
-              <a:avLst/>
-            </a:prstGeom>
-            <a:noFill/>
-          </p:spPr>
-          <p:txBody>
-            <a:bodyPr wrap="square" rtlCol="0">
-              <a:spAutoFit/>
-            </a:bodyPr>
-            <a:lstStyle/>
-            <a:p>
-              <a:r>
-                <a:rPr lang="en-US" altLang="ko-KR" sz="4400" b="1" dirty="0">
+          </p:grpSpPr>
+          <p:grpSp>
+            <p:nvGrpSpPr>
+              <p:cNvPr id="1025" name="Group 1024">
+                <a:extLst>
+                  <a:ext uri="{FF2B5EF4-FFF2-40B4-BE49-F238E27FC236}">
+                    <a16:creationId xmlns:a16="http://schemas.microsoft.com/office/drawing/2014/main" id="{A6052CEF-7C45-5017-5173-91DA59CA99AD}"/>
+                  </a:ext>
+                </a:extLst>
+              </p:cNvPr>
+              <p:cNvGrpSpPr/>
+              <p:nvPr/>
+            </p:nvGrpSpPr>
+            <p:grpSpPr>
+              <a:xfrm>
+                <a:off x="5602981" y="3157700"/>
+                <a:ext cx="542605" cy="542604"/>
+                <a:chOff x="5602981" y="3157700"/>
+                <a:chExt cx="542605" cy="542604"/>
+              </a:xfrm>
+            </p:grpSpPr>
+            <p:sp>
+              <p:nvSpPr>
+                <p:cNvPr id="1027" name="Oval 1026">
+                  <a:extLst>
+                    <a:ext uri="{FF2B5EF4-FFF2-40B4-BE49-F238E27FC236}">
+                      <a16:creationId xmlns:a16="http://schemas.microsoft.com/office/drawing/2014/main" id="{8C2D8D86-288B-F253-9172-764ED8F06132}"/>
+                    </a:ext>
+                  </a:extLst>
+                </p:cNvPr>
+                <p:cNvSpPr/>
+                <p:nvPr/>
+              </p:nvSpPr>
+              <p:spPr>
+                <a:xfrm>
+                  <a:off x="5602981" y="3157700"/>
+                  <a:ext cx="542605" cy="542604"/>
+                </a:xfrm>
+                <a:prstGeom prst="ellipse">
+                  <a:avLst/>
+                </a:prstGeom>
+                <a:solidFill>
+                  <a:schemeClr val="tx1">
+                    <a:alpha val="70000"/>
+                  </a:schemeClr>
+                </a:solidFill>
+                <a:ln>
                   <a:solidFill>
-                    <a:schemeClr val="tx1">
-                      <a:lumMod val="95000"/>
-                      <a:lumOff val="5000"/>
+                    <a:schemeClr val="bg2">
+                      <a:lumMod val="75000"/>
                     </a:schemeClr>
                   </a:solidFill>
-                  <a:cs typeface="Arial" panose="020B0604020202020204" pitchFamily="34" charset="0"/>
-                </a:rPr>
-                <a:t>Table Of Contents </a:t>
-              </a:r>
-              <a:endParaRPr lang="ko-KR" altLang="en-US" sz="4400" b="1" dirty="0">
+                </a:ln>
+                <a:effectLst/>
+              </p:spPr>
+              <p:style>
+                <a:lnRef idx="2">
+                  <a:schemeClr val="accent1">
+                    <a:shade val="50000"/>
+                  </a:schemeClr>
+                </a:lnRef>
+                <a:fillRef idx="1">
+                  <a:schemeClr val="accent1"/>
+                </a:fillRef>
+                <a:effectRef idx="0">
+                  <a:schemeClr val="accent1"/>
+                </a:effectRef>
+                <a:fontRef idx="minor">
+                  <a:schemeClr val="lt1"/>
+                </a:fontRef>
+              </p:style>
+              <p:txBody>
+                <a:bodyPr rot="0" spcFirstLastPara="0" vertOverflow="overflow" horzOverflow="overflow" vert="horz" wrap="square" lIns="91440" tIns="45720" rIns="91440" bIns="45720" numCol="1" spcCol="0" rtlCol="0" fromWordArt="0" anchor="ctr" anchorCtr="0" forceAA="0" compatLnSpc="1">
+                  <a:prstTxWarp prst="textNoShape">
+                    <a:avLst/>
+                  </a:prstTxWarp>
+                  <a:noAutofit/>
+                </a:bodyPr>
+                <a:lstStyle/>
+                <a:p>
+                  <a:pPr algn="ctr"/>
+                  <a:endParaRPr lang="en-US">
+                    <a:solidFill>
+                      <a:schemeClr val="tx1"/>
+                    </a:solidFill>
+                  </a:endParaRPr>
+                </a:p>
+              </p:txBody>
+            </p:sp>
+            <p:sp>
+              <p:nvSpPr>
+                <p:cNvPr id="1028" name="Oval 1027">
+                  <a:extLst>
+                    <a:ext uri="{FF2B5EF4-FFF2-40B4-BE49-F238E27FC236}">
+                      <a16:creationId xmlns:a16="http://schemas.microsoft.com/office/drawing/2014/main" id="{BE2EA1C3-6675-7874-AE36-16BB78ED9A73}"/>
+                    </a:ext>
+                  </a:extLst>
+                </p:cNvPr>
+                <p:cNvSpPr/>
+                <p:nvPr/>
+              </p:nvSpPr>
+              <p:spPr>
+                <a:xfrm>
+                  <a:off x="5678679" y="3233398"/>
+                  <a:ext cx="391209" cy="391208"/>
+                </a:xfrm>
+                <a:prstGeom prst="ellipse">
+                  <a:avLst/>
+                </a:prstGeom>
                 <a:solidFill>
-                  <a:schemeClr val="tx1">
-                    <a:lumMod val="95000"/>
-                    <a:lumOff val="5000"/>
+                  <a:schemeClr val="accent3">
+                    <a:lumMod val="60000"/>
+                    <a:lumOff val="40000"/>
                   </a:schemeClr>
                 </a:solidFill>
-                <a:cs typeface="Arial" panose="020B0604020202020204" pitchFamily="34" charset="0"/>
-              </a:endParaRPr>
-            </a:p>
-          </p:txBody>
-        </p:sp>
-        <p:sp>
-          <p:nvSpPr>
-            <p:cNvPr id="67" name="TextBox 66">
+                <a:ln>
+                  <a:noFill/>
+                </a:ln>
+                <a:effectLst>
+                  <a:outerShdw blurRad="215900" dist="25400" dir="5400000" sx="97000" sy="97000" algn="t" rotWithShape="0">
+                    <a:prstClr val="black">
+                      <a:alpha val="35000"/>
+                    </a:prstClr>
+                  </a:outerShdw>
+                </a:effectLst>
+              </p:spPr>
+              <p:style>
+                <a:lnRef idx="2">
+                  <a:schemeClr val="accent1">
+                    <a:shade val="50000"/>
+                  </a:schemeClr>
+                </a:lnRef>
+                <a:fillRef idx="1">
+                  <a:schemeClr val="accent1"/>
+                </a:fillRef>
+                <a:effectRef idx="0">
+                  <a:schemeClr val="accent1"/>
+                </a:effectRef>
+                <a:fontRef idx="minor">
+                  <a:schemeClr val="lt1"/>
+                </a:fontRef>
+              </p:style>
+              <p:txBody>
+                <a:bodyPr rot="0" spcFirstLastPara="0" vertOverflow="overflow" horzOverflow="overflow" vert="horz" wrap="square" lIns="91440" tIns="45720" rIns="91440" bIns="45720" numCol="1" spcCol="0" rtlCol="0" fromWordArt="0" anchor="ctr" anchorCtr="0" forceAA="0" compatLnSpc="1">
+                  <a:prstTxWarp prst="textNoShape">
+                    <a:avLst/>
+                  </a:prstTxWarp>
+                  <a:noAutofit/>
+                </a:bodyPr>
+                <a:lstStyle/>
+                <a:p>
+                  <a:pPr algn="ctr"/>
+                  <a:endParaRPr lang="en-US">
+                    <a:solidFill>
+                      <a:schemeClr val="tx1"/>
+                    </a:solidFill>
+                  </a:endParaRPr>
+                </a:p>
+              </p:txBody>
+            </p:sp>
+            <p:sp>
+              <p:nvSpPr>
+                <p:cNvPr id="1029" name="TextBox 1028">
+                  <a:extLst>
+                    <a:ext uri="{FF2B5EF4-FFF2-40B4-BE49-F238E27FC236}">
+                      <a16:creationId xmlns:a16="http://schemas.microsoft.com/office/drawing/2014/main" id="{7A7CB374-EE10-D3C1-D284-B79EC3BBA0AB}"/>
+                    </a:ext>
+                  </a:extLst>
+                </p:cNvPr>
+                <p:cNvSpPr txBox="1"/>
+                <p:nvPr/>
+              </p:nvSpPr>
+              <p:spPr>
+                <a:xfrm>
+                  <a:off x="5647771" y="3195362"/>
+                  <a:ext cx="453025" cy="394290"/>
+                </a:xfrm>
+                <a:prstGeom prst="rect">
+                  <a:avLst/>
+                </a:prstGeom>
+                <a:noFill/>
+              </p:spPr>
+              <p:txBody>
+                <a:bodyPr wrap="none" rtlCol="0" anchor="ctr">
+                  <a:spAutoFit/>
+                </a:bodyPr>
+                <a:lstStyle/>
+                <a:p>
+                  <a:pPr algn="ctr"/>
+                  <a:r>
+                    <a:rPr lang="en-US" b="1"/>
+                    <a:t>11</a:t>
+                  </a:r>
+                  <a:endParaRPr lang="en-IN" dirty="0"/>
+                </a:p>
+              </p:txBody>
+            </p:sp>
+          </p:grpSp>
+          <p:sp>
+            <p:nvSpPr>
+              <p:cNvPr id="1026" name="TextBox 1025">
+                <a:extLst>
+                  <a:ext uri="{FF2B5EF4-FFF2-40B4-BE49-F238E27FC236}">
+                    <a16:creationId xmlns:a16="http://schemas.microsoft.com/office/drawing/2014/main" id="{19419C0D-7904-FDC5-0A55-DC2CBDEC714F}"/>
+                  </a:ext>
+                </a:extLst>
+              </p:cNvPr>
+              <p:cNvSpPr txBox="1"/>
+              <p:nvPr/>
+            </p:nvSpPr>
+            <p:spPr>
+              <a:xfrm>
+                <a:off x="6315721" y="3241716"/>
+                <a:ext cx="4703260" cy="374575"/>
+              </a:xfrm>
+              <a:prstGeom prst="rect">
+                <a:avLst/>
+              </a:prstGeom>
+              <a:noFill/>
+            </p:spPr>
+            <p:txBody>
+              <a:bodyPr wrap="square" lIns="0" tIns="0" rIns="0" bIns="0" rtlCol="0" anchor="ctr">
+                <a:spAutoFit/>
+              </a:bodyPr>
+              <a:lstStyle/>
+              <a:p>
+                <a:pPr defTabSz="1219170">
+                  <a:spcBef>
+                    <a:spcPct val="20000"/>
+                  </a:spcBef>
+                  <a:defRPr/>
+                </a:pPr>
+                <a:r>
+                  <a:rPr lang="en-US" b="1"/>
+                  <a:t>Category performance</a:t>
+                </a:r>
+                <a:endParaRPr lang="en-US" b="1" dirty="0"/>
+              </a:p>
+              <a:p>
+                <a:pPr defTabSz="1219170">
+                  <a:spcBef>
+                    <a:spcPct val="20000"/>
+                  </a:spcBef>
+                  <a:defRPr/>
+                </a:pPr>
+                <a:endParaRPr lang="en-US" sz="400" b="1" dirty="0"/>
+              </a:p>
+            </p:txBody>
+          </p:sp>
+        </p:grpSp>
+        <p:grpSp>
+          <p:nvGrpSpPr>
+            <p:cNvPr id="123" name="Group 122">
               <a:extLst>
                 <a:ext uri="{FF2B5EF4-FFF2-40B4-BE49-F238E27FC236}">
-                  <a16:creationId xmlns:a16="http://schemas.microsoft.com/office/drawing/2014/main" id="{290B02D5-4177-7CEB-773C-A6AA7CABD22C}"/>
+                  <a16:creationId xmlns:a16="http://schemas.microsoft.com/office/drawing/2014/main" id="{0C7F625D-2499-A504-4FD2-2213A8246015}"/>
                 </a:ext>
               </a:extLst>
             </p:cNvPr>
-            <p:cNvSpPr txBox="1"/>
+            <p:cNvGrpSpPr/>
             <p:nvPr/>
-          </p:nvSpPr>
-          <p:spPr>
+          </p:nvGrpSpPr>
+          <p:grpSpPr>
             <a:xfrm>
-              <a:off x="409578" y="3985759"/>
-              <a:ext cx="4775164" cy="2585323"/>
+              <a:off x="5602981" y="3908231"/>
+              <a:ext cx="5416000" cy="542604"/>
+              <a:chOff x="5602981" y="3908231"/>
+              <a:chExt cx="5416000" cy="542604"/>
             </a:xfrm>
-            <a:prstGeom prst="rect">
-              <a:avLst/>
-            </a:prstGeom>
-            <a:noFill/>
-          </p:spPr>
-          <p:txBody>
-            <a:bodyPr wrap="square" rtlCol="0">
-              <a:spAutoFit/>
-            </a:bodyPr>
-            <a:lstStyle/>
-            <a:p>
-              <a:r>
-                <a:rPr lang="en-US">
+          </p:grpSpPr>
+          <p:grpSp>
+            <p:nvGrpSpPr>
+              <p:cNvPr id="124" name="Group 123">
+                <a:extLst>
+                  <a:ext uri="{FF2B5EF4-FFF2-40B4-BE49-F238E27FC236}">
+                    <a16:creationId xmlns:a16="http://schemas.microsoft.com/office/drawing/2014/main" id="{0C02CD89-DC67-5234-BBC0-53C88D8726E4}"/>
+                  </a:ext>
+                </a:extLst>
+              </p:cNvPr>
+              <p:cNvGrpSpPr/>
+              <p:nvPr/>
+            </p:nvGrpSpPr>
+            <p:grpSpPr>
+              <a:xfrm>
+                <a:off x="5602981" y="3908231"/>
+                <a:ext cx="542605" cy="542604"/>
+                <a:chOff x="5602981" y="3908231"/>
+                <a:chExt cx="542605" cy="542604"/>
+              </a:xfrm>
+            </p:grpSpPr>
+            <p:sp>
+              <p:nvSpPr>
+                <p:cNvPr id="126" name="Oval 125">
+                  <a:extLst>
+                    <a:ext uri="{FF2B5EF4-FFF2-40B4-BE49-F238E27FC236}">
+                      <a16:creationId xmlns:a16="http://schemas.microsoft.com/office/drawing/2014/main" id="{C1604F57-1BF9-D105-143E-7DFEBEE28A6B}"/>
+                    </a:ext>
+                  </a:extLst>
+                </p:cNvPr>
+                <p:cNvSpPr/>
+                <p:nvPr/>
+              </p:nvSpPr>
+              <p:spPr>
+                <a:xfrm>
+                  <a:off x="5602981" y="3908231"/>
+                  <a:ext cx="542605" cy="542604"/>
+                </a:xfrm>
+                <a:prstGeom prst="ellipse">
+                  <a:avLst/>
+                </a:prstGeom>
+                <a:solidFill>
+                  <a:schemeClr val="tx1">
+                    <a:alpha val="70000"/>
+                  </a:schemeClr>
+                </a:solidFill>
+                <a:ln>
                   <a:solidFill>
-                    <a:schemeClr val="tx1">
-                      <a:lumMod val="95000"/>
-                      <a:lumOff val="5000"/>
+                    <a:schemeClr val="bg2">
+                      <a:lumMod val="75000"/>
                     </a:schemeClr>
                   </a:solidFill>
-                </a:rPr>
-                <a:t>An overview of the comprehensive analysis of summer product sales performance on Wish.com, identifying key factors of success and providing strategic recommendations for inventory and </a:t>
-              </a:r>
-            </a:p>
-            <a:p>
-              <a:r>
-                <a:rPr lang="en-US">
-                  <a:solidFill>
-                    <a:schemeClr val="tx1">
-                      <a:lumMod val="95000"/>
-                      <a:lumOff val="5000"/>
-                    </a:schemeClr>
-                  </a:solidFill>
-                </a:rPr>
-                <a:t>pricing optimization.</a:t>
-              </a:r>
-              <a:endParaRPr lang="en-US" dirty="0">
+                </a:ln>
+                <a:effectLst/>
+              </p:spPr>
+              <p:style>
+                <a:lnRef idx="2">
+                  <a:schemeClr val="accent1">
+                    <a:shade val="50000"/>
+                  </a:schemeClr>
+                </a:lnRef>
+                <a:fillRef idx="1">
+                  <a:schemeClr val="accent1"/>
+                </a:fillRef>
+                <a:effectRef idx="0">
+                  <a:schemeClr val="accent1"/>
+                </a:effectRef>
+                <a:fontRef idx="minor">
+                  <a:schemeClr val="lt1"/>
+                </a:fontRef>
+              </p:style>
+              <p:txBody>
+                <a:bodyPr rot="0" spcFirstLastPara="0" vertOverflow="overflow" horzOverflow="overflow" vert="horz" wrap="square" lIns="91440" tIns="45720" rIns="91440" bIns="45720" numCol="1" spcCol="0" rtlCol="0" fromWordArt="0" anchor="ctr" anchorCtr="0" forceAA="0" compatLnSpc="1">
+                  <a:prstTxWarp prst="textNoShape">
+                    <a:avLst/>
+                  </a:prstTxWarp>
+                  <a:noAutofit/>
+                </a:bodyPr>
+                <a:lstStyle/>
+                <a:p>
+                  <a:pPr algn="ctr"/>
+                  <a:endParaRPr lang="en-US">
+                    <a:solidFill>
+                      <a:schemeClr val="tx1"/>
+                    </a:solidFill>
+                  </a:endParaRPr>
+                </a:p>
+              </p:txBody>
+            </p:sp>
+            <p:sp>
+              <p:nvSpPr>
+                <p:cNvPr id="127" name="Oval 126">
+                  <a:extLst>
+                    <a:ext uri="{FF2B5EF4-FFF2-40B4-BE49-F238E27FC236}">
+                      <a16:creationId xmlns:a16="http://schemas.microsoft.com/office/drawing/2014/main" id="{EDFC5320-205A-985F-A4B3-4F1740691BCB}"/>
+                    </a:ext>
+                  </a:extLst>
+                </p:cNvPr>
+                <p:cNvSpPr/>
+                <p:nvPr/>
+              </p:nvSpPr>
+              <p:spPr>
+                <a:xfrm>
+                  <a:off x="5678679" y="3983929"/>
+                  <a:ext cx="391209" cy="391208"/>
+                </a:xfrm>
+                <a:prstGeom prst="ellipse">
+                  <a:avLst/>
+                </a:prstGeom>
                 <a:solidFill>
-                  <a:schemeClr val="tx1">
-                    <a:lumMod val="95000"/>
-                    <a:lumOff val="5000"/>
+                  <a:schemeClr val="accent2">
+                    <a:lumMod val="60000"/>
+                    <a:lumOff val="40000"/>
                   </a:schemeClr>
                 </a:solidFill>
-              </a:endParaRPr>
-            </a:p>
-          </p:txBody>
-        </p:sp>
-        <p:cxnSp>
-          <p:nvCxnSpPr>
-            <p:cNvPr id="68" name="Straight Connector 67">
-              <a:extLst>
-                <a:ext uri="{FF2B5EF4-FFF2-40B4-BE49-F238E27FC236}">
-                  <a16:creationId xmlns:a16="http://schemas.microsoft.com/office/drawing/2014/main" id="{0BBE9422-91A4-EBDF-B592-78AC8960D17E}"/>
-                </a:ext>
-              </a:extLst>
-            </p:cNvPr>
-            <p:cNvCxnSpPr>
-              <a:cxnSpLocks/>
-            </p:cNvCxnSpPr>
-            <p:nvPr/>
-          </p:nvCxnSpPr>
-          <p:spPr>
-            <a:xfrm>
-              <a:off x="325903" y="3764317"/>
-              <a:ext cx="4765539" cy="0"/>
-            </a:xfrm>
-            <a:prstGeom prst="line">
-              <a:avLst/>
-            </a:prstGeom>
-            <a:ln w="9525">
-              <a:solidFill>
-                <a:schemeClr val="bg1">
-                  <a:lumMod val="85000"/>
-                </a:schemeClr>
-              </a:solidFill>
-            </a:ln>
-          </p:spPr>
-          <p:style>
-            <a:lnRef idx="1">
-              <a:schemeClr val="accent1"/>
-            </a:lnRef>
-            <a:fillRef idx="0">
-              <a:schemeClr val="accent1"/>
-            </a:fillRef>
-            <a:effectRef idx="0">
-              <a:schemeClr val="accent1"/>
-            </a:effectRef>
-            <a:fontRef idx="minor">
-              <a:schemeClr val="tx1"/>
-            </a:fontRef>
-          </p:style>
-        </p:cxnSp>
+                <a:ln>
+                  <a:noFill/>
+                </a:ln>
+                <a:effectLst>
+                  <a:outerShdw blurRad="215900" dist="25400" dir="5400000" sx="97000" sy="97000" algn="t" rotWithShape="0">
+                    <a:prstClr val="black">
+                      <a:alpha val="35000"/>
+                    </a:prstClr>
+                  </a:outerShdw>
+                </a:effectLst>
+              </p:spPr>
+              <p:style>
+                <a:lnRef idx="2">
+                  <a:schemeClr val="accent1">
+                    <a:shade val="50000"/>
+                  </a:schemeClr>
+                </a:lnRef>
+                <a:fillRef idx="1">
+                  <a:schemeClr val="accent1"/>
+                </a:fillRef>
+                <a:effectRef idx="0">
+                  <a:schemeClr val="accent1"/>
+                </a:effectRef>
+                <a:fontRef idx="minor">
+                  <a:schemeClr val="lt1"/>
+                </a:fontRef>
+              </p:style>
+              <p:txBody>
+                <a:bodyPr rot="0" spcFirstLastPara="0" vertOverflow="overflow" horzOverflow="overflow" vert="horz" wrap="square" lIns="91440" tIns="45720" rIns="91440" bIns="45720" numCol="1" spcCol="0" rtlCol="0" fromWordArt="0" anchor="ctr" anchorCtr="0" forceAA="0" compatLnSpc="1">
+                  <a:prstTxWarp prst="textNoShape">
+                    <a:avLst/>
+                  </a:prstTxWarp>
+                  <a:noAutofit/>
+                </a:bodyPr>
+                <a:lstStyle/>
+                <a:p>
+                  <a:pPr algn="ctr"/>
+                  <a:endParaRPr lang="en-US">
+                    <a:solidFill>
+                      <a:schemeClr val="tx1"/>
+                    </a:solidFill>
+                  </a:endParaRPr>
+                </a:p>
+              </p:txBody>
+            </p:sp>
+            <p:sp>
+              <p:nvSpPr>
+                <p:cNvPr id="1024" name="TextBox 1023">
+                  <a:extLst>
+                    <a:ext uri="{FF2B5EF4-FFF2-40B4-BE49-F238E27FC236}">
+                      <a16:creationId xmlns:a16="http://schemas.microsoft.com/office/drawing/2014/main" id="{7B4D1A32-2871-50C8-AE55-052D12A7438A}"/>
+                    </a:ext>
+                  </a:extLst>
+                </p:cNvPr>
+                <p:cNvSpPr txBox="1"/>
+                <p:nvPr/>
+              </p:nvSpPr>
+              <p:spPr>
+                <a:xfrm>
+                  <a:off x="5646890" y="3988374"/>
+                  <a:ext cx="454786" cy="394290"/>
+                </a:xfrm>
+                <a:prstGeom prst="rect">
+                  <a:avLst/>
+                </a:prstGeom>
+                <a:noFill/>
+              </p:spPr>
+              <p:txBody>
+                <a:bodyPr wrap="none" rtlCol="0" anchor="ctr">
+                  <a:spAutoFit/>
+                </a:bodyPr>
+                <a:lstStyle/>
+                <a:p>
+                  <a:pPr algn="ctr"/>
+                  <a:r>
+                    <a:rPr lang="en-US" b="1"/>
+                    <a:t>12</a:t>
+                  </a:r>
+                  <a:endParaRPr lang="en-IN" dirty="0"/>
+                </a:p>
+              </p:txBody>
+            </p:sp>
+          </p:grpSp>
+          <p:sp>
+            <p:nvSpPr>
+              <p:cNvPr id="125" name="TextBox 124">
+                <a:extLst>
+                  <a:ext uri="{FF2B5EF4-FFF2-40B4-BE49-F238E27FC236}">
+                    <a16:creationId xmlns:a16="http://schemas.microsoft.com/office/drawing/2014/main" id="{0E4A6B6C-6FA0-A5A0-BD37-BDD80B7D93A2}"/>
+                  </a:ext>
+                </a:extLst>
+              </p:cNvPr>
+              <p:cNvSpPr txBox="1"/>
+              <p:nvPr/>
+            </p:nvSpPr>
+            <p:spPr>
+              <a:xfrm>
+                <a:off x="6315721" y="3992246"/>
+                <a:ext cx="4703260" cy="374575"/>
+              </a:xfrm>
+              <a:prstGeom prst="rect">
+                <a:avLst/>
+              </a:prstGeom>
+              <a:noFill/>
+            </p:spPr>
+            <p:txBody>
+              <a:bodyPr wrap="square" lIns="0" tIns="0" rIns="0" bIns="0" rtlCol="0" anchor="ctr">
+                <a:spAutoFit/>
+              </a:bodyPr>
+              <a:lstStyle/>
+              <a:p>
+                <a:pPr defTabSz="1219170">
+                  <a:spcBef>
+                    <a:spcPct val="20000"/>
+                  </a:spcBef>
+                  <a:defRPr/>
+                </a:pPr>
+                <a:r>
+                  <a:rPr lang="en-US" b="1"/>
+                  <a:t>Quality v.s Sales</a:t>
+                </a:r>
+                <a:endParaRPr lang="en-US" b="1" dirty="0"/>
+              </a:p>
+              <a:p>
+                <a:pPr defTabSz="1219170">
+                  <a:spcBef>
+                    <a:spcPct val="20000"/>
+                  </a:spcBef>
+                  <a:defRPr/>
+                </a:pPr>
+                <a:endParaRPr lang="en-US" sz="400" b="1" dirty="0"/>
+              </a:p>
+            </p:txBody>
+          </p:sp>
+        </p:grpSp>
       </p:grpSp>
     </p:spTree>
     <p:extLst>
@@ -20718,51 +19323,495 @@
       </p:grpSpPr>
       <p:sp>
         <p:nvSpPr>
-          <p:cNvPr id="2" name="Title 1">
+          <p:cNvPr id="8" name="TextBox 7">
             <a:extLst>
               <a:ext uri="{FF2B5EF4-FFF2-40B4-BE49-F238E27FC236}">
-                <a16:creationId xmlns:a16="http://schemas.microsoft.com/office/drawing/2014/main" id="{A75862A5-C2BF-B677-BDC6-719C72B67DB8}"/>
+                <a16:creationId xmlns:a16="http://schemas.microsoft.com/office/drawing/2014/main" id="{86BFC7D6-5CAE-BFBB-7ACF-049FEF989161}"/>
               </a:ext>
             </a:extLst>
           </p:cNvPr>
-          <p:cNvSpPr>
-            <a:spLocks noGrp="1"/>
-          </p:cNvSpPr>
-          <p:nvPr>
-            <p:ph type="title"/>
-          </p:nvPr>
+          <p:cNvSpPr txBox="1"/>
+          <p:nvPr/>
         </p:nvSpPr>
-        <p:spPr/>
+        <p:spPr>
+          <a:xfrm>
+            <a:off x="292963" y="323314"/>
+            <a:ext cx="826390" cy="584775"/>
+          </a:xfrm>
+          <a:prstGeom prst="rect">
+            <a:avLst/>
+          </a:prstGeom>
+          <a:noFill/>
+          <a:ln>
+            <a:noFill/>
+          </a:ln>
+        </p:spPr>
         <p:txBody>
-          <a:bodyPr/>
+          <a:bodyPr wrap="square" lIns="108000" rIns="108000" rtlCol="0" anchor="ctr">
+            <a:spAutoFit/>
+          </a:bodyPr>
           <a:lstStyle/>
           <a:p>
-            <a:endParaRPr lang="en-FI"/>
+            <a:pPr algn="ctr"/>
+            <a:r>
+              <a:rPr lang="en-US" altLang="ko-KR" sz="3200" b="1">
+                <a:solidFill>
+                  <a:schemeClr val="tx1">
+                    <a:lumMod val="75000"/>
+                    <a:lumOff val="25000"/>
+                  </a:schemeClr>
+                </a:solidFill>
+                <a:cs typeface="Arial" pitchFamily="34" charset="0"/>
+              </a:rPr>
+              <a:t>01</a:t>
+            </a:r>
+            <a:endParaRPr lang="ko-KR" altLang="en-US" sz="3200" b="1" dirty="0">
+              <a:solidFill>
+                <a:schemeClr val="tx1">
+                  <a:lumMod val="75000"/>
+                  <a:lumOff val="25000"/>
+                </a:schemeClr>
+              </a:solidFill>
+              <a:cs typeface="Arial" pitchFamily="34" charset="0"/>
+            </a:endParaRPr>
           </a:p>
         </p:txBody>
       </p:sp>
       <p:sp>
         <p:nvSpPr>
-          <p:cNvPr id="3" name="Content Placeholder 2">
+          <p:cNvPr id="11" name="TextBox 10">
             <a:extLst>
               <a:ext uri="{FF2B5EF4-FFF2-40B4-BE49-F238E27FC236}">
-                <a16:creationId xmlns:a16="http://schemas.microsoft.com/office/drawing/2014/main" id="{37D7CACB-5996-A91C-584D-B7BF249982EE}"/>
+                <a16:creationId xmlns:a16="http://schemas.microsoft.com/office/drawing/2014/main" id="{37B58FC4-5334-80E9-99F3-B1FC227F2AEA}"/>
               </a:ext>
             </a:extLst>
           </p:cNvPr>
-          <p:cNvSpPr>
-            <a:spLocks noGrp="1"/>
+          <p:cNvSpPr txBox="1"/>
+          <p:nvPr/>
+        </p:nvSpPr>
+        <p:spPr>
+          <a:xfrm>
+            <a:off x="1119353" y="388738"/>
+            <a:ext cx="7921543" cy="519351"/>
+          </a:xfrm>
+          <a:prstGeom prst="roundRect">
+            <a:avLst>
+              <a:gd name="adj" fmla="val 50000"/>
+            </a:avLst>
+          </a:prstGeom>
+          <a:solidFill>
+            <a:srgbClr val="D3E171"/>
+          </a:solidFill>
+        </p:spPr>
+        <p:style>
+          <a:lnRef idx="2">
+            <a:schemeClr val="accent5">
+              <a:shade val="15000"/>
+            </a:schemeClr>
+          </a:lnRef>
+          <a:fillRef idx="1">
+            <a:schemeClr val="accent5"/>
+          </a:fillRef>
+          <a:effectRef idx="0">
+            <a:schemeClr val="accent5"/>
+          </a:effectRef>
+          <a:fontRef idx="minor">
+            <a:schemeClr val="lt1"/>
+          </a:fontRef>
+        </p:style>
+        <p:txBody>
+          <a:bodyPr wrap="square" lIns="274320" rtlCol="0" anchor="ctr">
+            <a:spAutoFit/>
+          </a:bodyPr>
+          <a:lstStyle/>
+          <a:p>
+            <a:r>
+              <a:rPr lang="en-US" altLang="ko-KR" b="1">
+                <a:solidFill>
+                  <a:schemeClr val="tx1">
+                    <a:lumMod val="75000"/>
+                    <a:lumOff val="25000"/>
+                  </a:schemeClr>
+                </a:solidFill>
+                <a:cs typeface="Arial" pitchFamily="34" charset="0"/>
+              </a:rPr>
+              <a:t>Dataset Overview</a:t>
+            </a:r>
+            <a:endParaRPr lang="ko-KR" altLang="en-US" b="1" dirty="0">
+              <a:solidFill>
+                <a:schemeClr val="tx1">
+                  <a:lumMod val="75000"/>
+                  <a:lumOff val="25000"/>
+                </a:schemeClr>
+              </a:solidFill>
+              <a:cs typeface="Arial" pitchFamily="34" charset="0"/>
+            </a:endParaRPr>
+          </a:p>
+        </p:txBody>
+      </p:sp>
+      <p:sp>
+        <p:nvSpPr>
+          <p:cNvPr id="13" name="Content Placeholder 2">
+            <a:extLst>
+              <a:ext uri="{FF2B5EF4-FFF2-40B4-BE49-F238E27FC236}">
+                <a16:creationId xmlns:a16="http://schemas.microsoft.com/office/drawing/2014/main" id="{E1FD5DBA-8445-BF10-5B20-C710B54D61A3}"/>
+              </a:ext>
+            </a:extLst>
+          </p:cNvPr>
+          <p:cNvSpPr txBox="1">
+            <a:spLocks/>
           </p:cNvSpPr>
-          <p:nvPr>
-            <p:ph idx="1"/>
-          </p:nvPr>
+          <p:nvPr/>
         </p:nvSpPr>
-        <p:spPr/>
+        <p:spPr>
+          <a:xfrm>
+            <a:off x="452762" y="1154097"/>
+            <a:ext cx="10563110" cy="5175682"/>
+          </a:xfrm>
+          <a:prstGeom prst="rect">
+            <a:avLst/>
+          </a:prstGeom>
+        </p:spPr>
         <p:txBody>
-          <a:bodyPr/>
-          <a:lstStyle/>
-          <a:p>
-            <a:endParaRPr lang="en-FI"/>
+          <a:bodyPr vert="horz" lIns="91440" tIns="45720" rIns="91440" bIns="45720" rtlCol="0">
+            <a:normAutofit fontScale="85000" lnSpcReduction="20000"/>
+          </a:bodyPr>
+          <a:lstStyle>
+            <a:lvl1pPr marL="228600" indent="-182880" algn="l" defTabSz="914400" rtl="0" eaLnBrk="1" latinLnBrk="0" hangingPunct="1">
+              <a:lnSpc>
+                <a:spcPct val="90000"/>
+              </a:lnSpc>
+              <a:spcBef>
+                <a:spcPts val="1400"/>
+              </a:spcBef>
+              <a:buClr>
+                <a:schemeClr val="accent1"/>
+              </a:buClr>
+              <a:buSzPct val="80000"/>
+              <a:buFont typeface="Corbel" pitchFamily="34" charset="0"/>
+              <a:buChar char="•"/>
+              <a:defRPr sz="2200" kern="1200">
+                <a:solidFill>
+                  <a:schemeClr val="accent1"/>
+                </a:solidFill>
+                <a:latin typeface="+mn-lt"/>
+                <a:ea typeface="+mn-ea"/>
+                <a:cs typeface="+mn-cs"/>
+              </a:defRPr>
+            </a:lvl1pPr>
+            <a:lvl2pPr marL="457200" indent="-182880" algn="l" defTabSz="914400" rtl="0" eaLnBrk="1" latinLnBrk="0" hangingPunct="1">
+              <a:lnSpc>
+                <a:spcPct val="90000"/>
+              </a:lnSpc>
+              <a:spcBef>
+                <a:spcPts val="200"/>
+              </a:spcBef>
+              <a:spcAft>
+                <a:spcPts val="400"/>
+              </a:spcAft>
+              <a:buClr>
+                <a:schemeClr val="accent1"/>
+              </a:buClr>
+              <a:buSzPct val="80000"/>
+              <a:buFont typeface="Corbel" pitchFamily="34" charset="0"/>
+              <a:buChar char="•"/>
+              <a:defRPr sz="2000" kern="1200">
+                <a:solidFill>
+                  <a:schemeClr val="accent1"/>
+                </a:solidFill>
+                <a:latin typeface="+mn-lt"/>
+                <a:ea typeface="+mn-ea"/>
+                <a:cs typeface="+mn-cs"/>
+              </a:defRPr>
+            </a:lvl2pPr>
+            <a:lvl3pPr marL="731520" indent="-182880" algn="l" defTabSz="914400" rtl="0" eaLnBrk="1" latinLnBrk="0" hangingPunct="1">
+              <a:lnSpc>
+                <a:spcPct val="90000"/>
+              </a:lnSpc>
+              <a:spcBef>
+                <a:spcPts val="200"/>
+              </a:spcBef>
+              <a:spcAft>
+                <a:spcPts val="400"/>
+              </a:spcAft>
+              <a:buClr>
+                <a:schemeClr val="accent1"/>
+              </a:buClr>
+              <a:buSzPct val="80000"/>
+              <a:buFont typeface="Corbel" pitchFamily="34" charset="0"/>
+              <a:buChar char="•"/>
+              <a:defRPr sz="1800" kern="1200">
+                <a:solidFill>
+                  <a:schemeClr val="accent1"/>
+                </a:solidFill>
+                <a:latin typeface="+mn-lt"/>
+                <a:ea typeface="+mn-ea"/>
+                <a:cs typeface="+mn-cs"/>
+              </a:defRPr>
+            </a:lvl3pPr>
+            <a:lvl4pPr marL="1005840" indent="-182880" algn="l" defTabSz="914400" rtl="0" eaLnBrk="1" latinLnBrk="0" hangingPunct="1">
+              <a:lnSpc>
+                <a:spcPct val="90000"/>
+              </a:lnSpc>
+              <a:spcBef>
+                <a:spcPts val="200"/>
+              </a:spcBef>
+              <a:spcAft>
+                <a:spcPts val="400"/>
+              </a:spcAft>
+              <a:buClr>
+                <a:schemeClr val="accent1"/>
+              </a:buClr>
+              <a:buSzPct val="80000"/>
+              <a:buFont typeface="Corbel" pitchFamily="34" charset="0"/>
+              <a:buChar char="•"/>
+              <a:defRPr sz="1600" kern="1200">
+                <a:solidFill>
+                  <a:schemeClr val="accent1"/>
+                </a:solidFill>
+                <a:latin typeface="+mn-lt"/>
+                <a:ea typeface="+mn-ea"/>
+                <a:cs typeface="+mn-cs"/>
+              </a:defRPr>
+            </a:lvl4pPr>
+            <a:lvl5pPr marL="1280160" indent="-182880" algn="l" defTabSz="914400" rtl="0" eaLnBrk="1" latinLnBrk="0" hangingPunct="1">
+              <a:lnSpc>
+                <a:spcPct val="90000"/>
+              </a:lnSpc>
+              <a:spcBef>
+                <a:spcPts val="200"/>
+              </a:spcBef>
+              <a:spcAft>
+                <a:spcPts val="400"/>
+              </a:spcAft>
+              <a:buClr>
+                <a:schemeClr val="accent1"/>
+              </a:buClr>
+              <a:buSzPct val="80000"/>
+              <a:buFont typeface="Corbel" pitchFamily="34" charset="0"/>
+              <a:buChar char="•"/>
+              <a:defRPr sz="1600" kern="1200">
+                <a:solidFill>
+                  <a:schemeClr val="accent1"/>
+                </a:solidFill>
+                <a:latin typeface="+mn-lt"/>
+                <a:ea typeface="+mn-ea"/>
+                <a:cs typeface="+mn-cs"/>
+              </a:defRPr>
+            </a:lvl5pPr>
+            <a:lvl6pPr marL="1600000" indent="-228600" algn="l" defTabSz="914400" rtl="0" eaLnBrk="1" latinLnBrk="0" hangingPunct="1">
+              <a:lnSpc>
+                <a:spcPct val="90000"/>
+              </a:lnSpc>
+              <a:spcBef>
+                <a:spcPts val="200"/>
+              </a:spcBef>
+              <a:spcAft>
+                <a:spcPts val="400"/>
+              </a:spcAft>
+              <a:buClr>
+                <a:schemeClr val="accent1"/>
+              </a:buClr>
+              <a:buSzPct val="80000"/>
+              <a:buFont typeface="Corbel" pitchFamily="34" charset="0"/>
+              <a:buChar char="•"/>
+              <a:defRPr sz="1600" kern="1200">
+                <a:solidFill>
+                  <a:schemeClr val="accent1"/>
+                </a:solidFill>
+                <a:latin typeface="+mn-lt"/>
+                <a:ea typeface="+mn-ea"/>
+                <a:cs typeface="+mn-cs"/>
+              </a:defRPr>
+            </a:lvl6pPr>
+            <a:lvl7pPr marL="1900000" indent="-228600" algn="l" defTabSz="914400" rtl="0" eaLnBrk="1" latinLnBrk="0" hangingPunct="1">
+              <a:lnSpc>
+                <a:spcPct val="90000"/>
+              </a:lnSpc>
+              <a:spcBef>
+                <a:spcPts val="200"/>
+              </a:spcBef>
+              <a:spcAft>
+                <a:spcPts val="400"/>
+              </a:spcAft>
+              <a:buClr>
+                <a:schemeClr val="accent1"/>
+              </a:buClr>
+              <a:buSzPct val="80000"/>
+              <a:buFont typeface="Corbel" pitchFamily="34" charset="0"/>
+              <a:buChar char="•"/>
+              <a:defRPr sz="1600" kern="1200">
+                <a:solidFill>
+                  <a:schemeClr val="accent1"/>
+                </a:solidFill>
+                <a:latin typeface="+mn-lt"/>
+                <a:ea typeface="+mn-ea"/>
+                <a:cs typeface="+mn-cs"/>
+              </a:defRPr>
+            </a:lvl7pPr>
+            <a:lvl8pPr marL="2200000" indent="-228600" algn="l" defTabSz="914400" rtl="0" eaLnBrk="1" latinLnBrk="0" hangingPunct="1">
+              <a:lnSpc>
+                <a:spcPct val="90000"/>
+              </a:lnSpc>
+              <a:spcBef>
+                <a:spcPts val="200"/>
+              </a:spcBef>
+              <a:spcAft>
+                <a:spcPts val="400"/>
+              </a:spcAft>
+              <a:buClr>
+                <a:schemeClr val="accent1"/>
+              </a:buClr>
+              <a:buSzPct val="80000"/>
+              <a:buFont typeface="Corbel" pitchFamily="34" charset="0"/>
+              <a:buChar char="•"/>
+              <a:defRPr sz="1600" kern="1200">
+                <a:solidFill>
+                  <a:schemeClr val="accent1"/>
+                </a:solidFill>
+                <a:latin typeface="+mn-lt"/>
+                <a:ea typeface="+mn-ea"/>
+                <a:cs typeface="+mn-cs"/>
+              </a:defRPr>
+            </a:lvl8pPr>
+            <a:lvl9pPr marL="2500000" indent="-228600" algn="l" defTabSz="914400" rtl="0" eaLnBrk="1" latinLnBrk="0" hangingPunct="1">
+              <a:lnSpc>
+                <a:spcPct val="90000"/>
+              </a:lnSpc>
+              <a:spcBef>
+                <a:spcPts val="200"/>
+              </a:spcBef>
+              <a:spcAft>
+                <a:spcPts val="400"/>
+              </a:spcAft>
+              <a:buClr>
+                <a:schemeClr val="accent1"/>
+              </a:buClr>
+              <a:buSzPct val="80000"/>
+              <a:buFont typeface="Corbel" pitchFamily="34" charset="0"/>
+              <a:buChar char="•"/>
+              <a:defRPr sz="1600" kern="1200">
+                <a:solidFill>
+                  <a:schemeClr val="accent1"/>
+                </a:solidFill>
+                <a:latin typeface="+mn-lt"/>
+                <a:ea typeface="+mn-ea"/>
+                <a:cs typeface="+mn-cs"/>
+              </a:defRPr>
+            </a:lvl9pPr>
+          </a:lstStyle>
+          <a:p>
+            <a:pPr marL="45720" indent="0">
+              <a:buFont typeface="Corbel" pitchFamily="34" charset="0"/>
+              <a:buNone/>
+            </a:pPr>
+            <a:r>
+              <a:rPr lang="en-US">
+                <a:solidFill>
+                  <a:schemeClr val="tx1"/>
+                </a:solidFill>
+              </a:rPr>
+              <a:t>This dataset contains product listings as well as sales performance, which you would not find in other datasets. With this, you can finally start to look for correlations and patterns regarding the success of a product and the various components.</a:t>
+            </a:r>
+          </a:p>
+          <a:p>
+            <a:pPr marL="45720" indent="0">
+              <a:buFont typeface="Corbel" pitchFamily="34" charset="0"/>
+              <a:buNone/>
+            </a:pPr>
+            <a:r>
+              <a:rPr lang="en-US">
+                <a:solidFill>
+                  <a:schemeClr val="tx1"/>
+                </a:solidFill>
+              </a:rPr>
+              <a:t>The index, crawl_month, product_picture, product_url, merchant_profile_picture columns are dropped since they are not relevant to the analysis</a:t>
+            </a:r>
+          </a:p>
+          <a:p>
+            <a:pPr marL="45720" indent="0">
+              <a:buFont typeface="Corbel" pitchFamily="34" charset="0"/>
+              <a:buNone/>
+            </a:pPr>
+            <a:r>
+              <a:rPr lang="en-US">
+                <a:solidFill>
+                  <a:schemeClr val="tx1"/>
+                </a:solidFill>
+              </a:rPr>
+              <a:t>Currency_buyer and theme columns are deleted because they have only 1 value (EUR and Summer respectively), which gives no insights into the dataset. Shipping_option_name, urgency_text, origin_country also removed from analysis as most products have the same shipping option and urgency message (quantity limited) and origin country (China) </a:t>
+            </a:r>
+          </a:p>
+          <a:p>
+            <a:pPr marL="45720" indent="0">
+              <a:buFont typeface="Corbel" pitchFamily="34" charset="0"/>
+              <a:buNone/>
+            </a:pPr>
+            <a:r>
+              <a:rPr lang="en-US">
+                <a:solidFill>
+                  <a:schemeClr val="tx1"/>
+                </a:solidFill>
+              </a:rPr>
+              <a:t>Uses_ad_boosts, badge_local_product, badge_product_quality, badge_fast_shipping, shipping_is_express, has_urgency_banner merchant_has_profile_picture is turned into True/False datatype instead of 0 and 1</a:t>
+            </a:r>
+          </a:p>
+          <a:p>
+            <a:pPr marL="45720" indent="0">
+              <a:buFont typeface="Corbel" pitchFamily="34" charset="0"/>
+              <a:buNone/>
+            </a:pPr>
+            <a:r>
+              <a:rPr lang="en-US">
+                <a:solidFill>
+                  <a:schemeClr val="tx1"/>
+                </a:solidFill>
+              </a:rPr>
+              <a:t>Merchant name and merchant title are nearly similar. Additionally, since there are no two merchants of different id that have the same title, the merchant title is unique. </a:t>
+            </a:r>
+            <a:br>
+              <a:rPr lang="en-US">
+                <a:solidFill>
+                  <a:schemeClr val="tx1"/>
+                </a:solidFill>
+              </a:rPr>
+            </a:br>
+            <a:r>
+              <a:rPr lang="en-US">
+                <a:solidFill>
+                  <a:schemeClr val="tx1"/>
+                </a:solidFill>
+              </a:rPr>
+              <a:t>We can remove the columns merchant_id and merchant_name</a:t>
+            </a:r>
+          </a:p>
+          <a:p>
+            <a:pPr marL="45720" indent="0">
+              <a:buFont typeface="Corbel" pitchFamily="34" charset="0"/>
+              <a:buNone/>
+            </a:pPr>
+            <a:r>
+              <a:rPr lang="en-US">
+                <a:solidFill>
+                  <a:schemeClr val="tx1"/>
+                </a:solidFill>
+              </a:rPr>
+              <a:t>Additionally, title_orig is also unique for product_id, so we can also remove the product_id and title columns  </a:t>
+            </a:r>
+          </a:p>
+          <a:p>
+            <a:pPr marL="45720" indent="0">
+              <a:buFont typeface="Corbel" pitchFamily="34" charset="0"/>
+              <a:buNone/>
+            </a:pPr>
+            <a:r>
+              <a:rPr lang="en-US">
+                <a:solidFill>
+                  <a:schemeClr val="tx1"/>
+                </a:solidFill>
+              </a:rPr>
+              <a:t>merchant_positive_review_percent is added to the dataset, derived from the merchant_info_subtitle column</a:t>
+            </a:r>
           </a:p>
         </p:txBody>
       </p:sp>
@@ -20798,31 +19847,6 @@
       </p:grpSpPr>
       <p:sp>
         <p:nvSpPr>
-          <p:cNvPr id="2" name="Title 1">
-            <a:extLst>
-              <a:ext uri="{FF2B5EF4-FFF2-40B4-BE49-F238E27FC236}">
-                <a16:creationId xmlns:a16="http://schemas.microsoft.com/office/drawing/2014/main" id="{A75862A5-C2BF-B677-BDC6-719C72B67DB8}"/>
-              </a:ext>
-            </a:extLst>
-          </p:cNvPr>
-          <p:cNvSpPr>
-            <a:spLocks noGrp="1"/>
-          </p:cNvSpPr>
-          <p:nvPr>
-            <p:ph type="title"/>
-          </p:nvPr>
-        </p:nvSpPr>
-        <p:spPr/>
-        <p:txBody>
-          <a:bodyPr/>
-          <a:lstStyle/>
-          <a:p>
-            <a:endParaRPr lang="en-FI"/>
-          </a:p>
-        </p:txBody>
-      </p:sp>
-      <p:sp>
-        <p:nvSpPr>
           <p:cNvPr id="3" name="Content Placeholder 2">
             <a:extLst>
               <a:ext uri="{FF2B5EF4-FFF2-40B4-BE49-F238E27FC236}">
@@ -20837,11 +19861,186 @@
             <p:ph idx="1"/>
           </p:nvPr>
         </p:nvSpPr>
-        <p:spPr/>
+        <p:spPr>
+          <a:xfrm>
+            <a:off x="523783" y="3755254"/>
+            <a:ext cx="11185864" cy="2612314"/>
+          </a:xfrm>
+        </p:spPr>
         <p:txBody>
           <a:bodyPr/>
           <a:lstStyle/>
           <a:p>
+            <a:endParaRPr lang="en-FI"/>
+          </a:p>
+        </p:txBody>
+      </p:sp>
+      <p:sp>
+        <p:nvSpPr>
+          <p:cNvPr id="8" name="TextBox 7">
+            <a:extLst>
+              <a:ext uri="{FF2B5EF4-FFF2-40B4-BE49-F238E27FC236}">
+                <a16:creationId xmlns:a16="http://schemas.microsoft.com/office/drawing/2014/main" id="{86BFC7D6-5CAE-BFBB-7ACF-049FEF989161}"/>
+              </a:ext>
+            </a:extLst>
+          </p:cNvPr>
+          <p:cNvSpPr txBox="1"/>
+          <p:nvPr/>
+        </p:nvSpPr>
+        <p:spPr>
+          <a:xfrm>
+            <a:off x="292963" y="323314"/>
+            <a:ext cx="826390" cy="584775"/>
+          </a:xfrm>
+          <a:prstGeom prst="rect">
+            <a:avLst/>
+          </a:prstGeom>
+          <a:noFill/>
+          <a:ln>
+            <a:noFill/>
+          </a:ln>
+        </p:spPr>
+        <p:txBody>
+          <a:bodyPr wrap="square" lIns="108000" rIns="108000" rtlCol="0" anchor="ctr">
+            <a:spAutoFit/>
+          </a:bodyPr>
+          <a:lstStyle/>
+          <a:p>
+            <a:pPr algn="ctr"/>
+            <a:r>
+              <a:rPr lang="en-US" altLang="ko-KR" sz="3200" b="1">
+                <a:solidFill>
+                  <a:schemeClr val="tx1">
+                    <a:lumMod val="75000"/>
+                    <a:lumOff val="25000"/>
+                  </a:schemeClr>
+                </a:solidFill>
+                <a:cs typeface="Arial" pitchFamily="34" charset="0"/>
+              </a:rPr>
+              <a:t>02</a:t>
+            </a:r>
+            <a:endParaRPr lang="ko-KR" altLang="en-US" sz="3200" b="1" dirty="0">
+              <a:solidFill>
+                <a:schemeClr val="tx1">
+                  <a:lumMod val="75000"/>
+                  <a:lumOff val="25000"/>
+                </a:schemeClr>
+              </a:solidFill>
+              <a:cs typeface="Arial" pitchFamily="34" charset="0"/>
+            </a:endParaRPr>
+          </a:p>
+        </p:txBody>
+      </p:sp>
+      <p:sp>
+        <p:nvSpPr>
+          <p:cNvPr id="11" name="TextBox 10">
+            <a:extLst>
+              <a:ext uri="{FF2B5EF4-FFF2-40B4-BE49-F238E27FC236}">
+                <a16:creationId xmlns:a16="http://schemas.microsoft.com/office/drawing/2014/main" id="{37B58FC4-5334-80E9-99F3-B1FC227F2AEA}"/>
+              </a:ext>
+            </a:extLst>
+          </p:cNvPr>
+          <p:cNvSpPr txBox="1"/>
+          <p:nvPr/>
+        </p:nvSpPr>
+        <p:spPr>
+          <a:xfrm>
+            <a:off x="1119353" y="388738"/>
+            <a:ext cx="7921543" cy="519351"/>
+          </a:xfrm>
+          <a:prstGeom prst="roundRect">
+            <a:avLst>
+              <a:gd name="adj" fmla="val 50000"/>
+            </a:avLst>
+          </a:prstGeom>
+          <a:solidFill>
+            <a:srgbClr val="D3E171"/>
+          </a:solidFill>
+        </p:spPr>
+        <p:style>
+          <a:lnRef idx="2">
+            <a:schemeClr val="accent5">
+              <a:shade val="15000"/>
+            </a:schemeClr>
+          </a:lnRef>
+          <a:fillRef idx="1">
+            <a:schemeClr val="accent5"/>
+          </a:fillRef>
+          <a:effectRef idx="0">
+            <a:schemeClr val="accent5"/>
+          </a:effectRef>
+          <a:fontRef idx="minor">
+            <a:schemeClr val="lt1"/>
+          </a:fontRef>
+        </p:style>
+        <p:txBody>
+          <a:bodyPr wrap="square" lIns="274320" rtlCol="0" anchor="ctr">
+            <a:spAutoFit/>
+          </a:bodyPr>
+          <a:lstStyle/>
+          <a:p>
+            <a:r>
+              <a:rPr lang="en-US" altLang="ko-KR" b="1">
+                <a:solidFill>
+                  <a:schemeClr val="tx1">
+                    <a:lumMod val="75000"/>
+                    <a:lumOff val="25000"/>
+                  </a:schemeClr>
+                </a:solidFill>
+                <a:cs typeface="Arial" pitchFamily="34" charset="0"/>
+              </a:rPr>
+              <a:t>Sales Performance Overview</a:t>
+            </a:r>
+            <a:endParaRPr lang="ko-KR" altLang="en-US" b="1" dirty="0">
+              <a:solidFill>
+                <a:schemeClr val="tx1">
+                  <a:lumMod val="75000"/>
+                  <a:lumOff val="25000"/>
+                </a:schemeClr>
+              </a:solidFill>
+              <a:cs typeface="Arial" pitchFamily="34" charset="0"/>
+            </a:endParaRPr>
+          </a:p>
+        </p:txBody>
+      </p:sp>
+      <p:sp>
+        <p:nvSpPr>
+          <p:cNvPr id="6" name="TextBox 5">
+            <a:extLst>
+              <a:ext uri="{FF2B5EF4-FFF2-40B4-BE49-F238E27FC236}">
+                <a16:creationId xmlns:a16="http://schemas.microsoft.com/office/drawing/2014/main" id="{1B1D6223-4DFA-13A8-3F34-ADDBFCBF7FD9}"/>
+              </a:ext>
+            </a:extLst>
+          </p:cNvPr>
+          <p:cNvSpPr txBox="1"/>
+          <p:nvPr/>
+        </p:nvSpPr>
+        <p:spPr>
+          <a:xfrm>
+            <a:off x="1119353" y="973513"/>
+            <a:ext cx="6094520" cy="1200329"/>
+          </a:xfrm>
+          <a:prstGeom prst="rect">
+            <a:avLst/>
+          </a:prstGeom>
+          <a:noFill/>
+        </p:spPr>
+        <p:txBody>
+          <a:bodyPr wrap="square">
+            <a:spAutoFit/>
+          </a:bodyPr>
+          <a:lstStyle/>
+          <a:p>
+            <a:r>
+              <a:rPr lang="en-US"/>
+              <a:t>Visualize total sales volume over time (if time data available) or by product category.</a:t>
+            </a:r>
+          </a:p>
+          <a:p>
+            <a:r>
+              <a:rPr lang="en-US"/>
+              <a:t>Highlight top-performing categories and any noticeable trends.</a:t>
+            </a:r>
             <a:endParaRPr lang="en-FI"/>
           </a:p>
         </p:txBody>
@@ -20849,7 +20048,7 @@
     </p:spTree>
     <p:extLst>
       <p:ext uri="{BB962C8B-B14F-4D97-AF65-F5344CB8AC3E}">
-        <p14:creationId xmlns:p14="http://schemas.microsoft.com/office/powerpoint/2010/main" val="2379650822"/>
+        <p14:creationId xmlns:p14="http://schemas.microsoft.com/office/powerpoint/2010/main" val="319965688"/>
       </p:ext>
     </p:extLst>
   </p:cSld>
@@ -20878,31 +20077,6 @@
       </p:grpSpPr>
       <p:sp>
         <p:nvSpPr>
-          <p:cNvPr id="2" name="Title 1">
-            <a:extLst>
-              <a:ext uri="{FF2B5EF4-FFF2-40B4-BE49-F238E27FC236}">
-                <a16:creationId xmlns:a16="http://schemas.microsoft.com/office/drawing/2014/main" id="{A75862A5-C2BF-B677-BDC6-719C72B67DB8}"/>
-              </a:ext>
-            </a:extLst>
-          </p:cNvPr>
-          <p:cNvSpPr>
-            <a:spLocks noGrp="1"/>
-          </p:cNvSpPr>
-          <p:nvPr>
-            <p:ph type="title"/>
-          </p:nvPr>
-        </p:nvSpPr>
-        <p:spPr/>
-        <p:txBody>
-          <a:bodyPr/>
-          <a:lstStyle/>
-          <a:p>
-            <a:endParaRPr lang="en-FI"/>
-          </a:p>
-        </p:txBody>
-      </p:sp>
-      <p:sp>
-        <p:nvSpPr>
           <p:cNvPr id="3" name="Content Placeholder 2">
             <a:extLst>
               <a:ext uri="{FF2B5EF4-FFF2-40B4-BE49-F238E27FC236}">
@@ -20917,11 +20091,186 @@
             <p:ph idx="1"/>
           </p:nvPr>
         </p:nvSpPr>
-        <p:spPr/>
+        <p:spPr>
+          <a:xfrm>
+            <a:off x="523783" y="1269505"/>
+            <a:ext cx="11185864" cy="5098063"/>
+          </a:xfrm>
+        </p:spPr>
         <p:txBody>
           <a:bodyPr/>
           <a:lstStyle/>
           <a:p>
+            <a:endParaRPr lang="en-FI"/>
+          </a:p>
+        </p:txBody>
+      </p:sp>
+      <p:sp>
+        <p:nvSpPr>
+          <p:cNvPr id="8" name="TextBox 7">
+            <a:extLst>
+              <a:ext uri="{FF2B5EF4-FFF2-40B4-BE49-F238E27FC236}">
+                <a16:creationId xmlns:a16="http://schemas.microsoft.com/office/drawing/2014/main" id="{86BFC7D6-5CAE-BFBB-7ACF-049FEF989161}"/>
+              </a:ext>
+            </a:extLst>
+          </p:cNvPr>
+          <p:cNvSpPr txBox="1"/>
+          <p:nvPr/>
+        </p:nvSpPr>
+        <p:spPr>
+          <a:xfrm>
+            <a:off x="292963" y="323314"/>
+            <a:ext cx="826390" cy="584775"/>
+          </a:xfrm>
+          <a:prstGeom prst="rect">
+            <a:avLst/>
+          </a:prstGeom>
+          <a:noFill/>
+          <a:ln>
+            <a:noFill/>
+          </a:ln>
+        </p:spPr>
+        <p:txBody>
+          <a:bodyPr wrap="square" lIns="108000" rIns="108000" rtlCol="0" anchor="ctr">
+            <a:spAutoFit/>
+          </a:bodyPr>
+          <a:lstStyle/>
+          <a:p>
+            <a:pPr algn="ctr"/>
+            <a:r>
+              <a:rPr lang="en-US" altLang="ko-KR" sz="3200" b="1">
+                <a:solidFill>
+                  <a:schemeClr val="tx1">
+                    <a:lumMod val="75000"/>
+                    <a:lumOff val="25000"/>
+                  </a:schemeClr>
+                </a:solidFill>
+                <a:cs typeface="Arial" pitchFamily="34" charset="0"/>
+              </a:rPr>
+              <a:t>03</a:t>
+            </a:r>
+            <a:endParaRPr lang="ko-KR" altLang="en-US" sz="3200" b="1" dirty="0">
+              <a:solidFill>
+                <a:schemeClr val="tx1">
+                  <a:lumMod val="75000"/>
+                  <a:lumOff val="25000"/>
+                </a:schemeClr>
+              </a:solidFill>
+              <a:cs typeface="Arial" pitchFamily="34" charset="0"/>
+            </a:endParaRPr>
+          </a:p>
+        </p:txBody>
+      </p:sp>
+      <p:sp>
+        <p:nvSpPr>
+          <p:cNvPr id="11" name="TextBox 10">
+            <a:extLst>
+              <a:ext uri="{FF2B5EF4-FFF2-40B4-BE49-F238E27FC236}">
+                <a16:creationId xmlns:a16="http://schemas.microsoft.com/office/drawing/2014/main" id="{37B58FC4-5334-80E9-99F3-B1FC227F2AEA}"/>
+              </a:ext>
+            </a:extLst>
+          </p:cNvPr>
+          <p:cNvSpPr txBox="1"/>
+          <p:nvPr/>
+        </p:nvSpPr>
+        <p:spPr>
+          <a:xfrm>
+            <a:off x="1119353" y="388738"/>
+            <a:ext cx="7921543" cy="519351"/>
+          </a:xfrm>
+          <a:prstGeom prst="roundRect">
+            <a:avLst>
+              <a:gd name="adj" fmla="val 50000"/>
+            </a:avLst>
+          </a:prstGeom>
+          <a:solidFill>
+            <a:srgbClr val="D3E171"/>
+          </a:solidFill>
+        </p:spPr>
+        <p:style>
+          <a:lnRef idx="2">
+            <a:schemeClr val="accent5">
+              <a:shade val="15000"/>
+            </a:schemeClr>
+          </a:lnRef>
+          <a:fillRef idx="1">
+            <a:schemeClr val="accent5"/>
+          </a:fillRef>
+          <a:effectRef idx="0">
+            <a:schemeClr val="accent5"/>
+          </a:effectRef>
+          <a:fontRef idx="minor">
+            <a:schemeClr val="lt1"/>
+          </a:fontRef>
+        </p:style>
+        <p:txBody>
+          <a:bodyPr wrap="square" lIns="274320" rtlCol="0" anchor="ctr">
+            <a:spAutoFit/>
+          </a:bodyPr>
+          <a:lstStyle/>
+          <a:p>
+            <a:r>
+              <a:rPr lang="en-US" altLang="ko-KR" b="1">
+                <a:solidFill>
+                  <a:schemeClr val="tx1">
+                    <a:lumMod val="75000"/>
+                    <a:lumOff val="25000"/>
+                  </a:schemeClr>
+                </a:solidFill>
+                <a:cs typeface="Arial" pitchFamily="34" charset="0"/>
+              </a:rPr>
+              <a:t>Price Analysis</a:t>
+            </a:r>
+            <a:endParaRPr lang="ko-KR" altLang="en-US" b="1" dirty="0">
+              <a:solidFill>
+                <a:schemeClr val="tx1">
+                  <a:lumMod val="75000"/>
+                  <a:lumOff val="25000"/>
+                </a:schemeClr>
+              </a:solidFill>
+              <a:cs typeface="Arial" pitchFamily="34" charset="0"/>
+            </a:endParaRPr>
+          </a:p>
+        </p:txBody>
+      </p:sp>
+      <p:sp>
+        <p:nvSpPr>
+          <p:cNvPr id="4" name="TextBox 3">
+            <a:extLst>
+              <a:ext uri="{FF2B5EF4-FFF2-40B4-BE49-F238E27FC236}">
+                <a16:creationId xmlns:a16="http://schemas.microsoft.com/office/drawing/2014/main" id="{0D78BCAF-2413-14E5-7B5D-DA337B42AA73}"/>
+              </a:ext>
+            </a:extLst>
+          </p:cNvPr>
+          <p:cNvSpPr txBox="1"/>
+          <p:nvPr/>
+        </p:nvSpPr>
+        <p:spPr>
+          <a:xfrm>
+            <a:off x="3047260" y="2831055"/>
+            <a:ext cx="6094520" cy="1200329"/>
+          </a:xfrm>
+          <a:prstGeom prst="rect">
+            <a:avLst/>
+          </a:prstGeom>
+          <a:noFill/>
+        </p:spPr>
+        <p:txBody>
+          <a:bodyPr wrap="square">
+            <a:spAutoFit/>
+          </a:bodyPr>
+          <a:lstStyle/>
+          <a:p>
+            <a:r>
+              <a:rPr lang="en-US"/>
+              <a:t>Chart showing the distribution of product prices vs. retail prices.</a:t>
+            </a:r>
+          </a:p>
+          <a:p>
+            <a:r>
+              <a:rPr lang="en-US"/>
+              <a:t>Insights into how pricing affects sales volume, including any patterns related to discounts or price sensitivity.</a:t>
+            </a:r>
             <a:endParaRPr lang="en-FI"/>
           </a:p>
         </p:txBody>
@@ -20929,7 +20278,7 @@
     </p:spTree>
     <p:extLst>
       <p:ext uri="{BB962C8B-B14F-4D97-AF65-F5344CB8AC3E}">
-        <p14:creationId xmlns:p14="http://schemas.microsoft.com/office/powerpoint/2010/main" val="14621472"/>
+        <p14:creationId xmlns:p14="http://schemas.microsoft.com/office/powerpoint/2010/main" val="3812508260"/>
       </p:ext>
     </p:extLst>
   </p:cSld>
@@ -20958,31 +20307,6 @@
       </p:grpSpPr>
       <p:sp>
         <p:nvSpPr>
-          <p:cNvPr id="2" name="Title 1">
-            <a:extLst>
-              <a:ext uri="{FF2B5EF4-FFF2-40B4-BE49-F238E27FC236}">
-                <a16:creationId xmlns:a16="http://schemas.microsoft.com/office/drawing/2014/main" id="{A75862A5-C2BF-B677-BDC6-719C72B67DB8}"/>
-              </a:ext>
-            </a:extLst>
-          </p:cNvPr>
-          <p:cNvSpPr>
-            <a:spLocks noGrp="1"/>
-          </p:cNvSpPr>
-          <p:nvPr>
-            <p:ph type="title"/>
-          </p:nvPr>
-        </p:nvSpPr>
-        <p:spPr/>
-        <p:txBody>
-          <a:bodyPr/>
-          <a:lstStyle/>
-          <a:p>
-            <a:endParaRPr lang="en-FI"/>
-          </a:p>
-        </p:txBody>
-      </p:sp>
-      <p:sp>
-        <p:nvSpPr>
           <p:cNvPr id="3" name="Content Placeholder 2">
             <a:extLst>
               <a:ext uri="{FF2B5EF4-FFF2-40B4-BE49-F238E27FC236}">
@@ -20997,11 +20321,186 @@
             <p:ph idx="1"/>
           </p:nvPr>
         </p:nvSpPr>
-        <p:spPr/>
+        <p:spPr>
+          <a:xfrm>
+            <a:off x="523783" y="2938509"/>
+            <a:ext cx="11185864" cy="3429059"/>
+          </a:xfrm>
+        </p:spPr>
         <p:txBody>
           <a:bodyPr/>
           <a:lstStyle/>
           <a:p>
+            <a:endParaRPr lang="en-FI"/>
+          </a:p>
+        </p:txBody>
+      </p:sp>
+      <p:sp>
+        <p:nvSpPr>
+          <p:cNvPr id="8" name="TextBox 7">
+            <a:extLst>
+              <a:ext uri="{FF2B5EF4-FFF2-40B4-BE49-F238E27FC236}">
+                <a16:creationId xmlns:a16="http://schemas.microsoft.com/office/drawing/2014/main" id="{86BFC7D6-5CAE-BFBB-7ACF-049FEF989161}"/>
+              </a:ext>
+            </a:extLst>
+          </p:cNvPr>
+          <p:cNvSpPr txBox="1"/>
+          <p:nvPr/>
+        </p:nvSpPr>
+        <p:spPr>
+          <a:xfrm>
+            <a:off x="292963" y="323314"/>
+            <a:ext cx="826390" cy="584775"/>
+          </a:xfrm>
+          <a:prstGeom prst="rect">
+            <a:avLst/>
+          </a:prstGeom>
+          <a:noFill/>
+          <a:ln>
+            <a:noFill/>
+          </a:ln>
+        </p:spPr>
+        <p:txBody>
+          <a:bodyPr wrap="square" lIns="108000" rIns="108000" rtlCol="0" anchor="ctr">
+            <a:spAutoFit/>
+          </a:bodyPr>
+          <a:lstStyle/>
+          <a:p>
+            <a:pPr algn="ctr"/>
+            <a:r>
+              <a:rPr lang="en-US" altLang="ko-KR" sz="3200" b="1">
+                <a:solidFill>
+                  <a:schemeClr val="tx1">
+                    <a:lumMod val="75000"/>
+                    <a:lumOff val="25000"/>
+                  </a:schemeClr>
+                </a:solidFill>
+                <a:cs typeface="Arial" pitchFamily="34" charset="0"/>
+              </a:rPr>
+              <a:t>04</a:t>
+            </a:r>
+            <a:endParaRPr lang="ko-KR" altLang="en-US" sz="3200" b="1" dirty="0">
+              <a:solidFill>
+                <a:schemeClr val="tx1">
+                  <a:lumMod val="75000"/>
+                  <a:lumOff val="25000"/>
+                </a:schemeClr>
+              </a:solidFill>
+              <a:cs typeface="Arial" pitchFamily="34" charset="0"/>
+            </a:endParaRPr>
+          </a:p>
+        </p:txBody>
+      </p:sp>
+      <p:sp>
+        <p:nvSpPr>
+          <p:cNvPr id="11" name="TextBox 10">
+            <a:extLst>
+              <a:ext uri="{FF2B5EF4-FFF2-40B4-BE49-F238E27FC236}">
+                <a16:creationId xmlns:a16="http://schemas.microsoft.com/office/drawing/2014/main" id="{37B58FC4-5334-80E9-99F3-B1FC227F2AEA}"/>
+              </a:ext>
+            </a:extLst>
+          </p:cNvPr>
+          <p:cNvSpPr txBox="1"/>
+          <p:nvPr/>
+        </p:nvSpPr>
+        <p:spPr>
+          <a:xfrm>
+            <a:off x="1119353" y="388738"/>
+            <a:ext cx="7921543" cy="519351"/>
+          </a:xfrm>
+          <a:prstGeom prst="roundRect">
+            <a:avLst>
+              <a:gd name="adj" fmla="val 50000"/>
+            </a:avLst>
+          </a:prstGeom>
+          <a:solidFill>
+            <a:srgbClr val="D3E171"/>
+          </a:solidFill>
+        </p:spPr>
+        <p:style>
+          <a:lnRef idx="2">
+            <a:schemeClr val="accent5">
+              <a:shade val="15000"/>
+            </a:schemeClr>
+          </a:lnRef>
+          <a:fillRef idx="1">
+            <a:schemeClr val="accent5"/>
+          </a:fillRef>
+          <a:effectRef idx="0">
+            <a:schemeClr val="accent5"/>
+          </a:effectRef>
+          <a:fontRef idx="minor">
+            <a:schemeClr val="lt1"/>
+          </a:fontRef>
+        </p:style>
+        <p:txBody>
+          <a:bodyPr wrap="square" lIns="274320" rtlCol="0" anchor="ctr">
+            <a:spAutoFit/>
+          </a:bodyPr>
+          <a:lstStyle/>
+          <a:p>
+            <a:r>
+              <a:rPr lang="en-US" altLang="ko-KR" b="1">
+                <a:solidFill>
+                  <a:schemeClr val="tx1">
+                    <a:lumMod val="75000"/>
+                    <a:lumOff val="25000"/>
+                  </a:schemeClr>
+                </a:solidFill>
+                <a:cs typeface="Arial" pitchFamily="34" charset="0"/>
+              </a:rPr>
+              <a:t>Ratings and Sales Performance</a:t>
+            </a:r>
+            <a:endParaRPr lang="ko-KR" altLang="en-US" b="1" dirty="0">
+              <a:solidFill>
+                <a:schemeClr val="tx1">
+                  <a:lumMod val="75000"/>
+                  <a:lumOff val="25000"/>
+                </a:schemeClr>
+              </a:solidFill>
+              <a:cs typeface="Arial" pitchFamily="34" charset="0"/>
+            </a:endParaRPr>
+          </a:p>
+        </p:txBody>
+      </p:sp>
+      <p:sp>
+        <p:nvSpPr>
+          <p:cNvPr id="4" name="TextBox 3">
+            <a:extLst>
+              <a:ext uri="{FF2B5EF4-FFF2-40B4-BE49-F238E27FC236}">
+                <a16:creationId xmlns:a16="http://schemas.microsoft.com/office/drawing/2014/main" id="{881CEA47-AAF3-9DC9-ED88-A5B71D386F05}"/>
+              </a:ext>
+            </a:extLst>
+          </p:cNvPr>
+          <p:cNvSpPr txBox="1"/>
+          <p:nvPr/>
+        </p:nvSpPr>
+        <p:spPr>
+          <a:xfrm>
+            <a:off x="4139213" y="1526038"/>
+            <a:ext cx="6094520" cy="1200329"/>
+          </a:xfrm>
+          <a:prstGeom prst="rect">
+            <a:avLst/>
+          </a:prstGeom>
+          <a:noFill/>
+        </p:spPr>
+        <p:txBody>
+          <a:bodyPr wrap="square">
+            <a:spAutoFit/>
+          </a:bodyPr>
+          <a:lstStyle/>
+          <a:p>
+            <a:r>
+              <a:rPr lang="en-US"/>
+              <a:t>Graphical representation of the relationship between product ratings (average rating) and sales volume.</a:t>
+            </a:r>
+          </a:p>
+          <a:p>
+            <a:r>
+              <a:rPr lang="en-US"/>
+              <a:t>Discuss any visible trends on how product quality (as perceived through ratings) influences sales.</a:t>
+            </a:r>
             <a:endParaRPr lang="en-FI"/>
           </a:p>
         </p:txBody>
@@ -21009,7 +20508,7 @@
     </p:spTree>
     <p:extLst>
       <p:ext uri="{BB962C8B-B14F-4D97-AF65-F5344CB8AC3E}">
-        <p14:creationId xmlns:p14="http://schemas.microsoft.com/office/powerpoint/2010/main" val="3152981327"/>
+        <p14:creationId xmlns:p14="http://schemas.microsoft.com/office/powerpoint/2010/main" val="458101064"/>
       </p:ext>
     </p:extLst>
   </p:cSld>
@@ -21038,31 +20537,6 @@
       </p:grpSpPr>
       <p:sp>
         <p:nvSpPr>
-          <p:cNvPr id="2" name="Title 1">
-            <a:extLst>
-              <a:ext uri="{FF2B5EF4-FFF2-40B4-BE49-F238E27FC236}">
-                <a16:creationId xmlns:a16="http://schemas.microsoft.com/office/drawing/2014/main" id="{A75862A5-C2BF-B677-BDC6-719C72B67DB8}"/>
-              </a:ext>
-            </a:extLst>
-          </p:cNvPr>
-          <p:cNvSpPr>
-            <a:spLocks noGrp="1"/>
-          </p:cNvSpPr>
-          <p:nvPr>
-            <p:ph type="title"/>
-          </p:nvPr>
-        </p:nvSpPr>
-        <p:spPr/>
-        <p:txBody>
-          <a:bodyPr/>
-          <a:lstStyle/>
-          <a:p>
-            <a:endParaRPr lang="en-FI"/>
-          </a:p>
-        </p:txBody>
-      </p:sp>
-      <p:sp>
-        <p:nvSpPr>
           <p:cNvPr id="3" name="Content Placeholder 2">
             <a:extLst>
               <a:ext uri="{FF2B5EF4-FFF2-40B4-BE49-F238E27FC236}">
@@ -21077,11 +20551,186 @@
             <p:ph idx="1"/>
           </p:nvPr>
         </p:nvSpPr>
-        <p:spPr/>
+        <p:spPr>
+          <a:xfrm>
+            <a:off x="523783" y="1269505"/>
+            <a:ext cx="11185864" cy="5098063"/>
+          </a:xfrm>
+        </p:spPr>
         <p:txBody>
           <a:bodyPr/>
           <a:lstStyle/>
           <a:p>
+            <a:endParaRPr lang="en-FI"/>
+          </a:p>
+        </p:txBody>
+      </p:sp>
+      <p:sp>
+        <p:nvSpPr>
+          <p:cNvPr id="8" name="TextBox 7">
+            <a:extLst>
+              <a:ext uri="{FF2B5EF4-FFF2-40B4-BE49-F238E27FC236}">
+                <a16:creationId xmlns:a16="http://schemas.microsoft.com/office/drawing/2014/main" id="{86BFC7D6-5CAE-BFBB-7ACF-049FEF989161}"/>
+              </a:ext>
+            </a:extLst>
+          </p:cNvPr>
+          <p:cNvSpPr txBox="1"/>
+          <p:nvPr/>
+        </p:nvSpPr>
+        <p:spPr>
+          <a:xfrm>
+            <a:off x="292963" y="323314"/>
+            <a:ext cx="826390" cy="584775"/>
+          </a:xfrm>
+          <a:prstGeom prst="rect">
+            <a:avLst/>
+          </a:prstGeom>
+          <a:noFill/>
+          <a:ln>
+            <a:noFill/>
+          </a:ln>
+        </p:spPr>
+        <p:txBody>
+          <a:bodyPr wrap="square" lIns="108000" rIns="108000" rtlCol="0" anchor="ctr">
+            <a:spAutoFit/>
+          </a:bodyPr>
+          <a:lstStyle/>
+          <a:p>
+            <a:pPr algn="ctr"/>
+            <a:r>
+              <a:rPr lang="en-US" altLang="ko-KR" sz="3200" b="1">
+                <a:solidFill>
+                  <a:schemeClr val="tx1">
+                    <a:lumMod val="75000"/>
+                    <a:lumOff val="25000"/>
+                  </a:schemeClr>
+                </a:solidFill>
+                <a:cs typeface="Arial" pitchFamily="34" charset="0"/>
+              </a:rPr>
+              <a:t>05</a:t>
+            </a:r>
+            <a:endParaRPr lang="ko-KR" altLang="en-US" sz="3200" b="1" dirty="0">
+              <a:solidFill>
+                <a:schemeClr val="tx1">
+                  <a:lumMod val="75000"/>
+                  <a:lumOff val="25000"/>
+                </a:schemeClr>
+              </a:solidFill>
+              <a:cs typeface="Arial" pitchFamily="34" charset="0"/>
+            </a:endParaRPr>
+          </a:p>
+        </p:txBody>
+      </p:sp>
+      <p:sp>
+        <p:nvSpPr>
+          <p:cNvPr id="11" name="TextBox 10">
+            <a:extLst>
+              <a:ext uri="{FF2B5EF4-FFF2-40B4-BE49-F238E27FC236}">
+                <a16:creationId xmlns:a16="http://schemas.microsoft.com/office/drawing/2014/main" id="{37B58FC4-5334-80E9-99F3-B1FC227F2AEA}"/>
+              </a:ext>
+            </a:extLst>
+          </p:cNvPr>
+          <p:cNvSpPr txBox="1"/>
+          <p:nvPr/>
+        </p:nvSpPr>
+        <p:spPr>
+          <a:xfrm>
+            <a:off x="1119353" y="388738"/>
+            <a:ext cx="7921543" cy="519351"/>
+          </a:xfrm>
+          <a:prstGeom prst="roundRect">
+            <a:avLst>
+              <a:gd name="adj" fmla="val 50000"/>
+            </a:avLst>
+          </a:prstGeom>
+          <a:solidFill>
+            <a:srgbClr val="D3E171"/>
+          </a:solidFill>
+        </p:spPr>
+        <p:style>
+          <a:lnRef idx="2">
+            <a:schemeClr val="accent5">
+              <a:shade val="15000"/>
+            </a:schemeClr>
+          </a:lnRef>
+          <a:fillRef idx="1">
+            <a:schemeClr val="accent5"/>
+          </a:fillRef>
+          <a:effectRef idx="0">
+            <a:schemeClr val="accent5"/>
+          </a:effectRef>
+          <a:fontRef idx="minor">
+            <a:schemeClr val="lt1"/>
+          </a:fontRef>
+        </p:style>
+        <p:txBody>
+          <a:bodyPr wrap="square" lIns="274320" rtlCol="0" anchor="ctr">
+            <a:spAutoFit/>
+          </a:bodyPr>
+          <a:lstStyle/>
+          <a:p>
+            <a:r>
+              <a:rPr lang="en-US" altLang="ko-KR" b="1">
+                <a:solidFill>
+                  <a:schemeClr val="tx1">
+                    <a:lumMod val="75000"/>
+                    <a:lumOff val="25000"/>
+                  </a:schemeClr>
+                </a:solidFill>
+                <a:cs typeface="Arial" pitchFamily="34" charset="0"/>
+              </a:rPr>
+              <a:t>Impact of Ad Boosts on Sales</a:t>
+            </a:r>
+            <a:endParaRPr lang="ko-KR" altLang="en-US" b="1" dirty="0">
+              <a:solidFill>
+                <a:schemeClr val="tx1">
+                  <a:lumMod val="75000"/>
+                  <a:lumOff val="25000"/>
+                </a:schemeClr>
+              </a:solidFill>
+              <a:cs typeface="Arial" pitchFamily="34" charset="0"/>
+            </a:endParaRPr>
+          </a:p>
+        </p:txBody>
+      </p:sp>
+      <p:sp>
+        <p:nvSpPr>
+          <p:cNvPr id="4" name="TextBox 3">
+            <a:extLst>
+              <a:ext uri="{FF2B5EF4-FFF2-40B4-BE49-F238E27FC236}">
+                <a16:creationId xmlns:a16="http://schemas.microsoft.com/office/drawing/2014/main" id="{E0765C15-6FBE-5145-4182-D315B6B14A69}"/>
+              </a:ext>
+            </a:extLst>
+          </p:cNvPr>
+          <p:cNvSpPr txBox="1"/>
+          <p:nvPr/>
+        </p:nvSpPr>
+        <p:spPr>
+          <a:xfrm>
+            <a:off x="3047260" y="2831055"/>
+            <a:ext cx="6094520" cy="1200329"/>
+          </a:xfrm>
+          <a:prstGeom prst="rect">
+            <a:avLst/>
+          </a:prstGeom>
+          <a:noFill/>
+        </p:spPr>
+        <p:txBody>
+          <a:bodyPr wrap="square">
+            <a:spAutoFit/>
+          </a:bodyPr>
+          <a:lstStyle/>
+          <a:p>
+            <a:r>
+              <a:rPr lang="en-US"/>
+              <a:t>Compare sales performance of products with ad boosts versus those without.</a:t>
+            </a:r>
+          </a:p>
+          <a:p>
+            <a:r>
+              <a:rPr lang="en-US"/>
+              <a:t>Provide insights on the effectiveness of ad boosts in driving sales.</a:t>
+            </a:r>
             <a:endParaRPr lang="en-FI"/>
           </a:p>
         </p:txBody>
@@ -21089,7 +20738,7 @@
     </p:spTree>
     <p:extLst>
       <p:ext uri="{BB962C8B-B14F-4D97-AF65-F5344CB8AC3E}">
-        <p14:creationId xmlns:p14="http://schemas.microsoft.com/office/powerpoint/2010/main" val="2633053704"/>
+        <p14:creationId xmlns:p14="http://schemas.microsoft.com/office/powerpoint/2010/main" val="3358330422"/>
       </p:ext>
     </p:extLst>
   </p:cSld>
@@ -21118,31 +20767,6 @@
       </p:grpSpPr>
       <p:sp>
         <p:nvSpPr>
-          <p:cNvPr id="2" name="Title 1">
-            <a:extLst>
-              <a:ext uri="{FF2B5EF4-FFF2-40B4-BE49-F238E27FC236}">
-                <a16:creationId xmlns:a16="http://schemas.microsoft.com/office/drawing/2014/main" id="{A75862A5-C2BF-B677-BDC6-719C72B67DB8}"/>
-              </a:ext>
-            </a:extLst>
-          </p:cNvPr>
-          <p:cNvSpPr>
-            <a:spLocks noGrp="1"/>
-          </p:cNvSpPr>
-          <p:nvPr>
-            <p:ph type="title"/>
-          </p:nvPr>
-        </p:nvSpPr>
-        <p:spPr/>
-        <p:txBody>
-          <a:bodyPr/>
-          <a:lstStyle/>
-          <a:p>
-            <a:endParaRPr lang="en-FI"/>
-          </a:p>
-        </p:txBody>
-      </p:sp>
-      <p:sp>
-        <p:nvSpPr>
           <p:cNvPr id="3" name="Content Placeholder 2">
             <a:extLst>
               <a:ext uri="{FF2B5EF4-FFF2-40B4-BE49-F238E27FC236}">
@@ -21157,11 +20781,186 @@
             <p:ph idx="1"/>
           </p:nvPr>
         </p:nvSpPr>
-        <p:spPr/>
+        <p:spPr>
+          <a:xfrm>
+            <a:off x="523783" y="1269505"/>
+            <a:ext cx="11185864" cy="5098063"/>
+          </a:xfrm>
+        </p:spPr>
         <p:txBody>
           <a:bodyPr/>
           <a:lstStyle/>
           <a:p>
+            <a:endParaRPr lang="en-FI"/>
+          </a:p>
+        </p:txBody>
+      </p:sp>
+      <p:sp>
+        <p:nvSpPr>
+          <p:cNvPr id="8" name="TextBox 7">
+            <a:extLst>
+              <a:ext uri="{FF2B5EF4-FFF2-40B4-BE49-F238E27FC236}">
+                <a16:creationId xmlns:a16="http://schemas.microsoft.com/office/drawing/2014/main" id="{86BFC7D6-5CAE-BFBB-7ACF-049FEF989161}"/>
+              </a:ext>
+            </a:extLst>
+          </p:cNvPr>
+          <p:cNvSpPr txBox="1"/>
+          <p:nvPr/>
+        </p:nvSpPr>
+        <p:spPr>
+          <a:xfrm>
+            <a:off x="292963" y="323314"/>
+            <a:ext cx="826390" cy="584775"/>
+          </a:xfrm>
+          <a:prstGeom prst="rect">
+            <a:avLst/>
+          </a:prstGeom>
+          <a:noFill/>
+          <a:ln>
+            <a:noFill/>
+          </a:ln>
+        </p:spPr>
+        <p:txBody>
+          <a:bodyPr wrap="square" lIns="108000" rIns="108000" rtlCol="0" anchor="ctr">
+            <a:spAutoFit/>
+          </a:bodyPr>
+          <a:lstStyle/>
+          <a:p>
+            <a:pPr algn="ctr"/>
+            <a:r>
+              <a:rPr lang="en-US" altLang="ko-KR" sz="3200" b="1">
+                <a:solidFill>
+                  <a:schemeClr val="tx1">
+                    <a:lumMod val="75000"/>
+                    <a:lumOff val="25000"/>
+                  </a:schemeClr>
+                </a:solidFill>
+                <a:cs typeface="Arial" pitchFamily="34" charset="0"/>
+              </a:rPr>
+              <a:t>06</a:t>
+            </a:r>
+            <a:endParaRPr lang="ko-KR" altLang="en-US" sz="3200" b="1" dirty="0">
+              <a:solidFill>
+                <a:schemeClr val="tx1">
+                  <a:lumMod val="75000"/>
+                  <a:lumOff val="25000"/>
+                </a:schemeClr>
+              </a:solidFill>
+              <a:cs typeface="Arial" pitchFamily="34" charset="0"/>
+            </a:endParaRPr>
+          </a:p>
+        </p:txBody>
+      </p:sp>
+      <p:sp>
+        <p:nvSpPr>
+          <p:cNvPr id="11" name="TextBox 10">
+            <a:extLst>
+              <a:ext uri="{FF2B5EF4-FFF2-40B4-BE49-F238E27FC236}">
+                <a16:creationId xmlns:a16="http://schemas.microsoft.com/office/drawing/2014/main" id="{37B58FC4-5334-80E9-99F3-B1FC227F2AEA}"/>
+              </a:ext>
+            </a:extLst>
+          </p:cNvPr>
+          <p:cNvSpPr txBox="1"/>
+          <p:nvPr/>
+        </p:nvSpPr>
+        <p:spPr>
+          <a:xfrm>
+            <a:off x="1119353" y="388738"/>
+            <a:ext cx="7921543" cy="519351"/>
+          </a:xfrm>
+          <a:prstGeom prst="roundRect">
+            <a:avLst>
+              <a:gd name="adj" fmla="val 50000"/>
+            </a:avLst>
+          </a:prstGeom>
+          <a:solidFill>
+            <a:srgbClr val="D3E171"/>
+          </a:solidFill>
+        </p:spPr>
+        <p:style>
+          <a:lnRef idx="2">
+            <a:schemeClr val="accent5">
+              <a:shade val="15000"/>
+            </a:schemeClr>
+          </a:lnRef>
+          <a:fillRef idx="1">
+            <a:schemeClr val="accent5"/>
+          </a:fillRef>
+          <a:effectRef idx="0">
+            <a:schemeClr val="accent5"/>
+          </a:effectRef>
+          <a:fontRef idx="minor">
+            <a:schemeClr val="lt1"/>
+          </a:fontRef>
+        </p:style>
+        <p:txBody>
+          <a:bodyPr wrap="square" lIns="274320" rtlCol="0" anchor="ctr">
+            <a:spAutoFit/>
+          </a:bodyPr>
+          <a:lstStyle/>
+          <a:p>
+            <a:r>
+              <a:rPr lang="en-US" altLang="ko-KR" b="1">
+                <a:solidFill>
+                  <a:schemeClr val="tx1">
+                    <a:lumMod val="75000"/>
+                    <a:lumOff val="25000"/>
+                  </a:schemeClr>
+                </a:solidFill>
+                <a:cs typeface="Arial" pitchFamily="34" charset="0"/>
+              </a:rPr>
+              <a:t>Product Features Analysis</a:t>
+            </a:r>
+            <a:endParaRPr lang="ko-KR" altLang="en-US" b="1" dirty="0">
+              <a:solidFill>
+                <a:schemeClr val="tx1">
+                  <a:lumMod val="75000"/>
+                  <a:lumOff val="25000"/>
+                </a:schemeClr>
+              </a:solidFill>
+              <a:cs typeface="Arial" pitchFamily="34" charset="0"/>
+            </a:endParaRPr>
+          </a:p>
+        </p:txBody>
+      </p:sp>
+      <p:sp>
+        <p:nvSpPr>
+          <p:cNvPr id="4" name="TextBox 3">
+            <a:extLst>
+              <a:ext uri="{FF2B5EF4-FFF2-40B4-BE49-F238E27FC236}">
+                <a16:creationId xmlns:a16="http://schemas.microsoft.com/office/drawing/2014/main" id="{FF1CE9FE-AA81-45EA-E6B8-8F478984FCB1}"/>
+              </a:ext>
+            </a:extLst>
+          </p:cNvPr>
+          <p:cNvSpPr txBox="1"/>
+          <p:nvPr/>
+        </p:nvSpPr>
+        <p:spPr>
+          <a:xfrm>
+            <a:off x="3047260" y="2831055"/>
+            <a:ext cx="6094520" cy="1200329"/>
+          </a:xfrm>
+          <a:prstGeom prst="rect">
+            <a:avLst/>
+          </a:prstGeom>
+          <a:noFill/>
+        </p:spPr>
+        <p:txBody>
+          <a:bodyPr wrap="square">
+            <a:spAutoFit/>
+          </a:bodyPr>
+          <a:lstStyle/>
+          <a:p>
+            <a:r>
+              <a:rPr lang="en-US"/>
+              <a:t>Visuals showing the sales distribution across different product features like color, size, or other relevant attributes.</a:t>
+            </a:r>
+          </a:p>
+          <a:p>
+            <a:r>
+              <a:rPr lang="en-US"/>
+              <a:t>Identify which features are most common in high-selling products.</a:t>
+            </a:r>
             <a:endParaRPr lang="en-FI"/>
           </a:p>
         </p:txBody>
@@ -21169,7 +20968,7 @@
     </p:spTree>
     <p:extLst>
       <p:ext uri="{BB962C8B-B14F-4D97-AF65-F5344CB8AC3E}">
-        <p14:creationId xmlns:p14="http://schemas.microsoft.com/office/powerpoint/2010/main" val="2380434954"/>
+        <p14:creationId xmlns:p14="http://schemas.microsoft.com/office/powerpoint/2010/main" val="3537737771"/>
       </p:ext>
     </p:extLst>
   </p:cSld>
@@ -21198,31 +20997,6 @@
       </p:grpSpPr>
       <p:sp>
         <p:nvSpPr>
-          <p:cNvPr id="2" name="Title 1">
-            <a:extLst>
-              <a:ext uri="{FF2B5EF4-FFF2-40B4-BE49-F238E27FC236}">
-                <a16:creationId xmlns:a16="http://schemas.microsoft.com/office/drawing/2014/main" id="{A75862A5-C2BF-B677-BDC6-719C72B67DB8}"/>
-              </a:ext>
-            </a:extLst>
-          </p:cNvPr>
-          <p:cNvSpPr>
-            <a:spLocks noGrp="1"/>
-          </p:cNvSpPr>
-          <p:nvPr>
-            <p:ph type="title"/>
-          </p:nvPr>
-        </p:nvSpPr>
-        <p:spPr/>
-        <p:txBody>
-          <a:bodyPr/>
-          <a:lstStyle/>
-          <a:p>
-            <a:endParaRPr lang="en-FI"/>
-          </a:p>
-        </p:txBody>
-      </p:sp>
-      <p:sp>
-        <p:nvSpPr>
           <p:cNvPr id="3" name="Content Placeholder 2">
             <a:extLst>
               <a:ext uri="{FF2B5EF4-FFF2-40B4-BE49-F238E27FC236}">
@@ -21237,11 +21011,186 @@
             <p:ph idx="1"/>
           </p:nvPr>
         </p:nvSpPr>
-        <p:spPr/>
+        <p:spPr>
+          <a:xfrm>
+            <a:off x="523783" y="1269505"/>
+            <a:ext cx="11185864" cy="5098063"/>
+          </a:xfrm>
+        </p:spPr>
         <p:txBody>
           <a:bodyPr/>
           <a:lstStyle/>
           <a:p>
+            <a:endParaRPr lang="en-FI"/>
+          </a:p>
+        </p:txBody>
+      </p:sp>
+      <p:sp>
+        <p:nvSpPr>
+          <p:cNvPr id="8" name="TextBox 7">
+            <a:extLst>
+              <a:ext uri="{FF2B5EF4-FFF2-40B4-BE49-F238E27FC236}">
+                <a16:creationId xmlns:a16="http://schemas.microsoft.com/office/drawing/2014/main" id="{86BFC7D6-5CAE-BFBB-7ACF-049FEF989161}"/>
+              </a:ext>
+            </a:extLst>
+          </p:cNvPr>
+          <p:cNvSpPr txBox="1"/>
+          <p:nvPr/>
+        </p:nvSpPr>
+        <p:spPr>
+          <a:xfrm>
+            <a:off x="292963" y="323314"/>
+            <a:ext cx="826390" cy="584775"/>
+          </a:xfrm>
+          <a:prstGeom prst="rect">
+            <a:avLst/>
+          </a:prstGeom>
+          <a:noFill/>
+          <a:ln>
+            <a:noFill/>
+          </a:ln>
+        </p:spPr>
+        <p:txBody>
+          <a:bodyPr wrap="square" lIns="108000" rIns="108000" rtlCol="0" anchor="ctr">
+            <a:spAutoFit/>
+          </a:bodyPr>
+          <a:lstStyle/>
+          <a:p>
+            <a:pPr algn="ctr"/>
+            <a:r>
+              <a:rPr lang="en-US" altLang="ko-KR" sz="3200" b="1">
+                <a:solidFill>
+                  <a:schemeClr val="tx1">
+                    <a:lumMod val="75000"/>
+                    <a:lumOff val="25000"/>
+                  </a:schemeClr>
+                </a:solidFill>
+                <a:cs typeface="Arial" pitchFamily="34" charset="0"/>
+              </a:rPr>
+              <a:t>07</a:t>
+            </a:r>
+            <a:endParaRPr lang="ko-KR" altLang="en-US" sz="3200" b="1" dirty="0">
+              <a:solidFill>
+                <a:schemeClr val="tx1">
+                  <a:lumMod val="75000"/>
+                  <a:lumOff val="25000"/>
+                </a:schemeClr>
+              </a:solidFill>
+              <a:cs typeface="Arial" pitchFamily="34" charset="0"/>
+            </a:endParaRPr>
+          </a:p>
+        </p:txBody>
+      </p:sp>
+      <p:sp>
+        <p:nvSpPr>
+          <p:cNvPr id="11" name="TextBox 10">
+            <a:extLst>
+              <a:ext uri="{FF2B5EF4-FFF2-40B4-BE49-F238E27FC236}">
+                <a16:creationId xmlns:a16="http://schemas.microsoft.com/office/drawing/2014/main" id="{37B58FC4-5334-80E9-99F3-B1FC227F2AEA}"/>
+              </a:ext>
+            </a:extLst>
+          </p:cNvPr>
+          <p:cNvSpPr txBox="1"/>
+          <p:nvPr/>
+        </p:nvSpPr>
+        <p:spPr>
+          <a:xfrm>
+            <a:off x="1119353" y="388738"/>
+            <a:ext cx="7921543" cy="519351"/>
+          </a:xfrm>
+          <a:prstGeom prst="roundRect">
+            <a:avLst>
+              <a:gd name="adj" fmla="val 50000"/>
+            </a:avLst>
+          </a:prstGeom>
+          <a:solidFill>
+            <a:srgbClr val="D3E171"/>
+          </a:solidFill>
+        </p:spPr>
+        <p:style>
+          <a:lnRef idx="2">
+            <a:schemeClr val="accent5">
+              <a:shade val="15000"/>
+            </a:schemeClr>
+          </a:lnRef>
+          <a:fillRef idx="1">
+            <a:schemeClr val="accent5"/>
+          </a:fillRef>
+          <a:effectRef idx="0">
+            <a:schemeClr val="accent5"/>
+          </a:effectRef>
+          <a:fontRef idx="minor">
+            <a:schemeClr val="lt1"/>
+          </a:fontRef>
+        </p:style>
+        <p:txBody>
+          <a:bodyPr wrap="square" lIns="274320" rtlCol="0" anchor="ctr">
+            <a:spAutoFit/>
+          </a:bodyPr>
+          <a:lstStyle/>
+          <a:p>
+            <a:r>
+              <a:rPr lang="en-US" altLang="ko-KR" b="1">
+                <a:solidFill>
+                  <a:schemeClr val="tx1">
+                    <a:lumMod val="75000"/>
+                    <a:lumOff val="25000"/>
+                  </a:schemeClr>
+                </a:solidFill>
+                <a:cs typeface="Arial" pitchFamily="34" charset="0"/>
+              </a:rPr>
+              <a:t>Merchant Performance Insights</a:t>
+            </a:r>
+            <a:endParaRPr lang="ko-KR" altLang="en-US" b="1" dirty="0">
+              <a:solidFill>
+                <a:schemeClr val="tx1">
+                  <a:lumMod val="75000"/>
+                  <a:lumOff val="25000"/>
+                </a:schemeClr>
+              </a:solidFill>
+              <a:cs typeface="Arial" pitchFamily="34" charset="0"/>
+            </a:endParaRPr>
+          </a:p>
+        </p:txBody>
+      </p:sp>
+      <p:sp>
+        <p:nvSpPr>
+          <p:cNvPr id="4" name="TextBox 3">
+            <a:extLst>
+              <a:ext uri="{FF2B5EF4-FFF2-40B4-BE49-F238E27FC236}">
+                <a16:creationId xmlns:a16="http://schemas.microsoft.com/office/drawing/2014/main" id="{5EEA8BE5-EE99-1841-4EC3-A9B03C24EDB8}"/>
+              </a:ext>
+            </a:extLst>
+          </p:cNvPr>
+          <p:cNvSpPr txBox="1"/>
+          <p:nvPr/>
+        </p:nvSpPr>
+        <p:spPr>
+          <a:xfrm>
+            <a:off x="3047260" y="2969554"/>
+            <a:ext cx="6094520" cy="923330"/>
+          </a:xfrm>
+          <a:prstGeom prst="rect">
+            <a:avLst/>
+          </a:prstGeom>
+          <a:noFill/>
+        </p:spPr>
+        <p:txBody>
+          <a:bodyPr wrap="square">
+            <a:spAutoFit/>
+          </a:bodyPr>
+          <a:lstStyle/>
+          <a:p>
+            <a:r>
+              <a:rPr lang="en-US"/>
+              <a:t>Overview of top merchants based on sales volume and ratings.</a:t>
+            </a:r>
+          </a:p>
+          <a:p>
+            <a:r>
+              <a:rPr lang="en-US"/>
+              <a:t>Discuss any correlations between merchant performance and product sales.</a:t>
+            </a:r>
             <a:endParaRPr lang="en-FI"/>
           </a:p>
         </p:txBody>
@@ -21249,7 +21198,7 @@
     </p:spTree>
     <p:extLst>
       <p:ext uri="{BB962C8B-B14F-4D97-AF65-F5344CB8AC3E}">
-        <p14:creationId xmlns:p14="http://schemas.microsoft.com/office/powerpoint/2010/main" val="2130512849"/>
+        <p14:creationId xmlns:p14="http://schemas.microsoft.com/office/powerpoint/2010/main" val="1186589694"/>
       </p:ext>
     </p:extLst>
   </p:cSld>
@@ -22087,21 +22036,21 @@
 </file>
 
 <file path=customXml/item1.xml><?xml version="1.0" encoding="utf-8"?>
+<?mso-contentType ?>
+<FormTemplates xmlns="http://schemas.microsoft.com/sharepoint/v3/contenttype/forms">
+  <Display>DocumentLibraryForm</Display>
+  <Edit>DocumentLibraryForm</Edit>
+  <New>DocumentLibraryForm</New>
+</FormTemplates>
+</file>
+
+<file path=customXml/item2.xml><?xml version="1.0" encoding="utf-8"?>
 <p:properties xmlns:p="http://schemas.microsoft.com/office/2006/metadata/properties" xmlns:xsi="http://www.w3.org/2001/XMLSchema-instance" xmlns:pc="http://schemas.microsoft.com/office/infopath/2007/PartnerControls">
   <documentManagement>
     <Status xmlns="71af3243-3dd4-4a8d-8c0d-dd76da1f02a5">Not started</Status>
     <MediaServiceKeyPoints xmlns="71af3243-3dd4-4a8d-8c0d-dd76da1f02a5" xsi:nil="true"/>
   </documentManagement>
 </p:properties>
-</file>
-
-<file path=customXml/item2.xml><?xml version="1.0" encoding="utf-8"?>
-<?mso-contentType ?>
-<FormTemplates xmlns="http://schemas.microsoft.com/sharepoint/v3/contenttype/forms">
-  <Display>DocumentLibraryForm</Display>
-  <Edit>DocumentLibraryForm</Edit>
-  <New>DocumentLibraryForm</New>
-</FormTemplates>
 </file>
 
 <file path=customXml/item3.xml><?xml version="1.0" encoding="utf-8"?>
@@ -22326,19 +22275,19 @@
 </file>
 
 <file path=customXml/itemProps1.xml><?xml version="1.0" encoding="utf-8"?>
+<ds:datastoreItem xmlns:ds="http://schemas.openxmlformats.org/officeDocument/2006/customXml" ds:itemID="{C78ADAB2-5713-4CC8-B21C-AD74ED6A7DF7}">
+  <ds:schemaRefs>
+    <ds:schemaRef ds:uri="http://schemas.microsoft.com/sharepoint/v3/contenttype/forms"/>
+  </ds:schemaRefs>
+</ds:datastoreItem>
+</file>
+
+<file path=customXml/itemProps2.xml><?xml version="1.0" encoding="utf-8"?>
 <ds:datastoreItem xmlns:ds="http://schemas.openxmlformats.org/officeDocument/2006/customXml" ds:itemID="{98D3DDD6-8E74-4DF3-A7C9-6234C7DB3E79}">
   <ds:schemaRefs>
     <ds:schemaRef ds:uri="http://schemas.microsoft.com/office/2006/metadata/properties"/>
     <ds:schemaRef ds:uri="http://schemas.microsoft.com/office/infopath/2007/PartnerControls"/>
     <ds:schemaRef ds:uri="71af3243-3dd4-4a8d-8c0d-dd76da1f02a5"/>
-  </ds:schemaRefs>
-</ds:datastoreItem>
-</file>
-
-<file path=customXml/itemProps2.xml><?xml version="1.0" encoding="utf-8"?>
-<ds:datastoreItem xmlns:ds="http://schemas.openxmlformats.org/officeDocument/2006/customXml" ds:itemID="{C78ADAB2-5713-4CC8-B21C-AD74ED6A7DF7}">
-  <ds:schemaRefs>
-    <ds:schemaRef ds:uri="http://schemas.microsoft.com/sharepoint/v3/contenttype/forms"/>
   </ds:schemaRefs>
 </ds:datastoreItem>
 </file>
